--- a/20180625_能城_RxJSの紹介_図.pptx
+++ b/20180625_能城_RxJSの紹介_図.pptx
@@ -2,17 +2,18 @@
 <file path=ppt/presentation.xml><?xml version="1.0" encoding="utf-8"?>
 <p:presentation xmlns:a="http://schemas.openxmlformats.org/drawingml/2006/main" xmlns:r="http://schemas.openxmlformats.org/officeDocument/2006/relationships" xmlns:p="http://schemas.openxmlformats.org/presentationml/2006/main" showSpecialPlsOnTitleSld="0" saveSubsetFonts="1">
   <p:sldMasterIdLst>
-    <p:sldMasterId id="2147483660" r:id="rId1"/>
+    <p:sldMasterId id="2147483672" r:id="rId1"/>
   </p:sldMasterIdLst>
   <p:notesMasterIdLst>
-    <p:notesMasterId r:id="rId5"/>
+    <p:notesMasterId r:id="rId6"/>
   </p:notesMasterIdLst>
   <p:sldIdLst>
     <p:sldId id="327" r:id="rId2"/>
-    <p:sldId id="329" r:id="rId3"/>
-    <p:sldId id="330" r:id="rId4"/>
+    <p:sldId id="331" r:id="rId3"/>
+    <p:sldId id="329" r:id="rId4"/>
+    <p:sldId id="330" r:id="rId5"/>
   </p:sldIdLst>
-  <p:sldSz cx="9144000" cy="6858000" type="screen4x3"/>
+  <p:sldSz cx="6858000" cy="9144000" type="screen4x3"/>
   <p:notesSz cx="6858000" cy="9144000"/>
   <p:defaultTextStyle>
     <a:defPPr>
@@ -112,12 +113,12 @@
   <p:extLst>
     <p:ext uri="{EFAFB233-063F-42B5-8137-9DF3F51BA10A}">
       <p15:sldGuideLst xmlns:p15="http://schemas.microsoft.com/office/powerpoint/2012/main">
-        <p15:guide id="1" orient="horz" pos="2137" userDrawn="1">
+        <p15:guide id="1" orient="horz" pos="2849" userDrawn="1">
           <p15:clr>
             <a:srgbClr val="A4A3A4"/>
           </p15:clr>
         </p15:guide>
-        <p15:guide id="2" pos="2897" userDrawn="1">
+        <p15:guide id="2" pos="2177" userDrawn="1">
           <p15:clr>
             <a:srgbClr val="A4A3A4"/>
           </p15:clr>
@@ -228,8 +229,8 @@
         </p:nvSpPr>
         <p:spPr>
           <a:xfrm>
-            <a:off x="1371600" y="1143000"/>
-            <a:ext cx="4114800" cy="3086100"/>
+            <a:off x="2271713" y="1143000"/>
+            <a:ext cx="2314575" cy="3086100"/>
           </a:xfrm>
           <a:prstGeom prst="rect">
             <a:avLst/>
@@ -539,15 +540,15 @@
         </p:nvSpPr>
         <p:spPr>
           <a:xfrm>
-            <a:off x="685800" y="1122363"/>
-            <a:ext cx="7772400" cy="2387600"/>
+            <a:off x="514350" y="1496484"/>
+            <a:ext cx="5829300" cy="3183467"/>
           </a:xfrm>
         </p:spPr>
         <p:txBody>
           <a:bodyPr anchor="b"/>
           <a:lstStyle>
             <a:lvl1pPr algn="ctr">
-              <a:defRPr sz="6000"/>
+              <a:defRPr sz="4500"/>
             </a:lvl1pPr>
           </a:lstStyle>
           <a:p>
@@ -571,8 +572,8 @@
         </p:nvSpPr>
         <p:spPr>
           <a:xfrm>
-            <a:off x="1143000" y="3602038"/>
-            <a:ext cx="6858000" cy="1655762"/>
+            <a:off x="857250" y="4802717"/>
+            <a:ext cx="5143500" cy="2207683"/>
           </a:xfrm>
         </p:spPr>
         <p:txBody>
@@ -580,39 +581,39 @@
           <a:lstStyle>
             <a:lvl1pPr marL="0" indent="0" algn="ctr">
               <a:buNone/>
-              <a:defRPr sz="2400"/>
+              <a:defRPr sz="1800"/>
             </a:lvl1pPr>
-            <a:lvl2pPr marL="457200" indent="0" algn="ctr">
+            <a:lvl2pPr marL="342900" indent="0" algn="ctr">
               <a:buNone/>
-              <a:defRPr sz="2000"/>
+              <a:defRPr sz="1500"/>
             </a:lvl2pPr>
-            <a:lvl3pPr marL="914400" indent="0" algn="ctr">
+            <a:lvl3pPr marL="685800" indent="0" algn="ctr">
               <a:buNone/>
-              <a:defRPr sz="1800"/>
+              <a:defRPr sz="1350"/>
             </a:lvl3pPr>
-            <a:lvl4pPr marL="1371600" indent="0" algn="ctr">
+            <a:lvl4pPr marL="1028700" indent="0" algn="ctr">
               <a:buNone/>
-              <a:defRPr sz="1600"/>
+              <a:defRPr sz="1200"/>
             </a:lvl4pPr>
-            <a:lvl5pPr marL="1828800" indent="0" algn="ctr">
+            <a:lvl5pPr marL="1371600" indent="0" algn="ctr">
               <a:buNone/>
-              <a:defRPr sz="1600"/>
+              <a:defRPr sz="1200"/>
             </a:lvl5pPr>
-            <a:lvl6pPr marL="2286000" indent="0" algn="ctr">
+            <a:lvl6pPr marL="1714500" indent="0" algn="ctr">
               <a:buNone/>
-              <a:defRPr sz="1600"/>
+              <a:defRPr sz="1200"/>
             </a:lvl6pPr>
-            <a:lvl7pPr marL="2743200" indent="0" algn="ctr">
+            <a:lvl7pPr marL="2057400" indent="0" algn="ctr">
               <a:buNone/>
-              <a:defRPr sz="1600"/>
+              <a:defRPr sz="1200"/>
             </a:lvl7pPr>
-            <a:lvl8pPr marL="3200400" indent="0" algn="ctr">
+            <a:lvl8pPr marL="2400300" indent="0" algn="ctr">
               <a:buNone/>
-              <a:defRPr sz="1600"/>
+              <a:defRPr sz="1200"/>
             </a:lvl8pPr>
-            <a:lvl9pPr marL="3657600" indent="0" algn="ctr">
+            <a:lvl9pPr marL="2743200" indent="0" algn="ctr">
               <a:buNone/>
-              <a:defRPr sz="1600"/>
+              <a:defRPr sz="1200"/>
             </a:lvl9pPr>
           </a:lstStyle>
           <a:p>
@@ -692,7 +693,7 @@
     </p:spTree>
     <p:extLst>
       <p:ext uri="{BB962C8B-B14F-4D97-AF65-F5344CB8AC3E}">
-        <p14:creationId xmlns:p14="http://schemas.microsoft.com/office/powerpoint/2010/main" val="497437634"/>
+        <p14:creationId xmlns:p14="http://schemas.microsoft.com/office/powerpoint/2010/main" val="1740203438"/>
       </p:ext>
     </p:extLst>
   </p:cSld>
@@ -894,7 +895,7 @@
     </p:spTree>
     <p:extLst>
       <p:ext uri="{BB962C8B-B14F-4D97-AF65-F5344CB8AC3E}">
-        <p14:creationId xmlns:p14="http://schemas.microsoft.com/office/powerpoint/2010/main" val="2517091531"/>
+        <p14:creationId xmlns:p14="http://schemas.microsoft.com/office/powerpoint/2010/main" val="1752806616"/>
       </p:ext>
     </p:extLst>
   </p:cSld>
@@ -933,8 +934,8 @@
         </p:nvSpPr>
         <p:spPr>
           <a:xfrm>
-            <a:off x="6543675" y="365125"/>
-            <a:ext cx="1971675" cy="5811838"/>
+            <a:off x="4907757" y="486834"/>
+            <a:ext cx="1478756" cy="7749117"/>
           </a:xfrm>
         </p:spPr>
         <p:txBody>
@@ -961,8 +962,8 @@
         </p:nvSpPr>
         <p:spPr>
           <a:xfrm>
-            <a:off x="628650" y="365125"/>
-            <a:ext cx="5800725" cy="5811838"/>
+            <a:off x="471488" y="486834"/>
+            <a:ext cx="4350544" cy="7749117"/>
           </a:xfrm>
         </p:spPr>
         <p:txBody>
@@ -1106,7 +1107,7 @@
     </p:spTree>
     <p:extLst>
       <p:ext uri="{BB962C8B-B14F-4D97-AF65-F5344CB8AC3E}">
-        <p14:creationId xmlns:p14="http://schemas.microsoft.com/office/powerpoint/2010/main" val="2370672489"/>
+        <p14:creationId xmlns:p14="http://schemas.microsoft.com/office/powerpoint/2010/main" val="2799602966"/>
       </p:ext>
     </p:extLst>
   </p:cSld>
@@ -1308,7 +1309,7 @@
     </p:spTree>
     <p:extLst>
       <p:ext uri="{BB962C8B-B14F-4D97-AF65-F5344CB8AC3E}">
-        <p14:creationId xmlns:p14="http://schemas.microsoft.com/office/powerpoint/2010/main" val="1921656247"/>
+        <p14:creationId xmlns:p14="http://schemas.microsoft.com/office/powerpoint/2010/main" val="1371699713"/>
       </p:ext>
     </p:extLst>
   </p:cSld>
@@ -1347,15 +1348,15 @@
         </p:nvSpPr>
         <p:spPr>
           <a:xfrm>
-            <a:off x="623888" y="1709739"/>
-            <a:ext cx="7886700" cy="2852737"/>
+            <a:off x="467916" y="2279653"/>
+            <a:ext cx="5915025" cy="3803649"/>
           </a:xfrm>
         </p:spPr>
         <p:txBody>
           <a:bodyPr anchor="b"/>
           <a:lstStyle>
             <a:lvl1pPr>
-              <a:defRPr sz="6000"/>
+              <a:defRPr sz="4500"/>
             </a:lvl1pPr>
           </a:lstStyle>
           <a:p>
@@ -1379,8 +1380,8 @@
         </p:nvSpPr>
         <p:spPr>
           <a:xfrm>
-            <a:off x="623888" y="4589464"/>
-            <a:ext cx="7886700" cy="1500187"/>
+            <a:off x="467916" y="6119286"/>
+            <a:ext cx="5915025" cy="2000249"/>
           </a:xfrm>
         </p:spPr>
         <p:txBody>
@@ -1388,15 +1389,15 @@
           <a:lstStyle>
             <a:lvl1pPr marL="0" indent="0">
               <a:buNone/>
-              <a:defRPr sz="2400">
+              <a:defRPr sz="1800">
                 <a:solidFill>
                   <a:schemeClr val="tx1"/>
                 </a:solidFill>
               </a:defRPr>
             </a:lvl1pPr>
-            <a:lvl2pPr marL="457200" indent="0">
+            <a:lvl2pPr marL="342900" indent="0">
               <a:buNone/>
-              <a:defRPr sz="2000">
+              <a:defRPr sz="1500">
                 <a:solidFill>
                   <a:schemeClr val="tx1">
                     <a:tint val="75000"/>
@@ -1404,9 +1405,9 @@
                 </a:solidFill>
               </a:defRPr>
             </a:lvl2pPr>
-            <a:lvl3pPr marL="914400" indent="0">
+            <a:lvl3pPr marL="685800" indent="0">
               <a:buNone/>
-              <a:defRPr sz="1800">
+              <a:defRPr sz="1350">
                 <a:solidFill>
                   <a:schemeClr val="tx1">
                     <a:tint val="75000"/>
@@ -1414,9 +1415,9 @@
                 </a:solidFill>
               </a:defRPr>
             </a:lvl3pPr>
-            <a:lvl4pPr marL="1371600" indent="0">
+            <a:lvl4pPr marL="1028700" indent="0">
               <a:buNone/>
-              <a:defRPr sz="1600">
+              <a:defRPr sz="1200">
                 <a:solidFill>
                   <a:schemeClr val="tx1">
                     <a:tint val="75000"/>
@@ -1424,9 +1425,9 @@
                 </a:solidFill>
               </a:defRPr>
             </a:lvl4pPr>
-            <a:lvl5pPr marL="1828800" indent="0">
+            <a:lvl5pPr marL="1371600" indent="0">
               <a:buNone/>
-              <a:defRPr sz="1600">
+              <a:defRPr sz="1200">
                 <a:solidFill>
                   <a:schemeClr val="tx1">
                     <a:tint val="75000"/>
@@ -1434,9 +1435,9 @@
                 </a:solidFill>
               </a:defRPr>
             </a:lvl5pPr>
-            <a:lvl6pPr marL="2286000" indent="0">
+            <a:lvl6pPr marL="1714500" indent="0">
               <a:buNone/>
-              <a:defRPr sz="1600">
+              <a:defRPr sz="1200">
                 <a:solidFill>
                   <a:schemeClr val="tx1">
                     <a:tint val="75000"/>
@@ -1444,9 +1445,9 @@
                 </a:solidFill>
               </a:defRPr>
             </a:lvl6pPr>
-            <a:lvl7pPr marL="2743200" indent="0">
+            <a:lvl7pPr marL="2057400" indent="0">
               <a:buNone/>
-              <a:defRPr sz="1600">
+              <a:defRPr sz="1200">
                 <a:solidFill>
                   <a:schemeClr val="tx1">
                     <a:tint val="75000"/>
@@ -1454,9 +1455,9 @@
                 </a:solidFill>
               </a:defRPr>
             </a:lvl7pPr>
-            <a:lvl8pPr marL="3200400" indent="0">
+            <a:lvl8pPr marL="2400300" indent="0">
               <a:buNone/>
-              <a:defRPr sz="1600">
+              <a:defRPr sz="1200">
                 <a:solidFill>
                   <a:schemeClr val="tx1">
                     <a:tint val="75000"/>
@@ -1464,9 +1465,9 @@
                 </a:solidFill>
               </a:defRPr>
             </a:lvl8pPr>
-            <a:lvl9pPr marL="3657600" indent="0">
+            <a:lvl9pPr marL="2743200" indent="0">
               <a:buNone/>
-              <a:defRPr sz="1600">
+              <a:defRPr sz="1200">
                 <a:solidFill>
                   <a:schemeClr val="tx1">
                     <a:tint val="75000"/>
@@ -1552,7 +1553,7 @@
     </p:spTree>
     <p:extLst>
       <p:ext uri="{BB962C8B-B14F-4D97-AF65-F5344CB8AC3E}">
-        <p14:creationId xmlns:p14="http://schemas.microsoft.com/office/powerpoint/2010/main" val="134679658"/>
+        <p14:creationId xmlns:p14="http://schemas.microsoft.com/office/powerpoint/2010/main" val="3507943882"/>
       </p:ext>
     </p:extLst>
   </p:cSld>
@@ -1614,8 +1615,8 @@
         </p:nvSpPr>
         <p:spPr>
           <a:xfrm>
-            <a:off x="628650" y="1825625"/>
-            <a:ext cx="3886200" cy="4351338"/>
+            <a:off x="471488" y="2434167"/>
+            <a:ext cx="2914650" cy="5801784"/>
           </a:xfrm>
         </p:spPr>
         <p:txBody>
@@ -1703,8 +1704,8 @@
         </p:nvSpPr>
         <p:spPr>
           <a:xfrm>
-            <a:off x="4629150" y="1825625"/>
-            <a:ext cx="3886200" cy="4351338"/>
+            <a:off x="3471863" y="2434167"/>
+            <a:ext cx="2914650" cy="5801784"/>
           </a:xfrm>
         </p:spPr>
         <p:txBody>
@@ -1848,7 +1849,7 @@
     </p:spTree>
     <p:extLst>
       <p:ext uri="{BB962C8B-B14F-4D97-AF65-F5344CB8AC3E}">
-        <p14:creationId xmlns:p14="http://schemas.microsoft.com/office/powerpoint/2010/main" val="494380446"/>
+        <p14:creationId xmlns:p14="http://schemas.microsoft.com/office/powerpoint/2010/main" val="1495961469"/>
       </p:ext>
     </p:extLst>
   </p:cSld>
@@ -1887,8 +1888,8 @@
         </p:nvSpPr>
         <p:spPr>
           <a:xfrm>
-            <a:off x="629841" y="365126"/>
-            <a:ext cx="7886700" cy="1325563"/>
+            <a:off x="472381" y="486836"/>
+            <a:ext cx="5915025" cy="1767417"/>
           </a:xfrm>
         </p:spPr>
         <p:txBody>
@@ -1915,8 +1916,8 @@
         </p:nvSpPr>
         <p:spPr>
           <a:xfrm>
-            <a:off x="629842" y="1681163"/>
-            <a:ext cx="3868340" cy="823912"/>
+            <a:off x="472381" y="2241551"/>
+            <a:ext cx="2901255" cy="1098549"/>
           </a:xfrm>
         </p:spPr>
         <p:txBody>
@@ -1924,39 +1925,39 @@
           <a:lstStyle>
             <a:lvl1pPr marL="0" indent="0">
               <a:buNone/>
-              <a:defRPr sz="2400" b="1"/>
+              <a:defRPr sz="1800" b="1"/>
             </a:lvl1pPr>
-            <a:lvl2pPr marL="457200" indent="0">
+            <a:lvl2pPr marL="342900" indent="0">
               <a:buNone/>
-              <a:defRPr sz="2000" b="1"/>
+              <a:defRPr sz="1500" b="1"/>
             </a:lvl2pPr>
-            <a:lvl3pPr marL="914400" indent="0">
+            <a:lvl3pPr marL="685800" indent="0">
               <a:buNone/>
-              <a:defRPr sz="1800" b="1"/>
+              <a:defRPr sz="1350" b="1"/>
             </a:lvl3pPr>
-            <a:lvl4pPr marL="1371600" indent="0">
+            <a:lvl4pPr marL="1028700" indent="0">
               <a:buNone/>
-              <a:defRPr sz="1600" b="1"/>
+              <a:defRPr sz="1200" b="1"/>
             </a:lvl4pPr>
-            <a:lvl5pPr marL="1828800" indent="0">
+            <a:lvl5pPr marL="1371600" indent="0">
               <a:buNone/>
-              <a:defRPr sz="1600" b="1"/>
+              <a:defRPr sz="1200" b="1"/>
             </a:lvl5pPr>
-            <a:lvl6pPr marL="2286000" indent="0">
+            <a:lvl6pPr marL="1714500" indent="0">
               <a:buNone/>
-              <a:defRPr sz="1600" b="1"/>
+              <a:defRPr sz="1200" b="1"/>
             </a:lvl6pPr>
-            <a:lvl7pPr marL="2743200" indent="0">
+            <a:lvl7pPr marL="2057400" indent="0">
               <a:buNone/>
-              <a:defRPr sz="1600" b="1"/>
+              <a:defRPr sz="1200" b="1"/>
             </a:lvl7pPr>
-            <a:lvl8pPr marL="3200400" indent="0">
+            <a:lvl8pPr marL="2400300" indent="0">
               <a:buNone/>
-              <a:defRPr sz="1600" b="1"/>
+              <a:defRPr sz="1200" b="1"/>
             </a:lvl8pPr>
-            <a:lvl9pPr marL="3657600" indent="0">
+            <a:lvl9pPr marL="2743200" indent="0">
               <a:buNone/>
-              <a:defRPr sz="1600" b="1"/>
+              <a:defRPr sz="1200" b="1"/>
             </a:lvl9pPr>
           </a:lstStyle>
           <a:p>
@@ -1980,8 +1981,8 @@
         </p:nvSpPr>
         <p:spPr>
           <a:xfrm>
-            <a:off x="629842" y="2505075"/>
-            <a:ext cx="3868340" cy="3684588"/>
+            <a:off x="472381" y="3340100"/>
+            <a:ext cx="2901255" cy="4912784"/>
           </a:xfrm>
         </p:spPr>
         <p:txBody>
@@ -2069,8 +2070,8 @@
         </p:nvSpPr>
         <p:spPr>
           <a:xfrm>
-            <a:off x="4629150" y="1681163"/>
-            <a:ext cx="3887391" cy="823912"/>
+            <a:off x="3471863" y="2241551"/>
+            <a:ext cx="2915543" cy="1098549"/>
           </a:xfrm>
         </p:spPr>
         <p:txBody>
@@ -2078,39 +2079,39 @@
           <a:lstStyle>
             <a:lvl1pPr marL="0" indent="0">
               <a:buNone/>
-              <a:defRPr sz="2400" b="1"/>
+              <a:defRPr sz="1800" b="1"/>
             </a:lvl1pPr>
-            <a:lvl2pPr marL="457200" indent="0">
+            <a:lvl2pPr marL="342900" indent="0">
               <a:buNone/>
-              <a:defRPr sz="2000" b="1"/>
+              <a:defRPr sz="1500" b="1"/>
             </a:lvl2pPr>
-            <a:lvl3pPr marL="914400" indent="0">
+            <a:lvl3pPr marL="685800" indent="0">
               <a:buNone/>
-              <a:defRPr sz="1800" b="1"/>
+              <a:defRPr sz="1350" b="1"/>
             </a:lvl3pPr>
-            <a:lvl4pPr marL="1371600" indent="0">
+            <a:lvl4pPr marL="1028700" indent="0">
               <a:buNone/>
-              <a:defRPr sz="1600" b="1"/>
+              <a:defRPr sz="1200" b="1"/>
             </a:lvl4pPr>
-            <a:lvl5pPr marL="1828800" indent="0">
+            <a:lvl5pPr marL="1371600" indent="0">
               <a:buNone/>
-              <a:defRPr sz="1600" b="1"/>
+              <a:defRPr sz="1200" b="1"/>
             </a:lvl5pPr>
-            <a:lvl6pPr marL="2286000" indent="0">
+            <a:lvl6pPr marL="1714500" indent="0">
               <a:buNone/>
-              <a:defRPr sz="1600" b="1"/>
+              <a:defRPr sz="1200" b="1"/>
             </a:lvl6pPr>
-            <a:lvl7pPr marL="2743200" indent="0">
+            <a:lvl7pPr marL="2057400" indent="0">
               <a:buNone/>
-              <a:defRPr sz="1600" b="1"/>
+              <a:defRPr sz="1200" b="1"/>
             </a:lvl7pPr>
-            <a:lvl8pPr marL="3200400" indent="0">
+            <a:lvl8pPr marL="2400300" indent="0">
               <a:buNone/>
-              <a:defRPr sz="1600" b="1"/>
+              <a:defRPr sz="1200" b="1"/>
             </a:lvl8pPr>
-            <a:lvl9pPr marL="3657600" indent="0">
+            <a:lvl9pPr marL="2743200" indent="0">
               <a:buNone/>
-              <a:defRPr sz="1600" b="1"/>
+              <a:defRPr sz="1200" b="1"/>
             </a:lvl9pPr>
           </a:lstStyle>
           <a:p>
@@ -2134,8 +2135,8 @@
         </p:nvSpPr>
         <p:spPr>
           <a:xfrm>
-            <a:off x="4629150" y="2505075"/>
-            <a:ext cx="3887391" cy="3684588"/>
+            <a:off x="3471863" y="3340100"/>
+            <a:ext cx="2915543" cy="4912784"/>
           </a:xfrm>
         </p:spPr>
         <p:txBody>
@@ -2279,7 +2280,7 @@
     </p:spTree>
     <p:extLst>
       <p:ext uri="{BB962C8B-B14F-4D97-AF65-F5344CB8AC3E}">
-        <p14:creationId xmlns:p14="http://schemas.microsoft.com/office/powerpoint/2010/main" val="3274876983"/>
+        <p14:creationId xmlns:p14="http://schemas.microsoft.com/office/powerpoint/2010/main" val="2259290728"/>
       </p:ext>
     </p:extLst>
   </p:cSld>
@@ -2397,7 +2398,7 @@
     </p:spTree>
     <p:extLst>
       <p:ext uri="{BB962C8B-B14F-4D97-AF65-F5344CB8AC3E}">
-        <p14:creationId xmlns:p14="http://schemas.microsoft.com/office/powerpoint/2010/main" val="4133619745"/>
+        <p14:creationId xmlns:p14="http://schemas.microsoft.com/office/powerpoint/2010/main" val="3532666500"/>
       </p:ext>
     </p:extLst>
   </p:cSld>
@@ -2492,7 +2493,7 @@
     </p:spTree>
     <p:extLst>
       <p:ext uri="{BB962C8B-B14F-4D97-AF65-F5344CB8AC3E}">
-        <p14:creationId xmlns:p14="http://schemas.microsoft.com/office/powerpoint/2010/main" val="3720261934"/>
+        <p14:creationId xmlns:p14="http://schemas.microsoft.com/office/powerpoint/2010/main" val="1213570074"/>
       </p:ext>
     </p:extLst>
   </p:cSld>
@@ -2531,15 +2532,15 @@
         </p:nvSpPr>
         <p:spPr>
           <a:xfrm>
-            <a:off x="629841" y="457200"/>
-            <a:ext cx="2949178" cy="1600200"/>
+            <a:off x="472381" y="609600"/>
+            <a:ext cx="2211884" cy="2133600"/>
           </a:xfrm>
         </p:spPr>
         <p:txBody>
           <a:bodyPr anchor="b"/>
           <a:lstStyle>
             <a:lvl1pPr>
-              <a:defRPr sz="3200"/>
+              <a:defRPr sz="2400"/>
             </a:lvl1pPr>
           </a:lstStyle>
           <a:p>
@@ -2563,39 +2564,39 @@
         </p:nvSpPr>
         <p:spPr>
           <a:xfrm>
-            <a:off x="3887391" y="987426"/>
-            <a:ext cx="4629150" cy="4873625"/>
+            <a:off x="2915543" y="1316569"/>
+            <a:ext cx="3471863" cy="6498167"/>
           </a:xfrm>
         </p:spPr>
         <p:txBody>
           <a:bodyPr/>
           <a:lstStyle>
             <a:lvl1pPr>
-              <a:defRPr sz="3200"/>
+              <a:defRPr sz="2400"/>
             </a:lvl1pPr>
             <a:lvl2pPr>
-              <a:defRPr sz="2800"/>
+              <a:defRPr sz="2100"/>
             </a:lvl2pPr>
             <a:lvl3pPr>
-              <a:defRPr sz="2400"/>
+              <a:defRPr sz="1800"/>
             </a:lvl3pPr>
             <a:lvl4pPr>
-              <a:defRPr sz="2000"/>
+              <a:defRPr sz="1500"/>
             </a:lvl4pPr>
             <a:lvl5pPr>
-              <a:defRPr sz="2000"/>
+              <a:defRPr sz="1500"/>
             </a:lvl5pPr>
             <a:lvl6pPr>
-              <a:defRPr sz="2000"/>
+              <a:defRPr sz="1500"/>
             </a:lvl6pPr>
             <a:lvl7pPr>
-              <a:defRPr sz="2000"/>
+              <a:defRPr sz="1500"/>
             </a:lvl7pPr>
             <a:lvl8pPr>
-              <a:defRPr sz="2000"/>
+              <a:defRPr sz="1500"/>
             </a:lvl8pPr>
             <a:lvl9pPr>
-              <a:defRPr sz="2000"/>
+              <a:defRPr sz="1500"/>
             </a:lvl9pPr>
           </a:lstStyle>
           <a:p>
@@ -2680,8 +2681,8 @@
         </p:nvSpPr>
         <p:spPr>
           <a:xfrm>
-            <a:off x="629841" y="2057400"/>
-            <a:ext cx="2949178" cy="3811588"/>
+            <a:off x="472381" y="2743200"/>
+            <a:ext cx="2211884" cy="5082117"/>
           </a:xfrm>
         </p:spPr>
         <p:txBody>
@@ -2689,39 +2690,39 @@
           <a:lstStyle>
             <a:lvl1pPr marL="0" indent="0">
               <a:buNone/>
-              <a:defRPr sz="1600"/>
+              <a:defRPr sz="1200"/>
             </a:lvl1pPr>
-            <a:lvl2pPr marL="457200" indent="0">
+            <a:lvl2pPr marL="342900" indent="0">
               <a:buNone/>
-              <a:defRPr sz="1400"/>
+              <a:defRPr sz="1050"/>
             </a:lvl2pPr>
-            <a:lvl3pPr marL="914400" indent="0">
+            <a:lvl3pPr marL="685800" indent="0">
               <a:buNone/>
-              <a:defRPr sz="1200"/>
+              <a:defRPr sz="900"/>
             </a:lvl3pPr>
-            <a:lvl4pPr marL="1371600" indent="0">
+            <a:lvl4pPr marL="1028700" indent="0">
               <a:buNone/>
-              <a:defRPr sz="1000"/>
+              <a:defRPr sz="750"/>
             </a:lvl4pPr>
-            <a:lvl5pPr marL="1828800" indent="0">
+            <a:lvl5pPr marL="1371600" indent="0">
               <a:buNone/>
-              <a:defRPr sz="1000"/>
+              <a:defRPr sz="750"/>
             </a:lvl5pPr>
-            <a:lvl6pPr marL="2286000" indent="0">
+            <a:lvl6pPr marL="1714500" indent="0">
               <a:buNone/>
-              <a:defRPr sz="1000"/>
+              <a:defRPr sz="750"/>
             </a:lvl6pPr>
-            <a:lvl7pPr marL="2743200" indent="0">
+            <a:lvl7pPr marL="2057400" indent="0">
               <a:buNone/>
-              <a:defRPr sz="1000"/>
+              <a:defRPr sz="750"/>
             </a:lvl7pPr>
-            <a:lvl8pPr marL="3200400" indent="0">
+            <a:lvl8pPr marL="2400300" indent="0">
               <a:buNone/>
-              <a:defRPr sz="1000"/>
+              <a:defRPr sz="750"/>
             </a:lvl8pPr>
-            <a:lvl9pPr marL="3657600" indent="0">
+            <a:lvl9pPr marL="2743200" indent="0">
               <a:buNone/>
-              <a:defRPr sz="1000"/>
+              <a:defRPr sz="750"/>
             </a:lvl9pPr>
           </a:lstStyle>
           <a:p>
@@ -2801,7 +2802,7 @@
     </p:spTree>
     <p:extLst>
       <p:ext uri="{BB962C8B-B14F-4D97-AF65-F5344CB8AC3E}">
-        <p14:creationId xmlns:p14="http://schemas.microsoft.com/office/powerpoint/2010/main" val="1320272744"/>
+        <p14:creationId xmlns:p14="http://schemas.microsoft.com/office/powerpoint/2010/main" val="2882376320"/>
       </p:ext>
     </p:extLst>
   </p:cSld>
@@ -2840,15 +2841,15 @@
         </p:nvSpPr>
         <p:spPr>
           <a:xfrm>
-            <a:off x="629841" y="457200"/>
-            <a:ext cx="2949178" cy="1600200"/>
+            <a:off x="472381" y="609600"/>
+            <a:ext cx="2211884" cy="2133600"/>
           </a:xfrm>
         </p:spPr>
         <p:txBody>
           <a:bodyPr anchor="b"/>
           <a:lstStyle>
             <a:lvl1pPr>
-              <a:defRPr sz="3200"/>
+              <a:defRPr sz="2400"/>
             </a:lvl1pPr>
           </a:lstStyle>
           <a:p>
@@ -2872,8 +2873,8 @@
         </p:nvSpPr>
         <p:spPr>
           <a:xfrm>
-            <a:off x="3887391" y="987426"/>
-            <a:ext cx="4629150" cy="4873625"/>
+            <a:off x="2915543" y="1316569"/>
+            <a:ext cx="3471863" cy="6498167"/>
           </a:xfrm>
         </p:spPr>
         <p:txBody>
@@ -2881,39 +2882,39 @@
           <a:lstStyle>
             <a:lvl1pPr marL="0" indent="0">
               <a:buNone/>
-              <a:defRPr sz="3200"/>
+              <a:defRPr sz="2400"/>
             </a:lvl1pPr>
-            <a:lvl2pPr marL="457200" indent="0">
+            <a:lvl2pPr marL="342900" indent="0">
               <a:buNone/>
-              <a:defRPr sz="2800"/>
+              <a:defRPr sz="2100"/>
             </a:lvl2pPr>
-            <a:lvl3pPr marL="914400" indent="0">
+            <a:lvl3pPr marL="685800" indent="0">
               <a:buNone/>
-              <a:defRPr sz="2400"/>
+              <a:defRPr sz="1800"/>
             </a:lvl3pPr>
-            <a:lvl4pPr marL="1371600" indent="0">
+            <a:lvl4pPr marL="1028700" indent="0">
               <a:buNone/>
-              <a:defRPr sz="2000"/>
+              <a:defRPr sz="1500"/>
             </a:lvl4pPr>
-            <a:lvl5pPr marL="1828800" indent="0">
+            <a:lvl5pPr marL="1371600" indent="0">
               <a:buNone/>
-              <a:defRPr sz="2000"/>
+              <a:defRPr sz="1500"/>
             </a:lvl5pPr>
-            <a:lvl6pPr marL="2286000" indent="0">
+            <a:lvl6pPr marL="1714500" indent="0">
               <a:buNone/>
-              <a:defRPr sz="2000"/>
+              <a:defRPr sz="1500"/>
             </a:lvl6pPr>
-            <a:lvl7pPr marL="2743200" indent="0">
+            <a:lvl7pPr marL="2057400" indent="0">
               <a:buNone/>
-              <a:defRPr sz="2000"/>
+              <a:defRPr sz="1500"/>
             </a:lvl7pPr>
-            <a:lvl8pPr marL="3200400" indent="0">
+            <a:lvl8pPr marL="2400300" indent="0">
               <a:buNone/>
-              <a:defRPr sz="2000"/>
+              <a:defRPr sz="1500"/>
             </a:lvl8pPr>
-            <a:lvl9pPr marL="3657600" indent="0">
+            <a:lvl9pPr marL="2743200" indent="0">
               <a:buNone/>
-              <a:defRPr sz="2000"/>
+              <a:defRPr sz="1500"/>
             </a:lvl9pPr>
           </a:lstStyle>
           <a:p>
@@ -2937,8 +2938,8 @@
         </p:nvSpPr>
         <p:spPr>
           <a:xfrm>
-            <a:off x="629841" y="2057400"/>
-            <a:ext cx="2949178" cy="3811588"/>
+            <a:off x="472381" y="2743200"/>
+            <a:ext cx="2211884" cy="5082117"/>
           </a:xfrm>
         </p:spPr>
         <p:txBody>
@@ -2946,39 +2947,39 @@
           <a:lstStyle>
             <a:lvl1pPr marL="0" indent="0">
               <a:buNone/>
-              <a:defRPr sz="1600"/>
+              <a:defRPr sz="1200"/>
             </a:lvl1pPr>
-            <a:lvl2pPr marL="457200" indent="0">
+            <a:lvl2pPr marL="342900" indent="0">
               <a:buNone/>
-              <a:defRPr sz="1400"/>
+              <a:defRPr sz="1050"/>
             </a:lvl2pPr>
-            <a:lvl3pPr marL="914400" indent="0">
+            <a:lvl3pPr marL="685800" indent="0">
               <a:buNone/>
-              <a:defRPr sz="1200"/>
+              <a:defRPr sz="900"/>
             </a:lvl3pPr>
-            <a:lvl4pPr marL="1371600" indent="0">
+            <a:lvl4pPr marL="1028700" indent="0">
               <a:buNone/>
-              <a:defRPr sz="1000"/>
+              <a:defRPr sz="750"/>
             </a:lvl4pPr>
-            <a:lvl5pPr marL="1828800" indent="0">
+            <a:lvl5pPr marL="1371600" indent="0">
               <a:buNone/>
-              <a:defRPr sz="1000"/>
+              <a:defRPr sz="750"/>
             </a:lvl5pPr>
-            <a:lvl6pPr marL="2286000" indent="0">
+            <a:lvl6pPr marL="1714500" indent="0">
               <a:buNone/>
-              <a:defRPr sz="1000"/>
+              <a:defRPr sz="750"/>
             </a:lvl6pPr>
-            <a:lvl7pPr marL="2743200" indent="0">
+            <a:lvl7pPr marL="2057400" indent="0">
               <a:buNone/>
-              <a:defRPr sz="1000"/>
+              <a:defRPr sz="750"/>
             </a:lvl7pPr>
-            <a:lvl8pPr marL="3200400" indent="0">
+            <a:lvl8pPr marL="2400300" indent="0">
               <a:buNone/>
-              <a:defRPr sz="1000"/>
+              <a:defRPr sz="750"/>
             </a:lvl8pPr>
-            <a:lvl9pPr marL="3657600" indent="0">
+            <a:lvl9pPr marL="2743200" indent="0">
               <a:buNone/>
-              <a:defRPr sz="1000"/>
+              <a:defRPr sz="750"/>
             </a:lvl9pPr>
           </a:lstStyle>
           <a:p>
@@ -3058,7 +3059,7 @@
     </p:spTree>
     <p:extLst>
       <p:ext uri="{BB962C8B-B14F-4D97-AF65-F5344CB8AC3E}">
-        <p14:creationId xmlns:p14="http://schemas.microsoft.com/office/powerpoint/2010/main" val="2614127609"/>
+        <p14:creationId xmlns:p14="http://schemas.microsoft.com/office/powerpoint/2010/main" val="4000762456"/>
       </p:ext>
     </p:extLst>
   </p:cSld>
@@ -3102,8 +3103,8 @@
         </p:nvSpPr>
         <p:spPr>
           <a:xfrm>
-            <a:off x="628650" y="365126"/>
-            <a:ext cx="7886700" cy="1325563"/>
+            <a:off x="471488" y="486836"/>
+            <a:ext cx="5915025" cy="1767417"/>
           </a:xfrm>
           <a:prstGeom prst="rect">
             <a:avLst/>
@@ -3135,8 +3136,8 @@
         </p:nvSpPr>
         <p:spPr>
           <a:xfrm>
-            <a:off x="628650" y="1825625"/>
-            <a:ext cx="7886700" cy="4351338"/>
+            <a:off x="471488" y="2434167"/>
+            <a:ext cx="5915025" cy="5801784"/>
           </a:xfrm>
           <a:prstGeom prst="rect">
             <a:avLst/>
@@ -3229,8 +3230,8 @@
         </p:nvSpPr>
         <p:spPr>
           <a:xfrm>
-            <a:off x="628650" y="6356351"/>
-            <a:ext cx="2057400" cy="365125"/>
+            <a:off x="471488" y="8475136"/>
+            <a:ext cx="1543050" cy="486833"/>
           </a:xfrm>
           <a:prstGeom prst="rect">
             <a:avLst/>
@@ -3240,7 +3241,7 @@
           <a:bodyPr vert="horz" lIns="91440" tIns="45720" rIns="91440" bIns="45720" rtlCol="0" anchor="ctr"/>
           <a:lstStyle>
             <a:lvl1pPr algn="l">
-              <a:defRPr sz="1200">
+              <a:defRPr sz="900">
                 <a:solidFill>
                   <a:schemeClr val="tx1">
                     <a:tint val="75000"/>
@@ -3270,8 +3271,8 @@
         </p:nvSpPr>
         <p:spPr>
           <a:xfrm>
-            <a:off x="3028950" y="6356351"/>
-            <a:ext cx="3086100" cy="365125"/>
+            <a:off x="2271713" y="8475136"/>
+            <a:ext cx="2314575" cy="486833"/>
           </a:xfrm>
           <a:prstGeom prst="rect">
             <a:avLst/>
@@ -3281,7 +3282,7 @@
           <a:bodyPr vert="horz" lIns="91440" tIns="45720" rIns="91440" bIns="45720" rtlCol="0" anchor="ctr"/>
           <a:lstStyle>
             <a:lvl1pPr algn="ctr">
-              <a:defRPr sz="1200">
+              <a:defRPr sz="900">
                 <a:solidFill>
                   <a:schemeClr val="tx1">
                     <a:tint val="75000"/>
@@ -3307,8 +3308,8 @@
         </p:nvSpPr>
         <p:spPr>
           <a:xfrm>
-            <a:off x="6457950" y="6356351"/>
-            <a:ext cx="2057400" cy="365125"/>
+            <a:off x="4843463" y="8475136"/>
+            <a:ext cx="1543050" cy="486833"/>
           </a:xfrm>
           <a:prstGeom prst="rect">
             <a:avLst/>
@@ -3318,7 +3319,7 @@
           <a:bodyPr vert="horz" lIns="91440" tIns="45720" rIns="91440" bIns="45720" rtlCol="0" anchor="ctr"/>
           <a:lstStyle>
             <a:lvl1pPr algn="r">
-              <a:defRPr sz="1200">
+              <a:defRPr sz="900">
                 <a:solidFill>
                   <a:schemeClr val="tx1">
                     <a:tint val="75000"/>
@@ -3339,28 +3340,28 @@
     </p:spTree>
     <p:extLst>
       <p:ext uri="{BB962C8B-B14F-4D97-AF65-F5344CB8AC3E}">
-        <p14:creationId xmlns:p14="http://schemas.microsoft.com/office/powerpoint/2010/main" val="2850736978"/>
+        <p14:creationId xmlns:p14="http://schemas.microsoft.com/office/powerpoint/2010/main" val="2522068378"/>
       </p:ext>
     </p:extLst>
   </p:cSld>
   <p:clrMap bg1="lt1" tx1="dk1" bg2="lt2" tx2="dk2" accent1="accent1" accent2="accent2" accent3="accent3" accent4="accent4" accent5="accent5" accent6="accent6" hlink="hlink" folHlink="folHlink"/>
   <p:sldLayoutIdLst>
-    <p:sldLayoutId id="2147483661" r:id="rId1"/>
-    <p:sldLayoutId id="2147483662" r:id="rId2"/>
-    <p:sldLayoutId id="2147483663" r:id="rId3"/>
-    <p:sldLayoutId id="2147483664" r:id="rId4"/>
-    <p:sldLayoutId id="2147483665" r:id="rId5"/>
-    <p:sldLayoutId id="2147483666" r:id="rId6"/>
-    <p:sldLayoutId id="2147483667" r:id="rId7"/>
-    <p:sldLayoutId id="2147483668" r:id="rId8"/>
-    <p:sldLayoutId id="2147483669" r:id="rId9"/>
-    <p:sldLayoutId id="2147483670" r:id="rId10"/>
-    <p:sldLayoutId id="2147483671" r:id="rId11"/>
+    <p:sldLayoutId id="2147483673" r:id="rId1"/>
+    <p:sldLayoutId id="2147483674" r:id="rId2"/>
+    <p:sldLayoutId id="2147483675" r:id="rId3"/>
+    <p:sldLayoutId id="2147483676" r:id="rId4"/>
+    <p:sldLayoutId id="2147483677" r:id="rId5"/>
+    <p:sldLayoutId id="2147483678" r:id="rId6"/>
+    <p:sldLayoutId id="2147483679" r:id="rId7"/>
+    <p:sldLayoutId id="2147483680" r:id="rId8"/>
+    <p:sldLayoutId id="2147483681" r:id="rId9"/>
+    <p:sldLayoutId id="2147483682" r:id="rId10"/>
+    <p:sldLayoutId id="2147483683" r:id="rId11"/>
   </p:sldLayoutIdLst>
   <p:hf hdr="0" ftr="0" dt="0"/>
   <p:txStyles>
     <p:titleStyle>
-      <a:lvl1pPr algn="l" defTabSz="914400" rtl="0" eaLnBrk="1" latinLnBrk="0" hangingPunct="1">
+      <a:lvl1pPr algn="l" defTabSz="685800" rtl="0" eaLnBrk="1" latinLnBrk="0" hangingPunct="1">
         <a:lnSpc>
           <a:spcPct val="90000"/>
         </a:lnSpc>
@@ -3368,7 +3369,7 @@
           <a:spcPct val="0"/>
         </a:spcBef>
         <a:buNone/>
-        <a:defRPr kumimoji="1" sz="4400" kern="1200">
+        <a:defRPr kumimoji="1" sz="3300" kern="1200">
           <a:solidFill>
             <a:schemeClr val="tx1"/>
           </a:solidFill>
@@ -3379,16 +3380,16 @@
       </a:lvl1pPr>
     </p:titleStyle>
     <p:bodyStyle>
-      <a:lvl1pPr marL="228600" indent="-228600" algn="l" defTabSz="914400" rtl="0" eaLnBrk="1" latinLnBrk="0" hangingPunct="1">
+      <a:lvl1pPr marL="171450" indent="-171450" algn="l" defTabSz="685800" rtl="0" eaLnBrk="1" latinLnBrk="0" hangingPunct="1">
         <a:lnSpc>
           <a:spcPct val="90000"/>
         </a:lnSpc>
         <a:spcBef>
-          <a:spcPts val="1000"/>
+          <a:spcPts val="750"/>
         </a:spcBef>
         <a:buFont typeface="Arial" panose="020B0604020202020204" pitchFamily="34" charset="0"/>
         <a:buChar char="•"/>
-        <a:defRPr kumimoji="1" sz="2800" kern="1200">
+        <a:defRPr kumimoji="1" sz="2100" kern="1200">
           <a:solidFill>
             <a:schemeClr val="tx1"/>
           </a:solidFill>
@@ -3397,48 +3398,12 @@
           <a:cs typeface="+mn-cs"/>
         </a:defRPr>
       </a:lvl1pPr>
-      <a:lvl2pPr marL="685800" indent="-228600" algn="l" defTabSz="914400" rtl="0" eaLnBrk="1" latinLnBrk="0" hangingPunct="1">
+      <a:lvl2pPr marL="514350" indent="-171450" algn="l" defTabSz="685800" rtl="0" eaLnBrk="1" latinLnBrk="0" hangingPunct="1">
         <a:lnSpc>
           <a:spcPct val="90000"/>
         </a:lnSpc>
         <a:spcBef>
-          <a:spcPts val="500"/>
-        </a:spcBef>
-        <a:buFont typeface="Arial" panose="020B0604020202020204" pitchFamily="34" charset="0"/>
-        <a:buChar char="•"/>
-        <a:defRPr kumimoji="1" sz="2400" kern="1200">
-          <a:solidFill>
-            <a:schemeClr val="tx1"/>
-          </a:solidFill>
-          <a:latin typeface="+mn-lt"/>
-          <a:ea typeface="+mn-ea"/>
-          <a:cs typeface="+mn-cs"/>
-        </a:defRPr>
-      </a:lvl2pPr>
-      <a:lvl3pPr marL="1143000" indent="-228600" algn="l" defTabSz="914400" rtl="0" eaLnBrk="1" latinLnBrk="0" hangingPunct="1">
-        <a:lnSpc>
-          <a:spcPct val="90000"/>
-        </a:lnSpc>
-        <a:spcBef>
-          <a:spcPts val="500"/>
-        </a:spcBef>
-        <a:buFont typeface="Arial" panose="020B0604020202020204" pitchFamily="34" charset="0"/>
-        <a:buChar char="•"/>
-        <a:defRPr kumimoji="1" sz="2000" kern="1200">
-          <a:solidFill>
-            <a:schemeClr val="tx1"/>
-          </a:solidFill>
-          <a:latin typeface="+mn-lt"/>
-          <a:ea typeface="+mn-ea"/>
-          <a:cs typeface="+mn-cs"/>
-        </a:defRPr>
-      </a:lvl3pPr>
-      <a:lvl4pPr marL="1600200" indent="-228600" algn="l" defTabSz="914400" rtl="0" eaLnBrk="1" latinLnBrk="0" hangingPunct="1">
-        <a:lnSpc>
-          <a:spcPct val="90000"/>
-        </a:lnSpc>
-        <a:spcBef>
-          <a:spcPts val="500"/>
+          <a:spcPts val="375"/>
         </a:spcBef>
         <a:buFont typeface="Arial" panose="020B0604020202020204" pitchFamily="34" charset="0"/>
         <a:buChar char="•"/>
@@ -3450,17 +3415,53 @@
           <a:ea typeface="+mn-ea"/>
           <a:cs typeface="+mn-cs"/>
         </a:defRPr>
-      </a:lvl4pPr>
-      <a:lvl5pPr marL="2057400" indent="-228600" algn="l" defTabSz="914400" rtl="0" eaLnBrk="1" latinLnBrk="0" hangingPunct="1">
+      </a:lvl2pPr>
+      <a:lvl3pPr marL="857250" indent="-171450" algn="l" defTabSz="685800" rtl="0" eaLnBrk="1" latinLnBrk="0" hangingPunct="1">
         <a:lnSpc>
           <a:spcPct val="90000"/>
         </a:lnSpc>
         <a:spcBef>
-          <a:spcPts val="500"/>
+          <a:spcPts val="375"/>
         </a:spcBef>
         <a:buFont typeface="Arial" panose="020B0604020202020204" pitchFamily="34" charset="0"/>
         <a:buChar char="•"/>
-        <a:defRPr kumimoji="1" sz="1800" kern="1200">
+        <a:defRPr kumimoji="1" sz="1500" kern="1200">
+          <a:solidFill>
+            <a:schemeClr val="tx1"/>
+          </a:solidFill>
+          <a:latin typeface="+mn-lt"/>
+          <a:ea typeface="+mn-ea"/>
+          <a:cs typeface="+mn-cs"/>
+        </a:defRPr>
+      </a:lvl3pPr>
+      <a:lvl4pPr marL="1200150" indent="-171450" algn="l" defTabSz="685800" rtl="0" eaLnBrk="1" latinLnBrk="0" hangingPunct="1">
+        <a:lnSpc>
+          <a:spcPct val="90000"/>
+        </a:lnSpc>
+        <a:spcBef>
+          <a:spcPts val="375"/>
+        </a:spcBef>
+        <a:buFont typeface="Arial" panose="020B0604020202020204" pitchFamily="34" charset="0"/>
+        <a:buChar char="•"/>
+        <a:defRPr kumimoji="1" sz="1350" kern="1200">
+          <a:solidFill>
+            <a:schemeClr val="tx1"/>
+          </a:solidFill>
+          <a:latin typeface="+mn-lt"/>
+          <a:ea typeface="+mn-ea"/>
+          <a:cs typeface="+mn-cs"/>
+        </a:defRPr>
+      </a:lvl4pPr>
+      <a:lvl5pPr marL="1543050" indent="-171450" algn="l" defTabSz="685800" rtl="0" eaLnBrk="1" latinLnBrk="0" hangingPunct="1">
+        <a:lnSpc>
+          <a:spcPct val="90000"/>
+        </a:lnSpc>
+        <a:spcBef>
+          <a:spcPts val="375"/>
+        </a:spcBef>
+        <a:buFont typeface="Arial" panose="020B0604020202020204" pitchFamily="34" charset="0"/>
+        <a:buChar char="•"/>
+        <a:defRPr kumimoji="1" sz="1350" kern="1200">
           <a:solidFill>
             <a:schemeClr val="tx1"/>
           </a:solidFill>
@@ -3469,16 +3470,16 @@
           <a:cs typeface="+mn-cs"/>
         </a:defRPr>
       </a:lvl5pPr>
-      <a:lvl6pPr marL="2514600" indent="-228600" algn="l" defTabSz="914400" rtl="0" eaLnBrk="1" latinLnBrk="0" hangingPunct="1">
+      <a:lvl6pPr marL="1885950" indent="-171450" algn="l" defTabSz="685800" rtl="0" eaLnBrk="1" latinLnBrk="0" hangingPunct="1">
         <a:lnSpc>
           <a:spcPct val="90000"/>
         </a:lnSpc>
         <a:spcBef>
-          <a:spcPts val="500"/>
+          <a:spcPts val="375"/>
         </a:spcBef>
         <a:buFont typeface="Arial" panose="020B0604020202020204" pitchFamily="34" charset="0"/>
         <a:buChar char="•"/>
-        <a:defRPr kumimoji="1" sz="1800" kern="1200">
+        <a:defRPr kumimoji="1" sz="1350" kern="1200">
           <a:solidFill>
             <a:schemeClr val="tx1"/>
           </a:solidFill>
@@ -3487,16 +3488,16 @@
           <a:cs typeface="+mn-cs"/>
         </a:defRPr>
       </a:lvl6pPr>
-      <a:lvl7pPr marL="2971800" indent="-228600" algn="l" defTabSz="914400" rtl="0" eaLnBrk="1" latinLnBrk="0" hangingPunct="1">
+      <a:lvl7pPr marL="2228850" indent="-171450" algn="l" defTabSz="685800" rtl="0" eaLnBrk="1" latinLnBrk="0" hangingPunct="1">
         <a:lnSpc>
           <a:spcPct val="90000"/>
         </a:lnSpc>
         <a:spcBef>
-          <a:spcPts val="500"/>
+          <a:spcPts val="375"/>
         </a:spcBef>
         <a:buFont typeface="Arial" panose="020B0604020202020204" pitchFamily="34" charset="0"/>
         <a:buChar char="•"/>
-        <a:defRPr kumimoji="1" sz="1800" kern="1200">
+        <a:defRPr kumimoji="1" sz="1350" kern="1200">
           <a:solidFill>
             <a:schemeClr val="tx1"/>
           </a:solidFill>
@@ -3505,16 +3506,16 @@
           <a:cs typeface="+mn-cs"/>
         </a:defRPr>
       </a:lvl7pPr>
-      <a:lvl8pPr marL="3429000" indent="-228600" algn="l" defTabSz="914400" rtl="0" eaLnBrk="1" latinLnBrk="0" hangingPunct="1">
+      <a:lvl8pPr marL="2571750" indent="-171450" algn="l" defTabSz="685800" rtl="0" eaLnBrk="1" latinLnBrk="0" hangingPunct="1">
         <a:lnSpc>
           <a:spcPct val="90000"/>
         </a:lnSpc>
         <a:spcBef>
-          <a:spcPts val="500"/>
+          <a:spcPts val="375"/>
         </a:spcBef>
         <a:buFont typeface="Arial" panose="020B0604020202020204" pitchFamily="34" charset="0"/>
         <a:buChar char="•"/>
-        <a:defRPr kumimoji="1" sz="1800" kern="1200">
+        <a:defRPr kumimoji="1" sz="1350" kern="1200">
           <a:solidFill>
             <a:schemeClr val="tx1"/>
           </a:solidFill>
@@ -3523,16 +3524,16 @@
           <a:cs typeface="+mn-cs"/>
         </a:defRPr>
       </a:lvl8pPr>
-      <a:lvl9pPr marL="3886200" indent="-228600" algn="l" defTabSz="914400" rtl="0" eaLnBrk="1" latinLnBrk="0" hangingPunct="1">
+      <a:lvl9pPr marL="2914650" indent="-171450" algn="l" defTabSz="685800" rtl="0" eaLnBrk="1" latinLnBrk="0" hangingPunct="1">
         <a:lnSpc>
           <a:spcPct val="90000"/>
         </a:lnSpc>
         <a:spcBef>
-          <a:spcPts val="500"/>
+          <a:spcPts val="375"/>
         </a:spcBef>
         <a:buFont typeface="Arial" panose="020B0604020202020204" pitchFamily="34" charset="0"/>
         <a:buChar char="•"/>
-        <a:defRPr kumimoji="1" sz="1800" kern="1200">
+        <a:defRPr kumimoji="1" sz="1350" kern="1200">
           <a:solidFill>
             <a:schemeClr val="tx1"/>
           </a:solidFill>
@@ -3546,8 +3547,8 @@
       <a:defPPr>
         <a:defRPr lang="en-US"/>
       </a:defPPr>
-      <a:lvl1pPr marL="0" algn="l" defTabSz="914400" rtl="0" eaLnBrk="1" latinLnBrk="0" hangingPunct="1">
-        <a:defRPr kumimoji="1" sz="1800" kern="1200">
+      <a:lvl1pPr marL="0" algn="l" defTabSz="685800" rtl="0" eaLnBrk="1" latinLnBrk="0" hangingPunct="1">
+        <a:defRPr kumimoji="1" sz="1350" kern="1200">
           <a:solidFill>
             <a:schemeClr val="tx1"/>
           </a:solidFill>
@@ -3556,8 +3557,8 @@
           <a:cs typeface="+mn-cs"/>
         </a:defRPr>
       </a:lvl1pPr>
-      <a:lvl2pPr marL="457200" algn="l" defTabSz="914400" rtl="0" eaLnBrk="1" latinLnBrk="0" hangingPunct="1">
-        <a:defRPr kumimoji="1" sz="1800" kern="1200">
+      <a:lvl2pPr marL="342900" algn="l" defTabSz="685800" rtl="0" eaLnBrk="1" latinLnBrk="0" hangingPunct="1">
+        <a:defRPr kumimoji="1" sz="1350" kern="1200">
           <a:solidFill>
             <a:schemeClr val="tx1"/>
           </a:solidFill>
@@ -3566,8 +3567,8 @@
           <a:cs typeface="+mn-cs"/>
         </a:defRPr>
       </a:lvl2pPr>
-      <a:lvl3pPr marL="914400" algn="l" defTabSz="914400" rtl="0" eaLnBrk="1" latinLnBrk="0" hangingPunct="1">
-        <a:defRPr kumimoji="1" sz="1800" kern="1200">
+      <a:lvl3pPr marL="685800" algn="l" defTabSz="685800" rtl="0" eaLnBrk="1" latinLnBrk="0" hangingPunct="1">
+        <a:defRPr kumimoji="1" sz="1350" kern="1200">
           <a:solidFill>
             <a:schemeClr val="tx1"/>
           </a:solidFill>
@@ -3576,8 +3577,8 @@
           <a:cs typeface="+mn-cs"/>
         </a:defRPr>
       </a:lvl3pPr>
-      <a:lvl4pPr marL="1371600" algn="l" defTabSz="914400" rtl="0" eaLnBrk="1" latinLnBrk="0" hangingPunct="1">
-        <a:defRPr kumimoji="1" sz="1800" kern="1200">
+      <a:lvl4pPr marL="1028700" algn="l" defTabSz="685800" rtl="0" eaLnBrk="1" latinLnBrk="0" hangingPunct="1">
+        <a:defRPr kumimoji="1" sz="1350" kern="1200">
           <a:solidFill>
             <a:schemeClr val="tx1"/>
           </a:solidFill>
@@ -3586,8 +3587,8 @@
           <a:cs typeface="+mn-cs"/>
         </a:defRPr>
       </a:lvl4pPr>
-      <a:lvl5pPr marL="1828800" algn="l" defTabSz="914400" rtl="0" eaLnBrk="1" latinLnBrk="0" hangingPunct="1">
-        <a:defRPr kumimoji="1" sz="1800" kern="1200">
+      <a:lvl5pPr marL="1371600" algn="l" defTabSz="685800" rtl="0" eaLnBrk="1" latinLnBrk="0" hangingPunct="1">
+        <a:defRPr kumimoji="1" sz="1350" kern="1200">
           <a:solidFill>
             <a:schemeClr val="tx1"/>
           </a:solidFill>
@@ -3596,8 +3597,8 @@
           <a:cs typeface="+mn-cs"/>
         </a:defRPr>
       </a:lvl5pPr>
-      <a:lvl6pPr marL="2286000" algn="l" defTabSz="914400" rtl="0" eaLnBrk="1" latinLnBrk="0" hangingPunct="1">
-        <a:defRPr kumimoji="1" sz="1800" kern="1200">
+      <a:lvl6pPr marL="1714500" algn="l" defTabSz="685800" rtl="0" eaLnBrk="1" latinLnBrk="0" hangingPunct="1">
+        <a:defRPr kumimoji="1" sz="1350" kern="1200">
           <a:solidFill>
             <a:schemeClr val="tx1"/>
           </a:solidFill>
@@ -3606,8 +3607,8 @@
           <a:cs typeface="+mn-cs"/>
         </a:defRPr>
       </a:lvl6pPr>
-      <a:lvl7pPr marL="2743200" algn="l" defTabSz="914400" rtl="0" eaLnBrk="1" latinLnBrk="0" hangingPunct="1">
-        <a:defRPr kumimoji="1" sz="1800" kern="1200">
+      <a:lvl7pPr marL="2057400" algn="l" defTabSz="685800" rtl="0" eaLnBrk="1" latinLnBrk="0" hangingPunct="1">
+        <a:defRPr kumimoji="1" sz="1350" kern="1200">
           <a:solidFill>
             <a:schemeClr val="tx1"/>
           </a:solidFill>
@@ -3616,8 +3617,8 @@
           <a:cs typeface="+mn-cs"/>
         </a:defRPr>
       </a:lvl7pPr>
-      <a:lvl8pPr marL="3200400" algn="l" defTabSz="914400" rtl="0" eaLnBrk="1" latinLnBrk="0" hangingPunct="1">
-        <a:defRPr kumimoji="1" sz="1800" kern="1200">
+      <a:lvl8pPr marL="2400300" algn="l" defTabSz="685800" rtl="0" eaLnBrk="1" latinLnBrk="0" hangingPunct="1">
+        <a:defRPr kumimoji="1" sz="1350" kern="1200">
           <a:solidFill>
             <a:schemeClr val="tx1"/>
           </a:solidFill>
@@ -3626,8 +3627,8 @@
           <a:cs typeface="+mn-cs"/>
         </a:defRPr>
       </a:lvl8pPr>
-      <a:lvl9pPr marL="3657600" algn="l" defTabSz="914400" rtl="0" eaLnBrk="1" latinLnBrk="0" hangingPunct="1">
-        <a:defRPr kumimoji="1" sz="1800" kern="1200">
+      <a:lvl9pPr marL="2743200" algn="l" defTabSz="685800" rtl="0" eaLnBrk="1" latinLnBrk="0" hangingPunct="1">
+        <a:defRPr kumimoji="1" sz="1350" kern="1200">
           <a:solidFill>
             <a:schemeClr val="tx1"/>
           </a:solidFill>
@@ -3666,8 +3667,8 @@
         </p:nvSpPr>
         <p:spPr>
           <a:xfrm>
-            <a:off x="5128765" y="967741"/>
-            <a:ext cx="1241821" cy="383843"/>
+            <a:off x="3846574" y="2726056"/>
+            <a:ext cx="931366" cy="287882"/>
           </a:xfrm>
           <a:prstGeom prst="roundRect">
             <a:avLst/>
@@ -3701,14 +3702,14 @@
           <a:p>
             <a:pPr algn="ctr"/>
             <a:r>
-              <a:rPr lang="en-US" altLang="ja-JP" sz="1350" b="1" dirty="0" err="1" smtClean="0">
+              <a:rPr lang="en-US" altLang="ja-JP" sz="1013" b="1" dirty="0" err="1">
                 <a:solidFill>
                   <a:schemeClr val="tx1"/>
                 </a:solidFill>
               </a:rPr>
               <a:t>CSVstring</a:t>
             </a:r>
-            <a:endParaRPr lang="ja-JP" altLang="en-US" sz="1350" b="1" dirty="0">
+            <a:endParaRPr lang="ja-JP" altLang="en-US" sz="1013" b="1" dirty="0">
               <a:solidFill>
                 <a:schemeClr val="tx1"/>
               </a:solidFill>
@@ -3724,8 +3725,8 @@
         </p:nvSpPr>
         <p:spPr>
           <a:xfrm>
-            <a:off x="5128765" y="1798408"/>
-            <a:ext cx="1241821" cy="383843"/>
+            <a:off x="3846574" y="3349057"/>
+            <a:ext cx="931366" cy="287882"/>
           </a:xfrm>
           <a:prstGeom prst="roundRect">
             <a:avLst/>
@@ -3759,14 +3760,14 @@
           <a:p>
             <a:pPr algn="ctr"/>
             <a:r>
-              <a:rPr lang="en-US" altLang="ja-JP" sz="1350" b="1" dirty="0">
+              <a:rPr lang="en-US" altLang="ja-JP" sz="1013" b="1" dirty="0">
                 <a:solidFill>
                   <a:schemeClr val="tx1"/>
                 </a:solidFill>
               </a:rPr>
               <a:t>table</a:t>
             </a:r>
-            <a:endParaRPr lang="ja-JP" altLang="en-US" sz="1350" b="1" dirty="0">
+            <a:endParaRPr lang="ja-JP" altLang="en-US" sz="1013" b="1" dirty="0">
               <a:solidFill>
                 <a:schemeClr val="tx1"/>
               </a:solidFill>
@@ -3782,8 +3783,8 @@
         </p:nvSpPr>
         <p:spPr>
           <a:xfrm>
-            <a:off x="5128765" y="2781100"/>
-            <a:ext cx="1241821" cy="383843"/>
+            <a:off x="3846574" y="4086076"/>
+            <a:ext cx="931366" cy="287882"/>
           </a:xfrm>
           <a:prstGeom prst="roundRect">
             <a:avLst/>
@@ -3817,14 +3818,14 @@
           <a:p>
             <a:pPr algn="ctr"/>
             <a:r>
-              <a:rPr lang="en-US" altLang="ja-JP" sz="1350" b="1" dirty="0" err="1">
+              <a:rPr lang="en-US" altLang="ja-JP" sz="1013" b="1" dirty="0" err="1">
                 <a:solidFill>
                   <a:schemeClr val="tx1"/>
                 </a:solidFill>
               </a:rPr>
               <a:t>tableFiltered</a:t>
             </a:r>
-            <a:endParaRPr lang="ja-JP" altLang="en-US" sz="1350" b="1" dirty="0">
+            <a:endParaRPr lang="ja-JP" altLang="en-US" sz="1013" b="1" dirty="0">
               <a:solidFill>
                 <a:schemeClr val="tx1"/>
               </a:solidFill>
@@ -3840,8 +3841,8 @@
         </p:nvSpPr>
         <p:spPr>
           <a:xfrm>
-            <a:off x="2514084" y="1282135"/>
-            <a:ext cx="1195702" cy="293425"/>
+            <a:off x="1885563" y="2961852"/>
+            <a:ext cx="896777" cy="220069"/>
           </a:xfrm>
           <a:prstGeom prst="roundRect">
             <a:avLst/>
@@ -3875,7 +3876,7 @@
           <a:p>
             <a:pPr algn="ctr"/>
             <a:r>
-              <a:rPr lang="en-US" altLang="ja-JP" sz="1350" b="1" dirty="0" err="1">
+              <a:rPr lang="en-US" altLang="ja-JP" sz="1013" b="1" dirty="0" err="1">
                 <a:solidFill>
                   <a:schemeClr val="tx1"/>
                 </a:solidFill>
@@ -3883,14 +3884,14 @@
               <a:t>full</a:t>
             </a:r>
             <a:r>
-              <a:rPr lang="en-US" altLang="ja-JP" sz="1350" b="1" dirty="0" err="1" smtClean="0">
+              <a:rPr lang="en-US" altLang="ja-JP" sz="1013" b="1" dirty="0" err="1">
                 <a:solidFill>
                   <a:schemeClr val="tx1"/>
                 </a:solidFill>
               </a:rPr>
               <a:t>Name</a:t>
             </a:r>
-            <a:endParaRPr lang="ja-JP" altLang="en-US" sz="1350" b="1" dirty="0">
+            <a:endParaRPr lang="ja-JP" altLang="en-US" sz="1013" b="1" dirty="0">
               <a:solidFill>
                 <a:schemeClr val="tx1"/>
               </a:solidFill>
@@ -3906,8 +3907,8 @@
         </p:nvSpPr>
         <p:spPr>
           <a:xfrm>
-            <a:off x="2514082" y="1631431"/>
-            <a:ext cx="1195703" cy="293425"/>
+            <a:off x="1885562" y="3223824"/>
+            <a:ext cx="896777" cy="220069"/>
           </a:xfrm>
           <a:prstGeom prst="roundRect">
             <a:avLst/>
@@ -3941,14 +3942,14 @@
           <a:p>
             <a:pPr algn="ctr"/>
             <a:r>
-              <a:rPr lang="en-US" altLang="ja-JP" sz="1350" b="1" dirty="0">
+              <a:rPr lang="en-US" altLang="ja-JP" sz="1013" b="1" dirty="0">
                 <a:solidFill>
                   <a:schemeClr val="tx1"/>
                 </a:solidFill>
               </a:rPr>
               <a:t>email</a:t>
             </a:r>
-            <a:endParaRPr lang="ja-JP" altLang="en-US" sz="1350" b="1" dirty="0">
+            <a:endParaRPr lang="ja-JP" altLang="en-US" sz="1013" b="1" dirty="0">
               <a:solidFill>
                 <a:schemeClr val="tx1"/>
               </a:solidFill>
@@ -3964,8 +3965,8 @@
         </p:nvSpPr>
         <p:spPr>
           <a:xfrm>
-            <a:off x="2514082" y="1980727"/>
-            <a:ext cx="1195703" cy="293425"/>
+            <a:off x="1885562" y="3485796"/>
+            <a:ext cx="896777" cy="220069"/>
           </a:xfrm>
           <a:prstGeom prst="roundRect">
             <a:avLst/>
@@ -3999,14 +4000,14 @@
           <a:p>
             <a:pPr algn="ctr"/>
             <a:r>
-              <a:rPr lang="en-US" altLang="ja-JP" sz="1350" b="1" dirty="0">
+              <a:rPr lang="en-US" altLang="ja-JP" sz="1013" b="1" dirty="0">
                 <a:solidFill>
                   <a:schemeClr val="tx1"/>
                 </a:solidFill>
               </a:rPr>
               <a:t>gender</a:t>
             </a:r>
-            <a:endParaRPr lang="ja-JP" altLang="en-US" sz="1350" b="1" dirty="0">
+            <a:endParaRPr lang="ja-JP" altLang="en-US" sz="1013" b="1" dirty="0">
               <a:solidFill>
                 <a:schemeClr val="tx1"/>
               </a:solidFill>
@@ -4022,8 +4023,8 @@
         </p:nvSpPr>
         <p:spPr>
           <a:xfrm>
-            <a:off x="2514082" y="2634388"/>
-            <a:ext cx="1194103" cy="293425"/>
+            <a:off x="1885562" y="3976041"/>
+            <a:ext cx="895577" cy="220069"/>
           </a:xfrm>
           <a:prstGeom prst="roundRect">
             <a:avLst/>
@@ -4057,14 +4058,14 @@
           <a:p>
             <a:pPr algn="ctr"/>
             <a:r>
-              <a:rPr lang="en-US" altLang="ja-JP" sz="1350" b="1" dirty="0" err="1">
+              <a:rPr lang="en-US" altLang="ja-JP" sz="1013" b="1" dirty="0" err="1">
                 <a:solidFill>
                   <a:schemeClr val="tx1"/>
                 </a:solidFill>
               </a:rPr>
               <a:t>itemsPerPage</a:t>
             </a:r>
-            <a:endParaRPr lang="ja-JP" altLang="en-US" sz="1350" b="1" dirty="0">
+            <a:endParaRPr lang="ja-JP" altLang="en-US" sz="1013" b="1" dirty="0">
               <a:solidFill>
                 <a:schemeClr val="tx1"/>
               </a:solidFill>
@@ -4080,8 +4081,8 @@
         </p:nvSpPr>
         <p:spPr>
           <a:xfrm>
-            <a:off x="5128765" y="4690804"/>
-            <a:ext cx="1241821" cy="383843"/>
+            <a:off x="3846574" y="5518354"/>
+            <a:ext cx="931366" cy="287882"/>
           </a:xfrm>
           <a:prstGeom prst="roundRect">
             <a:avLst/>
@@ -4115,14 +4116,14 @@
           <a:p>
             <a:pPr algn="ctr"/>
             <a:r>
-              <a:rPr lang="en-US" altLang="ja-JP" sz="1350" b="1" dirty="0" err="1">
+              <a:rPr lang="en-US" altLang="ja-JP" sz="1013" b="1" dirty="0" err="1">
                 <a:solidFill>
                   <a:schemeClr val="tx1"/>
                 </a:solidFill>
               </a:rPr>
               <a:t>tableSliced</a:t>
             </a:r>
-            <a:endParaRPr lang="ja-JP" altLang="en-US" sz="1350" b="1" dirty="0">
+            <a:endParaRPr lang="ja-JP" altLang="en-US" sz="1013" b="1" dirty="0">
               <a:solidFill>
                 <a:schemeClr val="tx1"/>
               </a:solidFill>
@@ -4152,8 +4153,8 @@
         </p:blipFill>
         <p:spPr>
           <a:xfrm>
-            <a:off x="5097471" y="45945"/>
-            <a:ext cx="1357700" cy="714207"/>
+            <a:off x="3823103" y="2034709"/>
+            <a:ext cx="1018275" cy="535655"/>
           </a:xfrm>
           <a:prstGeom prst="rect">
             <a:avLst/>
@@ -4171,8 +4172,8 @@
         </p:nvCxnSpPr>
         <p:spPr>
           <a:xfrm>
-            <a:off x="5749676" y="2182251"/>
-            <a:ext cx="0" cy="598849"/>
+            <a:off x="4312257" y="3636939"/>
+            <a:ext cx="0" cy="449137"/>
           </a:xfrm>
           <a:prstGeom prst="straightConnector1">
             <a:avLst/>
@@ -4207,8 +4208,8 @@
         </p:nvSpPr>
         <p:spPr>
           <a:xfrm>
-            <a:off x="4206757" y="2012901"/>
-            <a:ext cx="1484977" cy="553193"/>
+            <a:off x="3155068" y="3509926"/>
+            <a:ext cx="1113733" cy="414895"/>
           </a:xfrm>
           <a:custGeom>
             <a:avLst/>
@@ -4281,7 +4282,7 @@
           <a:lstStyle/>
           <a:p>
             <a:pPr algn="ctr"/>
-            <a:endParaRPr lang="ja-JP" altLang="en-US" sz="1350"/>
+            <a:endParaRPr lang="ja-JP" altLang="en-US" sz="1013"/>
           </a:p>
         </p:txBody>
       </p:sp>
@@ -4296,8 +4297,8 @@
         </p:nvCxnSpPr>
         <p:spPr>
           <a:xfrm>
-            <a:off x="5749676" y="1351584"/>
-            <a:ext cx="0" cy="446824"/>
+            <a:off x="4312257" y="3013938"/>
+            <a:ext cx="0" cy="335118"/>
           </a:xfrm>
           <a:prstGeom prst="straightConnector1">
             <a:avLst/>
@@ -4334,8 +4335,8 @@
         </p:nvCxnSpPr>
         <p:spPr>
           <a:xfrm>
-            <a:off x="5749675" y="591630"/>
-            <a:ext cx="1" cy="376111"/>
+            <a:off x="4312257" y="2443973"/>
+            <a:ext cx="1" cy="282083"/>
           </a:xfrm>
           <a:prstGeom prst="straightConnector1">
             <a:avLst/>
@@ -4373,8 +4374,8 @@
         </p:nvCxnSpPr>
         <p:spPr>
           <a:xfrm>
-            <a:off x="5749676" y="3164943"/>
-            <a:ext cx="0" cy="1525861"/>
+            <a:off x="4312257" y="4373958"/>
+            <a:ext cx="0" cy="1144396"/>
           </a:xfrm>
           <a:prstGeom prst="straightConnector1">
             <a:avLst/>
@@ -4409,8 +4410,8 @@
         </p:nvSpPr>
         <p:spPr>
           <a:xfrm>
-            <a:off x="4019942" y="1276264"/>
-            <a:ext cx="209834" cy="992017"/>
+            <a:off x="3014956" y="2957448"/>
+            <a:ext cx="157376" cy="744013"/>
           </a:xfrm>
           <a:prstGeom prst="rightBracket">
             <a:avLst/>
@@ -4441,7 +4442,7 @@
           <a:lstStyle/>
           <a:p>
             <a:pPr algn="ctr"/>
-            <a:endParaRPr lang="ja-JP" altLang="en-US" sz="1350"/>
+            <a:endParaRPr lang="ja-JP" altLang="en-US" sz="1013"/>
           </a:p>
         </p:txBody>
       </p:sp>
@@ -4455,8 +4456,8 @@
         </p:nvCxnSpPr>
         <p:spPr>
           <a:xfrm flipV="1">
-            <a:off x="1633697" y="1428848"/>
-            <a:ext cx="880387" cy="660308"/>
+            <a:off x="1225273" y="3071886"/>
+            <a:ext cx="660290" cy="495231"/>
           </a:xfrm>
           <a:prstGeom prst="straightConnector1">
             <a:avLst/>
@@ -4493,8 +4494,8 @@
         </p:nvCxnSpPr>
         <p:spPr>
           <a:xfrm flipV="1">
-            <a:off x="1682875" y="1778144"/>
-            <a:ext cx="831207" cy="410360"/>
+            <a:off x="1262157" y="3333858"/>
+            <a:ext cx="623405" cy="307770"/>
           </a:xfrm>
           <a:prstGeom prst="straightConnector1">
             <a:avLst/>
@@ -4531,8 +4532,8 @@
         </p:nvCxnSpPr>
         <p:spPr>
           <a:xfrm flipV="1">
-            <a:off x="1703844" y="2127440"/>
-            <a:ext cx="810238" cy="161748"/>
+            <a:off x="1277883" y="3595830"/>
+            <a:ext cx="607679" cy="121311"/>
           </a:xfrm>
           <a:prstGeom prst="straightConnector1">
             <a:avLst/>
@@ -4569,8 +4570,8 @@
         </p:nvCxnSpPr>
         <p:spPr>
           <a:xfrm>
-            <a:off x="1594727" y="2294849"/>
-            <a:ext cx="919355" cy="486252"/>
+            <a:off x="1196046" y="3721387"/>
+            <a:ext cx="689516" cy="364689"/>
           </a:xfrm>
           <a:prstGeom prst="straightConnector1">
             <a:avLst/>
@@ -4607,8 +4608,8 @@
         </p:nvCxnSpPr>
         <p:spPr>
           <a:xfrm>
-            <a:off x="1584182" y="2440154"/>
-            <a:ext cx="929900" cy="1623586"/>
+            <a:off x="1188137" y="3830365"/>
+            <a:ext cx="697425" cy="1217690"/>
           </a:xfrm>
           <a:prstGeom prst="straightConnector1">
             <a:avLst/>
@@ -4643,8 +4644,8 @@
         </p:nvSpPr>
         <p:spPr>
           <a:xfrm>
-            <a:off x="2514082" y="3917027"/>
-            <a:ext cx="1194103" cy="293425"/>
+            <a:off x="1885562" y="4938021"/>
+            <a:ext cx="895577" cy="220069"/>
           </a:xfrm>
           <a:prstGeom prst="roundRect">
             <a:avLst/>
@@ -4678,14 +4679,14 @@
           <a:p>
             <a:pPr algn="ctr"/>
             <a:r>
-              <a:rPr lang="en-US" altLang="ja-JP" sz="1350" b="1" dirty="0" err="1" smtClean="0">
+              <a:rPr lang="en-US" altLang="ja-JP" sz="1013" b="1" dirty="0" err="1">
                 <a:solidFill>
                   <a:schemeClr val="tx1"/>
                 </a:solidFill>
               </a:rPr>
               <a:t>pageNumber</a:t>
             </a:r>
-            <a:endParaRPr lang="ja-JP" altLang="en-US" sz="1050" b="1" dirty="0">
+            <a:endParaRPr lang="ja-JP" altLang="en-US" sz="788" b="1" dirty="0">
               <a:solidFill>
                 <a:schemeClr val="tx1"/>
               </a:solidFill>
@@ -4701,8 +4702,8 @@
         </p:nvSpPr>
         <p:spPr>
           <a:xfrm>
-            <a:off x="3974490" y="4036621"/>
-            <a:ext cx="1734531" cy="339779"/>
+            <a:off x="2980868" y="5027716"/>
+            <a:ext cx="1300898" cy="254834"/>
           </a:xfrm>
           <a:custGeom>
             <a:avLst/>
@@ -4775,7 +4776,7 @@
           <a:lstStyle/>
           <a:p>
             <a:pPr algn="ctr"/>
-            <a:endParaRPr lang="ja-JP" altLang="en-US" sz="1350"/>
+            <a:endParaRPr lang="ja-JP" altLang="en-US" sz="1013"/>
           </a:p>
         </p:txBody>
       </p:sp>
@@ -4787,8 +4788,8 @@
         </p:nvSpPr>
         <p:spPr>
           <a:xfrm>
-            <a:off x="7060294" y="2730535"/>
-            <a:ext cx="1965002" cy="308123"/>
+            <a:off x="5295220" y="4048152"/>
+            <a:ext cx="1473752" cy="231092"/>
           </a:xfrm>
           <a:prstGeom prst="callout1">
             <a:avLst>
@@ -4822,10 +4823,9 @@
           <a:p>
             <a:pPr algn="ctr"/>
             <a:r>
-              <a:rPr lang="ja-JP" altLang="en-US" sz="1350" dirty="0"/>
+              <a:rPr lang="ja-JP" altLang="en-US" sz="1013" dirty="0"/>
               <a:t>フィルタ後のテーブル</a:t>
             </a:r>
-            <a:endParaRPr lang="ja-JP" altLang="en-US" sz="1350" dirty="0"/>
           </a:p>
         </p:txBody>
       </p:sp>
@@ -4837,8 +4837,8 @@
         </p:nvSpPr>
         <p:spPr>
           <a:xfrm>
-            <a:off x="6796350" y="4557431"/>
-            <a:ext cx="2270592" cy="477602"/>
+            <a:off x="5097263" y="5418323"/>
+            <a:ext cx="1702944" cy="358202"/>
           </a:xfrm>
           <a:prstGeom prst="callout1">
             <a:avLst>
@@ -4872,21 +4872,20 @@
           <a:p>
             <a:pPr algn="ctr"/>
             <a:r>
-              <a:rPr lang="ja-JP" altLang="en-US" sz="1350" dirty="0"/>
+              <a:rPr lang="ja-JP" altLang="en-US" sz="1013" dirty="0"/>
               <a:t>表示する行のみ抜き出した</a:t>
             </a:r>
             <a:r>
-              <a:rPr lang="en-US" altLang="ja-JP" sz="1350" dirty="0"/>
+              <a:rPr lang="en-US" altLang="ja-JP" sz="1013" dirty="0"/>
               <a:t/>
             </a:r>
             <a:br>
-              <a:rPr lang="en-US" altLang="ja-JP" sz="1350" dirty="0"/>
+              <a:rPr lang="en-US" altLang="ja-JP" sz="1013" dirty="0"/>
             </a:br>
             <a:r>
-              <a:rPr lang="ja-JP" altLang="en-US" sz="1350" dirty="0"/>
+              <a:rPr lang="ja-JP" altLang="en-US" sz="1013" dirty="0"/>
               <a:t>テーブルデータ</a:t>
             </a:r>
-            <a:endParaRPr lang="ja-JP" altLang="en-US" sz="1350" dirty="0"/>
           </a:p>
         </p:txBody>
       </p:sp>
@@ -4898,8 +4897,8 @@
         </p:nvSpPr>
         <p:spPr>
           <a:xfrm>
-            <a:off x="5958923" y="2292485"/>
-            <a:ext cx="1101371" cy="349296"/>
+            <a:off x="4469193" y="3719614"/>
+            <a:ext cx="826028" cy="261972"/>
           </a:xfrm>
           <a:prstGeom prst="wedgeRectCallout">
             <a:avLst>
@@ -4936,14 +4935,10 @@
           <a:p>
             <a:pPr algn="ctr"/>
             <a:r>
-              <a:rPr lang="en-US" altLang="ja-JP" sz="1350" b="1" dirty="0"/>
-              <a:t>filter</a:t>
-            </a:r>
-            <a:r>
-              <a:rPr lang="en-US" altLang="ja-JP" sz="1350" b="1" dirty="0"/>
-              <a:t>()</a:t>
-            </a:r>
-            <a:endParaRPr lang="ja-JP" altLang="en-US" sz="1350" b="1" dirty="0"/>
+              <a:rPr lang="en-US" altLang="ja-JP" sz="1013" b="1" dirty="0"/>
+              <a:t>filter()</a:t>
+            </a:r>
+            <a:endParaRPr lang="ja-JP" altLang="en-US" sz="1013" b="1" dirty="0"/>
           </a:p>
         </p:txBody>
       </p:sp>
@@ -4955,8 +4950,8 @@
         </p:nvSpPr>
         <p:spPr>
           <a:xfrm>
-            <a:off x="5958923" y="1407263"/>
-            <a:ext cx="1101371" cy="349296"/>
+            <a:off x="4469193" y="3055697"/>
+            <a:ext cx="826028" cy="261972"/>
           </a:xfrm>
           <a:prstGeom prst="wedgeRectCallout">
             <a:avLst>
@@ -4993,14 +4988,14 @@
           <a:p>
             <a:pPr algn="ctr"/>
             <a:r>
-              <a:rPr lang="en-US" altLang="ja-JP" sz="1350" b="1" dirty="0" err="1"/>
+              <a:rPr lang="en-US" altLang="ja-JP" sz="1013" b="1" dirty="0" err="1"/>
               <a:t>CSVtoTable</a:t>
             </a:r>
             <a:r>
-              <a:rPr lang="en-US" altLang="ja-JP" sz="1350" b="1" dirty="0"/>
+              <a:rPr lang="en-US" altLang="ja-JP" sz="1013" b="1" dirty="0"/>
               <a:t>()</a:t>
             </a:r>
-            <a:endParaRPr lang="ja-JP" altLang="en-US" sz="1350" b="1" dirty="0"/>
+            <a:endParaRPr lang="ja-JP" altLang="en-US" sz="1013" b="1" dirty="0"/>
           </a:p>
         </p:txBody>
       </p:sp>
@@ -5012,8 +5007,8 @@
         </p:nvSpPr>
         <p:spPr>
           <a:xfrm>
-            <a:off x="5958925" y="4116553"/>
-            <a:ext cx="1101371" cy="349296"/>
+            <a:off x="4469194" y="5087665"/>
+            <a:ext cx="826028" cy="261972"/>
           </a:xfrm>
           <a:prstGeom prst="wedgeRectCallout">
             <a:avLst>
@@ -5050,10 +5045,10 @@
           <a:p>
             <a:pPr algn="ctr"/>
             <a:r>
-              <a:rPr lang="en-US" altLang="ja-JP" sz="1350" b="1" dirty="0"/>
+              <a:rPr lang="en-US" altLang="ja-JP" sz="1013" b="1" dirty="0"/>
               <a:t>slice()</a:t>
             </a:r>
-            <a:endParaRPr lang="ja-JP" altLang="en-US" sz="1350" b="1" dirty="0"/>
+            <a:endParaRPr lang="ja-JP" altLang="en-US" sz="1013" b="1" dirty="0"/>
           </a:p>
         </p:txBody>
       </p:sp>
@@ -5079,8 +5074,8 @@
         </p:blipFill>
         <p:spPr>
           <a:xfrm>
-            <a:off x="123774" y="1692373"/>
-            <a:ext cx="1670712" cy="1349421"/>
+            <a:off x="92831" y="3269530"/>
+            <a:ext cx="1253034" cy="1012066"/>
           </a:xfrm>
           <a:prstGeom prst="rect">
             <a:avLst/>
@@ -5095,8 +5090,8 @@
         </p:nvSpPr>
         <p:spPr>
           <a:xfrm>
-            <a:off x="156394" y="735371"/>
-            <a:ext cx="1605472" cy="468591"/>
+            <a:off x="117296" y="2551779"/>
+            <a:ext cx="1204104" cy="351443"/>
           </a:xfrm>
           <a:prstGeom prst="callout1">
             <a:avLst>
@@ -5130,21 +5125,20 @@
           <a:p>
             <a:pPr algn="ctr"/>
             <a:r>
-              <a:rPr lang="ja-JP" altLang="en-US" sz="1350" dirty="0"/>
+              <a:rPr lang="ja-JP" altLang="en-US" sz="1013" dirty="0"/>
               <a:t>フィルタリングの</a:t>
             </a:r>
             <a:r>
-              <a:rPr lang="en-US" altLang="ja-JP" sz="1350" dirty="0"/>
+              <a:rPr lang="en-US" altLang="ja-JP" sz="1013" dirty="0"/>
               <a:t/>
             </a:r>
             <a:br>
-              <a:rPr lang="en-US" altLang="ja-JP" sz="1350" dirty="0"/>
+              <a:rPr lang="en-US" altLang="ja-JP" sz="1013" dirty="0"/>
             </a:br>
             <a:r>
-              <a:rPr lang="ja-JP" altLang="en-US" sz="1350" dirty="0"/>
+              <a:rPr lang="ja-JP" altLang="en-US" sz="1013" dirty="0"/>
               <a:t>条件文字列</a:t>
             </a:r>
-            <a:endParaRPr lang="ja-JP" altLang="en-US" sz="1350" dirty="0"/>
           </a:p>
         </p:txBody>
       </p:sp>
@@ -5156,8 +5150,8 @@
         </p:nvSpPr>
         <p:spPr>
           <a:xfrm>
-            <a:off x="2514082" y="3269512"/>
-            <a:ext cx="1194104" cy="293425"/>
+            <a:off x="1885562" y="4452384"/>
+            <a:ext cx="895578" cy="220069"/>
           </a:xfrm>
           <a:prstGeom prst="roundRect">
             <a:avLst/>
@@ -5191,14 +5185,14 @@
           <a:p>
             <a:pPr algn="ctr"/>
             <a:r>
-              <a:rPr lang="en-US" altLang="ja-JP" sz="1350" b="1" dirty="0" err="1">
+              <a:rPr lang="en-US" altLang="ja-JP" sz="1013" b="1" dirty="0" err="1">
                 <a:solidFill>
                   <a:schemeClr val="tx1"/>
                 </a:solidFill>
               </a:rPr>
               <a:t>pageLength</a:t>
             </a:r>
-            <a:endParaRPr lang="ja-JP" altLang="en-US" sz="1350" b="1" dirty="0">
+            <a:endParaRPr lang="ja-JP" altLang="en-US" sz="1013" b="1" dirty="0">
               <a:solidFill>
                 <a:schemeClr val="tx1"/>
               </a:solidFill>
@@ -5217,8 +5211,8 @@
         </p:nvCxnSpPr>
         <p:spPr>
           <a:xfrm>
-            <a:off x="3111134" y="2927813"/>
-            <a:ext cx="0" cy="341699"/>
+            <a:off x="2333351" y="4196110"/>
+            <a:ext cx="0" cy="256274"/>
           </a:xfrm>
           <a:prstGeom prst="straightConnector1">
             <a:avLst/>
@@ -5253,8 +5247,8 @@
         </p:nvSpPr>
         <p:spPr>
           <a:xfrm>
-            <a:off x="3985036" y="2780587"/>
-            <a:ext cx="1723986" cy="1429865"/>
+            <a:off x="2988777" y="4085691"/>
+            <a:ext cx="1292990" cy="1072399"/>
           </a:xfrm>
           <a:custGeom>
             <a:avLst/>
@@ -5327,7 +5321,7 @@
           <a:lstStyle/>
           <a:p>
             <a:pPr algn="ctr"/>
-            <a:endParaRPr lang="ja-JP" altLang="en-US" sz="1350"/>
+            <a:endParaRPr lang="ja-JP" altLang="en-US" sz="1013"/>
           </a:p>
         </p:txBody>
       </p:sp>
@@ -5339,8 +5333,8 @@
         </p:nvSpPr>
         <p:spPr>
           <a:xfrm flipH="1">
-            <a:off x="3443982" y="2947048"/>
-            <a:ext cx="1698982" cy="321068"/>
+            <a:off x="2582986" y="4210536"/>
+            <a:ext cx="1274237" cy="240801"/>
           </a:xfrm>
           <a:custGeom>
             <a:avLst/>
@@ -5413,7 +5407,7 @@
           <a:lstStyle/>
           <a:p>
             <a:pPr algn="ctr"/>
-            <a:endParaRPr lang="ja-JP" altLang="en-US" sz="1350"/>
+            <a:endParaRPr lang="ja-JP" altLang="en-US" sz="1013"/>
           </a:p>
         </p:txBody>
       </p:sp>
@@ -5439,8 +5433,8 @@
         </p:blipFill>
         <p:spPr>
           <a:xfrm>
-            <a:off x="3729541" y="1278423"/>
-            <a:ext cx="294698" cy="294698"/>
+            <a:off x="2797156" y="2959067"/>
+            <a:ext cx="221024" cy="221024"/>
           </a:xfrm>
           <a:prstGeom prst="rect">
             <a:avLst/>
@@ -5472,8 +5466,8 @@
         </p:blipFill>
         <p:spPr>
           <a:xfrm>
-            <a:off x="3729541" y="1627739"/>
-            <a:ext cx="294698" cy="294698"/>
+            <a:off x="2797156" y="3221054"/>
+            <a:ext cx="221024" cy="221024"/>
           </a:xfrm>
           <a:prstGeom prst="rect">
             <a:avLst/>
@@ -5505,8 +5499,8 @@
         </p:blipFill>
         <p:spPr>
           <a:xfrm>
-            <a:off x="3729541" y="1979454"/>
-            <a:ext cx="294698" cy="294698"/>
+            <a:off x="2797156" y="3484840"/>
+            <a:ext cx="221024" cy="221024"/>
           </a:xfrm>
           <a:prstGeom prst="rect">
             <a:avLst/>
@@ -5538,8 +5532,8 @@
         </p:blipFill>
         <p:spPr>
           <a:xfrm>
-            <a:off x="3730596" y="2629533"/>
-            <a:ext cx="294698" cy="294698"/>
+            <a:off x="2797947" y="3972400"/>
+            <a:ext cx="221024" cy="221024"/>
           </a:xfrm>
           <a:prstGeom prst="rect">
             <a:avLst/>
@@ -5571,8 +5565,8 @@
         </p:blipFill>
         <p:spPr>
           <a:xfrm>
-            <a:off x="3729541" y="3918195"/>
-            <a:ext cx="294698" cy="294698"/>
+            <a:off x="2797156" y="4938896"/>
+            <a:ext cx="221024" cy="221024"/>
           </a:xfrm>
           <a:prstGeom prst="rect">
             <a:avLst/>
@@ -5590,8 +5584,8 @@
         </p:nvSpPr>
         <p:spPr>
           <a:xfrm>
-            <a:off x="2335394" y="328439"/>
-            <a:ext cx="2188548" cy="647111"/>
+            <a:off x="1751546" y="2246580"/>
+            <a:ext cx="1641411" cy="485333"/>
           </a:xfrm>
           <a:prstGeom prst="wedgeRectCallout">
             <a:avLst>
@@ -5628,36 +5622,35 @@
           <a:p>
             <a:pPr algn="ctr"/>
             <a:r>
-              <a:rPr lang="en-US" altLang="ja-JP" sz="1350" b="1" dirty="0"/>
+              <a:rPr lang="en-US" altLang="ja-JP" sz="1013" b="1" dirty="0"/>
               <a:t>300ms</a:t>
             </a:r>
             <a:r>
-              <a:rPr lang="ja-JP" altLang="en-US" sz="1350" b="1" dirty="0"/>
+              <a:rPr lang="ja-JP" altLang="en-US" sz="1013" b="1" dirty="0"/>
               <a:t>以内に</a:t>
             </a:r>
             <a:r>
-              <a:rPr lang="en-US" altLang="ja-JP" sz="1350" b="1" dirty="0"/>
+              <a:rPr lang="en-US" altLang="ja-JP" sz="1013" b="1" dirty="0"/>
               <a:t/>
             </a:r>
             <a:br>
-              <a:rPr lang="en-US" altLang="ja-JP" sz="1350" b="1" dirty="0"/>
+              <a:rPr lang="en-US" altLang="ja-JP" sz="1013" b="1" dirty="0"/>
             </a:br>
             <a:r>
-              <a:rPr lang="ja-JP" altLang="en-US" sz="1350" b="1" dirty="0"/>
+              <a:rPr lang="ja-JP" altLang="en-US" sz="1013" b="1" dirty="0"/>
               <a:t>次の変更が起きたら</a:t>
             </a:r>
             <a:r>
-              <a:rPr lang="en-US" altLang="ja-JP" sz="1350" b="1" dirty="0"/>
+              <a:rPr lang="en-US" altLang="ja-JP" sz="1013" b="1" dirty="0"/>
               <a:t/>
             </a:r>
             <a:br>
-              <a:rPr lang="en-US" altLang="ja-JP" sz="1350" b="1" dirty="0"/>
+              <a:rPr lang="en-US" altLang="ja-JP" sz="1013" b="1" dirty="0"/>
             </a:br>
             <a:r>
-              <a:rPr lang="ja-JP" altLang="en-US" sz="1350" b="1" dirty="0"/>
+              <a:rPr lang="ja-JP" altLang="en-US" sz="1013" b="1" dirty="0"/>
               <a:t>前の変更を捨てる</a:t>
             </a:r>
-            <a:endParaRPr lang="ja-JP" altLang="en-US" sz="1350" b="1" dirty="0"/>
           </a:p>
         </p:txBody>
       </p:sp>
@@ -5672,8 +5665,8 @@
         </p:nvCxnSpPr>
         <p:spPr>
           <a:xfrm>
-            <a:off x="3111134" y="3562937"/>
-            <a:ext cx="0" cy="354090"/>
+            <a:off x="2333351" y="4672453"/>
+            <a:ext cx="0" cy="265568"/>
           </a:xfrm>
           <a:prstGeom prst="straightConnector1">
             <a:avLst/>
@@ -5708,8 +5701,8 @@
         </p:nvSpPr>
         <p:spPr>
           <a:xfrm>
-            <a:off x="947303" y="3613152"/>
-            <a:ext cx="1191812" cy="349296"/>
+            <a:off x="710477" y="4710114"/>
+            <a:ext cx="893859" cy="261972"/>
           </a:xfrm>
           <a:prstGeom prst="wedgeRectCallout">
             <a:avLst>
@@ -5746,14 +5739,13 @@
           <a:p>
             <a:pPr algn="ctr"/>
             <a:r>
-              <a:rPr lang="en-US" altLang="ja-JP" sz="1350" b="1" dirty="0"/>
+              <a:rPr lang="en-US" altLang="ja-JP" sz="1013" b="1" dirty="0"/>
               <a:t>1</a:t>
             </a:r>
             <a:r>
-              <a:rPr lang="ja-JP" altLang="en-US" sz="1350" b="1" dirty="0"/>
+              <a:rPr lang="ja-JP" altLang="en-US" sz="1013" b="1" dirty="0"/>
               <a:t>にリセット</a:t>
             </a:r>
-            <a:endParaRPr lang="ja-JP" altLang="en-US" sz="1350" b="1" dirty="0"/>
           </a:p>
         </p:txBody>
       </p:sp>
@@ -5779,8 +5771,8 @@
         </p:blipFill>
         <p:spPr>
           <a:xfrm>
-            <a:off x="3669579" y="5313120"/>
-            <a:ext cx="1858818" cy="1858818"/>
+            <a:off x="2752184" y="5985090"/>
+            <a:ext cx="1394114" cy="1394114"/>
           </a:xfrm>
           <a:prstGeom prst="rect">
             <a:avLst/>
@@ -5797,8 +5789,8 @@
         </p:nvCxnSpPr>
         <p:spPr>
           <a:xfrm flipH="1">
-            <a:off x="4841755" y="5074647"/>
-            <a:ext cx="907921" cy="579393"/>
+            <a:off x="3631317" y="5806236"/>
+            <a:ext cx="680941" cy="434545"/>
           </a:xfrm>
           <a:prstGeom prst="straightConnector1">
             <a:avLst/>
@@ -5833,8 +5825,8 @@
         </p:nvSpPr>
         <p:spPr>
           <a:xfrm>
-            <a:off x="5755274" y="5369830"/>
-            <a:ext cx="1101371" cy="349296"/>
+            <a:off x="4316456" y="6027623"/>
+            <a:ext cx="826028" cy="261972"/>
           </a:xfrm>
           <a:prstGeom prst="wedgeRectCallout">
             <a:avLst>
@@ -5871,14 +5863,14 @@
           <a:p>
             <a:pPr algn="ctr"/>
             <a:r>
-              <a:rPr lang="en-US" altLang="ja-JP" sz="1350" b="1" dirty="0" err="1" smtClean="0"/>
+              <a:rPr lang="en-US" altLang="ja-JP" sz="1013" b="1" dirty="0" err="1"/>
               <a:t>renderAll</a:t>
             </a:r>
             <a:r>
-              <a:rPr lang="en-US" altLang="ja-JP" sz="1350" b="1" dirty="0" smtClean="0"/>
+              <a:rPr lang="en-US" altLang="ja-JP" sz="1013" b="1" dirty="0"/>
               <a:t>()</a:t>
             </a:r>
-            <a:endParaRPr lang="ja-JP" altLang="en-US" sz="1350" b="1" dirty="0"/>
+            <a:endParaRPr lang="ja-JP" altLang="en-US" sz="1013" b="1" dirty="0"/>
           </a:p>
         </p:txBody>
       </p:sp>
@@ -5890,8 +5882,8 @@
         </p:nvSpPr>
         <p:spPr>
           <a:xfrm>
-            <a:off x="6200659" y="647152"/>
-            <a:ext cx="1730987" cy="369332"/>
+            <a:off x="4650495" y="2485614"/>
+            <a:ext cx="1344407" cy="300082"/>
           </a:xfrm>
           <a:prstGeom prst="rect">
             <a:avLst/>
@@ -5905,14 +5897,14 @@
           <a:lstStyle/>
           <a:p>
             <a:r>
-              <a:rPr kumimoji="1" lang="en-US" altLang="ja-JP" dirty="0" smtClean="0"/>
+              <a:rPr lang="en-US" altLang="ja-JP" sz="1350" dirty="0"/>
               <a:t>http</a:t>
             </a:r>
             <a:r>
-              <a:rPr kumimoji="1" lang="ja-JP" altLang="en-US" dirty="0" smtClean="0"/>
+              <a:rPr lang="ja-JP" altLang="en-US" sz="1350" dirty="0"/>
               <a:t>リクエスト</a:t>
             </a:r>
-            <a:endParaRPr kumimoji="1" lang="ja-JP" altLang="en-US" dirty="0"/>
+            <a:endParaRPr lang="ja-JP" altLang="en-US" sz="1350" dirty="0"/>
           </a:p>
         </p:txBody>
       </p:sp>
@@ -5924,8 +5916,8 @@
         </p:nvSpPr>
         <p:spPr>
           <a:xfrm>
-            <a:off x="3729542" y="3460823"/>
-            <a:ext cx="797520" cy="2193217"/>
+            <a:off x="2797157" y="4595868"/>
+            <a:ext cx="598140" cy="1644913"/>
           </a:xfrm>
           <a:custGeom>
             <a:avLst/>
@@ -5998,7 +5990,7 @@
           <a:lstStyle/>
           <a:p>
             <a:pPr algn="ctr"/>
-            <a:endParaRPr lang="ja-JP" altLang="en-US" sz="1350"/>
+            <a:endParaRPr lang="ja-JP" altLang="en-US" sz="1013"/>
           </a:p>
         </p:txBody>
       </p:sp>
@@ -6012,8 +6004,8 @@
         </p:nvCxnSpPr>
         <p:spPr>
           <a:xfrm>
-            <a:off x="3111134" y="4210452"/>
-            <a:ext cx="1095623" cy="1443588"/>
+            <a:off x="2333351" y="5158089"/>
+            <a:ext cx="821717" cy="1082691"/>
           </a:xfrm>
           <a:prstGeom prst="straightConnector1">
             <a:avLst/>
@@ -6077,15 +6069,91 @@
           <a:chExt cx="0" cy="0"/>
         </a:xfrm>
       </p:grpSpPr>
+      <p:cxnSp>
+        <p:nvCxnSpPr>
+          <p:cNvPr id="38" name="直線矢印コネクタ 37"/>
+          <p:cNvCxnSpPr>
+            <a:stCxn id="21" idx="3"/>
+            <a:endCxn id="134" idx="1"/>
+          </p:cNvCxnSpPr>
+          <p:nvPr/>
+        </p:nvCxnSpPr>
+        <p:spPr>
+          <a:xfrm flipV="1">
+            <a:off x="1943057" y="3854878"/>
+            <a:ext cx="937302" cy="667910"/>
+          </a:xfrm>
+          <a:prstGeom prst="straightConnector1">
+            <a:avLst/>
+          </a:prstGeom>
+          <a:ln w="57150">
+            <a:solidFill>
+              <a:schemeClr val="accent2"/>
+            </a:solidFill>
+            <a:tailEnd type="triangle"/>
+          </a:ln>
+        </p:spPr>
+        <p:style>
+          <a:lnRef idx="1">
+            <a:schemeClr val="accent1"/>
+          </a:lnRef>
+          <a:fillRef idx="0">
+            <a:schemeClr val="accent1"/>
+          </a:fillRef>
+          <a:effectRef idx="0">
+            <a:schemeClr val="accent1"/>
+          </a:effectRef>
+          <a:fontRef idx="minor">
+            <a:schemeClr val="tx1"/>
+          </a:fontRef>
+        </p:style>
+      </p:cxnSp>
+      <p:cxnSp>
+        <p:nvCxnSpPr>
+          <p:cNvPr id="41" name="直線矢印コネクタ 40"/>
+          <p:cNvCxnSpPr>
+            <a:stCxn id="21" idx="3"/>
+            <a:endCxn id="135" idx="1"/>
+          </p:cNvCxnSpPr>
+          <p:nvPr/>
+        </p:nvCxnSpPr>
+        <p:spPr>
+          <a:xfrm>
+            <a:off x="1943057" y="4522788"/>
+            <a:ext cx="937303" cy="1111798"/>
+          </a:xfrm>
+          <a:prstGeom prst="straightConnector1">
+            <a:avLst/>
+          </a:prstGeom>
+          <a:ln w="57150">
+            <a:solidFill>
+              <a:schemeClr val="accent2"/>
+            </a:solidFill>
+            <a:tailEnd type="triangle"/>
+          </a:ln>
+        </p:spPr>
+        <p:style>
+          <a:lnRef idx="1">
+            <a:schemeClr val="accent1"/>
+          </a:lnRef>
+          <a:fillRef idx="0">
+            <a:schemeClr val="accent1"/>
+          </a:fillRef>
+          <a:effectRef idx="0">
+            <a:schemeClr val="accent1"/>
+          </a:effectRef>
+          <a:fontRef idx="minor">
+            <a:schemeClr val="tx1"/>
+          </a:fontRef>
+        </p:style>
+      </p:cxnSp>
       <p:pic>
         <p:nvPicPr>
-          <p:cNvPr id="5" name="コンテンツ プレースホルダー 4"/>
+          <p:cNvPr id="21" name="図 20"/>
           <p:cNvPicPr>
-            <a:picLocks noGrp="1" noChangeAspect="1"/>
+            <a:picLocks noChangeAspect="1"/>
           </p:cNvPicPr>
-          <p:nvPr>
-            <p:ph idx="1"/>
-          </p:nvPr>
+          <p:nvPr/>
         </p:nvPicPr>
         <p:blipFill>
           <a:blip r:embed="rId2">
@@ -6101,30 +6169,36 @@
         </p:blipFill>
         <p:spPr>
           <a:xfrm>
-            <a:off x="0" y="0"/>
-            <a:ext cx="9143124" cy="6356351"/>
-          </a:xfrm>
+            <a:off x="690023" y="4016755"/>
+            <a:ext cx="1253034" cy="1012066"/>
+          </a:xfrm>
+          <a:prstGeom prst="rect">
+            <a:avLst/>
+          </a:prstGeom>
         </p:spPr>
       </p:pic>
       <p:sp>
         <p:nvSpPr>
-          <p:cNvPr id="7" name="角丸四角形 6"/>
+          <p:cNvPr id="55" name="四角形吹き出し 54"/>
           <p:cNvSpPr/>
           <p:nvPr/>
         </p:nvSpPr>
         <p:spPr>
           <a:xfrm>
-            <a:off x="2056884" y="1560575"/>
-            <a:ext cx="454668" cy="273605"/>
-          </a:xfrm>
-          <a:prstGeom prst="roundRect">
-            <a:avLst/>
+            <a:off x="2599110" y="3013506"/>
+            <a:ext cx="2012046" cy="485333"/>
+          </a:xfrm>
+          <a:prstGeom prst="wedgeRectCallout">
+            <a:avLst>
+              <a:gd name="adj1" fmla="val 20602"/>
+              <a:gd name="adj2" fmla="val 90509"/>
+            </a:avLst>
           </a:prstGeom>
-          <a:noFill/>
-          <a:ln w="28575">
-            <a:solidFill>
-              <a:srgbClr val="FF0000"/>
-            </a:solidFill>
+          <a:solidFill>
+            <a:srgbClr val="FF0000"/>
+          </a:solidFill>
+          <a:ln>
+            <a:noFill/>
           </a:ln>
         </p:spPr>
         <p:style>
@@ -6148,33 +6222,1193 @@
           <a:lstStyle/>
           <a:p>
             <a:pPr algn="ctr"/>
-            <a:endParaRPr lang="ja-JP" altLang="en-US" sz="1350" b="1" dirty="0">
+            <a:r>
+              <a:rPr lang="en-US" altLang="ja-JP" sz="1013" b="1" dirty="0"/>
+              <a:t>300ms</a:t>
+            </a:r>
+            <a:r>
+              <a:rPr lang="ja-JP" altLang="en-US" sz="1013" b="1" dirty="0"/>
+              <a:t>以内の連続した入力で</a:t>
+            </a:r>
+            <a:r>
+              <a:rPr lang="en-US" altLang="ja-JP" sz="1013" b="1" dirty="0"/>
+              <a:t>slice()</a:t>
+            </a:r>
+            <a:r>
+              <a:rPr lang="ja-JP" altLang="en-US" sz="1013" b="1" dirty="0"/>
+              <a:t>を複数回呼ばないように</a:t>
+            </a:r>
+            <a:endParaRPr lang="ja-JP" altLang="en-US" sz="1013" b="1" dirty="0"/>
+          </a:p>
+        </p:txBody>
+      </p:sp>
+      <p:pic>
+        <p:nvPicPr>
+          <p:cNvPr id="100" name="図 99" descr="Ordinateur Pc Surveiller · Image gratuite sur Pixabay"/>
+          <p:cNvPicPr>
+            <a:picLocks noChangeAspect="1"/>
+          </p:cNvPicPr>
+          <p:nvPr/>
+        </p:nvPicPr>
+        <p:blipFill>
+          <a:blip r:embed="rId3" cstate="print">
+            <a:extLst>
+              <a:ext uri="{28A0092B-C50C-407E-A947-70E740481C1C}">
+                <a14:useLocalDpi xmlns:a14="http://schemas.microsoft.com/office/drawing/2010/main" val="0"/>
+              </a:ext>
+            </a:extLst>
+          </a:blip>
+          <a:stretch>
+            <a:fillRect/>
+          </a:stretch>
+        </p:blipFill>
+        <p:spPr>
+          <a:xfrm>
+            <a:off x="3797896" y="7753672"/>
+            <a:ext cx="1394114" cy="1394114"/>
+          </a:xfrm>
+          <a:prstGeom prst="rect">
+            <a:avLst/>
+          </a:prstGeom>
+        </p:spPr>
+      </p:pic>
+      <p:cxnSp>
+        <p:nvCxnSpPr>
+          <p:cNvPr id="101" name="直線矢印コネクタ 100"/>
+          <p:cNvCxnSpPr>
+            <a:stCxn id="135" idx="2"/>
+          </p:cNvCxnSpPr>
+          <p:nvPr/>
+        </p:nvCxnSpPr>
+        <p:spPr>
+          <a:xfrm>
+            <a:off x="3392952" y="5778527"/>
+            <a:ext cx="922998" cy="2141380"/>
+          </a:xfrm>
+          <a:prstGeom prst="straightConnector1">
+            <a:avLst/>
+          </a:prstGeom>
+          <a:ln w="57150">
+            <a:solidFill>
+              <a:srgbClr val="FF0000"/>
+            </a:solidFill>
+            <a:tailEnd type="triangle"/>
+          </a:ln>
+        </p:spPr>
+        <p:style>
+          <a:lnRef idx="1">
+            <a:schemeClr val="accent1"/>
+          </a:lnRef>
+          <a:fillRef idx="0">
+            <a:schemeClr val="accent1"/>
+          </a:fillRef>
+          <a:effectRef idx="0">
+            <a:schemeClr val="accent1"/>
+          </a:effectRef>
+          <a:fontRef idx="minor">
+            <a:schemeClr val="tx1"/>
+          </a:fontRef>
+        </p:style>
+      </p:cxnSp>
+      <p:grpSp>
+        <p:nvGrpSpPr>
+          <p:cNvPr id="157" name="グループ化 156"/>
+          <p:cNvGrpSpPr/>
+          <p:nvPr/>
+        </p:nvGrpSpPr>
+        <p:grpSpPr>
+          <a:xfrm>
+            <a:off x="4934155" y="2156729"/>
+            <a:ext cx="1866548" cy="4555699"/>
+            <a:chOff x="6578872" y="208638"/>
+            <a:chExt cx="2488730" cy="6074265"/>
+          </a:xfrm>
+        </p:grpSpPr>
+        <p:sp>
+          <p:nvSpPr>
+            <p:cNvPr id="4" name="角丸四角形 3"/>
+            <p:cNvSpPr/>
+            <p:nvPr/>
+          </p:nvSpPr>
+          <p:spPr>
+            <a:xfrm>
+              <a:off x="6578875" y="1457264"/>
+              <a:ext cx="1357698" cy="383843"/>
+            </a:xfrm>
+            <a:prstGeom prst="roundRect">
+              <a:avLst/>
+            </a:prstGeom>
+            <a:noFill/>
+            <a:ln w="28575">
+              <a:solidFill>
+                <a:srgbClr val="002060"/>
+              </a:solidFill>
+            </a:ln>
+          </p:spPr>
+          <p:style>
+            <a:lnRef idx="2">
+              <a:schemeClr val="accent1">
+                <a:shade val="50000"/>
+              </a:schemeClr>
+            </a:lnRef>
+            <a:fillRef idx="1">
+              <a:schemeClr val="accent1"/>
+            </a:fillRef>
+            <a:effectRef idx="0">
+              <a:schemeClr val="accent1"/>
+            </a:effectRef>
+            <a:fontRef idx="minor">
+              <a:schemeClr val="lt1"/>
+            </a:fontRef>
+          </p:style>
+          <p:txBody>
+            <a:bodyPr rtlCol="0" anchor="ctr"/>
+            <a:lstStyle/>
+            <a:p>
+              <a:pPr algn="ctr"/>
+              <a:r>
+                <a:rPr lang="en-US" altLang="ja-JP" sz="1013" b="1" dirty="0" err="1">
+                  <a:solidFill>
+                    <a:schemeClr val="tx1"/>
+                  </a:solidFill>
+                </a:rPr>
+                <a:t>CSVstring</a:t>
+              </a:r>
+              <a:endParaRPr lang="ja-JP" altLang="en-US" sz="1013" b="1" dirty="0">
+                <a:solidFill>
+                  <a:schemeClr val="tx1"/>
+                </a:solidFill>
+              </a:endParaRPr>
+            </a:p>
+          </p:txBody>
+        </p:sp>
+        <p:sp>
+          <p:nvSpPr>
+            <p:cNvPr id="6" name="角丸四角形 5"/>
+            <p:cNvSpPr/>
+            <p:nvPr/>
+          </p:nvSpPr>
+          <p:spPr>
+            <a:xfrm>
+              <a:off x="6578873" y="2881379"/>
+              <a:ext cx="1357700" cy="383843"/>
+            </a:xfrm>
+            <a:prstGeom prst="roundRect">
+              <a:avLst/>
+            </a:prstGeom>
+            <a:noFill/>
+            <a:ln w="28575">
+              <a:solidFill>
+                <a:schemeClr val="accent2"/>
+              </a:solidFill>
+            </a:ln>
+          </p:spPr>
+          <p:style>
+            <a:lnRef idx="2">
+              <a:schemeClr val="accent1">
+                <a:shade val="50000"/>
+              </a:schemeClr>
+            </a:lnRef>
+            <a:fillRef idx="1">
+              <a:schemeClr val="accent1"/>
+            </a:fillRef>
+            <a:effectRef idx="0">
+              <a:schemeClr val="accent1"/>
+            </a:effectRef>
+            <a:fontRef idx="minor">
+              <a:schemeClr val="lt1"/>
+            </a:fontRef>
+          </p:style>
+          <p:txBody>
+            <a:bodyPr rtlCol="0" anchor="ctr"/>
+            <a:lstStyle/>
+            <a:p>
+              <a:pPr algn="ctr"/>
+              <a:r>
+                <a:rPr lang="en-US" altLang="ja-JP" sz="1013" b="1" dirty="0">
+                  <a:solidFill>
+                    <a:schemeClr val="tx1"/>
+                  </a:solidFill>
+                </a:rPr>
+                <a:t>table</a:t>
+              </a:r>
+              <a:endParaRPr lang="ja-JP" altLang="en-US" sz="1013" b="1" dirty="0">
+                <a:solidFill>
+                  <a:schemeClr val="tx1"/>
+                </a:solidFill>
+              </a:endParaRPr>
+            </a:p>
+          </p:txBody>
+        </p:sp>
+        <p:sp>
+          <p:nvSpPr>
+            <p:cNvPr id="16" name="角丸四角形 15"/>
+            <p:cNvSpPr/>
+            <p:nvPr/>
+          </p:nvSpPr>
+          <p:spPr>
+            <a:xfrm>
+              <a:off x="6578872" y="5899060"/>
+              <a:ext cx="1357700" cy="383843"/>
+            </a:xfrm>
+            <a:prstGeom prst="roundRect">
+              <a:avLst/>
+            </a:prstGeom>
+            <a:noFill/>
+            <a:ln w="28575">
+              <a:solidFill>
+                <a:schemeClr val="accent2"/>
+              </a:solidFill>
+            </a:ln>
+          </p:spPr>
+          <p:style>
+            <a:lnRef idx="2">
+              <a:schemeClr val="accent1">
+                <a:shade val="50000"/>
+              </a:schemeClr>
+            </a:lnRef>
+            <a:fillRef idx="1">
+              <a:schemeClr val="accent1"/>
+            </a:fillRef>
+            <a:effectRef idx="0">
+              <a:schemeClr val="accent1"/>
+            </a:effectRef>
+            <a:fontRef idx="minor">
+              <a:schemeClr val="lt1"/>
+            </a:fontRef>
+          </p:style>
+          <p:txBody>
+            <a:bodyPr rtlCol="0" anchor="ctr"/>
+            <a:lstStyle/>
+            <a:p>
+              <a:pPr algn="ctr"/>
+              <a:r>
+                <a:rPr lang="en-US" altLang="ja-JP" sz="1013" b="1" dirty="0" err="1">
+                  <a:solidFill>
+                    <a:schemeClr val="tx1"/>
+                  </a:solidFill>
+                </a:rPr>
+                <a:t>tableSliced</a:t>
+              </a:r>
+              <a:endParaRPr lang="ja-JP" altLang="en-US" sz="1013" b="1" dirty="0">
+                <a:solidFill>
+                  <a:schemeClr val="tx1"/>
+                </a:solidFill>
+              </a:endParaRPr>
+            </a:p>
+          </p:txBody>
+        </p:sp>
+        <p:pic>
+          <p:nvPicPr>
+            <p:cNvPr id="17" name="図 16"/>
+            <p:cNvPicPr>
+              <a:picLocks noChangeAspect="1"/>
+            </p:cNvPicPr>
+            <p:nvPr/>
+          </p:nvPicPr>
+          <p:blipFill>
+            <a:blip r:embed="rId4" cstate="print">
+              <a:extLst>
+                <a:ext uri="{28A0092B-C50C-407E-A947-70E740481C1C}">
+                  <a14:useLocalDpi xmlns:a14="http://schemas.microsoft.com/office/drawing/2010/main" val="0"/>
+                </a:ext>
+              </a:extLst>
+            </a:blip>
+            <a:stretch>
+              <a:fillRect/>
+            </a:stretch>
+          </p:blipFill>
+          <p:spPr>
+            <a:xfrm>
+              <a:off x="6616949" y="208638"/>
+              <a:ext cx="1357699" cy="714207"/>
+            </a:xfrm>
+            <a:prstGeom prst="rect">
+              <a:avLst/>
+            </a:prstGeom>
+          </p:spPr>
+        </p:pic>
+        <p:cxnSp>
+          <p:nvCxnSpPr>
+            <p:cNvPr id="24" name="直線矢印コネクタ 23"/>
+            <p:cNvCxnSpPr>
+              <a:stCxn id="4" idx="2"/>
+              <a:endCxn id="6" idx="0"/>
+            </p:cNvCxnSpPr>
+            <p:nvPr/>
+          </p:nvCxnSpPr>
+          <p:spPr>
+            <a:xfrm flipH="1">
+              <a:off x="7257722" y="1841106"/>
+              <a:ext cx="1" cy="1040273"/>
+            </a:xfrm>
+            <a:prstGeom prst="straightConnector1">
+              <a:avLst/>
+            </a:prstGeom>
+            <a:ln w="57150">
               <a:solidFill>
                 <a:schemeClr val="tx1"/>
               </a:solidFill>
-            </a:endParaRPr>
-          </a:p>
-        </p:txBody>
-      </p:sp>
-      <p:sp>
-        <p:nvSpPr>
-          <p:cNvPr id="8" name="角丸四角形 7"/>
-          <p:cNvSpPr/>
+              <a:tailEnd type="triangle"/>
+            </a:ln>
+          </p:spPr>
+          <p:style>
+            <a:lnRef idx="1">
+              <a:schemeClr val="accent1"/>
+            </a:lnRef>
+            <a:fillRef idx="0">
+              <a:schemeClr val="accent1"/>
+            </a:fillRef>
+            <a:effectRef idx="0">
+              <a:schemeClr val="accent1"/>
+            </a:effectRef>
+            <a:fontRef idx="minor">
+              <a:schemeClr val="tx1"/>
+            </a:fontRef>
+          </p:style>
+        </p:cxnSp>
+        <p:cxnSp>
+          <p:nvCxnSpPr>
+            <p:cNvPr id="27" name="直線矢印コネクタ 26"/>
+            <p:cNvCxnSpPr>
+              <a:endCxn id="4" idx="0"/>
+            </p:cNvCxnSpPr>
+            <p:nvPr/>
+          </p:nvCxnSpPr>
+          <p:spPr>
+            <a:xfrm>
+              <a:off x="7257720" y="699315"/>
+              <a:ext cx="4" cy="757949"/>
+            </a:xfrm>
+            <a:prstGeom prst="straightConnector1">
+              <a:avLst/>
+            </a:prstGeom>
+            <a:ln w="57150">
+              <a:solidFill>
+                <a:schemeClr val="tx1"/>
+              </a:solidFill>
+              <a:tailEnd type="triangle"/>
+            </a:ln>
+          </p:spPr>
+          <p:style>
+            <a:lnRef idx="1">
+              <a:schemeClr val="accent1"/>
+            </a:lnRef>
+            <a:fillRef idx="0">
+              <a:schemeClr val="accent1"/>
+            </a:fillRef>
+            <a:effectRef idx="0">
+              <a:schemeClr val="accent1"/>
+            </a:effectRef>
+            <a:fontRef idx="minor">
+              <a:schemeClr val="tx1"/>
+            </a:fontRef>
+          </p:style>
+        </p:cxnSp>
+        <p:cxnSp>
+          <p:nvCxnSpPr>
+            <p:cNvPr id="30" name="直線矢印コネクタ 29"/>
+            <p:cNvCxnSpPr>
+              <a:stCxn id="6" idx="2"/>
+              <a:endCxn id="16" idx="0"/>
+            </p:cNvCxnSpPr>
+            <p:nvPr/>
+          </p:nvCxnSpPr>
+          <p:spPr>
+            <a:xfrm>
+              <a:off x="7257721" y="3265222"/>
+              <a:ext cx="0" cy="2633838"/>
+            </a:xfrm>
+            <a:prstGeom prst="straightConnector1">
+              <a:avLst/>
+            </a:prstGeom>
+            <a:ln w="57150">
+              <a:solidFill>
+                <a:schemeClr val="tx1"/>
+              </a:solidFill>
+              <a:tailEnd type="triangle"/>
+            </a:ln>
+          </p:spPr>
+          <p:style>
+            <a:lnRef idx="1">
+              <a:schemeClr val="accent1"/>
+            </a:lnRef>
+            <a:fillRef idx="0">
+              <a:schemeClr val="accent1"/>
+            </a:fillRef>
+            <a:effectRef idx="0">
+              <a:schemeClr val="accent1"/>
+            </a:effectRef>
+            <a:fontRef idx="minor">
+              <a:schemeClr val="tx1"/>
+            </a:fontRef>
+          </p:style>
+        </p:cxnSp>
+        <p:sp>
+          <p:nvSpPr>
+            <p:cNvPr id="83" name="正方形/長方形 82"/>
+            <p:cNvSpPr/>
+            <p:nvPr/>
+          </p:nvSpPr>
+          <p:spPr>
+            <a:xfrm>
+              <a:off x="6613984" y="2177453"/>
+              <a:ext cx="1287473" cy="349296"/>
+            </a:xfrm>
+            <a:prstGeom prst="rect">
+              <a:avLst/>
+            </a:prstGeom>
+            <a:solidFill>
+              <a:srgbClr val="00B050"/>
+            </a:solidFill>
+            <a:ln>
+              <a:noFill/>
+            </a:ln>
+          </p:spPr>
+          <p:style>
+            <a:lnRef idx="2">
+              <a:schemeClr val="accent1">
+                <a:shade val="50000"/>
+              </a:schemeClr>
+            </a:lnRef>
+            <a:fillRef idx="1">
+              <a:schemeClr val="accent1"/>
+            </a:fillRef>
+            <a:effectRef idx="0">
+              <a:schemeClr val="accent1"/>
+            </a:effectRef>
+            <a:fontRef idx="minor">
+              <a:schemeClr val="lt1"/>
+            </a:fontRef>
+          </p:style>
+          <p:txBody>
+            <a:bodyPr rtlCol="0" anchor="ctr"/>
+            <a:lstStyle/>
+            <a:p>
+              <a:pPr algn="ctr"/>
+              <a:r>
+                <a:rPr lang="en-US" altLang="ja-JP" sz="1013" b="1" dirty="0" err="1"/>
+                <a:t>CSVtoTable</a:t>
+              </a:r>
+              <a:r>
+                <a:rPr lang="en-US" altLang="ja-JP" sz="1013" b="1" dirty="0"/>
+                <a:t>()</a:t>
+              </a:r>
+              <a:endParaRPr lang="ja-JP" altLang="en-US" sz="1013" b="1" dirty="0"/>
+            </a:p>
+          </p:txBody>
+        </p:sp>
+        <p:sp>
+          <p:nvSpPr>
+            <p:cNvPr id="84" name="正方形/長方形 83"/>
+            <p:cNvSpPr/>
+            <p:nvPr/>
+          </p:nvSpPr>
+          <p:spPr>
+            <a:xfrm>
+              <a:off x="6800520" y="5064796"/>
+              <a:ext cx="914400" cy="349296"/>
+            </a:xfrm>
+            <a:prstGeom prst="rect">
+              <a:avLst/>
+            </a:prstGeom>
+            <a:solidFill>
+              <a:srgbClr val="00B050"/>
+            </a:solidFill>
+            <a:ln>
+              <a:noFill/>
+            </a:ln>
+          </p:spPr>
+          <p:style>
+            <a:lnRef idx="2">
+              <a:schemeClr val="accent1">
+                <a:shade val="50000"/>
+              </a:schemeClr>
+            </a:lnRef>
+            <a:fillRef idx="1">
+              <a:schemeClr val="accent1"/>
+            </a:fillRef>
+            <a:effectRef idx="0">
+              <a:schemeClr val="accent1"/>
+            </a:effectRef>
+            <a:fontRef idx="minor">
+              <a:schemeClr val="lt1"/>
+            </a:fontRef>
+          </p:style>
+          <p:txBody>
+            <a:bodyPr rtlCol="0" anchor="ctr"/>
+            <a:lstStyle/>
+            <a:p>
+              <a:pPr algn="ctr"/>
+              <a:r>
+                <a:rPr lang="en-US" altLang="ja-JP" sz="1013" b="1" dirty="0"/>
+                <a:t>slice</a:t>
+              </a:r>
+              <a:endParaRPr lang="ja-JP" altLang="en-US" sz="1013" b="1" dirty="0"/>
+            </a:p>
+          </p:txBody>
+        </p:sp>
+        <p:sp>
+          <p:nvSpPr>
+            <p:cNvPr id="110" name="テキスト ボックス 109"/>
+            <p:cNvSpPr txBox="1"/>
+            <p:nvPr/>
+          </p:nvSpPr>
+          <p:spPr>
+            <a:xfrm>
+              <a:off x="7275060" y="907633"/>
+              <a:ext cx="1792542" cy="400109"/>
+            </a:xfrm>
+            <a:prstGeom prst="rect">
+              <a:avLst/>
+            </a:prstGeom>
+            <a:noFill/>
+          </p:spPr>
+          <p:txBody>
+            <a:bodyPr wrap="none" rtlCol="0">
+              <a:spAutoFit/>
+            </a:bodyPr>
+            <a:lstStyle/>
+            <a:p>
+              <a:r>
+                <a:rPr lang="en-US" altLang="ja-JP" sz="1350" dirty="0"/>
+                <a:t>http</a:t>
+              </a:r>
+              <a:r>
+                <a:rPr lang="ja-JP" altLang="en-US" sz="1350" dirty="0"/>
+                <a:t>リクエスト</a:t>
+              </a:r>
+              <a:endParaRPr lang="ja-JP" altLang="en-US" sz="1350" dirty="0"/>
+            </a:p>
+          </p:txBody>
+        </p:sp>
+      </p:grpSp>
+      <p:cxnSp>
+        <p:nvCxnSpPr>
+          <p:cNvPr id="54" name="直線矢印コネクタ 53"/>
+          <p:cNvCxnSpPr>
+            <a:stCxn id="6" idx="1"/>
+          </p:cNvCxnSpPr>
           <p:nvPr/>
-        </p:nvSpPr>
-        <p:spPr>
-          <a:xfrm>
-            <a:off x="2800596" y="1560574"/>
-            <a:ext cx="454668" cy="273605"/>
-          </a:xfrm>
-          <a:prstGeom prst="roundRect">
+        </p:nvCxnSpPr>
+        <p:spPr>
+          <a:xfrm flipH="1">
+            <a:off x="3905547" y="4305226"/>
+            <a:ext cx="1028608" cy="261729"/>
+          </a:xfrm>
+          <a:prstGeom prst="straightConnector1">
             <a:avLst/>
           </a:prstGeom>
-          <a:noFill/>
-          <a:ln w="28575">
+          <a:ln w="57150">
+            <a:solidFill>
+              <a:schemeClr val="tx1"/>
+            </a:solidFill>
+            <a:tailEnd type="triangle"/>
+          </a:ln>
+        </p:spPr>
+        <p:style>
+          <a:lnRef idx="1">
+            <a:schemeClr val="accent1"/>
+          </a:lnRef>
+          <a:fillRef idx="0">
+            <a:schemeClr val="accent1"/>
+          </a:fillRef>
+          <a:effectRef idx="0">
+            <a:schemeClr val="accent1"/>
+          </a:effectRef>
+          <a:fontRef idx="minor">
+            <a:schemeClr val="tx1"/>
+          </a:fontRef>
+        </p:style>
+      </p:cxnSp>
+      <p:cxnSp>
+        <p:nvCxnSpPr>
+          <p:cNvPr id="57" name="直線矢印コネクタ 56"/>
+          <p:cNvCxnSpPr>
+            <a:stCxn id="52" idx="3"/>
+          </p:cNvCxnSpPr>
+          <p:nvPr/>
+        </p:nvCxnSpPr>
+        <p:spPr>
+          <a:xfrm>
+            <a:off x="4139988" y="3852591"/>
+            <a:ext cx="1052022" cy="1925936"/>
+          </a:xfrm>
+          <a:prstGeom prst="straightConnector1">
+            <a:avLst/>
+          </a:prstGeom>
+          <a:ln w="57150">
+            <a:solidFill>
+              <a:schemeClr val="tx1"/>
+            </a:solidFill>
+            <a:tailEnd type="triangle"/>
+          </a:ln>
+        </p:spPr>
+        <p:style>
+          <a:lnRef idx="1">
+            <a:schemeClr val="accent1"/>
+          </a:lnRef>
+          <a:fillRef idx="0">
+            <a:schemeClr val="accent1"/>
+          </a:fillRef>
+          <a:effectRef idx="0">
+            <a:schemeClr val="accent1"/>
+          </a:effectRef>
+          <a:fontRef idx="minor">
+            <a:schemeClr val="tx1"/>
+          </a:fontRef>
+        </p:style>
+      </p:cxnSp>
+      <p:cxnSp>
+        <p:nvCxnSpPr>
+          <p:cNvPr id="60" name="直線矢印コネクタ 59"/>
+          <p:cNvCxnSpPr>
+            <a:stCxn id="53" idx="3"/>
+            <a:endCxn id="84" idx="1"/>
+          </p:cNvCxnSpPr>
+          <p:nvPr/>
+        </p:nvCxnSpPr>
+        <p:spPr>
+          <a:xfrm>
+            <a:off x="4143632" y="5634586"/>
+            <a:ext cx="956759" cy="295248"/>
+          </a:xfrm>
+          <a:prstGeom prst="straightConnector1">
+            <a:avLst/>
+          </a:prstGeom>
+          <a:ln w="57150">
+            <a:solidFill>
+              <a:schemeClr val="tx1"/>
+            </a:solidFill>
+            <a:tailEnd type="triangle"/>
+          </a:ln>
+        </p:spPr>
+        <p:style>
+          <a:lnRef idx="1">
+            <a:schemeClr val="accent1"/>
+          </a:lnRef>
+          <a:fillRef idx="0">
+            <a:schemeClr val="accent1"/>
+          </a:fillRef>
+          <a:effectRef idx="0">
+            <a:schemeClr val="accent1"/>
+          </a:effectRef>
+          <a:fontRef idx="minor">
+            <a:schemeClr val="tx1"/>
+          </a:fontRef>
+        </p:style>
+      </p:cxnSp>
+      <p:grpSp>
+        <p:nvGrpSpPr>
+          <p:cNvPr id="156" name="グループ化 155"/>
+          <p:cNvGrpSpPr/>
+          <p:nvPr/>
+        </p:nvGrpSpPr>
+        <p:grpSpPr>
+          <a:xfrm>
+            <a:off x="2880359" y="3710937"/>
+            <a:ext cx="1263273" cy="2067590"/>
+            <a:chOff x="3774199" y="1676791"/>
+            <a:chExt cx="1684364" cy="2756787"/>
+          </a:xfrm>
+        </p:grpSpPr>
+        <p:cxnSp>
+          <p:nvCxnSpPr>
+            <p:cNvPr id="51" name="直線矢印コネクタ 50"/>
+            <p:cNvCxnSpPr>
+              <a:stCxn id="134" idx="2"/>
+            </p:cNvCxnSpPr>
+            <p:nvPr/>
+          </p:nvCxnSpPr>
+          <p:spPr>
+            <a:xfrm>
+              <a:off x="4457656" y="2060634"/>
+              <a:ext cx="1" cy="565593"/>
+            </a:xfrm>
+            <a:prstGeom prst="straightConnector1">
+              <a:avLst/>
+            </a:prstGeom>
+            <a:ln w="57150">
+              <a:solidFill>
+                <a:schemeClr val="tx1"/>
+              </a:solidFill>
+              <a:tailEnd type="triangle"/>
+            </a:ln>
+          </p:spPr>
+          <p:style>
+            <a:lnRef idx="1">
+              <a:schemeClr val="accent1"/>
+            </a:lnRef>
+            <a:fillRef idx="0">
+              <a:schemeClr val="accent1"/>
+            </a:fillRef>
+            <a:effectRef idx="0">
+              <a:schemeClr val="accent1"/>
+            </a:effectRef>
+            <a:fontRef idx="minor">
+              <a:schemeClr val="tx1"/>
+            </a:fontRef>
+          </p:style>
+        </p:cxnSp>
+        <p:cxnSp>
+          <p:nvCxnSpPr>
+            <p:cNvPr id="56" name="直線矢印コネクタ 55"/>
+            <p:cNvCxnSpPr>
+              <a:stCxn id="133" idx="2"/>
+            </p:cNvCxnSpPr>
+            <p:nvPr/>
+          </p:nvCxnSpPr>
+          <p:spPr>
+            <a:xfrm flipH="1">
+              <a:off x="4457656" y="3010070"/>
+              <a:ext cx="1" cy="1039665"/>
+            </a:xfrm>
+            <a:prstGeom prst="straightConnector1">
+              <a:avLst/>
+            </a:prstGeom>
+            <a:ln w="57150">
+              <a:solidFill>
+                <a:schemeClr val="tx1"/>
+              </a:solidFill>
+              <a:tailEnd type="triangle"/>
+            </a:ln>
+          </p:spPr>
+          <p:style>
+            <a:lnRef idx="1">
+              <a:schemeClr val="accent1"/>
+            </a:lnRef>
+            <a:fillRef idx="0">
+              <a:schemeClr val="accent1"/>
+            </a:fillRef>
+            <a:effectRef idx="0">
+              <a:schemeClr val="accent1"/>
+            </a:effectRef>
+            <a:fontRef idx="minor">
+              <a:schemeClr val="tx1"/>
+            </a:fontRef>
+          </p:style>
+        </p:cxnSp>
+        <p:sp>
+          <p:nvSpPr>
+            <p:cNvPr id="65" name="正方形/長方形 64"/>
+            <p:cNvSpPr/>
+            <p:nvPr/>
+          </p:nvSpPr>
+          <p:spPr>
+            <a:xfrm>
+              <a:off x="3867995" y="3316597"/>
+              <a:ext cx="1191812" cy="349296"/>
+            </a:xfrm>
+            <a:prstGeom prst="rect">
+              <a:avLst/>
+            </a:prstGeom>
+            <a:solidFill>
+              <a:srgbClr val="00B050"/>
+            </a:solidFill>
+            <a:ln>
+              <a:noFill/>
+            </a:ln>
+          </p:spPr>
+          <p:style>
+            <a:lnRef idx="2">
+              <a:schemeClr val="accent1">
+                <a:shade val="50000"/>
+              </a:schemeClr>
+            </a:lnRef>
+            <a:fillRef idx="1">
+              <a:schemeClr val="accent1"/>
+            </a:fillRef>
+            <a:effectRef idx="0">
+              <a:schemeClr val="accent1"/>
+            </a:effectRef>
+            <a:fontRef idx="minor">
+              <a:schemeClr val="lt1"/>
+            </a:fontRef>
+          </p:style>
+          <p:txBody>
+            <a:bodyPr rtlCol="0" anchor="ctr"/>
+            <a:lstStyle/>
+            <a:p>
+              <a:pPr algn="ctr"/>
+              <a:r>
+                <a:rPr lang="en-US" altLang="ja-JP" sz="1013" b="1" dirty="0"/>
+                <a:t>1</a:t>
+              </a:r>
+              <a:r>
+                <a:rPr lang="ja-JP" altLang="en-US" sz="1013" b="1" dirty="0"/>
+                <a:t>にリセット</a:t>
+              </a:r>
+            </a:p>
+          </p:txBody>
+        </p:sp>
+        <p:sp>
+          <p:nvSpPr>
+            <p:cNvPr id="133" name="角丸四角形 132"/>
+            <p:cNvSpPr/>
+            <p:nvPr/>
+          </p:nvSpPr>
+          <p:spPr>
+            <a:xfrm>
+              <a:off x="3774203" y="2626227"/>
+              <a:ext cx="1366912" cy="383843"/>
+            </a:xfrm>
+            <a:prstGeom prst="roundRect">
+              <a:avLst/>
+            </a:prstGeom>
+            <a:noFill/>
+            <a:ln w="28575">
+              <a:solidFill>
+                <a:schemeClr val="accent2"/>
+              </a:solidFill>
+            </a:ln>
+          </p:spPr>
+          <p:style>
+            <a:lnRef idx="2">
+              <a:schemeClr val="accent1">
+                <a:shade val="50000"/>
+              </a:schemeClr>
+            </a:lnRef>
+            <a:fillRef idx="1">
+              <a:schemeClr val="accent1"/>
+            </a:fillRef>
+            <a:effectRef idx="0">
+              <a:schemeClr val="accent1"/>
+            </a:effectRef>
+            <a:fontRef idx="minor">
+              <a:schemeClr val="lt1"/>
+            </a:fontRef>
+          </p:style>
+          <p:txBody>
+            <a:bodyPr rtlCol="0" anchor="ctr"/>
+            <a:lstStyle/>
+            <a:p>
+              <a:pPr algn="ctr"/>
+              <a:r>
+                <a:rPr lang="en-US" altLang="ja-JP" sz="1013" b="1" dirty="0" err="1">
+                  <a:solidFill>
+                    <a:schemeClr val="tx1"/>
+                  </a:solidFill>
+                </a:rPr>
+                <a:t>pageLength</a:t>
+              </a:r>
+              <a:endParaRPr lang="ja-JP" altLang="en-US" sz="1013" b="1" dirty="0">
+                <a:solidFill>
+                  <a:schemeClr val="tx1"/>
+                </a:solidFill>
+              </a:endParaRPr>
+            </a:p>
+          </p:txBody>
+        </p:sp>
+        <p:grpSp>
+          <p:nvGrpSpPr>
+            <p:cNvPr id="151" name="グループ化 150"/>
+            <p:cNvGrpSpPr/>
+            <p:nvPr/>
+          </p:nvGrpSpPr>
+          <p:grpSpPr>
+            <a:xfrm>
+              <a:off x="3774199" y="1676791"/>
+              <a:ext cx="1679504" cy="383843"/>
+              <a:chOff x="3774199" y="1676791"/>
+              <a:chExt cx="1679504" cy="383843"/>
+            </a:xfrm>
+          </p:grpSpPr>
+          <p:pic>
+            <p:nvPicPr>
+              <p:cNvPr id="52" name="図 51"/>
+              <p:cNvPicPr>
+                <a:picLocks noChangeAspect="1"/>
+              </p:cNvPicPr>
+              <p:nvPr/>
+            </p:nvPicPr>
+            <p:blipFill>
+              <a:blip r:embed="rId5" cstate="print">
+                <a:extLst>
+                  <a:ext uri="{28A0092B-C50C-407E-A947-70E740481C1C}">
+                    <a14:useLocalDpi xmlns:a14="http://schemas.microsoft.com/office/drawing/2010/main" val="0"/>
+                  </a:ext>
+                </a:extLst>
+              </a:blip>
+              <a:stretch>
+                <a:fillRect/>
+              </a:stretch>
+            </p:blipFill>
+            <p:spPr>
+              <a:xfrm>
+                <a:off x="5159005" y="1718314"/>
+                <a:ext cx="294698" cy="294698"/>
+              </a:xfrm>
+              <a:prstGeom prst="rect">
+                <a:avLst/>
+              </a:prstGeom>
+              <a:solidFill>
+                <a:srgbClr val="FFFF00"/>
+              </a:solidFill>
+            </p:spPr>
+          </p:pic>
+          <p:sp>
+            <p:nvSpPr>
+              <p:cNvPr id="134" name="角丸四角形 133"/>
+              <p:cNvSpPr/>
+              <p:nvPr/>
+            </p:nvSpPr>
+            <p:spPr>
+              <a:xfrm>
+                <a:off x="3774199" y="1676791"/>
+                <a:ext cx="1366912" cy="383843"/>
+              </a:xfrm>
+              <a:prstGeom prst="roundRect">
+                <a:avLst/>
+              </a:prstGeom>
+              <a:noFill/>
+              <a:ln w="28575">
+                <a:solidFill>
+                  <a:schemeClr val="accent2"/>
+                </a:solidFill>
+              </a:ln>
+            </p:spPr>
+            <p:style>
+              <a:lnRef idx="2">
+                <a:schemeClr val="accent1">
+                  <a:shade val="50000"/>
+                </a:schemeClr>
+              </a:lnRef>
+              <a:fillRef idx="1">
+                <a:schemeClr val="accent1"/>
+              </a:fillRef>
+              <a:effectRef idx="0">
+                <a:schemeClr val="accent1"/>
+              </a:effectRef>
+              <a:fontRef idx="minor">
+                <a:schemeClr val="lt1"/>
+              </a:fontRef>
+            </p:style>
+            <p:txBody>
+              <a:bodyPr rtlCol="0" anchor="ctr"/>
+              <a:lstStyle/>
+              <a:p>
+                <a:pPr algn="ctr"/>
+                <a:r>
+                  <a:rPr lang="en-US" altLang="ja-JP" sz="1013" b="1" dirty="0" err="1">
+                    <a:solidFill>
+                      <a:schemeClr val="tx1"/>
+                    </a:solidFill>
+                  </a:rPr>
+                  <a:t>itemsPerPage</a:t>
+                </a:r>
+                <a:endParaRPr lang="ja-JP" altLang="en-US" sz="1013" b="1" dirty="0">
+                  <a:solidFill>
+                    <a:schemeClr val="tx1"/>
+                  </a:solidFill>
+                </a:endParaRPr>
+              </a:p>
+            </p:txBody>
+          </p:sp>
+        </p:grpSp>
+        <p:grpSp>
+          <p:nvGrpSpPr>
+            <p:cNvPr id="154" name="グループ化 153"/>
+            <p:cNvGrpSpPr/>
+            <p:nvPr/>
+          </p:nvGrpSpPr>
+          <p:grpSpPr>
+            <a:xfrm>
+              <a:off x="3774200" y="4049735"/>
+              <a:ext cx="1684363" cy="383843"/>
+              <a:chOff x="3774200" y="4049735"/>
+              <a:chExt cx="1684363" cy="383843"/>
+            </a:xfrm>
+          </p:grpSpPr>
+          <p:pic>
+            <p:nvPicPr>
+              <p:cNvPr id="53" name="図 52"/>
+              <p:cNvPicPr>
+                <a:picLocks noChangeAspect="1"/>
+              </p:cNvPicPr>
+              <p:nvPr/>
+            </p:nvPicPr>
+            <p:blipFill>
+              <a:blip r:embed="rId5" cstate="print">
+                <a:extLst>
+                  <a:ext uri="{28A0092B-C50C-407E-A947-70E740481C1C}">
+                    <a14:useLocalDpi xmlns:a14="http://schemas.microsoft.com/office/drawing/2010/main" val="0"/>
+                  </a:ext>
+                </a:extLst>
+              </a:blip>
+              <a:stretch>
+                <a:fillRect/>
+              </a:stretch>
+            </p:blipFill>
+            <p:spPr>
+              <a:xfrm>
+                <a:off x="5163865" y="4094307"/>
+                <a:ext cx="294698" cy="294698"/>
+              </a:xfrm>
+              <a:prstGeom prst="rect">
+                <a:avLst/>
+              </a:prstGeom>
+              <a:solidFill>
+                <a:srgbClr val="FFFF00"/>
+              </a:solidFill>
+            </p:spPr>
+          </p:pic>
+          <p:sp>
+            <p:nvSpPr>
+              <p:cNvPr id="135" name="角丸四角形 134"/>
+              <p:cNvSpPr/>
+              <p:nvPr/>
+            </p:nvSpPr>
+            <p:spPr>
+              <a:xfrm>
+                <a:off x="3774200" y="4049735"/>
+                <a:ext cx="1366912" cy="383843"/>
+              </a:xfrm>
+              <a:prstGeom prst="roundRect">
+                <a:avLst/>
+              </a:prstGeom>
+              <a:noFill/>
+              <a:ln w="28575">
+                <a:solidFill>
+                  <a:schemeClr val="accent2"/>
+                </a:solidFill>
+              </a:ln>
+            </p:spPr>
+            <p:style>
+              <a:lnRef idx="2">
+                <a:schemeClr val="accent1">
+                  <a:shade val="50000"/>
+                </a:schemeClr>
+              </a:lnRef>
+              <a:fillRef idx="1">
+                <a:schemeClr val="accent1"/>
+              </a:fillRef>
+              <a:effectRef idx="0">
+                <a:schemeClr val="accent1"/>
+              </a:effectRef>
+              <a:fontRef idx="minor">
+                <a:schemeClr val="lt1"/>
+              </a:fontRef>
+            </p:style>
+            <p:txBody>
+              <a:bodyPr rtlCol="0" anchor="ctr"/>
+              <a:lstStyle/>
+              <a:p>
+                <a:pPr algn="ctr"/>
+                <a:r>
+                  <a:rPr lang="en-US" altLang="ja-JP" sz="1013" b="1" dirty="0" err="1">
+                    <a:solidFill>
+                      <a:schemeClr val="tx1"/>
+                    </a:solidFill>
+                  </a:rPr>
+                  <a:t>pageNumber</a:t>
+                </a:r>
+                <a:endParaRPr lang="ja-JP" altLang="en-US" sz="788" b="1" dirty="0">
+                  <a:solidFill>
+                    <a:schemeClr val="tx1"/>
+                  </a:solidFill>
+                </a:endParaRPr>
+              </a:p>
+            </p:txBody>
+          </p:sp>
+        </p:grpSp>
+      </p:grpSp>
+      <p:cxnSp>
+        <p:nvCxnSpPr>
+          <p:cNvPr id="165" name="直線矢印コネクタ 164"/>
+          <p:cNvCxnSpPr>
+            <a:stCxn id="16" idx="2"/>
+          </p:cNvCxnSpPr>
+          <p:nvPr/>
+        </p:nvCxnSpPr>
+        <p:spPr>
+          <a:xfrm flipH="1">
+            <a:off x="4614833" y="6712428"/>
+            <a:ext cx="828460" cy="1207479"/>
+          </a:xfrm>
+          <a:prstGeom prst="straightConnector1">
+            <a:avLst/>
+          </a:prstGeom>
+          <a:ln w="57150">
             <a:solidFill>
               <a:srgbClr val="FF0000"/>
             </a:solidFill>
+            <a:tailEnd type="triangle"/>
+          </a:ln>
+        </p:spPr>
+        <p:style>
+          <a:lnRef idx="1">
+            <a:schemeClr val="accent1"/>
+          </a:lnRef>
+          <a:fillRef idx="0">
+            <a:schemeClr val="accent1"/>
+          </a:fillRef>
+          <a:effectRef idx="0">
+            <a:schemeClr val="accent1"/>
+          </a:effectRef>
+          <a:fontRef idx="minor">
+            <a:schemeClr val="tx1"/>
+          </a:fontRef>
+        </p:style>
+      </p:cxnSp>
+      <p:sp>
+        <p:nvSpPr>
+          <p:cNvPr id="184" name="フリーフォーム 183"/>
+          <p:cNvSpPr/>
+          <p:nvPr/>
+        </p:nvSpPr>
+        <p:spPr>
+          <a:xfrm>
+            <a:off x="3904367" y="4684743"/>
+            <a:ext cx="587421" cy="3235164"/>
+          </a:xfrm>
+          <a:custGeom>
+            <a:avLst/>
+            <a:gdLst>
+              <a:gd name="connsiteX0" fmla="*/ 0 w 569408"/>
+              <a:gd name="connsiteY0" fmla="*/ 0 h 1249680"/>
+              <a:gd name="connsiteX1" fmla="*/ 477520 w 569408"/>
+              <a:gd name="connsiteY1" fmla="*/ 355600 h 1249680"/>
+              <a:gd name="connsiteX2" fmla="*/ 568960 w 569408"/>
+              <a:gd name="connsiteY2" fmla="*/ 1249680 h 1249680"/>
+            </a:gdLst>
+            <a:ahLst/>
+            <a:cxnLst>
+              <a:cxn ang="0">
+                <a:pos x="connsiteX0" y="connsiteY0"/>
+              </a:cxn>
+              <a:cxn ang="0">
+                <a:pos x="connsiteX1" y="connsiteY1"/>
+              </a:cxn>
+              <a:cxn ang="0">
+                <a:pos x="connsiteX2" y="connsiteY2"/>
+              </a:cxn>
+            </a:cxnLst>
+            <a:rect l="l" t="t" r="r" b="b"/>
+            <a:pathLst>
+              <a:path w="569408" h="1249680">
+                <a:moveTo>
+                  <a:pt x="0" y="0"/>
+                </a:moveTo>
+                <a:cubicBezTo>
+                  <a:pt x="191346" y="73660"/>
+                  <a:pt x="382693" y="147320"/>
+                  <a:pt x="477520" y="355600"/>
+                </a:cubicBezTo>
+                <a:cubicBezTo>
+                  <a:pt x="572347" y="563880"/>
+                  <a:pt x="570653" y="906780"/>
+                  <a:pt x="568960" y="1249680"/>
+                </a:cubicBezTo>
+              </a:path>
+            </a:pathLst>
+          </a:custGeom>
+          <a:noFill/>
+          <a:ln w="57150">
+            <a:solidFill>
+              <a:srgbClr val="FF0000"/>
+            </a:solidFill>
+            <a:headEnd type="none" w="med" len="med"/>
+            <a:tailEnd type="triangle" w="med" len="med"/>
           </a:ln>
         </p:spPr>
         <p:style>
@@ -6198,33 +7432,29 @@
           <a:lstStyle/>
           <a:p>
             <a:pPr algn="ctr"/>
-            <a:endParaRPr lang="ja-JP" altLang="en-US" sz="1350" b="1" dirty="0">
-              <a:solidFill>
-                <a:schemeClr val="tx1"/>
-              </a:solidFill>
-            </a:endParaRPr>
-          </a:p>
-        </p:txBody>
-      </p:sp>
-      <p:sp>
-        <p:nvSpPr>
-          <p:cNvPr id="9" name="角丸四角形 8"/>
+            <a:endParaRPr kumimoji="1" lang="ja-JP" altLang="en-US"/>
+          </a:p>
+        </p:txBody>
+      </p:sp>
+      <p:sp>
+        <p:nvSpPr>
+          <p:cNvPr id="105" name="正方形/長方形 104"/>
           <p:cNvSpPr/>
           <p:nvPr/>
         </p:nvSpPr>
         <p:spPr>
           <a:xfrm>
-            <a:off x="4525764" y="1560574"/>
-            <a:ext cx="259596" cy="273605"/>
-          </a:xfrm>
-          <a:prstGeom prst="roundRect">
+            <a:off x="3945532" y="7284658"/>
+            <a:ext cx="1183204" cy="301533"/>
+          </a:xfrm>
+          <a:prstGeom prst="rect">
             <a:avLst/>
           </a:prstGeom>
-          <a:noFill/>
-          <a:ln w="28575">
-            <a:solidFill>
-              <a:srgbClr val="FF0000"/>
-            </a:solidFill>
+          <a:solidFill>
+            <a:srgbClr val="00B050"/>
+          </a:solidFill>
+          <a:ln>
+            <a:noFill/>
           </a:ln>
         </p:spPr>
         <p:style>
@@ -6248,326 +7478,35 @@
           <a:lstStyle/>
           <a:p>
             <a:pPr algn="ctr"/>
-            <a:endParaRPr lang="ja-JP" altLang="en-US" sz="1350" b="1" dirty="0">
-              <a:solidFill>
-                <a:schemeClr val="tx1"/>
-              </a:solidFill>
-            </a:endParaRPr>
-          </a:p>
-        </p:txBody>
-      </p:sp>
-      <p:sp>
-        <p:nvSpPr>
-          <p:cNvPr id="10" name="角丸四角形 9"/>
-          <p:cNvSpPr/>
-          <p:nvPr/>
-        </p:nvSpPr>
-        <p:spPr>
-          <a:xfrm>
-            <a:off x="4937760" y="1560572"/>
-            <a:ext cx="374388" cy="273605"/>
-          </a:xfrm>
-          <a:prstGeom prst="roundRect">
-            <a:avLst/>
-          </a:prstGeom>
-          <a:noFill/>
-          <a:ln w="28575">
-            <a:solidFill>
-              <a:srgbClr val="FF0000"/>
-            </a:solidFill>
-          </a:ln>
-        </p:spPr>
-        <p:style>
-          <a:lnRef idx="2">
-            <a:schemeClr val="accent1">
-              <a:shade val="50000"/>
-            </a:schemeClr>
-          </a:lnRef>
-          <a:fillRef idx="1">
-            <a:schemeClr val="accent1"/>
-          </a:fillRef>
-          <a:effectRef idx="0">
-            <a:schemeClr val="accent1"/>
-          </a:effectRef>
-          <a:fontRef idx="minor">
-            <a:schemeClr val="lt1"/>
-          </a:fontRef>
-        </p:style>
-        <p:txBody>
-          <a:bodyPr rtlCol="0" anchor="ctr"/>
-          <a:lstStyle/>
-          <a:p>
-            <a:pPr algn="ctr"/>
-            <a:endParaRPr lang="ja-JP" altLang="en-US" sz="1350" b="1" dirty="0">
-              <a:solidFill>
-                <a:schemeClr val="tx1"/>
-              </a:solidFill>
-            </a:endParaRPr>
-          </a:p>
-        </p:txBody>
-      </p:sp>
-      <p:sp>
-        <p:nvSpPr>
-          <p:cNvPr id="11" name="角丸四角形 10"/>
-          <p:cNvSpPr/>
-          <p:nvPr/>
-        </p:nvSpPr>
-        <p:spPr>
-          <a:xfrm>
-            <a:off x="316992" y="2261612"/>
-            <a:ext cx="548640" cy="273605"/>
-          </a:xfrm>
-          <a:prstGeom prst="roundRect">
-            <a:avLst/>
-          </a:prstGeom>
-          <a:noFill/>
-          <a:ln w="28575">
-            <a:solidFill>
-              <a:srgbClr val="FF0000"/>
-            </a:solidFill>
-          </a:ln>
-        </p:spPr>
-        <p:style>
-          <a:lnRef idx="2">
-            <a:schemeClr val="accent1">
-              <a:shade val="50000"/>
-            </a:schemeClr>
-          </a:lnRef>
-          <a:fillRef idx="1">
-            <a:schemeClr val="accent1"/>
-          </a:fillRef>
-          <a:effectRef idx="0">
-            <a:schemeClr val="accent1"/>
-          </a:effectRef>
-          <a:fontRef idx="minor">
-            <a:schemeClr val="lt1"/>
-          </a:fontRef>
-        </p:style>
-        <p:txBody>
-          <a:bodyPr rtlCol="0" anchor="ctr"/>
-          <a:lstStyle/>
-          <a:p>
-            <a:pPr algn="ctr"/>
-            <a:endParaRPr lang="ja-JP" altLang="en-US" sz="1350" b="1" dirty="0">
-              <a:solidFill>
-                <a:schemeClr val="tx1"/>
-              </a:solidFill>
-            </a:endParaRPr>
-          </a:p>
-        </p:txBody>
-      </p:sp>
-      <p:sp>
-        <p:nvSpPr>
-          <p:cNvPr id="13" name="角丸四角形 12"/>
-          <p:cNvSpPr/>
-          <p:nvPr/>
-        </p:nvSpPr>
-        <p:spPr>
-          <a:xfrm>
-            <a:off x="316992" y="2980944"/>
-            <a:ext cx="2042160" cy="413809"/>
-          </a:xfrm>
-          <a:prstGeom prst="roundRect">
-            <a:avLst/>
-          </a:prstGeom>
-          <a:noFill/>
-          <a:ln w="28575">
-            <a:solidFill>
-              <a:srgbClr val="FF0000"/>
-            </a:solidFill>
-          </a:ln>
-        </p:spPr>
-        <p:style>
-          <a:lnRef idx="2">
-            <a:schemeClr val="accent1">
-              <a:shade val="50000"/>
-            </a:schemeClr>
-          </a:lnRef>
-          <a:fillRef idx="1">
-            <a:schemeClr val="accent1"/>
-          </a:fillRef>
-          <a:effectRef idx="0">
-            <a:schemeClr val="accent1"/>
-          </a:effectRef>
-          <a:fontRef idx="minor">
-            <a:schemeClr val="lt1"/>
-          </a:fontRef>
-        </p:style>
-        <p:txBody>
-          <a:bodyPr rtlCol="0" anchor="ctr"/>
-          <a:lstStyle/>
-          <a:p>
-            <a:pPr algn="ctr"/>
-            <a:endParaRPr lang="ja-JP" altLang="en-US" sz="1350" b="1" dirty="0">
-              <a:solidFill>
-                <a:schemeClr val="tx1"/>
-              </a:solidFill>
-            </a:endParaRPr>
-          </a:p>
-        </p:txBody>
-      </p:sp>
-      <p:sp>
-        <p:nvSpPr>
-          <p:cNvPr id="14" name="角丸四角形 13"/>
-          <p:cNvSpPr/>
-          <p:nvPr/>
-        </p:nvSpPr>
-        <p:spPr>
-          <a:xfrm>
-            <a:off x="3027930" y="2980944"/>
-            <a:ext cx="1757430" cy="413809"/>
-          </a:xfrm>
-          <a:prstGeom prst="roundRect">
-            <a:avLst/>
-          </a:prstGeom>
-          <a:noFill/>
-          <a:ln w="28575">
-            <a:solidFill>
-              <a:srgbClr val="FF0000"/>
-            </a:solidFill>
-          </a:ln>
-        </p:spPr>
-        <p:style>
-          <a:lnRef idx="2">
-            <a:schemeClr val="accent1">
-              <a:shade val="50000"/>
-            </a:schemeClr>
-          </a:lnRef>
-          <a:fillRef idx="1">
-            <a:schemeClr val="accent1"/>
-          </a:fillRef>
-          <a:effectRef idx="0">
-            <a:schemeClr val="accent1"/>
-          </a:effectRef>
-          <a:fontRef idx="minor">
-            <a:schemeClr val="lt1"/>
-          </a:fontRef>
-        </p:style>
-        <p:txBody>
-          <a:bodyPr rtlCol="0" anchor="ctr"/>
-          <a:lstStyle/>
-          <a:p>
-            <a:pPr algn="ctr"/>
-            <a:endParaRPr lang="ja-JP" altLang="en-US" sz="1350" b="1" dirty="0">
-              <a:solidFill>
-                <a:schemeClr val="tx1"/>
-              </a:solidFill>
-            </a:endParaRPr>
-          </a:p>
-        </p:txBody>
-      </p:sp>
-      <p:sp>
-        <p:nvSpPr>
-          <p:cNvPr id="15" name="角丸四角形 14"/>
-          <p:cNvSpPr/>
-          <p:nvPr/>
-        </p:nvSpPr>
-        <p:spPr>
-          <a:xfrm>
-            <a:off x="5846064" y="2980944"/>
-            <a:ext cx="1944624" cy="413809"/>
-          </a:xfrm>
-          <a:prstGeom prst="roundRect">
-            <a:avLst/>
-          </a:prstGeom>
-          <a:noFill/>
-          <a:ln w="28575">
-            <a:solidFill>
-              <a:srgbClr val="FF0000"/>
-            </a:solidFill>
-          </a:ln>
-        </p:spPr>
-        <p:style>
-          <a:lnRef idx="2">
-            <a:schemeClr val="accent1">
-              <a:shade val="50000"/>
-            </a:schemeClr>
-          </a:lnRef>
-          <a:fillRef idx="1">
-            <a:schemeClr val="accent1"/>
-          </a:fillRef>
-          <a:effectRef idx="0">
-            <a:schemeClr val="accent1"/>
-          </a:effectRef>
-          <a:fontRef idx="minor">
-            <a:schemeClr val="lt1"/>
-          </a:fontRef>
-        </p:style>
-        <p:txBody>
-          <a:bodyPr rtlCol="0" anchor="ctr"/>
-          <a:lstStyle/>
-          <a:p>
-            <a:pPr algn="ctr"/>
-            <a:endParaRPr lang="ja-JP" altLang="en-US" sz="1350" b="1" dirty="0">
-              <a:solidFill>
-                <a:schemeClr val="tx1"/>
-              </a:solidFill>
-            </a:endParaRPr>
-          </a:p>
-        </p:txBody>
-      </p:sp>
-      <p:sp>
-        <p:nvSpPr>
-          <p:cNvPr id="16" name="角丸四角形 15"/>
-          <p:cNvSpPr/>
-          <p:nvPr/>
-        </p:nvSpPr>
-        <p:spPr>
-          <a:xfrm>
-            <a:off x="242058" y="3633574"/>
-            <a:ext cx="8292342" cy="2961189"/>
-          </a:xfrm>
-          <a:prstGeom prst="roundRect">
-            <a:avLst>
-              <a:gd name="adj" fmla="val 3381"/>
-            </a:avLst>
-          </a:prstGeom>
-          <a:noFill/>
-          <a:ln w="28575">
-            <a:solidFill>
-              <a:srgbClr val="FF0000"/>
-            </a:solidFill>
-          </a:ln>
-        </p:spPr>
-        <p:style>
-          <a:lnRef idx="2">
-            <a:schemeClr val="accent1">
-              <a:shade val="50000"/>
-            </a:schemeClr>
-          </a:lnRef>
-          <a:fillRef idx="1">
-            <a:schemeClr val="accent1"/>
-          </a:fillRef>
-          <a:effectRef idx="0">
-            <a:schemeClr val="accent1"/>
-          </a:effectRef>
-          <a:fontRef idx="minor">
-            <a:schemeClr val="lt1"/>
-          </a:fontRef>
-        </p:style>
-        <p:txBody>
-          <a:bodyPr rtlCol="0" anchor="ctr"/>
-          <a:lstStyle/>
-          <a:p>
-            <a:pPr algn="ctr"/>
-            <a:endParaRPr lang="ja-JP" altLang="en-US" sz="1350" b="1" dirty="0">
-              <a:solidFill>
-                <a:schemeClr val="tx1"/>
-              </a:solidFill>
-            </a:endParaRPr>
+            <a:r>
+              <a:rPr lang="en-US" altLang="ja-JP" sz="1013" b="1" dirty="0" err="1"/>
+              <a:t>renderAll</a:t>
+            </a:r>
+            <a:r>
+              <a:rPr lang="en-US" altLang="ja-JP" sz="1013" b="1" dirty="0"/>
+              <a:t>()</a:t>
+            </a:r>
+            <a:endParaRPr lang="ja-JP" altLang="en-US" sz="1013" b="1" dirty="0"/>
           </a:p>
         </p:txBody>
       </p:sp>
     </p:spTree>
     <p:extLst>
       <p:ext uri="{BB962C8B-B14F-4D97-AF65-F5344CB8AC3E}">
-        <p14:creationId xmlns:p14="http://schemas.microsoft.com/office/powerpoint/2010/main" val="2253656815"/>
+        <p14:creationId xmlns:p14="http://schemas.microsoft.com/office/powerpoint/2010/main" val="2690886521"/>
       </p:ext>
     </p:extLst>
   </p:cSld>
   <p:clrMapOvr>
     <a:masterClrMapping/>
   </p:clrMapOvr>
+  <p:timing>
+    <p:tnLst>
+      <p:par>
+        <p:cTn id="1" dur="indefinite" restart="never" nodeType="tmRoot"/>
+      </p:par>
+    </p:tnLst>
+  </p:timing>
 </p:sld>
 </file>
 
@@ -6612,8 +7551,519 @@
         </p:blipFill>
         <p:spPr>
           <a:xfrm>
-            <a:off x="0" y="0"/>
-            <a:ext cx="9143124" cy="6356351"/>
+            <a:off x="0" y="2000251"/>
+            <a:ext cx="6857343" cy="4767263"/>
+          </a:xfrm>
+        </p:spPr>
+      </p:pic>
+      <p:sp>
+        <p:nvSpPr>
+          <p:cNvPr id="7" name="角丸四角形 6"/>
+          <p:cNvSpPr/>
+          <p:nvPr/>
+        </p:nvSpPr>
+        <p:spPr>
+          <a:xfrm>
+            <a:off x="1542663" y="3170682"/>
+            <a:ext cx="341001" cy="205204"/>
+          </a:xfrm>
+          <a:prstGeom prst="roundRect">
+            <a:avLst/>
+          </a:prstGeom>
+          <a:noFill/>
+          <a:ln w="28575">
+            <a:solidFill>
+              <a:srgbClr val="FF0000"/>
+            </a:solidFill>
+          </a:ln>
+        </p:spPr>
+        <p:style>
+          <a:lnRef idx="2">
+            <a:schemeClr val="accent1">
+              <a:shade val="50000"/>
+            </a:schemeClr>
+          </a:lnRef>
+          <a:fillRef idx="1">
+            <a:schemeClr val="accent1"/>
+          </a:fillRef>
+          <a:effectRef idx="0">
+            <a:schemeClr val="accent1"/>
+          </a:effectRef>
+          <a:fontRef idx="minor">
+            <a:schemeClr val="lt1"/>
+          </a:fontRef>
+        </p:style>
+        <p:txBody>
+          <a:bodyPr rtlCol="0" anchor="ctr"/>
+          <a:lstStyle/>
+          <a:p>
+            <a:pPr algn="ctr"/>
+            <a:endParaRPr lang="ja-JP" altLang="en-US" sz="1013" b="1" dirty="0">
+              <a:solidFill>
+                <a:schemeClr val="tx1"/>
+              </a:solidFill>
+            </a:endParaRPr>
+          </a:p>
+        </p:txBody>
+      </p:sp>
+      <p:sp>
+        <p:nvSpPr>
+          <p:cNvPr id="8" name="角丸四角形 7"/>
+          <p:cNvSpPr/>
+          <p:nvPr/>
+        </p:nvSpPr>
+        <p:spPr>
+          <a:xfrm>
+            <a:off x="2100447" y="3170681"/>
+            <a:ext cx="341001" cy="205204"/>
+          </a:xfrm>
+          <a:prstGeom prst="roundRect">
+            <a:avLst/>
+          </a:prstGeom>
+          <a:noFill/>
+          <a:ln w="28575">
+            <a:solidFill>
+              <a:srgbClr val="FF0000"/>
+            </a:solidFill>
+          </a:ln>
+        </p:spPr>
+        <p:style>
+          <a:lnRef idx="2">
+            <a:schemeClr val="accent1">
+              <a:shade val="50000"/>
+            </a:schemeClr>
+          </a:lnRef>
+          <a:fillRef idx="1">
+            <a:schemeClr val="accent1"/>
+          </a:fillRef>
+          <a:effectRef idx="0">
+            <a:schemeClr val="accent1"/>
+          </a:effectRef>
+          <a:fontRef idx="minor">
+            <a:schemeClr val="lt1"/>
+          </a:fontRef>
+        </p:style>
+        <p:txBody>
+          <a:bodyPr rtlCol="0" anchor="ctr"/>
+          <a:lstStyle/>
+          <a:p>
+            <a:pPr algn="ctr"/>
+            <a:endParaRPr lang="ja-JP" altLang="en-US" sz="1013" b="1" dirty="0">
+              <a:solidFill>
+                <a:schemeClr val="tx1"/>
+              </a:solidFill>
+            </a:endParaRPr>
+          </a:p>
+        </p:txBody>
+      </p:sp>
+      <p:sp>
+        <p:nvSpPr>
+          <p:cNvPr id="9" name="角丸四角形 8"/>
+          <p:cNvSpPr/>
+          <p:nvPr/>
+        </p:nvSpPr>
+        <p:spPr>
+          <a:xfrm>
+            <a:off x="3394323" y="3170681"/>
+            <a:ext cx="194697" cy="205204"/>
+          </a:xfrm>
+          <a:prstGeom prst="roundRect">
+            <a:avLst/>
+          </a:prstGeom>
+          <a:noFill/>
+          <a:ln w="28575">
+            <a:solidFill>
+              <a:srgbClr val="FF0000"/>
+            </a:solidFill>
+          </a:ln>
+        </p:spPr>
+        <p:style>
+          <a:lnRef idx="2">
+            <a:schemeClr val="accent1">
+              <a:shade val="50000"/>
+            </a:schemeClr>
+          </a:lnRef>
+          <a:fillRef idx="1">
+            <a:schemeClr val="accent1"/>
+          </a:fillRef>
+          <a:effectRef idx="0">
+            <a:schemeClr val="accent1"/>
+          </a:effectRef>
+          <a:fontRef idx="minor">
+            <a:schemeClr val="lt1"/>
+          </a:fontRef>
+        </p:style>
+        <p:txBody>
+          <a:bodyPr rtlCol="0" anchor="ctr"/>
+          <a:lstStyle/>
+          <a:p>
+            <a:pPr algn="ctr"/>
+            <a:endParaRPr lang="ja-JP" altLang="en-US" sz="1013" b="1" dirty="0">
+              <a:solidFill>
+                <a:schemeClr val="tx1"/>
+              </a:solidFill>
+            </a:endParaRPr>
+          </a:p>
+        </p:txBody>
+      </p:sp>
+      <p:sp>
+        <p:nvSpPr>
+          <p:cNvPr id="10" name="角丸四角形 9"/>
+          <p:cNvSpPr/>
+          <p:nvPr/>
+        </p:nvSpPr>
+        <p:spPr>
+          <a:xfrm>
+            <a:off x="3703320" y="3170679"/>
+            <a:ext cx="280791" cy="205204"/>
+          </a:xfrm>
+          <a:prstGeom prst="roundRect">
+            <a:avLst/>
+          </a:prstGeom>
+          <a:noFill/>
+          <a:ln w="28575">
+            <a:solidFill>
+              <a:srgbClr val="FF0000"/>
+            </a:solidFill>
+          </a:ln>
+        </p:spPr>
+        <p:style>
+          <a:lnRef idx="2">
+            <a:schemeClr val="accent1">
+              <a:shade val="50000"/>
+            </a:schemeClr>
+          </a:lnRef>
+          <a:fillRef idx="1">
+            <a:schemeClr val="accent1"/>
+          </a:fillRef>
+          <a:effectRef idx="0">
+            <a:schemeClr val="accent1"/>
+          </a:effectRef>
+          <a:fontRef idx="minor">
+            <a:schemeClr val="lt1"/>
+          </a:fontRef>
+        </p:style>
+        <p:txBody>
+          <a:bodyPr rtlCol="0" anchor="ctr"/>
+          <a:lstStyle/>
+          <a:p>
+            <a:pPr algn="ctr"/>
+            <a:endParaRPr lang="ja-JP" altLang="en-US" sz="1013" b="1" dirty="0">
+              <a:solidFill>
+                <a:schemeClr val="tx1"/>
+              </a:solidFill>
+            </a:endParaRPr>
+          </a:p>
+        </p:txBody>
+      </p:sp>
+      <p:sp>
+        <p:nvSpPr>
+          <p:cNvPr id="11" name="角丸四角形 10"/>
+          <p:cNvSpPr/>
+          <p:nvPr/>
+        </p:nvSpPr>
+        <p:spPr>
+          <a:xfrm>
+            <a:off x="237744" y="3696459"/>
+            <a:ext cx="411480" cy="205204"/>
+          </a:xfrm>
+          <a:prstGeom prst="roundRect">
+            <a:avLst/>
+          </a:prstGeom>
+          <a:noFill/>
+          <a:ln w="28575">
+            <a:solidFill>
+              <a:srgbClr val="FF0000"/>
+            </a:solidFill>
+          </a:ln>
+        </p:spPr>
+        <p:style>
+          <a:lnRef idx="2">
+            <a:schemeClr val="accent1">
+              <a:shade val="50000"/>
+            </a:schemeClr>
+          </a:lnRef>
+          <a:fillRef idx="1">
+            <a:schemeClr val="accent1"/>
+          </a:fillRef>
+          <a:effectRef idx="0">
+            <a:schemeClr val="accent1"/>
+          </a:effectRef>
+          <a:fontRef idx="minor">
+            <a:schemeClr val="lt1"/>
+          </a:fontRef>
+        </p:style>
+        <p:txBody>
+          <a:bodyPr rtlCol="0" anchor="ctr"/>
+          <a:lstStyle/>
+          <a:p>
+            <a:pPr algn="ctr"/>
+            <a:endParaRPr lang="ja-JP" altLang="en-US" sz="1013" b="1" dirty="0">
+              <a:solidFill>
+                <a:schemeClr val="tx1"/>
+              </a:solidFill>
+            </a:endParaRPr>
+          </a:p>
+        </p:txBody>
+      </p:sp>
+      <p:sp>
+        <p:nvSpPr>
+          <p:cNvPr id="13" name="角丸四角形 12"/>
+          <p:cNvSpPr/>
+          <p:nvPr/>
+        </p:nvSpPr>
+        <p:spPr>
+          <a:xfrm>
+            <a:off x="237744" y="4235958"/>
+            <a:ext cx="1531620" cy="310357"/>
+          </a:xfrm>
+          <a:prstGeom prst="roundRect">
+            <a:avLst/>
+          </a:prstGeom>
+          <a:noFill/>
+          <a:ln w="28575">
+            <a:solidFill>
+              <a:srgbClr val="FF0000"/>
+            </a:solidFill>
+          </a:ln>
+        </p:spPr>
+        <p:style>
+          <a:lnRef idx="2">
+            <a:schemeClr val="accent1">
+              <a:shade val="50000"/>
+            </a:schemeClr>
+          </a:lnRef>
+          <a:fillRef idx="1">
+            <a:schemeClr val="accent1"/>
+          </a:fillRef>
+          <a:effectRef idx="0">
+            <a:schemeClr val="accent1"/>
+          </a:effectRef>
+          <a:fontRef idx="minor">
+            <a:schemeClr val="lt1"/>
+          </a:fontRef>
+        </p:style>
+        <p:txBody>
+          <a:bodyPr rtlCol="0" anchor="ctr"/>
+          <a:lstStyle/>
+          <a:p>
+            <a:pPr algn="ctr"/>
+            <a:endParaRPr lang="ja-JP" altLang="en-US" sz="1013" b="1" dirty="0">
+              <a:solidFill>
+                <a:schemeClr val="tx1"/>
+              </a:solidFill>
+            </a:endParaRPr>
+          </a:p>
+        </p:txBody>
+      </p:sp>
+      <p:sp>
+        <p:nvSpPr>
+          <p:cNvPr id="14" name="角丸四角形 13"/>
+          <p:cNvSpPr/>
+          <p:nvPr/>
+        </p:nvSpPr>
+        <p:spPr>
+          <a:xfrm>
+            <a:off x="2270947" y="4235958"/>
+            <a:ext cx="1318073" cy="310357"/>
+          </a:xfrm>
+          <a:prstGeom prst="roundRect">
+            <a:avLst/>
+          </a:prstGeom>
+          <a:noFill/>
+          <a:ln w="28575">
+            <a:solidFill>
+              <a:srgbClr val="FF0000"/>
+            </a:solidFill>
+          </a:ln>
+        </p:spPr>
+        <p:style>
+          <a:lnRef idx="2">
+            <a:schemeClr val="accent1">
+              <a:shade val="50000"/>
+            </a:schemeClr>
+          </a:lnRef>
+          <a:fillRef idx="1">
+            <a:schemeClr val="accent1"/>
+          </a:fillRef>
+          <a:effectRef idx="0">
+            <a:schemeClr val="accent1"/>
+          </a:effectRef>
+          <a:fontRef idx="minor">
+            <a:schemeClr val="lt1"/>
+          </a:fontRef>
+        </p:style>
+        <p:txBody>
+          <a:bodyPr rtlCol="0" anchor="ctr"/>
+          <a:lstStyle/>
+          <a:p>
+            <a:pPr algn="ctr"/>
+            <a:endParaRPr lang="ja-JP" altLang="en-US" sz="1013" b="1" dirty="0">
+              <a:solidFill>
+                <a:schemeClr val="tx1"/>
+              </a:solidFill>
+            </a:endParaRPr>
+          </a:p>
+        </p:txBody>
+      </p:sp>
+      <p:sp>
+        <p:nvSpPr>
+          <p:cNvPr id="15" name="角丸四角形 14"/>
+          <p:cNvSpPr/>
+          <p:nvPr/>
+        </p:nvSpPr>
+        <p:spPr>
+          <a:xfrm>
+            <a:off x="4384548" y="4235958"/>
+            <a:ext cx="1458468" cy="310357"/>
+          </a:xfrm>
+          <a:prstGeom prst="roundRect">
+            <a:avLst/>
+          </a:prstGeom>
+          <a:noFill/>
+          <a:ln w="28575">
+            <a:solidFill>
+              <a:srgbClr val="FF0000"/>
+            </a:solidFill>
+          </a:ln>
+        </p:spPr>
+        <p:style>
+          <a:lnRef idx="2">
+            <a:schemeClr val="accent1">
+              <a:shade val="50000"/>
+            </a:schemeClr>
+          </a:lnRef>
+          <a:fillRef idx="1">
+            <a:schemeClr val="accent1"/>
+          </a:fillRef>
+          <a:effectRef idx="0">
+            <a:schemeClr val="accent1"/>
+          </a:effectRef>
+          <a:fontRef idx="minor">
+            <a:schemeClr val="lt1"/>
+          </a:fontRef>
+        </p:style>
+        <p:txBody>
+          <a:bodyPr rtlCol="0" anchor="ctr"/>
+          <a:lstStyle/>
+          <a:p>
+            <a:pPr algn="ctr"/>
+            <a:endParaRPr lang="ja-JP" altLang="en-US" sz="1013" b="1" dirty="0">
+              <a:solidFill>
+                <a:schemeClr val="tx1"/>
+              </a:solidFill>
+            </a:endParaRPr>
+          </a:p>
+        </p:txBody>
+      </p:sp>
+      <p:sp>
+        <p:nvSpPr>
+          <p:cNvPr id="16" name="角丸四角形 15"/>
+          <p:cNvSpPr/>
+          <p:nvPr/>
+        </p:nvSpPr>
+        <p:spPr>
+          <a:xfrm>
+            <a:off x="181543" y="4725431"/>
+            <a:ext cx="6219257" cy="2220892"/>
+          </a:xfrm>
+          <a:prstGeom prst="roundRect">
+            <a:avLst>
+              <a:gd name="adj" fmla="val 3381"/>
+            </a:avLst>
+          </a:prstGeom>
+          <a:noFill/>
+          <a:ln w="28575">
+            <a:solidFill>
+              <a:srgbClr val="FF0000"/>
+            </a:solidFill>
+          </a:ln>
+        </p:spPr>
+        <p:style>
+          <a:lnRef idx="2">
+            <a:schemeClr val="accent1">
+              <a:shade val="50000"/>
+            </a:schemeClr>
+          </a:lnRef>
+          <a:fillRef idx="1">
+            <a:schemeClr val="accent1"/>
+          </a:fillRef>
+          <a:effectRef idx="0">
+            <a:schemeClr val="accent1"/>
+          </a:effectRef>
+          <a:fontRef idx="minor">
+            <a:schemeClr val="lt1"/>
+          </a:fontRef>
+        </p:style>
+        <p:txBody>
+          <a:bodyPr rtlCol="0" anchor="ctr"/>
+          <a:lstStyle/>
+          <a:p>
+            <a:pPr algn="ctr"/>
+            <a:endParaRPr lang="ja-JP" altLang="en-US" sz="1013" b="1" dirty="0">
+              <a:solidFill>
+                <a:schemeClr val="tx1"/>
+              </a:solidFill>
+            </a:endParaRPr>
+          </a:p>
+        </p:txBody>
+      </p:sp>
+    </p:spTree>
+    <p:extLst>
+      <p:ext uri="{BB962C8B-B14F-4D97-AF65-F5344CB8AC3E}">
+        <p14:creationId xmlns:p14="http://schemas.microsoft.com/office/powerpoint/2010/main" val="2253656815"/>
+      </p:ext>
+    </p:extLst>
+  </p:cSld>
+  <p:clrMapOvr>
+    <a:masterClrMapping/>
+  </p:clrMapOvr>
+</p:sld>
+</file>
+
+<file path=ppt/slides/slide4.xml><?xml version="1.0" encoding="utf-8"?>
+<p:sld xmlns:a="http://schemas.openxmlformats.org/drawingml/2006/main" xmlns:r="http://schemas.openxmlformats.org/officeDocument/2006/relationships" xmlns:p="http://schemas.openxmlformats.org/presentationml/2006/main">
+  <p:cSld>
+    <p:spTree>
+      <p:nvGrpSpPr>
+        <p:cNvPr id="1" name=""/>
+        <p:cNvGrpSpPr/>
+        <p:nvPr/>
+      </p:nvGrpSpPr>
+      <p:grpSpPr>
+        <a:xfrm>
+          <a:off x="0" y="0"/>
+          <a:ext cx="0" cy="0"/>
+          <a:chOff x="0" y="0"/>
+          <a:chExt cx="0" cy="0"/>
+        </a:xfrm>
+      </p:grpSpPr>
+      <p:pic>
+        <p:nvPicPr>
+          <p:cNvPr id="5" name="コンテンツ プレースホルダー 4"/>
+          <p:cNvPicPr>
+            <a:picLocks noGrp="1" noChangeAspect="1"/>
+          </p:cNvPicPr>
+          <p:nvPr>
+            <p:ph idx="1"/>
+          </p:nvPr>
+        </p:nvPicPr>
+        <p:blipFill>
+          <a:blip r:embed="rId2">
+            <a:extLst>
+              <a:ext uri="{28A0092B-C50C-407E-A947-70E740481C1C}">
+                <a14:useLocalDpi xmlns:a14="http://schemas.microsoft.com/office/drawing/2010/main" val="0"/>
+              </a:ext>
+            </a:extLst>
+          </a:blip>
+          <a:stretch>
+            <a:fillRect/>
+          </a:stretch>
+        </p:blipFill>
+        <p:spPr>
+          <a:xfrm>
+            <a:off x="0" y="2000251"/>
+            <a:ext cx="6857343" cy="4767263"/>
           </a:xfrm>
         </p:spPr>
       </p:pic>

--- a/20180625_能城_RxJSの紹介_図.pptx
+++ b/20180625_能城_RxJSの紹介_図.pptx
@@ -5,13 +5,12 @@
     <p:sldMasterId id="2147483672" r:id="rId1"/>
   </p:sldMasterIdLst>
   <p:notesMasterIdLst>
-    <p:notesMasterId r:id="rId6"/>
+    <p:notesMasterId r:id="rId5"/>
   </p:notesMasterIdLst>
   <p:sldIdLst>
-    <p:sldId id="327" r:id="rId2"/>
-    <p:sldId id="331" r:id="rId3"/>
-    <p:sldId id="329" r:id="rId4"/>
-    <p:sldId id="330" r:id="rId5"/>
+    <p:sldId id="332" r:id="rId2"/>
+    <p:sldId id="329" r:id="rId3"/>
+    <p:sldId id="330" r:id="rId4"/>
   </p:sldIdLst>
   <p:sldSz cx="6858000" cy="9144000" type="screen4x3"/>
   <p:notesSz cx="6858000" cy="9144000"/>
@@ -111,14 +110,25 @@
     </a:lvl9pPr>
   </p:defaultTextStyle>
   <p:extLst>
+    <p:ext uri="{521415D9-36F7-43E2-AB2F-B90AF26B5E84}">
+      <p14:sectionLst xmlns:p14="http://schemas.microsoft.com/office/powerpoint/2010/main">
+        <p14:section name="タイトルなしのセクション" id="{8BE4B851-0D0F-4967-859C-88449F413D1F}">
+          <p14:sldIdLst>
+            <p14:sldId id="332"/>
+            <p14:sldId id="329"/>
+            <p14:sldId id="330"/>
+          </p14:sldIdLst>
+        </p14:section>
+      </p14:sectionLst>
+    </p:ext>
     <p:ext uri="{EFAFB233-063F-42B5-8137-9DF3F51BA10A}">
       <p15:sldGuideLst xmlns:p15="http://schemas.microsoft.com/office/powerpoint/2012/main">
-        <p15:guide id="1" orient="horz" pos="2849" userDrawn="1">
+        <p15:guide id="1" orient="horz" pos="2857" userDrawn="1">
           <p15:clr>
             <a:srgbClr val="A4A3A4"/>
           </p15:clr>
         </p15:guide>
-        <p15:guide id="2" pos="2177" userDrawn="1">
+        <p15:guide id="2" pos="2183" userDrawn="1">
           <p15:clr>
             <a:srgbClr val="A4A3A4"/>
           </p15:clr>
@@ -211,7 +221,7 @@
           <a:p>
             <a:fld id="{CC07AB57-9A0D-412D-941C-8656BDC2DED7}" type="datetimeFigureOut">
               <a:rPr kumimoji="1" lang="ja-JP" altLang="en-US" smtClean="0"/>
-              <a:t>2018/7/29</a:t>
+              <a:t>2018/8/5</a:t>
             </a:fld>
             <a:endParaRPr kumimoji="1" lang="ja-JP" altLang="en-US"/>
           </a:p>
@@ -275,70 +285,69 @@
           <a:p>
             <a:pPr lvl="0"/>
             <a:r>
-              <a:rPr kumimoji="1" lang="ja-JP" altLang="en-US" smtClean="0"/>
+              <a:rPr kumimoji="1" lang="ja-JP" altLang="en-US"/>
               <a:t>マスター テキストの書式設定</a:t>
             </a:r>
           </a:p>
           <a:p>
             <a:pPr lvl="1"/>
             <a:r>
-              <a:rPr kumimoji="1" lang="ja-JP" altLang="en-US" smtClean="0"/>
+              <a:rPr kumimoji="1" lang="ja-JP" altLang="en-US"/>
               <a:t>第 </a:t>
             </a:r>
             <a:r>
-              <a:rPr kumimoji="1" lang="en-US" altLang="ja-JP" smtClean="0"/>
+              <a:rPr kumimoji="1" lang="en-US" altLang="ja-JP"/>
               <a:t>2 </a:t>
             </a:r>
             <a:r>
-              <a:rPr kumimoji="1" lang="ja-JP" altLang="en-US" smtClean="0"/>
+              <a:rPr kumimoji="1" lang="ja-JP" altLang="en-US"/>
               <a:t>レベル</a:t>
             </a:r>
           </a:p>
           <a:p>
             <a:pPr lvl="2"/>
             <a:r>
-              <a:rPr kumimoji="1" lang="ja-JP" altLang="en-US" smtClean="0"/>
+              <a:rPr kumimoji="1" lang="ja-JP" altLang="en-US"/>
               <a:t>第 </a:t>
             </a:r>
             <a:r>
-              <a:rPr kumimoji="1" lang="en-US" altLang="ja-JP" smtClean="0"/>
+              <a:rPr kumimoji="1" lang="en-US" altLang="ja-JP"/>
               <a:t>3 </a:t>
             </a:r>
             <a:r>
-              <a:rPr kumimoji="1" lang="ja-JP" altLang="en-US" smtClean="0"/>
+              <a:rPr kumimoji="1" lang="ja-JP" altLang="en-US"/>
               <a:t>レベル</a:t>
             </a:r>
           </a:p>
           <a:p>
             <a:pPr lvl="3"/>
             <a:r>
-              <a:rPr kumimoji="1" lang="ja-JP" altLang="en-US" smtClean="0"/>
+              <a:rPr kumimoji="1" lang="ja-JP" altLang="en-US"/>
               <a:t>第 </a:t>
             </a:r>
             <a:r>
-              <a:rPr kumimoji="1" lang="en-US" altLang="ja-JP" smtClean="0"/>
+              <a:rPr kumimoji="1" lang="en-US" altLang="ja-JP"/>
               <a:t>4 </a:t>
             </a:r>
             <a:r>
-              <a:rPr kumimoji="1" lang="ja-JP" altLang="en-US" smtClean="0"/>
+              <a:rPr kumimoji="1" lang="ja-JP" altLang="en-US"/>
               <a:t>レベル</a:t>
             </a:r>
           </a:p>
           <a:p>
             <a:pPr lvl="4"/>
             <a:r>
-              <a:rPr kumimoji="1" lang="ja-JP" altLang="en-US" smtClean="0"/>
+              <a:rPr kumimoji="1" lang="ja-JP" altLang="en-US"/>
               <a:t>第 </a:t>
             </a:r>
             <a:r>
-              <a:rPr kumimoji="1" lang="en-US" altLang="ja-JP" smtClean="0"/>
+              <a:rPr kumimoji="1" lang="en-US" altLang="ja-JP"/>
               <a:t>5 </a:t>
             </a:r>
             <a:r>
-              <a:rPr kumimoji="1" lang="ja-JP" altLang="en-US" smtClean="0"/>
+              <a:rPr kumimoji="1" lang="ja-JP" altLang="en-US"/>
               <a:t>レベル</a:t>
             </a:r>
-            <a:endParaRPr kumimoji="1" lang="ja-JP" altLang="en-US"/>
           </a:p>
         </p:txBody>
       </p:sp>
@@ -553,7 +562,7 @@
           </a:lstStyle>
           <a:p>
             <a:r>
-              <a:rPr lang="ja-JP" altLang="en-US" smtClean="0"/>
+              <a:rPr lang="ja-JP" altLang="en-US"/>
               <a:t>マスター タイトルの書式設定</a:t>
             </a:r>
             <a:endParaRPr lang="en-US" dirty="0"/>
@@ -618,7 +627,7 @@
           </a:lstStyle>
           <a:p>
             <a:r>
-              <a:rPr lang="ja-JP" altLang="en-US" smtClean="0"/>
+              <a:rPr lang="ja-JP" altLang="en-US"/>
               <a:t>マスター サブタイトルの書式設定</a:t>
             </a:r>
             <a:endParaRPr lang="en-US" dirty="0"/>
@@ -642,7 +651,7 @@
           <a:p>
             <a:fld id="{F63B26B2-8CF3-459B-8045-B49271507939}" type="datetime1">
               <a:rPr kumimoji="1" lang="ja-JP" altLang="en-US" smtClean="0"/>
-              <a:t>2018/7/29</a:t>
+              <a:t>2018/8/5</a:t>
             </a:fld>
             <a:endParaRPr kumimoji="1" lang="ja-JP" altLang="en-US"/>
           </a:p>
@@ -736,7 +745,7 @@
           <a:lstStyle/>
           <a:p>
             <a:r>
-              <a:rPr lang="ja-JP" altLang="en-US" smtClean="0"/>
+              <a:rPr lang="ja-JP" altLang="en-US"/>
               <a:t>マスター タイトルの書式設定</a:t>
             </a:r>
             <a:endParaRPr lang="en-US" dirty="0"/>
@@ -760,67 +769,67 @@
           <a:p>
             <a:pPr lvl="0"/>
             <a:r>
-              <a:rPr lang="ja-JP" altLang="en-US" smtClean="0"/>
+              <a:rPr lang="ja-JP" altLang="en-US"/>
               <a:t>マスター テキストの書式設定</a:t>
             </a:r>
           </a:p>
           <a:p>
             <a:pPr lvl="1"/>
             <a:r>
-              <a:rPr lang="ja-JP" altLang="en-US" smtClean="0"/>
+              <a:rPr lang="ja-JP" altLang="en-US"/>
               <a:t>第 </a:t>
             </a:r>
             <a:r>
-              <a:rPr lang="en-US" altLang="ja-JP" smtClean="0"/>
+              <a:rPr lang="en-US" altLang="ja-JP"/>
               <a:t>2 </a:t>
             </a:r>
             <a:r>
-              <a:rPr lang="ja-JP" altLang="en-US" smtClean="0"/>
+              <a:rPr lang="ja-JP" altLang="en-US"/>
               <a:t>レベル</a:t>
             </a:r>
           </a:p>
           <a:p>
             <a:pPr lvl="2"/>
             <a:r>
-              <a:rPr lang="ja-JP" altLang="en-US" smtClean="0"/>
+              <a:rPr lang="ja-JP" altLang="en-US"/>
               <a:t>第 </a:t>
             </a:r>
             <a:r>
-              <a:rPr lang="en-US" altLang="ja-JP" smtClean="0"/>
+              <a:rPr lang="en-US" altLang="ja-JP"/>
               <a:t>3 </a:t>
             </a:r>
             <a:r>
-              <a:rPr lang="ja-JP" altLang="en-US" smtClean="0"/>
+              <a:rPr lang="ja-JP" altLang="en-US"/>
               <a:t>レベル</a:t>
             </a:r>
           </a:p>
           <a:p>
             <a:pPr lvl="3"/>
             <a:r>
-              <a:rPr lang="ja-JP" altLang="en-US" smtClean="0"/>
+              <a:rPr lang="ja-JP" altLang="en-US"/>
               <a:t>第 </a:t>
             </a:r>
             <a:r>
-              <a:rPr lang="en-US" altLang="ja-JP" smtClean="0"/>
+              <a:rPr lang="en-US" altLang="ja-JP"/>
               <a:t>4 </a:t>
             </a:r>
             <a:r>
-              <a:rPr lang="ja-JP" altLang="en-US" smtClean="0"/>
+              <a:rPr lang="ja-JP" altLang="en-US"/>
               <a:t>レベル</a:t>
             </a:r>
           </a:p>
           <a:p>
             <a:pPr lvl="4"/>
             <a:r>
-              <a:rPr lang="ja-JP" altLang="en-US" smtClean="0"/>
+              <a:rPr lang="ja-JP" altLang="en-US"/>
               <a:t>第 </a:t>
             </a:r>
             <a:r>
-              <a:rPr lang="en-US" altLang="ja-JP" smtClean="0"/>
+              <a:rPr lang="en-US" altLang="ja-JP"/>
               <a:t>5 </a:t>
             </a:r>
             <a:r>
-              <a:rPr lang="ja-JP" altLang="en-US" smtClean="0"/>
+              <a:rPr lang="ja-JP" altLang="en-US"/>
               <a:t>レベル</a:t>
             </a:r>
             <a:endParaRPr lang="en-US" dirty="0"/>
@@ -844,7 +853,7 @@
           <a:p>
             <a:fld id="{16D3A410-6E93-4289-801E-FF8746C3765C}" type="datetime1">
               <a:rPr kumimoji="1" lang="ja-JP" altLang="en-US" smtClean="0"/>
-              <a:t>2018/7/29</a:t>
+              <a:t>2018/8/5</a:t>
             </a:fld>
             <a:endParaRPr kumimoji="1" lang="ja-JP" altLang="en-US"/>
           </a:p>
@@ -943,7 +952,7 @@
           <a:lstStyle/>
           <a:p>
             <a:r>
-              <a:rPr lang="ja-JP" altLang="en-US" smtClean="0"/>
+              <a:rPr lang="ja-JP" altLang="en-US"/>
               <a:t>マスター タイトルの書式設定</a:t>
             </a:r>
             <a:endParaRPr lang="en-US" dirty="0"/>
@@ -972,67 +981,67 @@
           <a:p>
             <a:pPr lvl="0"/>
             <a:r>
-              <a:rPr lang="ja-JP" altLang="en-US" smtClean="0"/>
+              <a:rPr lang="ja-JP" altLang="en-US"/>
               <a:t>マスター テキストの書式設定</a:t>
             </a:r>
           </a:p>
           <a:p>
             <a:pPr lvl="1"/>
             <a:r>
-              <a:rPr lang="ja-JP" altLang="en-US" smtClean="0"/>
+              <a:rPr lang="ja-JP" altLang="en-US"/>
               <a:t>第 </a:t>
             </a:r>
             <a:r>
-              <a:rPr lang="en-US" altLang="ja-JP" smtClean="0"/>
+              <a:rPr lang="en-US" altLang="ja-JP"/>
               <a:t>2 </a:t>
             </a:r>
             <a:r>
-              <a:rPr lang="ja-JP" altLang="en-US" smtClean="0"/>
+              <a:rPr lang="ja-JP" altLang="en-US"/>
               <a:t>レベル</a:t>
             </a:r>
           </a:p>
           <a:p>
             <a:pPr lvl="2"/>
             <a:r>
-              <a:rPr lang="ja-JP" altLang="en-US" smtClean="0"/>
+              <a:rPr lang="ja-JP" altLang="en-US"/>
               <a:t>第 </a:t>
             </a:r>
             <a:r>
-              <a:rPr lang="en-US" altLang="ja-JP" smtClean="0"/>
+              <a:rPr lang="en-US" altLang="ja-JP"/>
               <a:t>3 </a:t>
             </a:r>
             <a:r>
-              <a:rPr lang="ja-JP" altLang="en-US" smtClean="0"/>
+              <a:rPr lang="ja-JP" altLang="en-US"/>
               <a:t>レベル</a:t>
             </a:r>
           </a:p>
           <a:p>
             <a:pPr lvl="3"/>
             <a:r>
-              <a:rPr lang="ja-JP" altLang="en-US" smtClean="0"/>
+              <a:rPr lang="ja-JP" altLang="en-US"/>
               <a:t>第 </a:t>
             </a:r>
             <a:r>
-              <a:rPr lang="en-US" altLang="ja-JP" smtClean="0"/>
+              <a:rPr lang="en-US" altLang="ja-JP"/>
               <a:t>4 </a:t>
             </a:r>
             <a:r>
-              <a:rPr lang="ja-JP" altLang="en-US" smtClean="0"/>
+              <a:rPr lang="ja-JP" altLang="en-US"/>
               <a:t>レベル</a:t>
             </a:r>
           </a:p>
           <a:p>
             <a:pPr lvl="4"/>
             <a:r>
-              <a:rPr lang="ja-JP" altLang="en-US" smtClean="0"/>
+              <a:rPr lang="ja-JP" altLang="en-US"/>
               <a:t>第 </a:t>
             </a:r>
             <a:r>
-              <a:rPr lang="en-US" altLang="ja-JP" smtClean="0"/>
+              <a:rPr lang="en-US" altLang="ja-JP"/>
               <a:t>5 </a:t>
             </a:r>
             <a:r>
-              <a:rPr lang="ja-JP" altLang="en-US" smtClean="0"/>
+              <a:rPr lang="ja-JP" altLang="en-US"/>
               <a:t>レベル</a:t>
             </a:r>
             <a:endParaRPr lang="en-US" dirty="0"/>
@@ -1056,7 +1065,7 @@
           <a:p>
             <a:fld id="{048F92BE-D030-4AC4-A492-29C75C49224D}" type="datetime1">
               <a:rPr kumimoji="1" lang="ja-JP" altLang="en-US" smtClean="0"/>
-              <a:t>2018/7/29</a:t>
+              <a:t>2018/8/5</a:t>
             </a:fld>
             <a:endParaRPr kumimoji="1" lang="ja-JP" altLang="en-US"/>
           </a:p>
@@ -1150,7 +1159,7 @@
           <a:lstStyle/>
           <a:p>
             <a:r>
-              <a:rPr lang="ja-JP" altLang="en-US" smtClean="0"/>
+              <a:rPr lang="ja-JP" altLang="en-US"/>
               <a:t>マスター タイトルの書式設定</a:t>
             </a:r>
             <a:endParaRPr lang="en-US" dirty="0"/>
@@ -1174,67 +1183,67 @@
           <a:p>
             <a:pPr lvl="0"/>
             <a:r>
-              <a:rPr lang="ja-JP" altLang="en-US" smtClean="0"/>
+              <a:rPr lang="ja-JP" altLang="en-US"/>
               <a:t>マスター テキストの書式設定</a:t>
             </a:r>
           </a:p>
           <a:p>
             <a:pPr lvl="1"/>
             <a:r>
-              <a:rPr lang="ja-JP" altLang="en-US" smtClean="0"/>
+              <a:rPr lang="ja-JP" altLang="en-US"/>
               <a:t>第 </a:t>
             </a:r>
             <a:r>
-              <a:rPr lang="en-US" altLang="ja-JP" smtClean="0"/>
+              <a:rPr lang="en-US" altLang="ja-JP"/>
               <a:t>2 </a:t>
             </a:r>
             <a:r>
-              <a:rPr lang="ja-JP" altLang="en-US" smtClean="0"/>
+              <a:rPr lang="ja-JP" altLang="en-US"/>
               <a:t>レベル</a:t>
             </a:r>
           </a:p>
           <a:p>
             <a:pPr lvl="2"/>
             <a:r>
-              <a:rPr lang="ja-JP" altLang="en-US" smtClean="0"/>
+              <a:rPr lang="ja-JP" altLang="en-US"/>
               <a:t>第 </a:t>
             </a:r>
             <a:r>
-              <a:rPr lang="en-US" altLang="ja-JP" smtClean="0"/>
+              <a:rPr lang="en-US" altLang="ja-JP"/>
               <a:t>3 </a:t>
             </a:r>
             <a:r>
-              <a:rPr lang="ja-JP" altLang="en-US" smtClean="0"/>
+              <a:rPr lang="ja-JP" altLang="en-US"/>
               <a:t>レベル</a:t>
             </a:r>
           </a:p>
           <a:p>
             <a:pPr lvl="3"/>
             <a:r>
-              <a:rPr lang="ja-JP" altLang="en-US" smtClean="0"/>
+              <a:rPr lang="ja-JP" altLang="en-US"/>
               <a:t>第 </a:t>
             </a:r>
             <a:r>
-              <a:rPr lang="en-US" altLang="ja-JP" smtClean="0"/>
+              <a:rPr lang="en-US" altLang="ja-JP"/>
               <a:t>4 </a:t>
             </a:r>
             <a:r>
-              <a:rPr lang="ja-JP" altLang="en-US" smtClean="0"/>
+              <a:rPr lang="ja-JP" altLang="en-US"/>
               <a:t>レベル</a:t>
             </a:r>
           </a:p>
           <a:p>
             <a:pPr lvl="4"/>
             <a:r>
-              <a:rPr lang="ja-JP" altLang="en-US" smtClean="0"/>
+              <a:rPr lang="ja-JP" altLang="en-US"/>
               <a:t>第 </a:t>
             </a:r>
             <a:r>
-              <a:rPr lang="en-US" altLang="ja-JP" smtClean="0"/>
+              <a:rPr lang="en-US" altLang="ja-JP"/>
               <a:t>5 </a:t>
             </a:r>
             <a:r>
-              <a:rPr lang="ja-JP" altLang="en-US" smtClean="0"/>
+              <a:rPr lang="ja-JP" altLang="en-US"/>
               <a:t>レベル</a:t>
             </a:r>
             <a:endParaRPr lang="en-US" dirty="0"/>
@@ -1258,7 +1267,7 @@
           <a:p>
             <a:fld id="{109A88CC-23AB-4A97-934E-BE761BB55758}" type="datetime1">
               <a:rPr kumimoji="1" lang="ja-JP" altLang="en-US" smtClean="0"/>
-              <a:t>2018/7/29</a:t>
+              <a:t>2018/8/5</a:t>
             </a:fld>
             <a:endParaRPr kumimoji="1" lang="ja-JP" altLang="en-US"/>
           </a:p>
@@ -1361,7 +1370,7 @@
           </a:lstStyle>
           <a:p>
             <a:r>
-              <a:rPr lang="ja-JP" altLang="en-US" smtClean="0"/>
+              <a:rPr lang="ja-JP" altLang="en-US"/>
               <a:t>マスター タイトルの書式設定</a:t>
             </a:r>
             <a:endParaRPr lang="en-US" dirty="0"/>
@@ -1479,7 +1488,7 @@
           <a:p>
             <a:pPr lvl="0"/>
             <a:r>
-              <a:rPr lang="ja-JP" altLang="en-US" smtClean="0"/>
+              <a:rPr lang="ja-JP" altLang="en-US"/>
               <a:t>マスター テキストの書式設定</a:t>
             </a:r>
           </a:p>
@@ -1502,7 +1511,7 @@
           <a:p>
             <a:fld id="{AD4C751E-B210-4E06-83CD-861B6F4E1747}" type="datetime1">
               <a:rPr kumimoji="1" lang="ja-JP" altLang="en-US" smtClean="0"/>
-              <a:t>2018/7/29</a:t>
+              <a:t>2018/8/5</a:t>
             </a:fld>
             <a:endParaRPr kumimoji="1" lang="ja-JP" altLang="en-US"/>
           </a:p>
@@ -1596,7 +1605,7 @@
           <a:lstStyle/>
           <a:p>
             <a:r>
-              <a:rPr lang="ja-JP" altLang="en-US" smtClean="0"/>
+              <a:rPr lang="ja-JP" altLang="en-US"/>
               <a:t>マスター タイトルの書式設定</a:t>
             </a:r>
             <a:endParaRPr lang="en-US" dirty="0"/>
@@ -1625,67 +1634,67 @@
           <a:p>
             <a:pPr lvl="0"/>
             <a:r>
-              <a:rPr lang="ja-JP" altLang="en-US" smtClean="0"/>
+              <a:rPr lang="ja-JP" altLang="en-US"/>
               <a:t>マスター テキストの書式設定</a:t>
             </a:r>
           </a:p>
           <a:p>
             <a:pPr lvl="1"/>
             <a:r>
-              <a:rPr lang="ja-JP" altLang="en-US" smtClean="0"/>
+              <a:rPr lang="ja-JP" altLang="en-US"/>
               <a:t>第 </a:t>
             </a:r>
             <a:r>
-              <a:rPr lang="en-US" altLang="ja-JP" smtClean="0"/>
+              <a:rPr lang="en-US" altLang="ja-JP"/>
               <a:t>2 </a:t>
             </a:r>
             <a:r>
-              <a:rPr lang="ja-JP" altLang="en-US" smtClean="0"/>
+              <a:rPr lang="ja-JP" altLang="en-US"/>
               <a:t>レベル</a:t>
             </a:r>
           </a:p>
           <a:p>
             <a:pPr lvl="2"/>
             <a:r>
-              <a:rPr lang="ja-JP" altLang="en-US" smtClean="0"/>
+              <a:rPr lang="ja-JP" altLang="en-US"/>
               <a:t>第 </a:t>
             </a:r>
             <a:r>
-              <a:rPr lang="en-US" altLang="ja-JP" smtClean="0"/>
+              <a:rPr lang="en-US" altLang="ja-JP"/>
               <a:t>3 </a:t>
             </a:r>
             <a:r>
-              <a:rPr lang="ja-JP" altLang="en-US" smtClean="0"/>
+              <a:rPr lang="ja-JP" altLang="en-US"/>
               <a:t>レベル</a:t>
             </a:r>
           </a:p>
           <a:p>
             <a:pPr lvl="3"/>
             <a:r>
-              <a:rPr lang="ja-JP" altLang="en-US" smtClean="0"/>
+              <a:rPr lang="ja-JP" altLang="en-US"/>
               <a:t>第 </a:t>
             </a:r>
             <a:r>
-              <a:rPr lang="en-US" altLang="ja-JP" smtClean="0"/>
+              <a:rPr lang="en-US" altLang="ja-JP"/>
               <a:t>4 </a:t>
             </a:r>
             <a:r>
-              <a:rPr lang="ja-JP" altLang="en-US" smtClean="0"/>
+              <a:rPr lang="ja-JP" altLang="en-US"/>
               <a:t>レベル</a:t>
             </a:r>
           </a:p>
           <a:p>
             <a:pPr lvl="4"/>
             <a:r>
-              <a:rPr lang="ja-JP" altLang="en-US" smtClean="0"/>
+              <a:rPr lang="ja-JP" altLang="en-US"/>
               <a:t>第 </a:t>
             </a:r>
             <a:r>
-              <a:rPr lang="en-US" altLang="ja-JP" smtClean="0"/>
+              <a:rPr lang="en-US" altLang="ja-JP"/>
               <a:t>5 </a:t>
             </a:r>
             <a:r>
-              <a:rPr lang="ja-JP" altLang="en-US" smtClean="0"/>
+              <a:rPr lang="ja-JP" altLang="en-US"/>
               <a:t>レベル</a:t>
             </a:r>
             <a:endParaRPr lang="en-US" dirty="0"/>
@@ -1714,67 +1723,67 @@
           <a:p>
             <a:pPr lvl="0"/>
             <a:r>
-              <a:rPr lang="ja-JP" altLang="en-US" smtClean="0"/>
+              <a:rPr lang="ja-JP" altLang="en-US"/>
               <a:t>マスター テキストの書式設定</a:t>
             </a:r>
           </a:p>
           <a:p>
             <a:pPr lvl="1"/>
             <a:r>
-              <a:rPr lang="ja-JP" altLang="en-US" smtClean="0"/>
+              <a:rPr lang="ja-JP" altLang="en-US"/>
               <a:t>第 </a:t>
             </a:r>
             <a:r>
-              <a:rPr lang="en-US" altLang="ja-JP" smtClean="0"/>
+              <a:rPr lang="en-US" altLang="ja-JP"/>
               <a:t>2 </a:t>
             </a:r>
             <a:r>
-              <a:rPr lang="ja-JP" altLang="en-US" smtClean="0"/>
+              <a:rPr lang="ja-JP" altLang="en-US"/>
               <a:t>レベル</a:t>
             </a:r>
           </a:p>
           <a:p>
             <a:pPr lvl="2"/>
             <a:r>
-              <a:rPr lang="ja-JP" altLang="en-US" smtClean="0"/>
+              <a:rPr lang="ja-JP" altLang="en-US"/>
               <a:t>第 </a:t>
             </a:r>
             <a:r>
-              <a:rPr lang="en-US" altLang="ja-JP" smtClean="0"/>
+              <a:rPr lang="en-US" altLang="ja-JP"/>
               <a:t>3 </a:t>
             </a:r>
             <a:r>
-              <a:rPr lang="ja-JP" altLang="en-US" smtClean="0"/>
+              <a:rPr lang="ja-JP" altLang="en-US"/>
               <a:t>レベル</a:t>
             </a:r>
           </a:p>
           <a:p>
             <a:pPr lvl="3"/>
             <a:r>
-              <a:rPr lang="ja-JP" altLang="en-US" smtClean="0"/>
+              <a:rPr lang="ja-JP" altLang="en-US"/>
               <a:t>第 </a:t>
             </a:r>
             <a:r>
-              <a:rPr lang="en-US" altLang="ja-JP" smtClean="0"/>
+              <a:rPr lang="en-US" altLang="ja-JP"/>
               <a:t>4 </a:t>
             </a:r>
             <a:r>
-              <a:rPr lang="ja-JP" altLang="en-US" smtClean="0"/>
+              <a:rPr lang="ja-JP" altLang="en-US"/>
               <a:t>レベル</a:t>
             </a:r>
           </a:p>
           <a:p>
             <a:pPr lvl="4"/>
             <a:r>
-              <a:rPr lang="ja-JP" altLang="en-US" smtClean="0"/>
+              <a:rPr lang="ja-JP" altLang="en-US"/>
               <a:t>第 </a:t>
             </a:r>
             <a:r>
-              <a:rPr lang="en-US" altLang="ja-JP" smtClean="0"/>
+              <a:rPr lang="en-US" altLang="ja-JP"/>
               <a:t>5 </a:t>
             </a:r>
             <a:r>
-              <a:rPr lang="ja-JP" altLang="en-US" smtClean="0"/>
+              <a:rPr lang="ja-JP" altLang="en-US"/>
               <a:t>レベル</a:t>
             </a:r>
             <a:endParaRPr lang="en-US" dirty="0"/>
@@ -1798,7 +1807,7 @@
           <a:p>
             <a:fld id="{98DC0010-8282-470C-9D8D-299DFCEA23D4}" type="datetime1">
               <a:rPr kumimoji="1" lang="ja-JP" altLang="en-US" smtClean="0"/>
-              <a:t>2018/7/29</a:t>
+              <a:t>2018/8/5</a:t>
             </a:fld>
             <a:endParaRPr kumimoji="1" lang="ja-JP" altLang="en-US"/>
           </a:p>
@@ -1897,7 +1906,7 @@
           <a:lstStyle/>
           <a:p>
             <a:r>
-              <a:rPr lang="ja-JP" altLang="en-US" smtClean="0"/>
+              <a:rPr lang="ja-JP" altLang="en-US"/>
               <a:t>マスター タイトルの書式設定</a:t>
             </a:r>
             <a:endParaRPr lang="en-US" dirty="0"/>
@@ -1963,7 +1972,7 @@
           <a:p>
             <a:pPr lvl="0"/>
             <a:r>
-              <a:rPr lang="ja-JP" altLang="en-US" smtClean="0"/>
+              <a:rPr lang="ja-JP" altLang="en-US"/>
               <a:t>マスター テキストの書式設定</a:t>
             </a:r>
           </a:p>
@@ -1991,67 +2000,67 @@
           <a:p>
             <a:pPr lvl="0"/>
             <a:r>
-              <a:rPr lang="ja-JP" altLang="en-US" smtClean="0"/>
+              <a:rPr lang="ja-JP" altLang="en-US"/>
               <a:t>マスター テキストの書式設定</a:t>
             </a:r>
           </a:p>
           <a:p>
             <a:pPr lvl="1"/>
             <a:r>
-              <a:rPr lang="ja-JP" altLang="en-US" smtClean="0"/>
+              <a:rPr lang="ja-JP" altLang="en-US"/>
               <a:t>第 </a:t>
             </a:r>
             <a:r>
-              <a:rPr lang="en-US" altLang="ja-JP" smtClean="0"/>
+              <a:rPr lang="en-US" altLang="ja-JP"/>
               <a:t>2 </a:t>
             </a:r>
             <a:r>
-              <a:rPr lang="ja-JP" altLang="en-US" smtClean="0"/>
+              <a:rPr lang="ja-JP" altLang="en-US"/>
               <a:t>レベル</a:t>
             </a:r>
           </a:p>
           <a:p>
             <a:pPr lvl="2"/>
             <a:r>
-              <a:rPr lang="ja-JP" altLang="en-US" smtClean="0"/>
+              <a:rPr lang="ja-JP" altLang="en-US"/>
               <a:t>第 </a:t>
             </a:r>
             <a:r>
-              <a:rPr lang="en-US" altLang="ja-JP" smtClean="0"/>
+              <a:rPr lang="en-US" altLang="ja-JP"/>
               <a:t>3 </a:t>
             </a:r>
             <a:r>
-              <a:rPr lang="ja-JP" altLang="en-US" smtClean="0"/>
+              <a:rPr lang="ja-JP" altLang="en-US"/>
               <a:t>レベル</a:t>
             </a:r>
           </a:p>
           <a:p>
             <a:pPr lvl="3"/>
             <a:r>
-              <a:rPr lang="ja-JP" altLang="en-US" smtClean="0"/>
+              <a:rPr lang="ja-JP" altLang="en-US"/>
               <a:t>第 </a:t>
             </a:r>
             <a:r>
-              <a:rPr lang="en-US" altLang="ja-JP" smtClean="0"/>
+              <a:rPr lang="en-US" altLang="ja-JP"/>
               <a:t>4 </a:t>
             </a:r>
             <a:r>
-              <a:rPr lang="ja-JP" altLang="en-US" smtClean="0"/>
+              <a:rPr lang="ja-JP" altLang="en-US"/>
               <a:t>レベル</a:t>
             </a:r>
           </a:p>
           <a:p>
             <a:pPr lvl="4"/>
             <a:r>
-              <a:rPr lang="ja-JP" altLang="en-US" smtClean="0"/>
+              <a:rPr lang="ja-JP" altLang="en-US"/>
               <a:t>第 </a:t>
             </a:r>
             <a:r>
-              <a:rPr lang="en-US" altLang="ja-JP" smtClean="0"/>
+              <a:rPr lang="en-US" altLang="ja-JP"/>
               <a:t>5 </a:t>
             </a:r>
             <a:r>
-              <a:rPr lang="ja-JP" altLang="en-US" smtClean="0"/>
+              <a:rPr lang="ja-JP" altLang="en-US"/>
               <a:t>レベル</a:t>
             </a:r>
             <a:endParaRPr lang="en-US" dirty="0"/>
@@ -2117,7 +2126,7 @@
           <a:p>
             <a:pPr lvl="0"/>
             <a:r>
-              <a:rPr lang="ja-JP" altLang="en-US" smtClean="0"/>
+              <a:rPr lang="ja-JP" altLang="en-US"/>
               <a:t>マスター テキストの書式設定</a:t>
             </a:r>
           </a:p>
@@ -2145,67 +2154,67 @@
           <a:p>
             <a:pPr lvl="0"/>
             <a:r>
-              <a:rPr lang="ja-JP" altLang="en-US" smtClean="0"/>
+              <a:rPr lang="ja-JP" altLang="en-US"/>
               <a:t>マスター テキストの書式設定</a:t>
             </a:r>
           </a:p>
           <a:p>
             <a:pPr lvl="1"/>
             <a:r>
-              <a:rPr lang="ja-JP" altLang="en-US" smtClean="0"/>
+              <a:rPr lang="ja-JP" altLang="en-US"/>
               <a:t>第 </a:t>
             </a:r>
             <a:r>
-              <a:rPr lang="en-US" altLang="ja-JP" smtClean="0"/>
+              <a:rPr lang="en-US" altLang="ja-JP"/>
               <a:t>2 </a:t>
             </a:r>
             <a:r>
-              <a:rPr lang="ja-JP" altLang="en-US" smtClean="0"/>
+              <a:rPr lang="ja-JP" altLang="en-US"/>
               <a:t>レベル</a:t>
             </a:r>
           </a:p>
           <a:p>
             <a:pPr lvl="2"/>
             <a:r>
-              <a:rPr lang="ja-JP" altLang="en-US" smtClean="0"/>
+              <a:rPr lang="ja-JP" altLang="en-US"/>
               <a:t>第 </a:t>
             </a:r>
             <a:r>
-              <a:rPr lang="en-US" altLang="ja-JP" smtClean="0"/>
+              <a:rPr lang="en-US" altLang="ja-JP"/>
               <a:t>3 </a:t>
             </a:r>
             <a:r>
-              <a:rPr lang="ja-JP" altLang="en-US" smtClean="0"/>
+              <a:rPr lang="ja-JP" altLang="en-US"/>
               <a:t>レベル</a:t>
             </a:r>
           </a:p>
           <a:p>
             <a:pPr lvl="3"/>
             <a:r>
-              <a:rPr lang="ja-JP" altLang="en-US" smtClean="0"/>
+              <a:rPr lang="ja-JP" altLang="en-US"/>
               <a:t>第 </a:t>
             </a:r>
             <a:r>
-              <a:rPr lang="en-US" altLang="ja-JP" smtClean="0"/>
+              <a:rPr lang="en-US" altLang="ja-JP"/>
               <a:t>4 </a:t>
             </a:r>
             <a:r>
-              <a:rPr lang="ja-JP" altLang="en-US" smtClean="0"/>
+              <a:rPr lang="ja-JP" altLang="en-US"/>
               <a:t>レベル</a:t>
             </a:r>
           </a:p>
           <a:p>
             <a:pPr lvl="4"/>
             <a:r>
-              <a:rPr lang="ja-JP" altLang="en-US" smtClean="0"/>
+              <a:rPr lang="ja-JP" altLang="en-US"/>
               <a:t>第 </a:t>
             </a:r>
             <a:r>
-              <a:rPr lang="en-US" altLang="ja-JP" smtClean="0"/>
+              <a:rPr lang="en-US" altLang="ja-JP"/>
               <a:t>5 </a:t>
             </a:r>
             <a:r>
-              <a:rPr lang="ja-JP" altLang="en-US" smtClean="0"/>
+              <a:rPr lang="ja-JP" altLang="en-US"/>
               <a:t>レベル</a:t>
             </a:r>
             <a:endParaRPr lang="en-US" dirty="0"/>
@@ -2229,7 +2238,7 @@
           <a:p>
             <a:fld id="{B3A43584-42ED-4851-B6FE-0BC28A99A156}" type="datetime1">
               <a:rPr kumimoji="1" lang="ja-JP" altLang="en-US" smtClean="0"/>
-              <a:t>2018/7/29</a:t>
+              <a:t>2018/8/5</a:t>
             </a:fld>
             <a:endParaRPr kumimoji="1" lang="ja-JP" altLang="en-US"/>
           </a:p>
@@ -2323,7 +2332,7 @@
           <a:lstStyle/>
           <a:p>
             <a:r>
-              <a:rPr lang="ja-JP" altLang="en-US" smtClean="0"/>
+              <a:rPr lang="ja-JP" altLang="en-US"/>
               <a:t>マスター タイトルの書式設定</a:t>
             </a:r>
             <a:endParaRPr lang="en-US" dirty="0"/>
@@ -2347,7 +2356,7 @@
           <a:p>
             <a:fld id="{9CF1003B-EF43-490D-B0F0-2CD7E98EAE4C}" type="datetime1">
               <a:rPr kumimoji="1" lang="ja-JP" altLang="en-US" smtClean="0"/>
-              <a:t>2018/7/29</a:t>
+              <a:t>2018/8/5</a:t>
             </a:fld>
             <a:endParaRPr kumimoji="1" lang="ja-JP" altLang="en-US"/>
           </a:p>
@@ -2442,7 +2451,7 @@
           <a:p>
             <a:fld id="{09C9FEE7-1B41-4CFC-A0BF-3D06A1BEA0B5}" type="datetime1">
               <a:rPr kumimoji="1" lang="ja-JP" altLang="en-US" smtClean="0"/>
-              <a:t>2018/7/29</a:t>
+              <a:t>2018/8/5</a:t>
             </a:fld>
             <a:endParaRPr kumimoji="1" lang="ja-JP" altLang="en-US"/>
           </a:p>
@@ -2545,7 +2554,7 @@
           </a:lstStyle>
           <a:p>
             <a:r>
-              <a:rPr lang="ja-JP" altLang="en-US" smtClean="0"/>
+              <a:rPr lang="ja-JP" altLang="en-US"/>
               <a:t>マスター タイトルの書式設定</a:t>
             </a:r>
             <a:endParaRPr lang="en-US" dirty="0"/>
@@ -2602,67 +2611,67 @@
           <a:p>
             <a:pPr lvl="0"/>
             <a:r>
-              <a:rPr lang="ja-JP" altLang="en-US" smtClean="0"/>
+              <a:rPr lang="ja-JP" altLang="en-US"/>
               <a:t>マスター テキストの書式設定</a:t>
             </a:r>
           </a:p>
           <a:p>
             <a:pPr lvl="1"/>
             <a:r>
-              <a:rPr lang="ja-JP" altLang="en-US" smtClean="0"/>
+              <a:rPr lang="ja-JP" altLang="en-US"/>
               <a:t>第 </a:t>
             </a:r>
             <a:r>
-              <a:rPr lang="en-US" altLang="ja-JP" smtClean="0"/>
+              <a:rPr lang="en-US" altLang="ja-JP"/>
               <a:t>2 </a:t>
             </a:r>
             <a:r>
-              <a:rPr lang="ja-JP" altLang="en-US" smtClean="0"/>
+              <a:rPr lang="ja-JP" altLang="en-US"/>
               <a:t>レベル</a:t>
             </a:r>
           </a:p>
           <a:p>
             <a:pPr lvl="2"/>
             <a:r>
-              <a:rPr lang="ja-JP" altLang="en-US" smtClean="0"/>
+              <a:rPr lang="ja-JP" altLang="en-US"/>
               <a:t>第 </a:t>
             </a:r>
             <a:r>
-              <a:rPr lang="en-US" altLang="ja-JP" smtClean="0"/>
+              <a:rPr lang="en-US" altLang="ja-JP"/>
               <a:t>3 </a:t>
             </a:r>
             <a:r>
-              <a:rPr lang="ja-JP" altLang="en-US" smtClean="0"/>
+              <a:rPr lang="ja-JP" altLang="en-US"/>
               <a:t>レベル</a:t>
             </a:r>
           </a:p>
           <a:p>
             <a:pPr lvl="3"/>
             <a:r>
-              <a:rPr lang="ja-JP" altLang="en-US" smtClean="0"/>
+              <a:rPr lang="ja-JP" altLang="en-US"/>
               <a:t>第 </a:t>
             </a:r>
             <a:r>
-              <a:rPr lang="en-US" altLang="ja-JP" smtClean="0"/>
+              <a:rPr lang="en-US" altLang="ja-JP"/>
               <a:t>4 </a:t>
             </a:r>
             <a:r>
-              <a:rPr lang="ja-JP" altLang="en-US" smtClean="0"/>
+              <a:rPr lang="ja-JP" altLang="en-US"/>
               <a:t>レベル</a:t>
             </a:r>
           </a:p>
           <a:p>
             <a:pPr lvl="4"/>
             <a:r>
-              <a:rPr lang="ja-JP" altLang="en-US" smtClean="0"/>
+              <a:rPr lang="ja-JP" altLang="en-US"/>
               <a:t>第 </a:t>
             </a:r>
             <a:r>
-              <a:rPr lang="en-US" altLang="ja-JP" smtClean="0"/>
+              <a:rPr lang="en-US" altLang="ja-JP"/>
               <a:t>5 </a:t>
             </a:r>
             <a:r>
-              <a:rPr lang="ja-JP" altLang="en-US" smtClean="0"/>
+              <a:rPr lang="ja-JP" altLang="en-US"/>
               <a:t>レベル</a:t>
             </a:r>
             <a:endParaRPr lang="en-US" dirty="0"/>
@@ -2728,7 +2737,7 @@
           <a:p>
             <a:pPr lvl="0"/>
             <a:r>
-              <a:rPr lang="ja-JP" altLang="en-US" smtClean="0"/>
+              <a:rPr lang="ja-JP" altLang="en-US"/>
               <a:t>マスター テキストの書式設定</a:t>
             </a:r>
           </a:p>
@@ -2751,7 +2760,7 @@
           <a:p>
             <a:fld id="{221717AB-DDF7-4F25-8545-B749AE3C761D}" type="datetime1">
               <a:rPr kumimoji="1" lang="ja-JP" altLang="en-US" smtClean="0"/>
-              <a:t>2018/7/29</a:t>
+              <a:t>2018/8/5</a:t>
             </a:fld>
             <a:endParaRPr kumimoji="1" lang="ja-JP" altLang="en-US"/>
           </a:p>
@@ -2854,7 +2863,7 @@
           </a:lstStyle>
           <a:p>
             <a:r>
-              <a:rPr lang="ja-JP" altLang="en-US" smtClean="0"/>
+              <a:rPr lang="ja-JP" altLang="en-US"/>
               <a:t>マスター タイトルの書式設定</a:t>
             </a:r>
             <a:endParaRPr lang="en-US" dirty="0"/>
@@ -2919,7 +2928,7 @@
           </a:lstStyle>
           <a:p>
             <a:r>
-              <a:rPr lang="ja-JP" altLang="en-US" smtClean="0"/>
+              <a:rPr lang="ja-JP" altLang="en-US"/>
               <a:t>図を追加</a:t>
             </a:r>
             <a:endParaRPr lang="en-US" dirty="0"/>
@@ -2985,7 +2994,7 @@
           <a:p>
             <a:pPr lvl="0"/>
             <a:r>
-              <a:rPr lang="ja-JP" altLang="en-US" smtClean="0"/>
+              <a:rPr lang="ja-JP" altLang="en-US"/>
               <a:t>マスター テキストの書式設定</a:t>
             </a:r>
           </a:p>
@@ -3008,7 +3017,7 @@
           <a:p>
             <a:fld id="{1E39A78B-9223-4C59-BFFA-2B6EC860F077}" type="datetime1">
               <a:rPr kumimoji="1" lang="ja-JP" altLang="en-US" smtClean="0"/>
-              <a:t>2018/7/29</a:t>
+              <a:t>2018/8/5</a:t>
             </a:fld>
             <a:endParaRPr kumimoji="1" lang="ja-JP" altLang="en-US"/>
           </a:p>
@@ -3117,7 +3126,7 @@
           <a:lstStyle/>
           <a:p>
             <a:r>
-              <a:rPr lang="ja-JP" altLang="en-US" smtClean="0"/>
+              <a:rPr lang="ja-JP" altLang="en-US"/>
               <a:t>マスター タイトルの書式設定</a:t>
             </a:r>
             <a:endParaRPr lang="en-US" dirty="0"/>
@@ -3151,67 +3160,67 @@
           <a:p>
             <a:pPr lvl="0"/>
             <a:r>
-              <a:rPr lang="ja-JP" altLang="en-US" smtClean="0"/>
+              <a:rPr lang="ja-JP" altLang="en-US"/>
               <a:t>マスター テキストの書式設定</a:t>
             </a:r>
           </a:p>
           <a:p>
             <a:pPr lvl="1"/>
             <a:r>
-              <a:rPr lang="ja-JP" altLang="en-US" smtClean="0"/>
+              <a:rPr lang="ja-JP" altLang="en-US"/>
               <a:t>第 </a:t>
             </a:r>
             <a:r>
-              <a:rPr lang="en-US" altLang="ja-JP" smtClean="0"/>
+              <a:rPr lang="en-US" altLang="ja-JP"/>
               <a:t>2 </a:t>
             </a:r>
             <a:r>
-              <a:rPr lang="ja-JP" altLang="en-US" smtClean="0"/>
+              <a:rPr lang="ja-JP" altLang="en-US"/>
               <a:t>レベル</a:t>
             </a:r>
           </a:p>
           <a:p>
             <a:pPr lvl="2"/>
             <a:r>
-              <a:rPr lang="ja-JP" altLang="en-US" smtClean="0"/>
+              <a:rPr lang="ja-JP" altLang="en-US"/>
               <a:t>第 </a:t>
             </a:r>
             <a:r>
-              <a:rPr lang="en-US" altLang="ja-JP" smtClean="0"/>
+              <a:rPr lang="en-US" altLang="ja-JP"/>
               <a:t>3 </a:t>
             </a:r>
             <a:r>
-              <a:rPr lang="ja-JP" altLang="en-US" smtClean="0"/>
+              <a:rPr lang="ja-JP" altLang="en-US"/>
               <a:t>レベル</a:t>
             </a:r>
           </a:p>
           <a:p>
             <a:pPr lvl="3"/>
             <a:r>
-              <a:rPr lang="ja-JP" altLang="en-US" smtClean="0"/>
+              <a:rPr lang="ja-JP" altLang="en-US"/>
               <a:t>第 </a:t>
             </a:r>
             <a:r>
-              <a:rPr lang="en-US" altLang="ja-JP" smtClean="0"/>
+              <a:rPr lang="en-US" altLang="ja-JP"/>
               <a:t>4 </a:t>
             </a:r>
             <a:r>
-              <a:rPr lang="ja-JP" altLang="en-US" smtClean="0"/>
+              <a:rPr lang="ja-JP" altLang="en-US"/>
               <a:t>レベル</a:t>
             </a:r>
           </a:p>
           <a:p>
             <a:pPr lvl="4"/>
             <a:r>
-              <a:rPr lang="ja-JP" altLang="en-US" smtClean="0"/>
+              <a:rPr lang="ja-JP" altLang="en-US"/>
               <a:t>第 </a:t>
             </a:r>
             <a:r>
-              <a:rPr lang="en-US" altLang="ja-JP" smtClean="0"/>
+              <a:rPr lang="en-US" altLang="ja-JP"/>
               <a:t>5 </a:t>
             </a:r>
             <a:r>
-              <a:rPr lang="ja-JP" altLang="en-US" smtClean="0"/>
+              <a:rPr lang="ja-JP" altLang="en-US"/>
               <a:t>レベル</a:t>
             </a:r>
             <a:endParaRPr lang="en-US" dirty="0"/>
@@ -3253,7 +3262,7 @@
           <a:p>
             <a:fld id="{16C85980-815E-4646-9C2E-8223336555EE}" type="datetime1">
               <a:rPr kumimoji="1" lang="ja-JP" altLang="en-US" smtClean="0"/>
-              <a:t>2018/7/29</a:t>
+              <a:t>2018/8/5</a:t>
             </a:fld>
             <a:endParaRPr kumimoji="1" lang="ja-JP" altLang="en-US"/>
           </a:p>
@@ -3661,2532 +3670,14 @@
       </p:grpSpPr>
       <p:sp>
         <p:nvSpPr>
-          <p:cNvPr id="4" name="角丸四角形 3"/>
-          <p:cNvSpPr/>
-          <p:nvPr/>
-        </p:nvSpPr>
-        <p:spPr>
-          <a:xfrm>
-            <a:off x="3846574" y="2726056"/>
-            <a:ext cx="931366" cy="287882"/>
-          </a:xfrm>
-          <a:prstGeom prst="roundRect">
-            <a:avLst/>
-          </a:prstGeom>
-          <a:noFill/>
-          <a:ln w="28575">
-            <a:solidFill>
-              <a:srgbClr val="002060"/>
-            </a:solidFill>
-          </a:ln>
-        </p:spPr>
-        <p:style>
-          <a:lnRef idx="2">
-            <a:schemeClr val="accent1">
-              <a:shade val="50000"/>
-            </a:schemeClr>
-          </a:lnRef>
-          <a:fillRef idx="1">
-            <a:schemeClr val="accent1"/>
-          </a:fillRef>
-          <a:effectRef idx="0">
-            <a:schemeClr val="accent1"/>
-          </a:effectRef>
-          <a:fontRef idx="minor">
-            <a:schemeClr val="lt1"/>
-          </a:fontRef>
-        </p:style>
-        <p:txBody>
-          <a:bodyPr rtlCol="0" anchor="ctr"/>
-          <a:lstStyle/>
-          <a:p>
-            <a:pPr algn="ctr"/>
-            <a:r>
-              <a:rPr lang="en-US" altLang="ja-JP" sz="1013" b="1" dirty="0" err="1">
-                <a:solidFill>
-                  <a:schemeClr val="tx1"/>
-                </a:solidFill>
-              </a:rPr>
-              <a:t>CSVstring</a:t>
-            </a:r>
-            <a:endParaRPr lang="ja-JP" altLang="en-US" sz="1013" b="1" dirty="0">
-              <a:solidFill>
-                <a:schemeClr val="tx1"/>
-              </a:solidFill>
-            </a:endParaRPr>
-          </a:p>
-        </p:txBody>
-      </p:sp>
-      <p:sp>
-        <p:nvSpPr>
-          <p:cNvPr id="5" name="角丸四角形 4"/>
-          <p:cNvSpPr/>
-          <p:nvPr/>
-        </p:nvSpPr>
-        <p:spPr>
-          <a:xfrm>
-            <a:off x="3846574" y="3349057"/>
-            <a:ext cx="931366" cy="287882"/>
-          </a:xfrm>
-          <a:prstGeom prst="roundRect">
-            <a:avLst/>
-          </a:prstGeom>
-          <a:noFill/>
-          <a:ln w="28575">
-            <a:solidFill>
-              <a:schemeClr val="accent2"/>
-            </a:solidFill>
-          </a:ln>
-        </p:spPr>
-        <p:style>
-          <a:lnRef idx="2">
-            <a:schemeClr val="accent1">
-              <a:shade val="50000"/>
-            </a:schemeClr>
-          </a:lnRef>
-          <a:fillRef idx="1">
-            <a:schemeClr val="accent1"/>
-          </a:fillRef>
-          <a:effectRef idx="0">
-            <a:schemeClr val="accent1"/>
-          </a:effectRef>
-          <a:fontRef idx="minor">
-            <a:schemeClr val="lt1"/>
-          </a:fontRef>
-        </p:style>
-        <p:txBody>
-          <a:bodyPr rtlCol="0" anchor="ctr"/>
-          <a:lstStyle/>
-          <a:p>
-            <a:pPr algn="ctr"/>
-            <a:r>
-              <a:rPr lang="en-US" altLang="ja-JP" sz="1013" b="1" dirty="0">
-                <a:solidFill>
-                  <a:schemeClr val="tx1"/>
-                </a:solidFill>
-              </a:rPr>
-              <a:t>table</a:t>
-            </a:r>
-            <a:endParaRPr lang="ja-JP" altLang="en-US" sz="1013" b="1" dirty="0">
-              <a:solidFill>
-                <a:schemeClr val="tx1"/>
-              </a:solidFill>
-            </a:endParaRPr>
-          </a:p>
-        </p:txBody>
-      </p:sp>
-      <p:sp>
-        <p:nvSpPr>
-          <p:cNvPr id="6" name="角丸四角形 5"/>
-          <p:cNvSpPr/>
-          <p:nvPr/>
-        </p:nvSpPr>
-        <p:spPr>
-          <a:xfrm>
-            <a:off x="3846574" y="4086076"/>
-            <a:ext cx="931366" cy="287882"/>
-          </a:xfrm>
-          <a:prstGeom prst="roundRect">
-            <a:avLst/>
-          </a:prstGeom>
-          <a:noFill/>
-          <a:ln w="28575">
-            <a:solidFill>
-              <a:schemeClr val="accent2"/>
-            </a:solidFill>
-          </a:ln>
-        </p:spPr>
-        <p:style>
-          <a:lnRef idx="2">
-            <a:schemeClr val="accent1">
-              <a:shade val="50000"/>
-            </a:schemeClr>
-          </a:lnRef>
-          <a:fillRef idx="1">
-            <a:schemeClr val="accent1"/>
-          </a:fillRef>
-          <a:effectRef idx="0">
-            <a:schemeClr val="accent1"/>
-          </a:effectRef>
-          <a:fontRef idx="minor">
-            <a:schemeClr val="lt1"/>
-          </a:fontRef>
-        </p:style>
-        <p:txBody>
-          <a:bodyPr rtlCol="0" anchor="ctr"/>
-          <a:lstStyle/>
-          <a:p>
-            <a:pPr algn="ctr"/>
-            <a:r>
-              <a:rPr lang="en-US" altLang="ja-JP" sz="1013" b="1" dirty="0" err="1">
-                <a:solidFill>
-                  <a:schemeClr val="tx1"/>
-                </a:solidFill>
-              </a:rPr>
-              <a:t>tableFiltered</a:t>
-            </a:r>
-            <a:endParaRPr lang="ja-JP" altLang="en-US" sz="1013" b="1" dirty="0">
-              <a:solidFill>
-                <a:schemeClr val="tx1"/>
-              </a:solidFill>
-            </a:endParaRPr>
-          </a:p>
-        </p:txBody>
-      </p:sp>
-      <p:sp>
-        <p:nvSpPr>
-          <p:cNvPr id="10" name="角丸四角形 9"/>
-          <p:cNvSpPr/>
-          <p:nvPr/>
-        </p:nvSpPr>
-        <p:spPr>
-          <a:xfrm>
-            <a:off x="1885563" y="2961852"/>
-            <a:ext cx="896777" cy="220069"/>
-          </a:xfrm>
-          <a:prstGeom prst="roundRect">
-            <a:avLst/>
-          </a:prstGeom>
-          <a:noFill/>
-          <a:ln w="28575">
-            <a:solidFill>
-              <a:schemeClr val="accent2"/>
-            </a:solidFill>
-          </a:ln>
-        </p:spPr>
-        <p:style>
-          <a:lnRef idx="2">
-            <a:schemeClr val="accent1">
-              <a:shade val="50000"/>
-            </a:schemeClr>
-          </a:lnRef>
-          <a:fillRef idx="1">
-            <a:schemeClr val="accent1"/>
-          </a:fillRef>
-          <a:effectRef idx="0">
-            <a:schemeClr val="accent1"/>
-          </a:effectRef>
-          <a:fontRef idx="minor">
-            <a:schemeClr val="lt1"/>
-          </a:fontRef>
-        </p:style>
-        <p:txBody>
-          <a:bodyPr rtlCol="0" anchor="ctr"/>
-          <a:lstStyle/>
-          <a:p>
-            <a:pPr algn="ctr"/>
-            <a:r>
-              <a:rPr lang="en-US" altLang="ja-JP" sz="1013" b="1" dirty="0" err="1">
-                <a:solidFill>
-                  <a:schemeClr val="tx1"/>
-                </a:solidFill>
-              </a:rPr>
-              <a:t>full</a:t>
-            </a:r>
-            <a:r>
-              <a:rPr lang="en-US" altLang="ja-JP" sz="1013" b="1" dirty="0" err="1">
-                <a:solidFill>
-                  <a:schemeClr val="tx1"/>
-                </a:solidFill>
-              </a:rPr>
-              <a:t>Name</a:t>
-            </a:r>
-            <a:endParaRPr lang="ja-JP" altLang="en-US" sz="1013" b="1" dirty="0">
-              <a:solidFill>
-                <a:schemeClr val="tx1"/>
-              </a:solidFill>
-            </a:endParaRPr>
-          </a:p>
-        </p:txBody>
-      </p:sp>
-      <p:sp>
-        <p:nvSpPr>
-          <p:cNvPr id="11" name="角丸四角形 10"/>
-          <p:cNvSpPr/>
-          <p:nvPr/>
-        </p:nvSpPr>
-        <p:spPr>
-          <a:xfrm>
-            <a:off x="1885562" y="3223824"/>
-            <a:ext cx="896777" cy="220069"/>
-          </a:xfrm>
-          <a:prstGeom prst="roundRect">
-            <a:avLst/>
-          </a:prstGeom>
-          <a:noFill/>
-          <a:ln w="28575">
-            <a:solidFill>
-              <a:schemeClr val="accent2"/>
-            </a:solidFill>
-          </a:ln>
-        </p:spPr>
-        <p:style>
-          <a:lnRef idx="2">
-            <a:schemeClr val="accent1">
-              <a:shade val="50000"/>
-            </a:schemeClr>
-          </a:lnRef>
-          <a:fillRef idx="1">
-            <a:schemeClr val="accent1"/>
-          </a:fillRef>
-          <a:effectRef idx="0">
-            <a:schemeClr val="accent1"/>
-          </a:effectRef>
-          <a:fontRef idx="minor">
-            <a:schemeClr val="lt1"/>
-          </a:fontRef>
-        </p:style>
-        <p:txBody>
-          <a:bodyPr rtlCol="0" anchor="ctr"/>
-          <a:lstStyle/>
-          <a:p>
-            <a:pPr algn="ctr"/>
-            <a:r>
-              <a:rPr lang="en-US" altLang="ja-JP" sz="1013" b="1" dirty="0">
-                <a:solidFill>
-                  <a:schemeClr val="tx1"/>
-                </a:solidFill>
-              </a:rPr>
-              <a:t>email</a:t>
-            </a:r>
-            <a:endParaRPr lang="ja-JP" altLang="en-US" sz="1013" b="1" dirty="0">
-              <a:solidFill>
-                <a:schemeClr val="tx1"/>
-              </a:solidFill>
-            </a:endParaRPr>
-          </a:p>
-        </p:txBody>
-      </p:sp>
-      <p:sp>
-        <p:nvSpPr>
-          <p:cNvPr id="12" name="角丸四角形 11"/>
-          <p:cNvSpPr/>
-          <p:nvPr/>
-        </p:nvSpPr>
-        <p:spPr>
-          <a:xfrm>
-            <a:off x="1885562" y="3485796"/>
-            <a:ext cx="896777" cy="220069"/>
-          </a:xfrm>
-          <a:prstGeom prst="roundRect">
-            <a:avLst/>
-          </a:prstGeom>
-          <a:noFill/>
-          <a:ln w="28575">
-            <a:solidFill>
-              <a:schemeClr val="accent2"/>
-            </a:solidFill>
-          </a:ln>
-        </p:spPr>
-        <p:style>
-          <a:lnRef idx="2">
-            <a:schemeClr val="accent1">
-              <a:shade val="50000"/>
-            </a:schemeClr>
-          </a:lnRef>
-          <a:fillRef idx="1">
-            <a:schemeClr val="accent1"/>
-          </a:fillRef>
-          <a:effectRef idx="0">
-            <a:schemeClr val="accent1"/>
-          </a:effectRef>
-          <a:fontRef idx="minor">
-            <a:schemeClr val="lt1"/>
-          </a:fontRef>
-        </p:style>
-        <p:txBody>
-          <a:bodyPr rtlCol="0" anchor="ctr"/>
-          <a:lstStyle/>
-          <a:p>
-            <a:pPr algn="ctr"/>
-            <a:r>
-              <a:rPr lang="en-US" altLang="ja-JP" sz="1013" b="1" dirty="0">
-                <a:solidFill>
-                  <a:schemeClr val="tx1"/>
-                </a:solidFill>
-              </a:rPr>
-              <a:t>gender</a:t>
-            </a:r>
-            <a:endParaRPr lang="ja-JP" altLang="en-US" sz="1013" b="1" dirty="0">
-              <a:solidFill>
-                <a:schemeClr val="tx1"/>
-              </a:solidFill>
-            </a:endParaRPr>
-          </a:p>
-        </p:txBody>
-      </p:sp>
-      <p:sp>
-        <p:nvSpPr>
-          <p:cNvPr id="15" name="角丸四角形 14"/>
-          <p:cNvSpPr/>
-          <p:nvPr/>
-        </p:nvSpPr>
-        <p:spPr>
-          <a:xfrm>
-            <a:off x="1885562" y="3976041"/>
-            <a:ext cx="895577" cy="220069"/>
-          </a:xfrm>
-          <a:prstGeom prst="roundRect">
-            <a:avLst/>
-          </a:prstGeom>
-          <a:noFill/>
-          <a:ln w="28575">
-            <a:solidFill>
-              <a:schemeClr val="accent2"/>
-            </a:solidFill>
-          </a:ln>
-        </p:spPr>
-        <p:style>
-          <a:lnRef idx="2">
-            <a:schemeClr val="accent1">
-              <a:shade val="50000"/>
-            </a:schemeClr>
-          </a:lnRef>
-          <a:fillRef idx="1">
-            <a:schemeClr val="accent1"/>
-          </a:fillRef>
-          <a:effectRef idx="0">
-            <a:schemeClr val="accent1"/>
-          </a:effectRef>
-          <a:fontRef idx="minor">
-            <a:schemeClr val="lt1"/>
-          </a:fontRef>
-        </p:style>
-        <p:txBody>
-          <a:bodyPr rtlCol="0" anchor="ctr"/>
-          <a:lstStyle/>
-          <a:p>
-            <a:pPr algn="ctr"/>
-            <a:r>
-              <a:rPr lang="en-US" altLang="ja-JP" sz="1013" b="1" dirty="0" err="1">
-                <a:solidFill>
-                  <a:schemeClr val="tx1"/>
-                </a:solidFill>
-              </a:rPr>
-              <a:t>itemsPerPage</a:t>
-            </a:r>
-            <a:endParaRPr lang="ja-JP" altLang="en-US" sz="1013" b="1" dirty="0">
-              <a:solidFill>
-                <a:schemeClr val="tx1"/>
-              </a:solidFill>
-            </a:endParaRPr>
-          </a:p>
-        </p:txBody>
-      </p:sp>
-      <p:sp>
-        <p:nvSpPr>
-          <p:cNvPr id="16" name="角丸四角形 15"/>
-          <p:cNvSpPr/>
-          <p:nvPr/>
-        </p:nvSpPr>
-        <p:spPr>
-          <a:xfrm>
-            <a:off x="3846574" y="5518354"/>
-            <a:ext cx="931366" cy="287882"/>
-          </a:xfrm>
-          <a:prstGeom prst="roundRect">
-            <a:avLst/>
-          </a:prstGeom>
-          <a:noFill/>
-          <a:ln w="28575">
-            <a:solidFill>
-              <a:schemeClr val="accent2"/>
-            </a:solidFill>
-          </a:ln>
-        </p:spPr>
-        <p:style>
-          <a:lnRef idx="2">
-            <a:schemeClr val="accent1">
-              <a:shade val="50000"/>
-            </a:schemeClr>
-          </a:lnRef>
-          <a:fillRef idx="1">
-            <a:schemeClr val="accent1"/>
-          </a:fillRef>
-          <a:effectRef idx="0">
-            <a:schemeClr val="accent1"/>
-          </a:effectRef>
-          <a:fontRef idx="minor">
-            <a:schemeClr val="lt1"/>
-          </a:fontRef>
-        </p:style>
-        <p:txBody>
-          <a:bodyPr rtlCol="0" anchor="ctr"/>
-          <a:lstStyle/>
-          <a:p>
-            <a:pPr algn="ctr"/>
-            <a:r>
-              <a:rPr lang="en-US" altLang="ja-JP" sz="1013" b="1" dirty="0" err="1">
-                <a:solidFill>
-                  <a:schemeClr val="tx1"/>
-                </a:solidFill>
-              </a:rPr>
-              <a:t>tableSliced</a:t>
-            </a:r>
-            <a:endParaRPr lang="ja-JP" altLang="en-US" sz="1013" b="1" dirty="0">
-              <a:solidFill>
-                <a:schemeClr val="tx1"/>
-              </a:solidFill>
-            </a:endParaRPr>
-          </a:p>
-        </p:txBody>
-      </p:sp>
-      <p:pic>
-        <p:nvPicPr>
-          <p:cNvPr id="17" name="図 16"/>
-          <p:cNvPicPr>
-            <a:picLocks noChangeAspect="1"/>
-          </p:cNvPicPr>
-          <p:nvPr/>
-        </p:nvPicPr>
-        <p:blipFill>
-          <a:blip r:embed="rId2" cstate="print">
-            <a:extLst>
-              <a:ext uri="{28A0092B-C50C-407E-A947-70E740481C1C}">
-                <a14:useLocalDpi xmlns:a14="http://schemas.microsoft.com/office/drawing/2010/main" val="0"/>
-              </a:ext>
-            </a:extLst>
-          </a:blip>
-          <a:stretch>
-            <a:fillRect/>
-          </a:stretch>
-        </p:blipFill>
-        <p:spPr>
-          <a:xfrm>
-            <a:off x="3823103" y="2034709"/>
-            <a:ext cx="1018275" cy="535655"/>
-          </a:xfrm>
-          <a:prstGeom prst="rect">
-            <a:avLst/>
-          </a:prstGeom>
-        </p:spPr>
-      </p:pic>
-      <p:cxnSp>
-        <p:nvCxnSpPr>
-          <p:cNvPr id="22" name="直線矢印コネクタ 21"/>
-          <p:cNvCxnSpPr>
-            <a:stCxn id="5" idx="2"/>
-            <a:endCxn id="6" idx="0"/>
-          </p:cNvCxnSpPr>
-          <p:nvPr/>
-        </p:nvCxnSpPr>
-        <p:spPr>
-          <a:xfrm>
-            <a:off x="4312257" y="3636939"/>
-            <a:ext cx="0" cy="449137"/>
-          </a:xfrm>
-          <a:prstGeom prst="straightConnector1">
-            <a:avLst/>
-          </a:prstGeom>
-          <a:ln w="57150">
-            <a:solidFill>
-              <a:schemeClr val="tx1"/>
-            </a:solidFill>
-            <a:tailEnd type="triangle"/>
-          </a:ln>
-        </p:spPr>
-        <p:style>
-          <a:lnRef idx="1">
-            <a:schemeClr val="accent1"/>
-          </a:lnRef>
-          <a:fillRef idx="0">
-            <a:schemeClr val="accent1"/>
-          </a:fillRef>
-          <a:effectRef idx="0">
-            <a:schemeClr val="accent1"/>
-          </a:effectRef>
-          <a:fontRef idx="minor">
-            <a:schemeClr val="tx1"/>
-          </a:fontRef>
-        </p:style>
-      </p:cxnSp>
-      <p:sp>
-        <p:nvSpPr>
-          <p:cNvPr id="23" name="フリーフォーム 22"/>
-          <p:cNvSpPr/>
-          <p:nvPr/>
-        </p:nvSpPr>
-        <p:spPr>
-          <a:xfrm>
-            <a:off x="3155068" y="3509926"/>
-            <a:ext cx="1113733" cy="414895"/>
-          </a:xfrm>
-          <a:custGeom>
-            <a:avLst/>
-            <a:gdLst>
-              <a:gd name="connsiteX0" fmla="*/ 0 w 1992574"/>
-              <a:gd name="connsiteY0" fmla="*/ 0 h 921223"/>
-              <a:gd name="connsiteX1" fmla="*/ 1098645 w 1992574"/>
-              <a:gd name="connsiteY1" fmla="*/ 218364 h 921223"/>
-              <a:gd name="connsiteX2" fmla="*/ 1992574 w 1992574"/>
-              <a:gd name="connsiteY2" fmla="*/ 921223 h 921223"/>
-            </a:gdLst>
-            <a:ahLst/>
-            <a:cxnLst>
-              <a:cxn ang="0">
-                <a:pos x="connsiteX0" y="connsiteY0"/>
-              </a:cxn>
-              <a:cxn ang="0">
-                <a:pos x="connsiteX1" y="connsiteY1"/>
-              </a:cxn>
-              <a:cxn ang="0">
-                <a:pos x="connsiteX2" y="connsiteY2"/>
-              </a:cxn>
-            </a:cxnLst>
-            <a:rect l="l" t="t" r="r" b="b"/>
-            <a:pathLst>
-              <a:path w="1992574" h="921223">
-                <a:moveTo>
-                  <a:pt x="0" y="0"/>
-                </a:moveTo>
-                <a:cubicBezTo>
-                  <a:pt x="383274" y="32413"/>
-                  <a:pt x="766549" y="64827"/>
-                  <a:pt x="1098645" y="218364"/>
-                </a:cubicBezTo>
-                <a:cubicBezTo>
-                  <a:pt x="1430741" y="371901"/>
-                  <a:pt x="1711657" y="646562"/>
-                  <a:pt x="1992574" y="921223"/>
-                </a:cubicBezTo>
-              </a:path>
-            </a:pathLst>
-          </a:custGeom>
-          <a:noFill/>
-          <a:ln w="57150">
-            <a:solidFill>
-              <a:schemeClr val="tx1"/>
-            </a:solidFill>
-            <a:headEnd type="none" w="med" len="med"/>
-            <a:tailEnd type="triangle" w="med" len="med"/>
-          </a:ln>
-        </p:spPr>
-        <p:style>
-          <a:lnRef idx="2">
-            <a:schemeClr val="accent1">
-              <a:shade val="50000"/>
-            </a:schemeClr>
-          </a:lnRef>
-          <a:fillRef idx="1">
-            <a:schemeClr val="accent1"/>
-          </a:fillRef>
-          <a:effectRef idx="0">
-            <a:schemeClr val="accent1"/>
-          </a:effectRef>
-          <a:fontRef idx="minor">
-            <a:schemeClr val="lt1"/>
-          </a:fontRef>
-        </p:style>
-        <p:txBody>
-          <a:bodyPr rtlCol="0" anchor="ctr"/>
-          <a:lstStyle/>
-          <a:p>
-            <a:pPr algn="ctr"/>
-            <a:endParaRPr lang="ja-JP" altLang="en-US" sz="1013"/>
-          </a:p>
-        </p:txBody>
-      </p:sp>
-      <p:cxnSp>
-        <p:nvCxnSpPr>
-          <p:cNvPr id="24" name="直線矢印コネクタ 23"/>
-          <p:cNvCxnSpPr>
-            <a:stCxn id="4" idx="2"/>
-            <a:endCxn id="5" idx="0"/>
-          </p:cNvCxnSpPr>
-          <p:nvPr/>
-        </p:nvCxnSpPr>
-        <p:spPr>
-          <a:xfrm>
-            <a:off x="4312257" y="3013938"/>
-            <a:ext cx="0" cy="335118"/>
-          </a:xfrm>
-          <a:prstGeom prst="straightConnector1">
-            <a:avLst/>
-          </a:prstGeom>
-          <a:ln w="57150">
-            <a:solidFill>
-              <a:schemeClr val="tx1"/>
-            </a:solidFill>
-            <a:tailEnd type="triangle"/>
-          </a:ln>
-        </p:spPr>
-        <p:style>
-          <a:lnRef idx="1">
-            <a:schemeClr val="accent1"/>
-          </a:lnRef>
-          <a:fillRef idx="0">
-            <a:schemeClr val="accent1"/>
-          </a:fillRef>
-          <a:effectRef idx="0">
-            <a:schemeClr val="accent1"/>
-          </a:effectRef>
-          <a:fontRef idx="minor">
-            <a:schemeClr val="tx1"/>
-          </a:fontRef>
-        </p:style>
-      </p:cxnSp>
-      <p:cxnSp>
-        <p:nvCxnSpPr>
-          <p:cNvPr id="27" name="直線矢印コネクタ 26"/>
-          <p:cNvCxnSpPr>
-            <a:endCxn id="4" idx="0"/>
-          </p:cNvCxnSpPr>
-          <p:nvPr/>
-        </p:nvCxnSpPr>
-        <p:spPr>
-          <a:xfrm>
-            <a:off x="4312257" y="2443973"/>
-            <a:ext cx="1" cy="282083"/>
-          </a:xfrm>
-          <a:prstGeom prst="straightConnector1">
-            <a:avLst/>
-          </a:prstGeom>
-          <a:ln w="57150">
-            <a:solidFill>
-              <a:schemeClr val="tx1"/>
-            </a:solidFill>
-            <a:tailEnd type="triangle"/>
-          </a:ln>
-        </p:spPr>
-        <p:style>
-          <a:lnRef idx="1">
-            <a:schemeClr val="accent1"/>
-          </a:lnRef>
-          <a:fillRef idx="0">
-            <a:schemeClr val="accent1"/>
-          </a:fillRef>
-          <a:effectRef idx="0">
-            <a:schemeClr val="accent1"/>
-          </a:effectRef>
-          <a:fontRef idx="minor">
-            <a:schemeClr val="tx1"/>
-          </a:fontRef>
-        </p:style>
-      </p:cxnSp>
-      <p:cxnSp>
-        <p:nvCxnSpPr>
-          <p:cNvPr id="30" name="直線矢印コネクタ 29"/>
-          <p:cNvCxnSpPr>
-            <a:stCxn id="6" idx="2"/>
-            <a:endCxn id="16" idx="0"/>
-          </p:cNvCxnSpPr>
-          <p:nvPr/>
-        </p:nvCxnSpPr>
-        <p:spPr>
-          <a:xfrm>
-            <a:off x="4312257" y="4373958"/>
-            <a:ext cx="0" cy="1144396"/>
-          </a:xfrm>
-          <a:prstGeom prst="straightConnector1">
-            <a:avLst/>
-          </a:prstGeom>
-          <a:ln w="57150">
-            <a:solidFill>
-              <a:schemeClr val="tx1"/>
-            </a:solidFill>
-            <a:tailEnd type="triangle"/>
-          </a:ln>
-        </p:spPr>
-        <p:style>
-          <a:lnRef idx="1">
-            <a:schemeClr val="accent1"/>
-          </a:lnRef>
-          <a:fillRef idx="0">
-            <a:schemeClr val="accent1"/>
-          </a:fillRef>
-          <a:effectRef idx="0">
-            <a:schemeClr val="accent1"/>
-          </a:effectRef>
-          <a:fontRef idx="minor">
-            <a:schemeClr val="tx1"/>
-          </a:fontRef>
-        </p:style>
-      </p:cxnSp>
-      <p:sp>
-        <p:nvSpPr>
-          <p:cNvPr id="39" name="右大かっこ 38"/>
-          <p:cNvSpPr/>
-          <p:nvPr/>
-        </p:nvSpPr>
-        <p:spPr>
-          <a:xfrm>
-            <a:off x="3014956" y="2957448"/>
-            <a:ext cx="157376" cy="744013"/>
-          </a:xfrm>
-          <a:prstGeom prst="rightBracket">
-            <a:avLst/>
-          </a:prstGeom>
-          <a:noFill/>
-          <a:ln w="57150">
-            <a:solidFill>
-              <a:schemeClr val="tx1"/>
-            </a:solidFill>
-          </a:ln>
-        </p:spPr>
-        <p:style>
-          <a:lnRef idx="1">
-            <a:schemeClr val="accent1"/>
-          </a:lnRef>
-          <a:fillRef idx="0">
-            <a:schemeClr val="accent1"/>
-          </a:fillRef>
-          <a:effectRef idx="0">
-            <a:schemeClr val="accent1"/>
-          </a:effectRef>
-          <a:fontRef idx="minor">
-            <a:schemeClr val="tx1"/>
-          </a:fontRef>
-        </p:style>
-        <p:txBody>
-          <a:bodyPr rtlCol="0" anchor="ctr"/>
-          <a:lstStyle/>
-          <a:p>
-            <a:pPr algn="ctr"/>
-            <a:endParaRPr lang="ja-JP" altLang="en-US" sz="1013"/>
-          </a:p>
-        </p:txBody>
-      </p:sp>
-      <p:cxnSp>
-        <p:nvCxnSpPr>
-          <p:cNvPr id="31" name="直線矢印コネクタ 30"/>
-          <p:cNvCxnSpPr>
-            <a:endCxn id="10" idx="1"/>
-          </p:cNvCxnSpPr>
-          <p:nvPr/>
-        </p:nvCxnSpPr>
-        <p:spPr>
-          <a:xfrm flipV="1">
-            <a:off x="1225273" y="3071886"/>
-            <a:ext cx="660290" cy="495231"/>
-          </a:xfrm>
-          <a:prstGeom prst="straightConnector1">
-            <a:avLst/>
-          </a:prstGeom>
-          <a:ln w="38100">
-            <a:solidFill>
-              <a:schemeClr val="accent2"/>
-            </a:solidFill>
-            <a:tailEnd type="triangle"/>
-          </a:ln>
-        </p:spPr>
-        <p:style>
-          <a:lnRef idx="1">
-            <a:schemeClr val="accent1"/>
-          </a:lnRef>
-          <a:fillRef idx="0">
-            <a:schemeClr val="accent1"/>
-          </a:fillRef>
-          <a:effectRef idx="0">
-            <a:schemeClr val="accent1"/>
-          </a:effectRef>
-          <a:fontRef idx="minor">
-            <a:schemeClr val="tx1"/>
-          </a:fontRef>
-        </p:style>
-      </p:cxnSp>
-      <p:cxnSp>
-        <p:nvCxnSpPr>
-          <p:cNvPr id="32" name="直線矢印コネクタ 31"/>
-          <p:cNvCxnSpPr>
-            <a:endCxn id="11" idx="1"/>
-          </p:cNvCxnSpPr>
-          <p:nvPr/>
-        </p:nvCxnSpPr>
-        <p:spPr>
-          <a:xfrm flipV="1">
-            <a:off x="1262157" y="3333858"/>
-            <a:ext cx="623405" cy="307770"/>
-          </a:xfrm>
-          <a:prstGeom prst="straightConnector1">
-            <a:avLst/>
-          </a:prstGeom>
-          <a:ln w="38100">
-            <a:solidFill>
-              <a:schemeClr val="accent2"/>
-            </a:solidFill>
-            <a:tailEnd type="triangle"/>
-          </a:ln>
-        </p:spPr>
-        <p:style>
-          <a:lnRef idx="1">
-            <a:schemeClr val="accent1"/>
-          </a:lnRef>
-          <a:fillRef idx="0">
-            <a:schemeClr val="accent1"/>
-          </a:fillRef>
-          <a:effectRef idx="0">
-            <a:schemeClr val="accent1"/>
-          </a:effectRef>
-          <a:fontRef idx="minor">
-            <a:schemeClr val="tx1"/>
-          </a:fontRef>
-        </p:style>
-      </p:cxnSp>
-      <p:cxnSp>
-        <p:nvCxnSpPr>
-          <p:cNvPr id="34" name="直線矢印コネクタ 33"/>
-          <p:cNvCxnSpPr>
-            <a:endCxn id="12" idx="1"/>
-          </p:cNvCxnSpPr>
-          <p:nvPr/>
-        </p:nvCxnSpPr>
-        <p:spPr>
-          <a:xfrm flipV="1">
-            <a:off x="1277883" y="3595830"/>
-            <a:ext cx="607679" cy="121311"/>
-          </a:xfrm>
-          <a:prstGeom prst="straightConnector1">
-            <a:avLst/>
-          </a:prstGeom>
-          <a:ln w="38100">
-            <a:solidFill>
-              <a:schemeClr val="accent2"/>
-            </a:solidFill>
-            <a:tailEnd type="triangle"/>
-          </a:ln>
-        </p:spPr>
-        <p:style>
-          <a:lnRef idx="1">
-            <a:schemeClr val="accent1"/>
-          </a:lnRef>
-          <a:fillRef idx="0">
-            <a:schemeClr val="accent1"/>
-          </a:fillRef>
-          <a:effectRef idx="0">
-            <a:schemeClr val="accent1"/>
-          </a:effectRef>
-          <a:fontRef idx="minor">
-            <a:schemeClr val="tx1"/>
-          </a:fontRef>
-        </p:style>
-      </p:cxnSp>
-      <p:cxnSp>
-        <p:nvCxnSpPr>
-          <p:cNvPr id="38" name="直線矢印コネクタ 37"/>
-          <p:cNvCxnSpPr>
-            <a:endCxn id="15" idx="1"/>
-          </p:cNvCxnSpPr>
-          <p:nvPr/>
-        </p:nvCxnSpPr>
-        <p:spPr>
-          <a:xfrm>
-            <a:off x="1196046" y="3721387"/>
-            <a:ext cx="689516" cy="364689"/>
-          </a:xfrm>
-          <a:prstGeom prst="straightConnector1">
-            <a:avLst/>
-          </a:prstGeom>
-          <a:ln w="38100">
-            <a:solidFill>
-              <a:schemeClr val="accent2"/>
-            </a:solidFill>
-            <a:tailEnd type="triangle"/>
-          </a:ln>
-        </p:spPr>
-        <p:style>
-          <a:lnRef idx="1">
-            <a:schemeClr val="accent1"/>
-          </a:lnRef>
-          <a:fillRef idx="0">
-            <a:schemeClr val="accent1"/>
-          </a:fillRef>
-          <a:effectRef idx="0">
-            <a:schemeClr val="accent1"/>
-          </a:effectRef>
-          <a:fontRef idx="minor">
-            <a:schemeClr val="tx1"/>
-          </a:fontRef>
-        </p:style>
-      </p:cxnSp>
-      <p:cxnSp>
-        <p:nvCxnSpPr>
-          <p:cNvPr id="41" name="直線矢印コネクタ 40"/>
-          <p:cNvCxnSpPr>
-            <a:endCxn id="73" idx="1"/>
-          </p:cNvCxnSpPr>
-          <p:nvPr/>
-        </p:nvCxnSpPr>
-        <p:spPr>
-          <a:xfrm>
-            <a:off x="1188137" y="3830365"/>
-            <a:ext cx="697425" cy="1217690"/>
-          </a:xfrm>
-          <a:prstGeom prst="straightConnector1">
-            <a:avLst/>
-          </a:prstGeom>
-          <a:ln w="38100">
-            <a:solidFill>
-              <a:schemeClr val="accent2"/>
-            </a:solidFill>
-            <a:tailEnd type="triangle"/>
-          </a:ln>
-        </p:spPr>
-        <p:style>
-          <a:lnRef idx="1">
-            <a:schemeClr val="accent1"/>
-          </a:lnRef>
-          <a:fillRef idx="0">
-            <a:schemeClr val="accent1"/>
-          </a:fillRef>
-          <a:effectRef idx="0">
-            <a:schemeClr val="accent1"/>
-          </a:effectRef>
-          <a:fontRef idx="minor">
-            <a:schemeClr val="tx1"/>
-          </a:fontRef>
-        </p:style>
-      </p:cxnSp>
-      <p:sp>
-        <p:nvSpPr>
-          <p:cNvPr id="73" name="角丸四角形 72"/>
-          <p:cNvSpPr/>
-          <p:nvPr/>
-        </p:nvSpPr>
-        <p:spPr>
-          <a:xfrm>
-            <a:off x="1885562" y="4938021"/>
-            <a:ext cx="895577" cy="220069"/>
-          </a:xfrm>
-          <a:prstGeom prst="roundRect">
-            <a:avLst/>
-          </a:prstGeom>
-          <a:noFill/>
-          <a:ln w="28575">
-            <a:solidFill>
-              <a:schemeClr val="accent2"/>
-            </a:solidFill>
-          </a:ln>
-        </p:spPr>
-        <p:style>
-          <a:lnRef idx="2">
-            <a:schemeClr val="accent1">
-              <a:shade val="50000"/>
-            </a:schemeClr>
-          </a:lnRef>
-          <a:fillRef idx="1">
-            <a:schemeClr val="accent1"/>
-          </a:fillRef>
-          <a:effectRef idx="0">
-            <a:schemeClr val="accent1"/>
-          </a:effectRef>
-          <a:fontRef idx="minor">
-            <a:schemeClr val="lt1"/>
-          </a:fontRef>
-        </p:style>
-        <p:txBody>
-          <a:bodyPr rtlCol="0" anchor="ctr"/>
-          <a:lstStyle/>
-          <a:p>
-            <a:pPr algn="ctr"/>
-            <a:r>
-              <a:rPr lang="en-US" altLang="ja-JP" sz="1013" b="1" dirty="0" err="1">
-                <a:solidFill>
-                  <a:schemeClr val="tx1"/>
-                </a:solidFill>
-              </a:rPr>
-              <a:t>pageNumber</a:t>
-            </a:r>
-            <a:endParaRPr lang="ja-JP" altLang="en-US" sz="788" b="1" dirty="0">
-              <a:solidFill>
-                <a:schemeClr val="tx1"/>
-              </a:solidFill>
-            </a:endParaRPr>
-          </a:p>
-        </p:txBody>
-      </p:sp>
-      <p:sp>
-        <p:nvSpPr>
-          <p:cNvPr id="76" name="フリーフォーム 75"/>
-          <p:cNvSpPr/>
-          <p:nvPr/>
-        </p:nvSpPr>
-        <p:spPr>
-          <a:xfrm>
-            <a:off x="2980868" y="5027716"/>
-            <a:ext cx="1300898" cy="254834"/>
-          </a:xfrm>
-          <a:custGeom>
-            <a:avLst/>
-            <a:gdLst>
-              <a:gd name="connsiteX0" fmla="*/ 0 w 1992574"/>
-              <a:gd name="connsiteY0" fmla="*/ 0 h 921223"/>
-              <a:gd name="connsiteX1" fmla="*/ 1098645 w 1992574"/>
-              <a:gd name="connsiteY1" fmla="*/ 218364 h 921223"/>
-              <a:gd name="connsiteX2" fmla="*/ 1992574 w 1992574"/>
-              <a:gd name="connsiteY2" fmla="*/ 921223 h 921223"/>
-            </a:gdLst>
-            <a:ahLst/>
-            <a:cxnLst>
-              <a:cxn ang="0">
-                <a:pos x="connsiteX0" y="connsiteY0"/>
-              </a:cxn>
-              <a:cxn ang="0">
-                <a:pos x="connsiteX1" y="connsiteY1"/>
-              </a:cxn>
-              <a:cxn ang="0">
-                <a:pos x="connsiteX2" y="connsiteY2"/>
-              </a:cxn>
-            </a:cxnLst>
-            <a:rect l="l" t="t" r="r" b="b"/>
-            <a:pathLst>
-              <a:path w="1992574" h="921223">
-                <a:moveTo>
-                  <a:pt x="0" y="0"/>
-                </a:moveTo>
-                <a:cubicBezTo>
-                  <a:pt x="383274" y="32413"/>
-                  <a:pt x="766549" y="64827"/>
-                  <a:pt x="1098645" y="218364"/>
-                </a:cubicBezTo>
-                <a:cubicBezTo>
-                  <a:pt x="1430741" y="371901"/>
-                  <a:pt x="1711657" y="646562"/>
-                  <a:pt x="1992574" y="921223"/>
-                </a:cubicBezTo>
-              </a:path>
-            </a:pathLst>
-          </a:custGeom>
-          <a:noFill/>
-          <a:ln w="57150">
-            <a:solidFill>
-              <a:schemeClr val="tx1"/>
-            </a:solidFill>
-            <a:headEnd type="none" w="med" len="med"/>
-            <a:tailEnd type="triangle" w="med" len="med"/>
-          </a:ln>
-        </p:spPr>
-        <p:style>
-          <a:lnRef idx="2">
-            <a:schemeClr val="accent1">
-              <a:shade val="50000"/>
-            </a:schemeClr>
-          </a:lnRef>
-          <a:fillRef idx="1">
-            <a:schemeClr val="accent1"/>
-          </a:fillRef>
-          <a:effectRef idx="0">
-            <a:schemeClr val="accent1"/>
-          </a:effectRef>
-          <a:fontRef idx="minor">
-            <a:schemeClr val="lt1"/>
-          </a:fontRef>
-        </p:style>
-        <p:txBody>
-          <a:bodyPr rtlCol="0" anchor="ctr"/>
-          <a:lstStyle/>
-          <a:p>
-            <a:pPr algn="ctr"/>
-            <a:endParaRPr lang="ja-JP" altLang="en-US" sz="1013"/>
-          </a:p>
-        </p:txBody>
-      </p:sp>
-      <p:sp>
-        <p:nvSpPr>
-          <p:cNvPr id="80" name="線吹き出し 1 79"/>
-          <p:cNvSpPr/>
-          <p:nvPr/>
-        </p:nvSpPr>
-        <p:spPr>
-          <a:xfrm>
-            <a:off x="5295220" y="4048152"/>
-            <a:ext cx="1473752" cy="231092"/>
-          </a:xfrm>
-          <a:prstGeom prst="callout1">
-            <a:avLst>
-              <a:gd name="adj1" fmla="val 49463"/>
-              <a:gd name="adj2" fmla="val 3280"/>
-              <a:gd name="adj3" fmla="val 81485"/>
-              <a:gd name="adj4" fmla="val -40261"/>
-            </a:avLst>
-          </a:prstGeom>
-          <a:ln w="28575"/>
-        </p:spPr>
-        <p:style>
-          <a:lnRef idx="2">
-            <a:schemeClr val="accent1">
-              <a:shade val="50000"/>
-            </a:schemeClr>
-          </a:lnRef>
-          <a:fillRef idx="1">
-            <a:schemeClr val="accent1"/>
-          </a:fillRef>
-          <a:effectRef idx="0">
-            <a:schemeClr val="accent1"/>
-          </a:effectRef>
-          <a:fontRef idx="minor">
-            <a:schemeClr val="lt1"/>
-          </a:fontRef>
-        </p:style>
-        <p:txBody>
-          <a:bodyPr rtlCol="0" anchor="ctr"/>
-          <a:lstStyle/>
-          <a:p>
-            <a:pPr algn="ctr"/>
-            <a:r>
-              <a:rPr lang="ja-JP" altLang="en-US" sz="1013" dirty="0"/>
-              <a:t>フィルタ後のテーブル</a:t>
-            </a:r>
-          </a:p>
-        </p:txBody>
-      </p:sp>
-      <p:sp>
-        <p:nvSpPr>
-          <p:cNvPr id="81" name="線吹き出し 1 80"/>
-          <p:cNvSpPr/>
-          <p:nvPr/>
-        </p:nvSpPr>
-        <p:spPr>
-          <a:xfrm>
-            <a:off x="5097263" y="5418323"/>
-            <a:ext cx="1702944" cy="358202"/>
-          </a:xfrm>
-          <a:prstGeom prst="callout1">
-            <a:avLst>
-              <a:gd name="adj1" fmla="val 49463"/>
-              <a:gd name="adj2" fmla="val 3280"/>
-              <a:gd name="adj3" fmla="val 63916"/>
-              <a:gd name="adj4" fmla="val -23283"/>
-            </a:avLst>
-          </a:prstGeom>
-          <a:ln w="28575"/>
-        </p:spPr>
-        <p:style>
-          <a:lnRef idx="2">
-            <a:schemeClr val="accent1">
-              <a:shade val="50000"/>
-            </a:schemeClr>
-          </a:lnRef>
-          <a:fillRef idx="1">
-            <a:schemeClr val="accent1"/>
-          </a:fillRef>
-          <a:effectRef idx="0">
-            <a:schemeClr val="accent1"/>
-          </a:effectRef>
-          <a:fontRef idx="minor">
-            <a:schemeClr val="lt1"/>
-          </a:fontRef>
-        </p:style>
-        <p:txBody>
-          <a:bodyPr rtlCol="0" anchor="ctr"/>
-          <a:lstStyle/>
-          <a:p>
-            <a:pPr algn="ctr"/>
-            <a:r>
-              <a:rPr lang="ja-JP" altLang="en-US" sz="1013" dirty="0"/>
-              <a:t>表示する行のみ抜き出した</a:t>
-            </a:r>
-            <a:r>
-              <a:rPr lang="en-US" altLang="ja-JP" sz="1013" dirty="0"/>
-              <a:t/>
-            </a:r>
-            <a:br>
-              <a:rPr lang="en-US" altLang="ja-JP" sz="1013" dirty="0"/>
-            </a:br>
-            <a:r>
-              <a:rPr lang="ja-JP" altLang="en-US" sz="1013" dirty="0"/>
-              <a:t>テーブルデータ</a:t>
-            </a:r>
-          </a:p>
-        </p:txBody>
-      </p:sp>
-      <p:sp>
-        <p:nvSpPr>
-          <p:cNvPr id="82" name="四角形吹き出し 81"/>
-          <p:cNvSpPr/>
-          <p:nvPr/>
-        </p:nvSpPr>
-        <p:spPr>
-          <a:xfrm>
-            <a:off x="4469193" y="3719614"/>
-            <a:ext cx="826028" cy="261972"/>
-          </a:xfrm>
-          <a:prstGeom prst="wedgeRectCallout">
-            <a:avLst>
-              <a:gd name="adj1" fmla="val -71742"/>
-              <a:gd name="adj2" fmla="val 37958"/>
-            </a:avLst>
-          </a:prstGeom>
-          <a:solidFill>
-            <a:srgbClr val="00B050"/>
-          </a:solidFill>
-          <a:ln>
-            <a:noFill/>
-          </a:ln>
-        </p:spPr>
-        <p:style>
-          <a:lnRef idx="2">
-            <a:schemeClr val="accent1">
-              <a:shade val="50000"/>
-            </a:schemeClr>
-          </a:lnRef>
-          <a:fillRef idx="1">
-            <a:schemeClr val="accent1"/>
-          </a:fillRef>
-          <a:effectRef idx="0">
-            <a:schemeClr val="accent1"/>
-          </a:effectRef>
-          <a:fontRef idx="minor">
-            <a:schemeClr val="lt1"/>
-          </a:fontRef>
-        </p:style>
-        <p:txBody>
-          <a:bodyPr rtlCol="0" anchor="ctr"/>
-          <a:lstStyle/>
-          <a:p>
-            <a:pPr algn="ctr"/>
-            <a:r>
-              <a:rPr lang="en-US" altLang="ja-JP" sz="1013" b="1" dirty="0"/>
-              <a:t>filter()</a:t>
-            </a:r>
-            <a:endParaRPr lang="ja-JP" altLang="en-US" sz="1013" b="1" dirty="0"/>
-          </a:p>
-        </p:txBody>
-      </p:sp>
-      <p:sp>
-        <p:nvSpPr>
-          <p:cNvPr id="83" name="四角形吹き出し 82"/>
-          <p:cNvSpPr/>
-          <p:nvPr/>
-        </p:nvSpPr>
-        <p:spPr>
-          <a:xfrm>
-            <a:off x="4469193" y="3055697"/>
-            <a:ext cx="826028" cy="261972"/>
-          </a:xfrm>
-          <a:prstGeom prst="wedgeRectCallout">
-            <a:avLst>
-              <a:gd name="adj1" fmla="val -72301"/>
-              <a:gd name="adj2" fmla="val -1310"/>
-            </a:avLst>
-          </a:prstGeom>
-          <a:solidFill>
-            <a:srgbClr val="00B050"/>
-          </a:solidFill>
-          <a:ln>
-            <a:noFill/>
-          </a:ln>
-        </p:spPr>
-        <p:style>
-          <a:lnRef idx="2">
-            <a:schemeClr val="accent1">
-              <a:shade val="50000"/>
-            </a:schemeClr>
-          </a:lnRef>
-          <a:fillRef idx="1">
-            <a:schemeClr val="accent1"/>
-          </a:fillRef>
-          <a:effectRef idx="0">
-            <a:schemeClr val="accent1"/>
-          </a:effectRef>
-          <a:fontRef idx="minor">
-            <a:schemeClr val="lt1"/>
-          </a:fontRef>
-        </p:style>
-        <p:txBody>
-          <a:bodyPr rtlCol="0" anchor="ctr"/>
-          <a:lstStyle/>
-          <a:p>
-            <a:pPr algn="ctr"/>
-            <a:r>
-              <a:rPr lang="en-US" altLang="ja-JP" sz="1013" b="1" dirty="0" err="1"/>
-              <a:t>CSVtoTable</a:t>
-            </a:r>
-            <a:r>
-              <a:rPr lang="en-US" altLang="ja-JP" sz="1013" b="1" dirty="0"/>
-              <a:t>()</a:t>
-            </a:r>
-            <a:endParaRPr lang="ja-JP" altLang="en-US" sz="1013" b="1" dirty="0"/>
-          </a:p>
-        </p:txBody>
-      </p:sp>
-      <p:sp>
-        <p:nvSpPr>
-          <p:cNvPr id="84" name="四角形吹き出し 83"/>
-          <p:cNvSpPr/>
-          <p:nvPr/>
-        </p:nvSpPr>
-        <p:spPr>
-          <a:xfrm>
-            <a:off x="4469194" y="5087665"/>
-            <a:ext cx="826028" cy="261972"/>
-          </a:xfrm>
-          <a:prstGeom prst="wedgeRectCallout">
-            <a:avLst>
-              <a:gd name="adj1" fmla="val -70186"/>
-              <a:gd name="adj2" fmla="val 36866"/>
-            </a:avLst>
-          </a:prstGeom>
-          <a:solidFill>
-            <a:srgbClr val="00B050"/>
-          </a:solidFill>
-          <a:ln>
-            <a:noFill/>
-          </a:ln>
-        </p:spPr>
-        <p:style>
-          <a:lnRef idx="2">
-            <a:schemeClr val="accent1">
-              <a:shade val="50000"/>
-            </a:schemeClr>
-          </a:lnRef>
-          <a:fillRef idx="1">
-            <a:schemeClr val="accent1"/>
-          </a:fillRef>
-          <a:effectRef idx="0">
-            <a:schemeClr val="accent1"/>
-          </a:effectRef>
-          <a:fontRef idx="minor">
-            <a:schemeClr val="lt1"/>
-          </a:fontRef>
-        </p:style>
-        <p:txBody>
-          <a:bodyPr rtlCol="0" anchor="ctr"/>
-          <a:lstStyle/>
-          <a:p>
-            <a:pPr algn="ctr"/>
-            <a:r>
-              <a:rPr lang="en-US" altLang="ja-JP" sz="1013" b="1" dirty="0"/>
-              <a:t>slice()</a:t>
-            </a:r>
-            <a:endParaRPr lang="ja-JP" altLang="en-US" sz="1013" b="1" dirty="0"/>
-          </a:p>
-        </p:txBody>
-      </p:sp>
-      <p:pic>
-        <p:nvPicPr>
-          <p:cNvPr id="21" name="図 20"/>
-          <p:cNvPicPr>
-            <a:picLocks noChangeAspect="1"/>
-          </p:cNvPicPr>
-          <p:nvPr/>
-        </p:nvPicPr>
-        <p:blipFill>
-          <a:blip r:embed="rId3">
-            <a:extLst>
-              <a:ext uri="{28A0092B-C50C-407E-A947-70E740481C1C}">
-                <a14:useLocalDpi xmlns:a14="http://schemas.microsoft.com/office/drawing/2010/main" val="0"/>
-              </a:ext>
-            </a:extLst>
-          </a:blip>
-          <a:stretch>
-            <a:fillRect/>
-          </a:stretch>
-        </p:blipFill>
-        <p:spPr>
-          <a:xfrm>
-            <a:off x="92831" y="3269530"/>
-            <a:ext cx="1253034" cy="1012066"/>
-          </a:xfrm>
-          <a:prstGeom prst="rect">
-            <a:avLst/>
-          </a:prstGeom>
-        </p:spPr>
-      </p:pic>
-      <p:sp>
-        <p:nvSpPr>
-          <p:cNvPr id="40" name="線吹き出し 1 39"/>
-          <p:cNvSpPr/>
-          <p:nvPr/>
-        </p:nvSpPr>
-        <p:spPr>
-          <a:xfrm>
-            <a:off x="117296" y="2551779"/>
-            <a:ext cx="1204104" cy="351443"/>
-          </a:xfrm>
-          <a:prstGeom prst="callout1">
-            <a:avLst>
-              <a:gd name="adj1" fmla="val 44951"/>
-              <a:gd name="adj2" fmla="val 91667"/>
-              <a:gd name="adj3" fmla="val 146629"/>
-              <a:gd name="adj4" fmla="val 150702"/>
-            </a:avLst>
-          </a:prstGeom>
-          <a:ln w="28575"/>
-        </p:spPr>
-        <p:style>
-          <a:lnRef idx="2">
-            <a:schemeClr val="accent1">
-              <a:shade val="50000"/>
-            </a:schemeClr>
-          </a:lnRef>
-          <a:fillRef idx="1">
-            <a:schemeClr val="accent1"/>
-          </a:fillRef>
-          <a:effectRef idx="0">
-            <a:schemeClr val="accent1"/>
-          </a:effectRef>
-          <a:fontRef idx="minor">
-            <a:schemeClr val="lt1"/>
-          </a:fontRef>
-        </p:style>
-        <p:txBody>
-          <a:bodyPr rtlCol="0" anchor="ctr"/>
-          <a:lstStyle/>
-          <a:p>
-            <a:pPr algn="ctr"/>
-            <a:r>
-              <a:rPr lang="ja-JP" altLang="en-US" sz="1013" dirty="0"/>
-              <a:t>フィルタリングの</a:t>
-            </a:r>
-            <a:r>
-              <a:rPr lang="en-US" altLang="ja-JP" sz="1013" dirty="0"/>
-              <a:t/>
-            </a:r>
-            <a:br>
-              <a:rPr lang="en-US" altLang="ja-JP" sz="1013" dirty="0"/>
-            </a:br>
-            <a:r>
-              <a:rPr lang="ja-JP" altLang="en-US" sz="1013" dirty="0"/>
-              <a:t>条件文字列</a:t>
-            </a:r>
-          </a:p>
-        </p:txBody>
-      </p:sp>
-      <p:sp>
-        <p:nvSpPr>
-          <p:cNvPr id="42" name="角丸四角形 41"/>
-          <p:cNvSpPr/>
-          <p:nvPr/>
-        </p:nvSpPr>
-        <p:spPr>
-          <a:xfrm>
-            <a:off x="1885562" y="4452384"/>
-            <a:ext cx="895578" cy="220069"/>
-          </a:xfrm>
-          <a:prstGeom prst="roundRect">
-            <a:avLst/>
-          </a:prstGeom>
-          <a:noFill/>
-          <a:ln w="28575">
-            <a:solidFill>
-              <a:schemeClr val="accent2"/>
-            </a:solidFill>
-          </a:ln>
-        </p:spPr>
-        <p:style>
-          <a:lnRef idx="2">
-            <a:schemeClr val="accent1">
-              <a:shade val="50000"/>
-            </a:schemeClr>
-          </a:lnRef>
-          <a:fillRef idx="1">
-            <a:schemeClr val="accent1"/>
-          </a:fillRef>
-          <a:effectRef idx="0">
-            <a:schemeClr val="accent1"/>
-          </a:effectRef>
-          <a:fontRef idx="minor">
-            <a:schemeClr val="lt1"/>
-          </a:fontRef>
-        </p:style>
-        <p:txBody>
-          <a:bodyPr rtlCol="0" anchor="ctr"/>
-          <a:lstStyle/>
-          <a:p>
-            <a:pPr algn="ctr"/>
-            <a:r>
-              <a:rPr lang="en-US" altLang="ja-JP" sz="1013" b="1" dirty="0" err="1">
-                <a:solidFill>
-                  <a:schemeClr val="tx1"/>
-                </a:solidFill>
-              </a:rPr>
-              <a:t>pageLength</a:t>
-            </a:r>
-            <a:endParaRPr lang="ja-JP" altLang="en-US" sz="1013" b="1" dirty="0">
-              <a:solidFill>
-                <a:schemeClr val="tx1"/>
-              </a:solidFill>
-            </a:endParaRPr>
-          </a:p>
-        </p:txBody>
-      </p:sp>
-      <p:cxnSp>
-        <p:nvCxnSpPr>
-          <p:cNvPr id="51" name="直線矢印コネクタ 50"/>
-          <p:cNvCxnSpPr>
-            <a:stCxn id="15" idx="2"/>
-            <a:endCxn id="42" idx="0"/>
-          </p:cNvCxnSpPr>
-          <p:nvPr/>
-        </p:nvCxnSpPr>
-        <p:spPr>
-          <a:xfrm>
-            <a:off x="2333351" y="4196110"/>
-            <a:ext cx="0" cy="256274"/>
-          </a:xfrm>
-          <a:prstGeom prst="straightConnector1">
-            <a:avLst/>
-          </a:prstGeom>
-          <a:ln w="57150">
-            <a:solidFill>
-              <a:schemeClr val="tx1"/>
-            </a:solidFill>
-            <a:tailEnd type="triangle"/>
-          </a:ln>
-        </p:spPr>
-        <p:style>
-          <a:lnRef idx="1">
-            <a:schemeClr val="accent1"/>
-          </a:lnRef>
-          <a:fillRef idx="0">
-            <a:schemeClr val="accent1"/>
-          </a:fillRef>
-          <a:effectRef idx="0">
-            <a:schemeClr val="accent1"/>
-          </a:effectRef>
-          <a:fontRef idx="minor">
-            <a:schemeClr val="tx1"/>
-          </a:fontRef>
-        </p:style>
-      </p:cxnSp>
-      <p:sp>
-        <p:nvSpPr>
-          <p:cNvPr id="63" name="フリーフォーム 62"/>
-          <p:cNvSpPr/>
-          <p:nvPr/>
-        </p:nvSpPr>
-        <p:spPr>
-          <a:xfrm>
-            <a:off x="2988777" y="4085691"/>
-            <a:ext cx="1292990" cy="1072399"/>
-          </a:xfrm>
-          <a:custGeom>
-            <a:avLst/>
-            <a:gdLst>
-              <a:gd name="connsiteX0" fmla="*/ 0 w 1992574"/>
-              <a:gd name="connsiteY0" fmla="*/ 0 h 921223"/>
-              <a:gd name="connsiteX1" fmla="*/ 1098645 w 1992574"/>
-              <a:gd name="connsiteY1" fmla="*/ 218364 h 921223"/>
-              <a:gd name="connsiteX2" fmla="*/ 1992574 w 1992574"/>
-              <a:gd name="connsiteY2" fmla="*/ 921223 h 921223"/>
-            </a:gdLst>
-            <a:ahLst/>
-            <a:cxnLst>
-              <a:cxn ang="0">
-                <a:pos x="connsiteX0" y="connsiteY0"/>
-              </a:cxn>
-              <a:cxn ang="0">
-                <a:pos x="connsiteX1" y="connsiteY1"/>
-              </a:cxn>
-              <a:cxn ang="0">
-                <a:pos x="connsiteX2" y="connsiteY2"/>
-              </a:cxn>
-            </a:cxnLst>
-            <a:rect l="l" t="t" r="r" b="b"/>
-            <a:pathLst>
-              <a:path w="1992574" h="921223">
-                <a:moveTo>
-                  <a:pt x="0" y="0"/>
-                </a:moveTo>
-                <a:cubicBezTo>
-                  <a:pt x="383274" y="32413"/>
-                  <a:pt x="766549" y="64827"/>
-                  <a:pt x="1098645" y="218364"/>
-                </a:cubicBezTo>
-                <a:cubicBezTo>
-                  <a:pt x="1430741" y="371901"/>
-                  <a:pt x="1711657" y="646562"/>
-                  <a:pt x="1992574" y="921223"/>
-                </a:cubicBezTo>
-              </a:path>
-            </a:pathLst>
-          </a:custGeom>
-          <a:noFill/>
-          <a:ln w="57150">
-            <a:solidFill>
-              <a:schemeClr val="tx1"/>
-            </a:solidFill>
-            <a:headEnd type="none" w="med" len="med"/>
-            <a:tailEnd type="triangle" w="med" len="med"/>
-          </a:ln>
-        </p:spPr>
-        <p:style>
-          <a:lnRef idx="2">
-            <a:schemeClr val="accent1">
-              <a:shade val="50000"/>
-            </a:schemeClr>
-          </a:lnRef>
-          <a:fillRef idx="1">
-            <a:schemeClr val="accent1"/>
-          </a:fillRef>
-          <a:effectRef idx="0">
-            <a:schemeClr val="accent1"/>
-          </a:effectRef>
-          <a:fontRef idx="minor">
-            <a:schemeClr val="lt1"/>
-          </a:fontRef>
-        </p:style>
-        <p:txBody>
-          <a:bodyPr rtlCol="0" anchor="ctr"/>
-          <a:lstStyle/>
-          <a:p>
-            <a:pPr algn="ctr"/>
-            <a:endParaRPr lang="ja-JP" altLang="en-US" sz="1013"/>
-          </a:p>
-        </p:txBody>
-      </p:sp>
-      <p:sp>
-        <p:nvSpPr>
-          <p:cNvPr id="64" name="フリーフォーム 63"/>
-          <p:cNvSpPr/>
-          <p:nvPr/>
-        </p:nvSpPr>
-        <p:spPr>
-          <a:xfrm flipH="1">
-            <a:off x="2582986" y="4210536"/>
-            <a:ext cx="1274237" cy="240801"/>
-          </a:xfrm>
-          <a:custGeom>
-            <a:avLst/>
-            <a:gdLst>
-              <a:gd name="connsiteX0" fmla="*/ 0 w 1992574"/>
-              <a:gd name="connsiteY0" fmla="*/ 0 h 921223"/>
-              <a:gd name="connsiteX1" fmla="*/ 1098645 w 1992574"/>
-              <a:gd name="connsiteY1" fmla="*/ 218364 h 921223"/>
-              <a:gd name="connsiteX2" fmla="*/ 1992574 w 1992574"/>
-              <a:gd name="connsiteY2" fmla="*/ 921223 h 921223"/>
-            </a:gdLst>
-            <a:ahLst/>
-            <a:cxnLst>
-              <a:cxn ang="0">
-                <a:pos x="connsiteX0" y="connsiteY0"/>
-              </a:cxn>
-              <a:cxn ang="0">
-                <a:pos x="connsiteX1" y="connsiteY1"/>
-              </a:cxn>
-              <a:cxn ang="0">
-                <a:pos x="connsiteX2" y="connsiteY2"/>
-              </a:cxn>
-            </a:cxnLst>
-            <a:rect l="l" t="t" r="r" b="b"/>
-            <a:pathLst>
-              <a:path w="1992574" h="921223">
-                <a:moveTo>
-                  <a:pt x="0" y="0"/>
-                </a:moveTo>
-                <a:cubicBezTo>
-                  <a:pt x="383274" y="32413"/>
-                  <a:pt x="766549" y="64827"/>
-                  <a:pt x="1098645" y="218364"/>
-                </a:cubicBezTo>
-                <a:cubicBezTo>
-                  <a:pt x="1430741" y="371901"/>
-                  <a:pt x="1711657" y="646562"/>
-                  <a:pt x="1992574" y="921223"/>
-                </a:cubicBezTo>
-              </a:path>
-            </a:pathLst>
-          </a:custGeom>
-          <a:noFill/>
-          <a:ln w="57150">
-            <a:solidFill>
-              <a:schemeClr val="tx1"/>
-            </a:solidFill>
-            <a:headEnd type="none" w="med" len="med"/>
-            <a:tailEnd type="triangle" w="med" len="med"/>
-          </a:ln>
-        </p:spPr>
-        <p:style>
-          <a:lnRef idx="2">
-            <a:schemeClr val="accent1">
-              <a:shade val="50000"/>
-            </a:schemeClr>
-          </a:lnRef>
-          <a:fillRef idx="1">
-            <a:schemeClr val="accent1"/>
-          </a:fillRef>
-          <a:effectRef idx="0">
-            <a:schemeClr val="accent1"/>
-          </a:effectRef>
-          <a:fontRef idx="minor">
-            <a:schemeClr val="lt1"/>
-          </a:fontRef>
-        </p:style>
-        <p:txBody>
-          <a:bodyPr rtlCol="0" anchor="ctr"/>
-          <a:lstStyle/>
-          <a:p>
-            <a:pPr algn="ctr"/>
-            <a:endParaRPr lang="ja-JP" altLang="en-US" sz="1013"/>
-          </a:p>
-        </p:txBody>
-      </p:sp>
-      <p:pic>
-        <p:nvPicPr>
-          <p:cNvPr id="46" name="図 45"/>
-          <p:cNvPicPr>
-            <a:picLocks noChangeAspect="1"/>
-          </p:cNvPicPr>
-          <p:nvPr/>
-        </p:nvPicPr>
-        <p:blipFill>
-          <a:blip r:embed="rId4" cstate="print">
-            <a:extLst>
-              <a:ext uri="{28A0092B-C50C-407E-A947-70E740481C1C}">
-                <a14:useLocalDpi xmlns:a14="http://schemas.microsoft.com/office/drawing/2010/main" val="0"/>
-              </a:ext>
-            </a:extLst>
-          </a:blip>
-          <a:stretch>
-            <a:fillRect/>
-          </a:stretch>
-        </p:blipFill>
-        <p:spPr>
-          <a:xfrm>
-            <a:off x="2797156" y="2959067"/>
-            <a:ext cx="221024" cy="221024"/>
-          </a:xfrm>
-          <a:prstGeom prst="rect">
-            <a:avLst/>
-          </a:prstGeom>
-          <a:solidFill>
-            <a:srgbClr val="FFFF00"/>
-          </a:solidFill>
-        </p:spPr>
-      </p:pic>
-      <p:pic>
-        <p:nvPicPr>
-          <p:cNvPr id="47" name="図 46"/>
-          <p:cNvPicPr>
-            <a:picLocks noChangeAspect="1"/>
-          </p:cNvPicPr>
-          <p:nvPr/>
-        </p:nvPicPr>
-        <p:blipFill>
-          <a:blip r:embed="rId4" cstate="print">
-            <a:extLst>
-              <a:ext uri="{28A0092B-C50C-407E-A947-70E740481C1C}">
-                <a14:useLocalDpi xmlns:a14="http://schemas.microsoft.com/office/drawing/2010/main" val="0"/>
-              </a:ext>
-            </a:extLst>
-          </a:blip>
-          <a:stretch>
-            <a:fillRect/>
-          </a:stretch>
-        </p:blipFill>
-        <p:spPr>
-          <a:xfrm>
-            <a:off x="2797156" y="3221054"/>
-            <a:ext cx="221024" cy="221024"/>
-          </a:xfrm>
-          <a:prstGeom prst="rect">
-            <a:avLst/>
-          </a:prstGeom>
-          <a:solidFill>
-            <a:srgbClr val="FFFF00"/>
-          </a:solidFill>
-        </p:spPr>
-      </p:pic>
-      <p:pic>
-        <p:nvPicPr>
-          <p:cNvPr id="48" name="図 47"/>
-          <p:cNvPicPr>
-            <a:picLocks noChangeAspect="1"/>
-          </p:cNvPicPr>
-          <p:nvPr/>
-        </p:nvPicPr>
-        <p:blipFill>
-          <a:blip r:embed="rId4" cstate="print">
-            <a:extLst>
-              <a:ext uri="{28A0092B-C50C-407E-A947-70E740481C1C}">
-                <a14:useLocalDpi xmlns:a14="http://schemas.microsoft.com/office/drawing/2010/main" val="0"/>
-              </a:ext>
-            </a:extLst>
-          </a:blip>
-          <a:stretch>
-            <a:fillRect/>
-          </a:stretch>
-        </p:blipFill>
-        <p:spPr>
-          <a:xfrm>
-            <a:off x="2797156" y="3484840"/>
-            <a:ext cx="221024" cy="221024"/>
-          </a:xfrm>
-          <a:prstGeom prst="rect">
-            <a:avLst/>
-          </a:prstGeom>
-          <a:solidFill>
-            <a:srgbClr val="FFFF00"/>
-          </a:solidFill>
-        </p:spPr>
-      </p:pic>
-      <p:pic>
-        <p:nvPicPr>
-          <p:cNvPr id="52" name="図 51"/>
-          <p:cNvPicPr>
-            <a:picLocks noChangeAspect="1"/>
-          </p:cNvPicPr>
-          <p:nvPr/>
-        </p:nvPicPr>
-        <p:blipFill>
-          <a:blip r:embed="rId4" cstate="print">
-            <a:extLst>
-              <a:ext uri="{28A0092B-C50C-407E-A947-70E740481C1C}">
-                <a14:useLocalDpi xmlns:a14="http://schemas.microsoft.com/office/drawing/2010/main" val="0"/>
-              </a:ext>
-            </a:extLst>
-          </a:blip>
-          <a:stretch>
-            <a:fillRect/>
-          </a:stretch>
-        </p:blipFill>
-        <p:spPr>
-          <a:xfrm>
-            <a:off x="2797947" y="3972400"/>
-            <a:ext cx="221024" cy="221024"/>
-          </a:xfrm>
-          <a:prstGeom prst="rect">
-            <a:avLst/>
-          </a:prstGeom>
-          <a:solidFill>
-            <a:srgbClr val="FFFF00"/>
-          </a:solidFill>
-        </p:spPr>
-      </p:pic>
-      <p:pic>
-        <p:nvPicPr>
-          <p:cNvPr id="53" name="図 52"/>
-          <p:cNvPicPr>
-            <a:picLocks noChangeAspect="1"/>
-          </p:cNvPicPr>
-          <p:nvPr/>
-        </p:nvPicPr>
-        <p:blipFill>
-          <a:blip r:embed="rId4" cstate="print">
-            <a:extLst>
-              <a:ext uri="{28A0092B-C50C-407E-A947-70E740481C1C}">
-                <a14:useLocalDpi xmlns:a14="http://schemas.microsoft.com/office/drawing/2010/main" val="0"/>
-              </a:ext>
-            </a:extLst>
-          </a:blip>
-          <a:stretch>
-            <a:fillRect/>
-          </a:stretch>
-        </p:blipFill>
-        <p:spPr>
-          <a:xfrm>
-            <a:off x="2797156" y="4938896"/>
-            <a:ext cx="221024" cy="221024"/>
-          </a:xfrm>
-          <a:prstGeom prst="rect">
-            <a:avLst/>
-          </a:prstGeom>
-          <a:solidFill>
-            <a:srgbClr val="FFFF00"/>
-          </a:solidFill>
-        </p:spPr>
-      </p:pic>
-      <p:sp>
-        <p:nvSpPr>
           <p:cNvPr id="55" name="四角形吹き出し 54"/>
           <p:cNvSpPr/>
           <p:nvPr/>
         </p:nvSpPr>
         <p:spPr>
           <a:xfrm>
-            <a:off x="1751546" y="2246580"/>
-            <a:ext cx="1641411" cy="485333"/>
-          </a:xfrm>
-          <a:prstGeom prst="wedgeRectCallout">
-            <a:avLst>
-              <a:gd name="adj1" fmla="val 19687"/>
-              <a:gd name="adj2" fmla="val 93364"/>
-            </a:avLst>
-          </a:prstGeom>
-          <a:solidFill>
-            <a:srgbClr val="FF0000"/>
-          </a:solidFill>
-          <a:ln>
-            <a:noFill/>
-          </a:ln>
-        </p:spPr>
-        <p:style>
-          <a:lnRef idx="2">
-            <a:schemeClr val="accent1">
-              <a:shade val="50000"/>
-            </a:schemeClr>
-          </a:lnRef>
-          <a:fillRef idx="1">
-            <a:schemeClr val="accent1"/>
-          </a:fillRef>
-          <a:effectRef idx="0">
-            <a:schemeClr val="accent1"/>
-          </a:effectRef>
-          <a:fontRef idx="minor">
-            <a:schemeClr val="lt1"/>
-          </a:fontRef>
-        </p:style>
-        <p:txBody>
-          <a:bodyPr rtlCol="0" anchor="ctr"/>
-          <a:lstStyle/>
-          <a:p>
-            <a:pPr algn="ctr"/>
-            <a:r>
-              <a:rPr lang="en-US" altLang="ja-JP" sz="1013" b="1" dirty="0"/>
-              <a:t>300ms</a:t>
-            </a:r>
-            <a:r>
-              <a:rPr lang="ja-JP" altLang="en-US" sz="1013" b="1" dirty="0"/>
-              <a:t>以内に</a:t>
-            </a:r>
-            <a:r>
-              <a:rPr lang="en-US" altLang="ja-JP" sz="1013" b="1" dirty="0"/>
-              <a:t/>
-            </a:r>
-            <a:br>
-              <a:rPr lang="en-US" altLang="ja-JP" sz="1013" b="1" dirty="0"/>
-            </a:br>
-            <a:r>
-              <a:rPr lang="ja-JP" altLang="en-US" sz="1013" b="1" dirty="0"/>
-              <a:t>次の変更が起きたら</a:t>
-            </a:r>
-            <a:r>
-              <a:rPr lang="en-US" altLang="ja-JP" sz="1013" b="1" dirty="0"/>
-              <a:t/>
-            </a:r>
-            <a:br>
-              <a:rPr lang="en-US" altLang="ja-JP" sz="1013" b="1" dirty="0"/>
-            </a:br>
-            <a:r>
-              <a:rPr lang="ja-JP" altLang="en-US" sz="1013" b="1" dirty="0"/>
-              <a:t>前の変更を捨てる</a:t>
-            </a:r>
-          </a:p>
-        </p:txBody>
-      </p:sp>
-      <p:cxnSp>
-        <p:nvCxnSpPr>
-          <p:cNvPr id="56" name="直線矢印コネクタ 55"/>
-          <p:cNvCxnSpPr>
-            <a:stCxn id="42" idx="2"/>
-            <a:endCxn id="73" idx="0"/>
-          </p:cNvCxnSpPr>
-          <p:nvPr/>
-        </p:nvCxnSpPr>
-        <p:spPr>
-          <a:xfrm>
-            <a:off x="2333351" y="4672453"/>
-            <a:ext cx="0" cy="265568"/>
-          </a:xfrm>
-          <a:prstGeom prst="straightConnector1">
-            <a:avLst/>
-          </a:prstGeom>
-          <a:ln w="57150">
-            <a:solidFill>
-              <a:schemeClr val="tx1"/>
-            </a:solidFill>
-            <a:tailEnd type="triangle"/>
-          </a:ln>
-        </p:spPr>
-        <p:style>
-          <a:lnRef idx="1">
-            <a:schemeClr val="accent1"/>
-          </a:lnRef>
-          <a:fillRef idx="0">
-            <a:schemeClr val="accent1"/>
-          </a:fillRef>
-          <a:effectRef idx="0">
-            <a:schemeClr val="accent1"/>
-          </a:effectRef>
-          <a:fontRef idx="minor">
-            <a:schemeClr val="tx1"/>
-          </a:fontRef>
-        </p:style>
-      </p:cxnSp>
-      <p:sp>
-        <p:nvSpPr>
-          <p:cNvPr id="65" name="四角形吹き出し 64"/>
-          <p:cNvSpPr/>
-          <p:nvPr/>
-        </p:nvSpPr>
-        <p:spPr>
-          <a:xfrm>
-            <a:off x="710477" y="4710114"/>
-            <a:ext cx="893859" cy="261972"/>
-          </a:xfrm>
-          <a:prstGeom prst="wedgeRectCallout">
-            <a:avLst>
-              <a:gd name="adj1" fmla="val 129432"/>
-              <a:gd name="adj2" fmla="val -34994"/>
-            </a:avLst>
-          </a:prstGeom>
-          <a:solidFill>
-            <a:srgbClr val="00B050"/>
-          </a:solidFill>
-          <a:ln>
-            <a:noFill/>
-          </a:ln>
-        </p:spPr>
-        <p:style>
-          <a:lnRef idx="2">
-            <a:schemeClr val="accent1">
-              <a:shade val="50000"/>
-            </a:schemeClr>
-          </a:lnRef>
-          <a:fillRef idx="1">
-            <a:schemeClr val="accent1"/>
-          </a:fillRef>
-          <a:effectRef idx="0">
-            <a:schemeClr val="accent1"/>
-          </a:effectRef>
-          <a:fontRef idx="minor">
-            <a:schemeClr val="lt1"/>
-          </a:fontRef>
-        </p:style>
-        <p:txBody>
-          <a:bodyPr rtlCol="0" anchor="ctr"/>
-          <a:lstStyle/>
-          <a:p>
-            <a:pPr algn="ctr"/>
-            <a:r>
-              <a:rPr lang="en-US" altLang="ja-JP" sz="1013" b="1" dirty="0"/>
-              <a:t>1</a:t>
-            </a:r>
-            <a:r>
-              <a:rPr lang="ja-JP" altLang="en-US" sz="1013" b="1" dirty="0"/>
-              <a:t>にリセット</a:t>
-            </a:r>
-          </a:p>
-        </p:txBody>
-      </p:sp>
-      <p:pic>
-        <p:nvPicPr>
-          <p:cNvPr id="100" name="図 99" descr="Ordinateur Pc Surveiller · Image gratuite sur Pixabay"/>
-          <p:cNvPicPr>
-            <a:picLocks noChangeAspect="1"/>
-          </p:cNvPicPr>
-          <p:nvPr/>
-        </p:nvPicPr>
-        <p:blipFill>
-          <a:blip r:embed="rId5" cstate="print">
-            <a:extLst>
-              <a:ext uri="{28A0092B-C50C-407E-A947-70E740481C1C}">
-                <a14:useLocalDpi xmlns:a14="http://schemas.microsoft.com/office/drawing/2010/main" val="0"/>
-              </a:ext>
-            </a:extLst>
-          </a:blip>
-          <a:stretch>
-            <a:fillRect/>
-          </a:stretch>
-        </p:blipFill>
-        <p:spPr>
-          <a:xfrm>
-            <a:off x="2752184" y="5985090"/>
-            <a:ext cx="1394114" cy="1394114"/>
-          </a:xfrm>
-          <a:prstGeom prst="rect">
-            <a:avLst/>
-          </a:prstGeom>
-        </p:spPr>
-      </p:pic>
-      <p:cxnSp>
-        <p:nvCxnSpPr>
-          <p:cNvPr id="101" name="直線矢印コネクタ 100"/>
-          <p:cNvCxnSpPr>
-            <a:stCxn id="16" idx="2"/>
-          </p:cNvCxnSpPr>
-          <p:nvPr/>
-        </p:nvCxnSpPr>
-        <p:spPr>
-          <a:xfrm flipH="1">
-            <a:off x="3631317" y="5806236"/>
-            <a:ext cx="680941" cy="434545"/>
-          </a:xfrm>
-          <a:prstGeom prst="straightConnector1">
-            <a:avLst/>
-          </a:prstGeom>
-          <a:ln w="57150">
-            <a:solidFill>
-              <a:srgbClr val="FF0000"/>
-            </a:solidFill>
-            <a:tailEnd type="triangle"/>
-          </a:ln>
-        </p:spPr>
-        <p:style>
-          <a:lnRef idx="1">
-            <a:schemeClr val="accent1"/>
-          </a:lnRef>
-          <a:fillRef idx="0">
-            <a:schemeClr val="accent1"/>
-          </a:fillRef>
-          <a:effectRef idx="0">
-            <a:schemeClr val="accent1"/>
-          </a:effectRef>
-          <a:fontRef idx="minor">
-            <a:schemeClr val="tx1"/>
-          </a:fontRef>
-        </p:style>
-      </p:cxnSp>
-      <p:sp>
-        <p:nvSpPr>
-          <p:cNvPr id="105" name="四角形吹き出し 104"/>
-          <p:cNvSpPr/>
-          <p:nvPr/>
-        </p:nvSpPr>
-        <p:spPr>
-          <a:xfrm>
-            <a:off x="4316456" y="6027623"/>
-            <a:ext cx="826028" cy="261972"/>
-          </a:xfrm>
-          <a:prstGeom prst="wedgeRectCallout">
-            <a:avLst>
-              <a:gd name="adj1" fmla="val -96131"/>
-              <a:gd name="adj2" fmla="val -47122"/>
-            </a:avLst>
-          </a:prstGeom>
-          <a:solidFill>
-            <a:srgbClr val="00B050"/>
-          </a:solidFill>
-          <a:ln>
-            <a:noFill/>
-          </a:ln>
-        </p:spPr>
-        <p:style>
-          <a:lnRef idx="2">
-            <a:schemeClr val="accent1">
-              <a:shade val="50000"/>
-            </a:schemeClr>
-          </a:lnRef>
-          <a:fillRef idx="1">
-            <a:schemeClr val="accent1"/>
-          </a:fillRef>
-          <a:effectRef idx="0">
-            <a:schemeClr val="accent1"/>
-          </a:effectRef>
-          <a:fontRef idx="minor">
-            <a:schemeClr val="lt1"/>
-          </a:fontRef>
-        </p:style>
-        <p:txBody>
-          <a:bodyPr rtlCol="0" anchor="ctr"/>
-          <a:lstStyle/>
-          <a:p>
-            <a:pPr algn="ctr"/>
-            <a:r>
-              <a:rPr lang="en-US" altLang="ja-JP" sz="1013" b="1" dirty="0" err="1"/>
-              <a:t>renderAll</a:t>
-            </a:r>
-            <a:r>
-              <a:rPr lang="en-US" altLang="ja-JP" sz="1013" b="1" dirty="0"/>
-              <a:t>()</a:t>
-            </a:r>
-            <a:endParaRPr lang="ja-JP" altLang="en-US" sz="1013" b="1" dirty="0"/>
-          </a:p>
-        </p:txBody>
-      </p:sp>
-      <p:sp>
-        <p:nvSpPr>
-          <p:cNvPr id="110" name="テキスト ボックス 109"/>
-          <p:cNvSpPr txBox="1"/>
-          <p:nvPr/>
-        </p:nvSpPr>
-        <p:spPr>
-          <a:xfrm>
-            <a:off x="4650495" y="2485614"/>
-            <a:ext cx="1344407" cy="300082"/>
-          </a:xfrm>
-          <a:prstGeom prst="rect">
-            <a:avLst/>
-          </a:prstGeom>
-          <a:noFill/>
-        </p:spPr>
-        <p:txBody>
-          <a:bodyPr wrap="none" rtlCol="0">
-            <a:spAutoFit/>
-          </a:bodyPr>
-          <a:lstStyle/>
-          <a:p>
-            <a:r>
-              <a:rPr lang="en-US" altLang="ja-JP" sz="1350" dirty="0"/>
-              <a:t>http</a:t>
-            </a:r>
-            <a:r>
-              <a:rPr lang="ja-JP" altLang="en-US" sz="1350" dirty="0"/>
-              <a:t>リクエスト</a:t>
-            </a:r>
-            <a:endParaRPr lang="ja-JP" altLang="en-US" sz="1350" dirty="0"/>
-          </a:p>
-        </p:txBody>
-      </p:sp>
-      <p:sp>
-        <p:nvSpPr>
-          <p:cNvPr id="115" name="フリーフォーム 114"/>
-          <p:cNvSpPr/>
-          <p:nvPr/>
-        </p:nvSpPr>
-        <p:spPr>
-          <a:xfrm>
-            <a:off x="2797157" y="4595868"/>
-            <a:ext cx="598140" cy="1644913"/>
-          </a:xfrm>
-          <a:custGeom>
-            <a:avLst/>
-            <a:gdLst>
-              <a:gd name="connsiteX0" fmla="*/ 0 w 1992574"/>
-              <a:gd name="connsiteY0" fmla="*/ 0 h 921223"/>
-              <a:gd name="connsiteX1" fmla="*/ 1098645 w 1992574"/>
-              <a:gd name="connsiteY1" fmla="*/ 218364 h 921223"/>
-              <a:gd name="connsiteX2" fmla="*/ 1992574 w 1992574"/>
-              <a:gd name="connsiteY2" fmla="*/ 921223 h 921223"/>
-            </a:gdLst>
-            <a:ahLst/>
-            <a:cxnLst>
-              <a:cxn ang="0">
-                <a:pos x="connsiteX0" y="connsiteY0"/>
-              </a:cxn>
-              <a:cxn ang="0">
-                <a:pos x="connsiteX1" y="connsiteY1"/>
-              </a:cxn>
-              <a:cxn ang="0">
-                <a:pos x="connsiteX2" y="connsiteY2"/>
-              </a:cxn>
-            </a:cxnLst>
-            <a:rect l="l" t="t" r="r" b="b"/>
-            <a:pathLst>
-              <a:path w="1992574" h="921223">
-                <a:moveTo>
-                  <a:pt x="0" y="0"/>
-                </a:moveTo>
-                <a:cubicBezTo>
-                  <a:pt x="383274" y="32413"/>
-                  <a:pt x="766549" y="64827"/>
-                  <a:pt x="1098645" y="218364"/>
-                </a:cubicBezTo>
-                <a:cubicBezTo>
-                  <a:pt x="1430741" y="371901"/>
-                  <a:pt x="1711657" y="646562"/>
-                  <a:pt x="1992574" y="921223"/>
-                </a:cubicBezTo>
-              </a:path>
-            </a:pathLst>
-          </a:custGeom>
-          <a:noFill/>
-          <a:ln w="57150">
-            <a:solidFill>
-              <a:srgbClr val="FF0000"/>
-            </a:solidFill>
-            <a:headEnd type="none" w="med" len="med"/>
-            <a:tailEnd type="triangle" w="med" len="med"/>
-          </a:ln>
-        </p:spPr>
-        <p:style>
-          <a:lnRef idx="2">
-            <a:schemeClr val="accent1">
-              <a:shade val="50000"/>
-            </a:schemeClr>
-          </a:lnRef>
-          <a:fillRef idx="1">
-            <a:schemeClr val="accent1"/>
-          </a:fillRef>
-          <a:effectRef idx="0">
-            <a:schemeClr val="accent1"/>
-          </a:effectRef>
-          <a:fontRef idx="minor">
-            <a:schemeClr val="lt1"/>
-          </a:fontRef>
-        </p:style>
-        <p:txBody>
-          <a:bodyPr rtlCol="0" anchor="ctr"/>
-          <a:lstStyle/>
-          <a:p>
-            <a:pPr algn="ctr"/>
-            <a:endParaRPr lang="ja-JP" altLang="en-US" sz="1013"/>
-          </a:p>
-        </p:txBody>
-      </p:sp>
-      <p:cxnSp>
-        <p:nvCxnSpPr>
-          <p:cNvPr id="116" name="直線矢印コネクタ 115"/>
-          <p:cNvCxnSpPr>
-            <a:stCxn id="73" idx="2"/>
-          </p:cNvCxnSpPr>
-          <p:nvPr/>
-        </p:nvCxnSpPr>
-        <p:spPr>
-          <a:xfrm>
-            <a:off x="2333351" y="5158089"/>
-            <a:ext cx="821717" cy="1082691"/>
-          </a:xfrm>
-          <a:prstGeom prst="straightConnector1">
-            <a:avLst/>
-          </a:prstGeom>
-          <a:ln w="57150">
-            <a:solidFill>
-              <a:srgbClr val="FF0000"/>
-            </a:solidFill>
-            <a:tailEnd type="triangle"/>
-          </a:ln>
-        </p:spPr>
-        <p:style>
-          <a:lnRef idx="1">
-            <a:schemeClr val="accent1"/>
-          </a:lnRef>
-          <a:fillRef idx="0">
-            <a:schemeClr val="accent1"/>
-          </a:fillRef>
-          <a:effectRef idx="0">
-            <a:schemeClr val="accent1"/>
-          </a:effectRef>
-          <a:fontRef idx="minor">
-            <a:schemeClr val="tx1"/>
-          </a:fontRef>
-        </p:style>
-      </p:cxnSp>
-    </p:spTree>
-    <p:extLst>
-      <p:ext uri="{BB962C8B-B14F-4D97-AF65-F5344CB8AC3E}">
-        <p14:creationId xmlns:p14="http://schemas.microsoft.com/office/powerpoint/2010/main" val="3231995205"/>
-      </p:ext>
-    </p:extLst>
-  </p:cSld>
-  <p:clrMapOvr>
-    <a:masterClrMapping/>
-  </p:clrMapOvr>
-  <p:timing>
-    <p:tnLst>
-      <p:par>
-        <p:cTn id="1" dur="indefinite" restart="never" nodeType="tmRoot"/>
-      </p:par>
-    </p:tnLst>
-  </p:timing>
-</p:sld>
-</file>
-
-<file path=ppt/slides/slide2.xml><?xml version="1.0" encoding="utf-8"?>
-<p:sld xmlns:a="http://schemas.openxmlformats.org/drawingml/2006/main" xmlns:r="http://schemas.openxmlformats.org/officeDocument/2006/relationships" xmlns:p="http://schemas.openxmlformats.org/presentationml/2006/main">
-  <p:cSld>
-    <p:spTree>
-      <p:nvGrpSpPr>
-        <p:cNvPr id="1" name=""/>
-        <p:cNvGrpSpPr/>
-        <p:nvPr/>
-      </p:nvGrpSpPr>
-      <p:grpSpPr>
-        <a:xfrm>
-          <a:off x="0" y="0"/>
-          <a:ext cx="0" cy="0"/>
-          <a:chOff x="0" y="0"/>
-          <a:chExt cx="0" cy="0"/>
-        </a:xfrm>
-      </p:grpSpPr>
-      <p:cxnSp>
-        <p:nvCxnSpPr>
-          <p:cNvPr id="38" name="直線矢印コネクタ 37"/>
-          <p:cNvCxnSpPr>
-            <a:stCxn id="21" idx="3"/>
-            <a:endCxn id="134" idx="1"/>
-          </p:cNvCxnSpPr>
-          <p:nvPr/>
-        </p:nvCxnSpPr>
-        <p:spPr>
-          <a:xfrm flipV="1">
-            <a:off x="1943057" y="3854878"/>
-            <a:ext cx="937302" cy="667910"/>
-          </a:xfrm>
-          <a:prstGeom prst="straightConnector1">
-            <a:avLst/>
-          </a:prstGeom>
-          <a:ln w="57150">
-            <a:solidFill>
-              <a:schemeClr val="accent2"/>
-            </a:solidFill>
-            <a:tailEnd type="triangle"/>
-          </a:ln>
-        </p:spPr>
-        <p:style>
-          <a:lnRef idx="1">
-            <a:schemeClr val="accent1"/>
-          </a:lnRef>
-          <a:fillRef idx="0">
-            <a:schemeClr val="accent1"/>
-          </a:fillRef>
-          <a:effectRef idx="0">
-            <a:schemeClr val="accent1"/>
-          </a:effectRef>
-          <a:fontRef idx="minor">
-            <a:schemeClr val="tx1"/>
-          </a:fontRef>
-        </p:style>
-      </p:cxnSp>
-      <p:cxnSp>
-        <p:nvCxnSpPr>
-          <p:cNvPr id="41" name="直線矢印コネクタ 40"/>
-          <p:cNvCxnSpPr>
-            <a:stCxn id="21" idx="3"/>
-            <a:endCxn id="135" idx="1"/>
-          </p:cNvCxnSpPr>
-          <p:nvPr/>
-        </p:nvCxnSpPr>
-        <p:spPr>
-          <a:xfrm>
-            <a:off x="1943057" y="4522788"/>
-            <a:ext cx="937303" cy="1111798"/>
-          </a:xfrm>
-          <a:prstGeom prst="straightConnector1">
-            <a:avLst/>
-          </a:prstGeom>
-          <a:ln w="57150">
-            <a:solidFill>
-              <a:schemeClr val="accent2"/>
-            </a:solidFill>
-            <a:tailEnd type="triangle"/>
-          </a:ln>
-        </p:spPr>
-        <p:style>
-          <a:lnRef idx="1">
-            <a:schemeClr val="accent1"/>
-          </a:lnRef>
-          <a:fillRef idx="0">
-            <a:schemeClr val="accent1"/>
-          </a:fillRef>
-          <a:effectRef idx="0">
-            <a:schemeClr val="accent1"/>
-          </a:effectRef>
-          <a:fontRef idx="minor">
-            <a:schemeClr val="tx1"/>
-          </a:fontRef>
-        </p:style>
-      </p:cxnSp>
-      <p:pic>
-        <p:nvPicPr>
-          <p:cNvPr id="21" name="図 20"/>
-          <p:cNvPicPr>
-            <a:picLocks noChangeAspect="1"/>
-          </p:cNvPicPr>
-          <p:nvPr/>
-        </p:nvPicPr>
-        <p:blipFill>
-          <a:blip r:embed="rId2">
-            <a:extLst>
-              <a:ext uri="{28A0092B-C50C-407E-A947-70E740481C1C}">
-                <a14:useLocalDpi xmlns:a14="http://schemas.microsoft.com/office/drawing/2010/main" val="0"/>
-              </a:ext>
-            </a:extLst>
-          </a:blip>
-          <a:stretch>
-            <a:fillRect/>
-          </a:stretch>
-        </p:blipFill>
-        <p:spPr>
-          <a:xfrm>
-            <a:off x="690023" y="4016755"/>
-            <a:ext cx="1253034" cy="1012066"/>
-          </a:xfrm>
-          <a:prstGeom prst="rect">
-            <a:avLst/>
-          </a:prstGeom>
-        </p:spPr>
-      </p:pic>
-      <p:sp>
-        <p:nvSpPr>
-          <p:cNvPr id="55" name="四角形吹き出し 54"/>
-          <p:cNvSpPr/>
-          <p:nvPr/>
-        </p:nvSpPr>
-        <p:spPr>
-          <a:xfrm>
-            <a:off x="2599110" y="3013506"/>
-            <a:ext cx="2012046" cy="485333"/>
+            <a:off x="1821154" y="1326017"/>
+            <a:ext cx="2124276" cy="485333"/>
           </a:xfrm>
           <a:prstGeom prst="wedgeRectCallout">
             <a:avLst>
@@ -6230,86 +3721,20 @@
               <a:rPr lang="ja-JP" altLang="en-US" sz="1013" b="1" dirty="0"/>
               <a:t>以内の連続した入力で</a:t>
             </a:r>
-            <a:r>
+            <a:br>
               <a:rPr lang="en-US" altLang="ja-JP" sz="1013" b="1" dirty="0"/>
-              <a:t>slice()</a:t>
+            </a:br>
+            <a:r>
+              <a:rPr lang="en-US" altLang="ja-JP" sz="1013" b="1" dirty="0"/>
+              <a:t>slice</a:t>
             </a:r>
             <a:r>
               <a:rPr lang="ja-JP" altLang="en-US" sz="1013" b="1" dirty="0"/>
-              <a:t>を複数回呼ばないように</a:t>
-            </a:r>
-            <a:endParaRPr lang="ja-JP" altLang="en-US" sz="1013" b="1" dirty="0"/>
-          </a:p>
-        </p:txBody>
-      </p:sp>
-      <p:pic>
-        <p:nvPicPr>
-          <p:cNvPr id="100" name="図 99" descr="Ordinateur Pc Surveiller · Image gratuite sur Pixabay"/>
-          <p:cNvPicPr>
-            <a:picLocks noChangeAspect="1"/>
-          </p:cNvPicPr>
-          <p:nvPr/>
-        </p:nvPicPr>
-        <p:blipFill>
-          <a:blip r:embed="rId3" cstate="print">
-            <a:extLst>
-              <a:ext uri="{28A0092B-C50C-407E-A947-70E740481C1C}">
-                <a14:useLocalDpi xmlns:a14="http://schemas.microsoft.com/office/drawing/2010/main" val="0"/>
-              </a:ext>
-            </a:extLst>
-          </a:blip>
-          <a:stretch>
-            <a:fillRect/>
-          </a:stretch>
-        </p:blipFill>
-        <p:spPr>
-          <a:xfrm>
-            <a:off x="3797896" y="7753672"/>
-            <a:ext cx="1394114" cy="1394114"/>
-          </a:xfrm>
-          <a:prstGeom prst="rect">
-            <a:avLst/>
-          </a:prstGeom>
-        </p:spPr>
-      </p:pic>
-      <p:cxnSp>
-        <p:nvCxnSpPr>
-          <p:cNvPr id="101" name="直線矢印コネクタ 100"/>
-          <p:cNvCxnSpPr>
-            <a:stCxn id="135" idx="2"/>
-          </p:cNvCxnSpPr>
-          <p:nvPr/>
-        </p:nvCxnSpPr>
-        <p:spPr>
-          <a:xfrm>
-            <a:off x="3392952" y="5778527"/>
-            <a:ext cx="922998" cy="2141380"/>
-          </a:xfrm>
-          <a:prstGeom prst="straightConnector1">
-            <a:avLst/>
-          </a:prstGeom>
-          <a:ln w="57150">
-            <a:solidFill>
-              <a:srgbClr val="FF0000"/>
-            </a:solidFill>
-            <a:tailEnd type="triangle"/>
-          </a:ln>
-        </p:spPr>
-        <p:style>
-          <a:lnRef idx="1">
-            <a:schemeClr val="accent1"/>
-          </a:lnRef>
-          <a:fillRef idx="0">
-            <a:schemeClr val="accent1"/>
-          </a:fillRef>
-          <a:effectRef idx="0">
-            <a:schemeClr val="accent1"/>
-          </a:effectRef>
-          <a:fontRef idx="minor">
-            <a:schemeClr val="tx1"/>
-          </a:fontRef>
-        </p:style>
-      </p:cxnSp>
+              <a:t>を複数回実行しないように</a:t>
+            </a:r>
+          </a:p>
+        </p:txBody>
+      </p:sp>
       <p:grpSp>
         <p:nvGrpSpPr>
           <p:cNvPr id="157" name="グループ化 156"/>
@@ -6318,10 +3743,10 @@
         </p:nvGrpSpPr>
         <p:grpSpPr>
           <a:xfrm>
-            <a:off x="4934155" y="2156729"/>
-            <a:ext cx="1866548" cy="4555699"/>
-            <a:chOff x="6578872" y="208638"/>
-            <a:chExt cx="2488730" cy="6074265"/>
+            <a:off x="4180383" y="480795"/>
+            <a:ext cx="1791796" cy="6008349"/>
+            <a:chOff x="5559668" y="-1728228"/>
+            <a:chExt cx="2389061" cy="8011131"/>
           </a:xfrm>
         </p:grpSpPr>
         <p:sp>
@@ -6332,7 +3757,7 @@
           </p:nvSpPr>
           <p:spPr>
             <a:xfrm>
-              <a:off x="6578875" y="1457264"/>
+              <a:off x="6578869" y="-466496"/>
               <a:ext cx="1357698" cy="383843"/>
             </a:xfrm>
             <a:prstGeom prst="roundRect">
@@ -6341,7 +3766,7 @@
             <a:noFill/>
             <a:ln w="28575">
               <a:solidFill>
-                <a:srgbClr val="002060"/>
+                <a:schemeClr val="accent1"/>
               </a:solidFill>
             </a:ln>
           </p:spPr>
@@ -6399,7 +3824,7 @@
             <a:noFill/>
             <a:ln w="28575">
               <a:solidFill>
-                <a:schemeClr val="accent2"/>
+                <a:schemeClr val="accent1"/>
               </a:solidFill>
             </a:ln>
           </p:spPr>
@@ -6425,12 +3850,12 @@
             <a:p>
               <a:pPr algn="ctr"/>
               <a:r>
-                <a:rPr lang="en-US" altLang="ja-JP" sz="1013" b="1" dirty="0">
+                <a:rPr lang="en-US" altLang="ja-JP" sz="1013" b="1" dirty="0" err="1">
                   <a:solidFill>
                     <a:schemeClr val="tx1"/>
                   </a:solidFill>
                 </a:rPr>
-                <a:t>table</a:t>
+                <a:t>tableFiltered</a:t>
               </a:r>
               <a:endParaRPr lang="ja-JP" altLang="en-US" sz="1013" b="1" dirty="0">
                 <a:solidFill>
@@ -6457,7 +3882,7 @@
             <a:noFill/>
             <a:ln w="28575">
               <a:solidFill>
-                <a:schemeClr val="accent2"/>
+                <a:schemeClr val="accent1"/>
               </a:solidFill>
             </a:ln>
           </p:spPr>
@@ -6507,7 +3932,7 @@
             <p:nvPr/>
           </p:nvPicPr>
           <p:blipFill>
-            <a:blip r:embed="rId4" cstate="print">
+            <a:blip r:embed="rId2" cstate="print">
               <a:extLst>
                 <a:ext uri="{28A0092B-C50C-407E-A947-70E740481C1C}">
                   <a14:useLocalDpi xmlns:a14="http://schemas.microsoft.com/office/drawing/2010/main" val="0"/>
@@ -6520,8 +3945,8 @@
           </p:blipFill>
           <p:spPr>
             <a:xfrm>
-              <a:off x="6616949" y="208638"/>
-              <a:ext cx="1357699" cy="714207"/>
+              <a:off x="6591029" y="-1728228"/>
+              <a:ext cx="1357700" cy="714207"/>
             </a:xfrm>
             <a:prstGeom prst="rect">
               <a:avLst/>
@@ -6532,15 +3957,16 @@
           <p:nvCxnSpPr>
             <p:cNvPr id="24" name="直線矢印コネクタ 23"/>
             <p:cNvCxnSpPr>
+              <a:cxnSpLocks/>
               <a:stCxn id="4" idx="2"/>
-              <a:endCxn id="6" idx="0"/>
+              <a:endCxn id="39" idx="0"/>
             </p:cNvCxnSpPr>
             <p:nvPr/>
           </p:nvCxnSpPr>
           <p:spPr>
-            <a:xfrm flipH="1">
-              <a:off x="7257722" y="1841106"/>
-              <a:ext cx="1" cy="1040273"/>
+            <a:xfrm>
+              <a:off x="7257718" y="-82654"/>
+              <a:ext cx="1" cy="1096305"/>
             </a:xfrm>
             <a:prstGeom prst="straightConnector1">
               <a:avLst/>
@@ -6577,7 +4003,7 @@
           </p:nvCxnSpPr>
           <p:spPr>
             <a:xfrm>
-              <a:off x="7257720" y="699315"/>
+              <a:off x="7257713" y="-1224446"/>
               <a:ext cx="4" cy="757949"/>
             </a:xfrm>
             <a:prstGeom prst="straightConnector1">
@@ -6652,7 +4078,7 @@
           </p:nvSpPr>
           <p:spPr>
             <a:xfrm>
-              <a:off x="6613984" y="2177453"/>
+              <a:off x="6626141" y="282873"/>
               <a:ext cx="1287473" cy="349296"/>
             </a:xfrm>
             <a:prstGeom prst="rect">
@@ -6689,10 +4115,6 @@
               <a:r>
                 <a:rPr lang="en-US" altLang="ja-JP" sz="1013" b="1" dirty="0" err="1"/>
                 <a:t>CSVtoTable</a:t>
-              </a:r>
-              <a:r>
-                <a:rPr lang="en-US" altLang="ja-JP" sz="1013" b="1" dirty="0"/>
-                <a:t>()</a:t>
               </a:r>
               <a:endParaRPr lang="ja-JP" altLang="en-US" sz="1013" b="1" dirty="0"/>
             </a:p>
@@ -6756,7 +4178,7 @@
           </p:nvSpPr>
           <p:spPr>
             <a:xfrm>
-              <a:off x="7275060" y="907633"/>
+              <a:off x="5559668" y="-1000671"/>
               <a:ext cx="1792542" cy="400109"/>
             </a:xfrm>
             <a:prstGeom prst="rect">
@@ -6778,190 +4200,93 @@
                 <a:rPr lang="ja-JP" altLang="en-US" sz="1350" dirty="0"/>
                 <a:t>リクエスト</a:t>
               </a:r>
-              <a:endParaRPr lang="ja-JP" altLang="en-US" sz="1350" dirty="0"/>
             </a:p>
           </p:txBody>
         </p:sp>
-      </p:grpSp>
-      <p:cxnSp>
-        <p:nvCxnSpPr>
-          <p:cNvPr id="54" name="直線矢印コネクタ 53"/>
-          <p:cNvCxnSpPr>
-            <a:stCxn id="6" idx="1"/>
-          </p:cNvCxnSpPr>
-          <p:nvPr/>
-        </p:nvCxnSpPr>
-        <p:spPr>
-          <a:xfrm flipH="1">
-            <a:off x="3905547" y="4305226"/>
-            <a:ext cx="1028608" cy="261729"/>
-          </a:xfrm>
-          <a:prstGeom prst="straightConnector1">
-            <a:avLst/>
-          </a:prstGeom>
-          <a:ln w="57150">
-            <a:solidFill>
-              <a:schemeClr val="tx1"/>
-            </a:solidFill>
-            <a:tailEnd type="triangle"/>
-          </a:ln>
-        </p:spPr>
-        <p:style>
-          <a:lnRef idx="1">
-            <a:schemeClr val="accent1"/>
-          </a:lnRef>
-          <a:fillRef idx="0">
-            <a:schemeClr val="accent1"/>
-          </a:fillRef>
-          <a:effectRef idx="0">
-            <a:schemeClr val="accent1"/>
-          </a:effectRef>
-          <a:fontRef idx="minor">
-            <a:schemeClr val="tx1"/>
-          </a:fontRef>
-        </p:style>
-      </p:cxnSp>
-      <p:cxnSp>
-        <p:nvCxnSpPr>
-          <p:cNvPr id="57" name="直線矢印コネクタ 56"/>
-          <p:cNvCxnSpPr>
-            <a:stCxn id="52" idx="3"/>
-          </p:cNvCxnSpPr>
-          <p:nvPr/>
-        </p:nvCxnSpPr>
-        <p:spPr>
-          <a:xfrm>
-            <a:off x="4139988" y="3852591"/>
-            <a:ext cx="1052022" cy="1925936"/>
-          </a:xfrm>
-          <a:prstGeom prst="straightConnector1">
-            <a:avLst/>
-          </a:prstGeom>
-          <a:ln w="57150">
-            <a:solidFill>
-              <a:schemeClr val="tx1"/>
-            </a:solidFill>
-            <a:tailEnd type="triangle"/>
-          </a:ln>
-        </p:spPr>
-        <p:style>
-          <a:lnRef idx="1">
-            <a:schemeClr val="accent1"/>
-          </a:lnRef>
-          <a:fillRef idx="0">
-            <a:schemeClr val="accent1"/>
-          </a:fillRef>
-          <a:effectRef idx="0">
-            <a:schemeClr val="accent1"/>
-          </a:effectRef>
-          <a:fontRef idx="minor">
-            <a:schemeClr val="tx1"/>
-          </a:fontRef>
-        </p:style>
-      </p:cxnSp>
-      <p:cxnSp>
-        <p:nvCxnSpPr>
-          <p:cNvPr id="60" name="直線矢印コネクタ 59"/>
-          <p:cNvCxnSpPr>
-            <a:stCxn id="53" idx="3"/>
-            <a:endCxn id="84" idx="1"/>
-          </p:cNvCxnSpPr>
-          <p:nvPr/>
-        </p:nvCxnSpPr>
-        <p:spPr>
-          <a:xfrm>
-            <a:off x="4143632" y="5634586"/>
-            <a:ext cx="956759" cy="295248"/>
-          </a:xfrm>
-          <a:prstGeom prst="straightConnector1">
-            <a:avLst/>
-          </a:prstGeom>
-          <a:ln w="57150">
-            <a:solidFill>
-              <a:schemeClr val="tx1"/>
-            </a:solidFill>
-            <a:tailEnd type="triangle"/>
-          </a:ln>
-        </p:spPr>
-        <p:style>
-          <a:lnRef idx="1">
-            <a:schemeClr val="accent1"/>
-          </a:lnRef>
-          <a:fillRef idx="0">
-            <a:schemeClr val="accent1"/>
-          </a:fillRef>
-          <a:effectRef idx="0">
-            <a:schemeClr val="accent1"/>
-          </a:effectRef>
-          <a:fontRef idx="minor">
-            <a:schemeClr val="tx1"/>
-          </a:fontRef>
-        </p:style>
-      </p:cxnSp>
-      <p:grpSp>
-        <p:nvGrpSpPr>
-          <p:cNvPr id="156" name="グループ化 155"/>
-          <p:cNvGrpSpPr/>
-          <p:nvPr/>
-        </p:nvGrpSpPr>
-        <p:grpSpPr>
-          <a:xfrm>
-            <a:off x="2880359" y="3710937"/>
-            <a:ext cx="1263273" cy="2067590"/>
-            <a:chOff x="3774199" y="1676791"/>
-            <a:chExt cx="1684364" cy="2756787"/>
-          </a:xfrm>
-        </p:grpSpPr>
-        <p:cxnSp>
-          <p:nvCxnSpPr>
-            <p:cNvPr id="51" name="直線矢印コネクタ 50"/>
-            <p:cNvCxnSpPr>
-              <a:stCxn id="134" idx="2"/>
-            </p:cNvCxnSpPr>
+        <p:sp>
+          <p:nvSpPr>
+            <p:cNvPr id="39" name="角丸四角形 5">
+              <a:extLst>
+                <a:ext uri="{FF2B5EF4-FFF2-40B4-BE49-F238E27FC236}">
+                  <a16:creationId xmlns:a16="http://schemas.microsoft.com/office/drawing/2014/main" id="{0105B787-0105-48BF-9019-189EC65FFEEB}"/>
+                </a:ext>
+              </a:extLst>
+            </p:cNvPr>
+            <p:cNvSpPr/>
             <p:nvPr/>
-          </p:nvCxnSpPr>
+          </p:nvSpPr>
           <p:spPr>
             <a:xfrm>
-              <a:off x="4457656" y="2060634"/>
-              <a:ext cx="1" cy="565593"/>
+              <a:off x="6578869" y="1013651"/>
+              <a:ext cx="1357700" cy="383843"/>
             </a:xfrm>
-            <a:prstGeom prst="straightConnector1">
+            <a:prstGeom prst="roundRect">
               <a:avLst/>
             </a:prstGeom>
-            <a:ln w="57150">
+            <a:noFill/>
+            <a:ln w="28575">
               <a:solidFill>
-                <a:schemeClr val="tx1"/>
+                <a:schemeClr val="accent1"/>
               </a:solidFill>
-              <a:tailEnd type="triangle"/>
             </a:ln>
           </p:spPr>
           <p:style>
-            <a:lnRef idx="1">
-              <a:schemeClr val="accent1"/>
+            <a:lnRef idx="2">
+              <a:schemeClr val="accent1">
+                <a:shade val="50000"/>
+              </a:schemeClr>
             </a:lnRef>
-            <a:fillRef idx="0">
+            <a:fillRef idx="1">
               <a:schemeClr val="accent1"/>
             </a:fillRef>
             <a:effectRef idx="0">
               <a:schemeClr val="accent1"/>
             </a:effectRef>
             <a:fontRef idx="minor">
-              <a:schemeClr val="tx1"/>
+              <a:schemeClr val="lt1"/>
             </a:fontRef>
           </p:style>
-        </p:cxnSp>
+          <p:txBody>
+            <a:bodyPr rtlCol="0" anchor="ctr"/>
+            <a:lstStyle/>
+            <a:p>
+              <a:pPr algn="ctr"/>
+              <a:r>
+                <a:rPr lang="en-US" altLang="ja-JP" sz="1013" b="1" dirty="0">
+                  <a:solidFill>
+                    <a:schemeClr val="tx1"/>
+                  </a:solidFill>
+                </a:rPr>
+                <a:t>table</a:t>
+              </a:r>
+              <a:endParaRPr lang="ja-JP" altLang="en-US" sz="1013" b="1" dirty="0">
+                <a:solidFill>
+                  <a:schemeClr val="tx1"/>
+                </a:solidFill>
+              </a:endParaRPr>
+            </a:p>
+          </p:txBody>
+        </p:sp>
         <p:cxnSp>
           <p:nvCxnSpPr>
-            <p:cNvPr id="56" name="直線矢印コネクタ 55"/>
+            <p:cNvPr id="40" name="直線矢印コネクタ 39">
+              <a:extLst>
+                <a:ext uri="{FF2B5EF4-FFF2-40B4-BE49-F238E27FC236}">
+                  <a16:creationId xmlns:a16="http://schemas.microsoft.com/office/drawing/2014/main" id="{CFE6184A-C231-4A0B-A1AF-5AEACCCF9B99}"/>
+                </a:ext>
+              </a:extLst>
+            </p:cNvPr>
             <p:cNvCxnSpPr>
-              <a:stCxn id="133" idx="2"/>
+              <a:cxnSpLocks/>
+              <a:stCxn id="39" idx="2"/>
+              <a:endCxn id="6" idx="0"/>
             </p:cNvCxnSpPr>
             <p:nvPr/>
           </p:nvCxnSpPr>
           <p:spPr>
-            <a:xfrm flipH="1">
-              <a:off x="4457656" y="3010070"/>
-              <a:ext cx="1" cy="1039665"/>
+            <a:xfrm>
+              <a:off x="7257720" y="1397494"/>
+              <a:ext cx="4" cy="1483885"/>
             </a:xfrm>
             <a:prstGeom prst="straightConnector1">
               <a:avLst/>
@@ -6990,14 +4315,20 @@
         </p:cxnSp>
         <p:sp>
           <p:nvSpPr>
-            <p:cNvPr id="65" name="正方形/長方形 64"/>
+            <p:cNvPr id="42" name="正方形/長方形 41">
+              <a:extLst>
+                <a:ext uri="{FF2B5EF4-FFF2-40B4-BE49-F238E27FC236}">
+                  <a16:creationId xmlns:a16="http://schemas.microsoft.com/office/drawing/2014/main" id="{17197374-D2DC-40B2-ABBC-23ED6EC50B3B}"/>
+                </a:ext>
+              </a:extLst>
+            </p:cNvPr>
             <p:cNvSpPr/>
             <p:nvPr/>
           </p:nvSpPr>
           <p:spPr>
             <a:xfrm>
-              <a:off x="3867995" y="3316597"/>
-              <a:ext cx="1191812" cy="349296"/>
+              <a:off x="6613981" y="1931669"/>
+              <a:ext cx="1287473" cy="349296"/>
             </a:xfrm>
             <a:prstGeom prst="rect">
               <a:avLst/>
@@ -7032,33 +4363,225 @@
               <a:pPr algn="ctr"/>
               <a:r>
                 <a:rPr lang="en-US" altLang="ja-JP" sz="1013" b="1" dirty="0"/>
-                <a:t>1</a:t>
+                <a:t>filter</a:t>
               </a:r>
-              <a:r>
-                <a:rPr lang="ja-JP" altLang="en-US" sz="1013" b="1" dirty="0"/>
-                <a:t>にリセット</a:t>
-              </a:r>
+              <a:endParaRPr lang="ja-JP" altLang="en-US" sz="1013" b="1" dirty="0"/>
             </a:p>
           </p:txBody>
         </p:sp>
+      </p:grpSp>
+      <p:cxnSp>
+        <p:nvCxnSpPr>
+          <p:cNvPr id="57" name="直線矢印コネクタ 56"/>
+          <p:cNvCxnSpPr>
+            <a:cxnSpLocks/>
+          </p:cNvCxnSpPr>
+          <p:nvPr/>
+        </p:nvCxnSpPr>
+        <p:spPr>
+          <a:xfrm>
+            <a:off x="3329187" y="3767184"/>
+            <a:ext cx="1777915" cy="1788058"/>
+          </a:xfrm>
+          <a:prstGeom prst="straightConnector1">
+            <a:avLst/>
+          </a:prstGeom>
+          <a:ln w="57150">
+            <a:solidFill>
+              <a:schemeClr val="tx1"/>
+            </a:solidFill>
+            <a:tailEnd type="triangle"/>
+          </a:ln>
+        </p:spPr>
+        <p:style>
+          <a:lnRef idx="1">
+            <a:schemeClr val="accent1"/>
+          </a:lnRef>
+          <a:fillRef idx="0">
+            <a:schemeClr val="accent1"/>
+          </a:fillRef>
+          <a:effectRef idx="0">
+            <a:schemeClr val="accent1"/>
+          </a:effectRef>
+          <a:fontRef idx="minor">
+            <a:schemeClr val="tx1"/>
+          </a:fontRef>
+        </p:style>
+      </p:cxnSp>
+      <p:cxnSp>
+        <p:nvCxnSpPr>
+          <p:cNvPr id="60" name="直線矢印コネクタ 59"/>
+          <p:cNvCxnSpPr>
+            <a:cxnSpLocks/>
+            <a:stCxn id="135" idx="3"/>
+            <a:endCxn id="84" idx="1"/>
+          </p:cNvCxnSpPr>
+          <p:nvPr/>
+        </p:nvCxnSpPr>
+        <p:spPr>
+          <a:xfrm>
+            <a:off x="3356020" y="5411301"/>
+            <a:ext cx="1755002" cy="295249"/>
+          </a:xfrm>
+          <a:prstGeom prst="straightConnector1">
+            <a:avLst/>
+          </a:prstGeom>
+          <a:ln w="57150">
+            <a:solidFill>
+              <a:schemeClr val="tx1"/>
+            </a:solidFill>
+            <a:tailEnd type="triangle"/>
+          </a:ln>
+        </p:spPr>
+        <p:style>
+          <a:lnRef idx="1">
+            <a:schemeClr val="accent1"/>
+          </a:lnRef>
+          <a:fillRef idx="0">
+            <a:schemeClr val="accent1"/>
+          </a:fillRef>
+          <a:effectRef idx="0">
+            <a:schemeClr val="accent1"/>
+          </a:effectRef>
+          <a:fontRef idx="minor">
+            <a:schemeClr val="tx1"/>
+          </a:fontRef>
+        </p:style>
+      </p:cxnSp>
+      <p:cxnSp>
+        <p:nvCxnSpPr>
+          <p:cNvPr id="56" name="直線矢印コネクタ 55"/>
+          <p:cNvCxnSpPr>
+            <a:cxnSpLocks/>
+            <a:stCxn id="65" idx="2"/>
+            <a:endCxn id="135" idx="0"/>
+          </p:cNvCxnSpPr>
+          <p:nvPr/>
+        </p:nvCxnSpPr>
+        <p:spPr>
+          <a:xfrm>
+            <a:off x="2842249" y="4952251"/>
+            <a:ext cx="1179" cy="315109"/>
+          </a:xfrm>
+          <a:prstGeom prst="straightConnector1">
+            <a:avLst/>
+          </a:prstGeom>
+          <a:ln w="57150">
+            <a:solidFill>
+              <a:schemeClr val="tx1"/>
+            </a:solidFill>
+            <a:tailEnd type="triangle"/>
+          </a:ln>
+        </p:spPr>
+        <p:style>
+          <a:lnRef idx="1">
+            <a:schemeClr val="accent1"/>
+          </a:lnRef>
+          <a:fillRef idx="0">
+            <a:schemeClr val="accent1"/>
+          </a:fillRef>
+          <a:effectRef idx="0">
+            <a:schemeClr val="accent1"/>
+          </a:effectRef>
+          <a:fontRef idx="minor">
+            <a:schemeClr val="tx1"/>
+          </a:fontRef>
+        </p:style>
+      </p:cxnSp>
+      <p:sp>
+        <p:nvSpPr>
+          <p:cNvPr id="135" name="角丸四角形 134"/>
+          <p:cNvSpPr/>
+          <p:nvPr/>
+        </p:nvSpPr>
+        <p:spPr>
+          <a:xfrm>
+            <a:off x="2330836" y="5267360"/>
+            <a:ext cx="1025184" cy="287882"/>
+          </a:xfrm>
+          <a:prstGeom prst="roundRect">
+            <a:avLst/>
+          </a:prstGeom>
+          <a:solidFill>
+            <a:srgbClr val="FFFF00"/>
+          </a:solidFill>
+          <a:ln w="28575">
+            <a:solidFill>
+              <a:schemeClr val="accent1"/>
+            </a:solidFill>
+          </a:ln>
+        </p:spPr>
+        <p:style>
+          <a:lnRef idx="2">
+            <a:schemeClr val="accent1">
+              <a:shade val="50000"/>
+            </a:schemeClr>
+          </a:lnRef>
+          <a:fillRef idx="1">
+            <a:schemeClr val="accent1"/>
+          </a:fillRef>
+          <a:effectRef idx="0">
+            <a:schemeClr val="accent1"/>
+          </a:effectRef>
+          <a:fontRef idx="minor">
+            <a:schemeClr val="lt1"/>
+          </a:fontRef>
+        </p:style>
+        <p:txBody>
+          <a:bodyPr rtlCol="0" anchor="ctr"/>
+          <a:lstStyle/>
+          <a:p>
+            <a:pPr algn="ctr"/>
+            <a:r>
+              <a:rPr lang="en-US" altLang="ja-JP" sz="1013" b="1" dirty="0" err="1">
+                <a:solidFill>
+                  <a:schemeClr val="tx1"/>
+                </a:solidFill>
+              </a:rPr>
+              <a:t>currentPage</a:t>
+            </a:r>
+            <a:endParaRPr lang="ja-JP" altLang="en-US" sz="788" b="1" dirty="0">
+              <a:solidFill>
+                <a:schemeClr val="tx1"/>
+              </a:solidFill>
+            </a:endParaRPr>
+          </a:p>
+        </p:txBody>
+      </p:sp>
+      <p:grpSp>
+        <p:nvGrpSpPr>
+          <p:cNvPr id="151" name="グループ化 150"/>
+          <p:cNvGrpSpPr/>
+          <p:nvPr/>
+        </p:nvGrpSpPr>
+        <p:grpSpPr>
+          <a:xfrm>
+            <a:off x="2329658" y="2067673"/>
+            <a:ext cx="1115169" cy="3314839"/>
+            <a:chOff x="3772630" y="-216515"/>
+            <a:chExt cx="1486892" cy="4419786"/>
+          </a:xfrm>
+        </p:grpSpPr>
         <p:sp>
           <p:nvSpPr>
-            <p:cNvPr id="133" name="角丸四角形 132"/>
+            <p:cNvPr id="134" name="角丸四角形 133"/>
             <p:cNvSpPr/>
             <p:nvPr/>
           </p:nvSpPr>
           <p:spPr>
             <a:xfrm>
-              <a:off x="3774203" y="2626227"/>
+              <a:off x="3774201" y="1676792"/>
               <a:ext cx="1366912" cy="383843"/>
             </a:xfrm>
             <a:prstGeom prst="roundRect">
               <a:avLst/>
             </a:prstGeom>
-            <a:noFill/>
+            <a:solidFill>
+              <a:srgbClr val="FFFF00"/>
+            </a:solidFill>
             <a:ln w="28575">
               <a:solidFill>
-                <a:schemeClr val="accent2"/>
+                <a:schemeClr val="accent1"/>
               </a:solidFill>
             </a:ln>
           </p:spPr>
@@ -7089,7 +4612,7 @@
                     <a:schemeClr val="tx1"/>
                   </a:solidFill>
                 </a:rPr>
-                <a:t>pageLength</a:t>
+                <a:t>itemsPerPage</a:t>
               </a:r>
               <a:endParaRPr lang="ja-JP" altLang="en-US" sz="1013" b="1" dirty="0">
                 <a:solidFill>
@@ -7099,238 +4622,502 @@
             </a:p>
           </p:txBody>
         </p:sp>
-        <p:grpSp>
-          <p:nvGrpSpPr>
-            <p:cNvPr id="151" name="グループ化 150"/>
-            <p:cNvGrpSpPr/>
+        <p:sp>
+          <p:nvSpPr>
+            <p:cNvPr id="63" name="角丸四角形 133">
+              <a:extLst>
+                <a:ext uri="{FF2B5EF4-FFF2-40B4-BE49-F238E27FC236}">
+                  <a16:creationId xmlns:a16="http://schemas.microsoft.com/office/drawing/2014/main" id="{D76590B6-9006-4419-95DB-893A15155064}"/>
+                </a:ext>
+              </a:extLst>
+            </p:cNvPr>
+            <p:cNvSpPr/>
             <p:nvPr/>
-          </p:nvGrpSpPr>
-          <p:grpSpPr>
+          </p:nvSpPr>
+          <p:spPr>
             <a:xfrm>
-              <a:off x="3774199" y="1676791"/>
-              <a:ext cx="1679504" cy="383843"/>
-              <a:chOff x="3774199" y="1676791"/>
-              <a:chExt cx="1679504" cy="383843"/>
+              <a:off x="3772630" y="763672"/>
+              <a:ext cx="1366912" cy="383843"/>
             </a:xfrm>
-          </p:grpSpPr>
-          <p:pic>
-            <p:nvPicPr>
-              <p:cNvPr id="52" name="図 51"/>
-              <p:cNvPicPr>
-                <a:picLocks noChangeAspect="1"/>
-              </p:cNvPicPr>
-              <p:nvPr/>
-            </p:nvPicPr>
-            <p:blipFill>
-              <a:blip r:embed="rId5" cstate="print">
-                <a:extLst>
-                  <a:ext uri="{28A0092B-C50C-407E-A947-70E740481C1C}">
-                    <a14:useLocalDpi xmlns:a14="http://schemas.microsoft.com/office/drawing/2010/main" val="0"/>
-                  </a:ext>
-                </a:extLst>
-              </a:blip>
-              <a:stretch>
-                <a:fillRect/>
-              </a:stretch>
-            </p:blipFill>
-            <p:spPr>
-              <a:xfrm>
-                <a:off x="5159005" y="1718314"/>
-                <a:ext cx="294698" cy="294698"/>
-              </a:xfrm>
-              <a:prstGeom prst="rect">
-                <a:avLst/>
-              </a:prstGeom>
+            <a:prstGeom prst="roundRect">
+              <a:avLst/>
+            </a:prstGeom>
+            <a:solidFill>
+              <a:srgbClr val="FFFF00"/>
+            </a:solidFill>
+            <a:ln w="28575">
               <a:solidFill>
-                <a:srgbClr val="FFFF00"/>
+                <a:schemeClr val="accent1"/>
               </a:solidFill>
-            </p:spPr>
-          </p:pic>
-          <p:sp>
-            <p:nvSpPr>
-              <p:cNvPr id="134" name="角丸四角形 133"/>
-              <p:cNvSpPr/>
-              <p:nvPr/>
-            </p:nvSpPr>
-            <p:spPr>
-              <a:xfrm>
-                <a:off x="3774199" y="1676791"/>
-                <a:ext cx="1366912" cy="383843"/>
-              </a:xfrm>
-              <a:prstGeom prst="roundRect">
-                <a:avLst/>
-              </a:prstGeom>
-              <a:noFill/>
-              <a:ln w="28575">
-                <a:solidFill>
-                  <a:schemeClr val="accent2"/>
-                </a:solidFill>
-              </a:ln>
-            </p:spPr>
-            <p:style>
-              <a:lnRef idx="2">
-                <a:schemeClr val="accent1">
-                  <a:shade val="50000"/>
-                </a:schemeClr>
-              </a:lnRef>
-              <a:fillRef idx="1">
-                <a:schemeClr val="accent1"/>
-              </a:fillRef>
-              <a:effectRef idx="0">
-                <a:schemeClr val="accent1"/>
-              </a:effectRef>
-              <a:fontRef idx="minor">
-                <a:schemeClr val="lt1"/>
-              </a:fontRef>
-            </p:style>
-            <p:txBody>
-              <a:bodyPr rtlCol="0" anchor="ctr"/>
-              <a:lstStyle/>
-              <a:p>
-                <a:pPr algn="ctr"/>
-                <a:r>
-                  <a:rPr lang="en-US" altLang="ja-JP" sz="1013" b="1" dirty="0" err="1">
-                    <a:solidFill>
-                      <a:schemeClr val="tx1"/>
-                    </a:solidFill>
-                  </a:rPr>
-                  <a:t>itemsPerPage</a:t>
-                </a:r>
-                <a:endParaRPr lang="ja-JP" altLang="en-US" sz="1013" b="1" dirty="0">
+            </a:ln>
+          </p:spPr>
+          <p:style>
+            <a:lnRef idx="2">
+              <a:schemeClr val="accent1">
+                <a:shade val="50000"/>
+              </a:schemeClr>
+            </a:lnRef>
+            <a:fillRef idx="1">
+              <a:schemeClr val="accent1"/>
+            </a:fillRef>
+            <a:effectRef idx="0">
+              <a:schemeClr val="accent1"/>
+            </a:effectRef>
+            <a:fontRef idx="minor">
+              <a:schemeClr val="lt1"/>
+            </a:fontRef>
+          </p:style>
+          <p:txBody>
+            <a:bodyPr rtlCol="0" anchor="ctr"/>
+            <a:lstStyle/>
+            <a:p>
+              <a:pPr algn="ctr"/>
+              <a:r>
+                <a:rPr lang="en-US" altLang="ja-JP" sz="1013" b="1" dirty="0">
                   <a:solidFill>
                     <a:schemeClr val="tx1"/>
                   </a:solidFill>
-                </a:endParaRPr>
-              </a:p>
-            </p:txBody>
-          </p:sp>
-        </p:grpSp>
-        <p:grpSp>
-          <p:nvGrpSpPr>
-            <p:cNvPr id="154" name="グループ化 153"/>
-            <p:cNvGrpSpPr/>
+                </a:rPr>
+                <a:t>gender</a:t>
+              </a:r>
+              <a:endParaRPr lang="ja-JP" altLang="en-US" sz="1013" b="1" dirty="0">
+                <a:solidFill>
+                  <a:schemeClr val="tx1"/>
+                </a:solidFill>
+              </a:endParaRPr>
+            </a:p>
+          </p:txBody>
+        </p:sp>
+        <p:sp>
+          <p:nvSpPr>
+            <p:cNvPr id="67" name="角丸四角形 133">
+              <a:extLst>
+                <a:ext uri="{FF2B5EF4-FFF2-40B4-BE49-F238E27FC236}">
+                  <a16:creationId xmlns:a16="http://schemas.microsoft.com/office/drawing/2014/main" id="{0D630CD0-FC53-43EA-9816-0E5ABEBB0A58}"/>
+                </a:ext>
+              </a:extLst>
+            </p:cNvPr>
+            <p:cNvSpPr/>
             <p:nvPr/>
-          </p:nvGrpSpPr>
-          <p:grpSpPr>
+          </p:nvSpPr>
+          <p:spPr>
             <a:xfrm>
-              <a:off x="3774200" y="4049735"/>
-              <a:ext cx="1684363" cy="383843"/>
-              <a:chOff x="3774200" y="4049735"/>
-              <a:chExt cx="1684363" cy="383843"/>
+              <a:off x="3772630" y="298397"/>
+              <a:ext cx="1366912" cy="383843"/>
             </a:xfrm>
-          </p:grpSpPr>
-          <p:pic>
-            <p:nvPicPr>
-              <p:cNvPr id="53" name="図 52"/>
-              <p:cNvPicPr>
-                <a:picLocks noChangeAspect="1"/>
-              </p:cNvPicPr>
-              <p:nvPr/>
-            </p:nvPicPr>
-            <p:blipFill>
-              <a:blip r:embed="rId5" cstate="print">
-                <a:extLst>
-                  <a:ext uri="{28A0092B-C50C-407E-A947-70E740481C1C}">
-                    <a14:useLocalDpi xmlns:a14="http://schemas.microsoft.com/office/drawing/2010/main" val="0"/>
-                  </a:ext>
-                </a:extLst>
-              </a:blip>
-              <a:stretch>
-                <a:fillRect/>
-              </a:stretch>
-            </p:blipFill>
-            <p:spPr>
-              <a:xfrm>
-                <a:off x="5163865" y="4094307"/>
-                <a:ext cx="294698" cy="294698"/>
-              </a:xfrm>
-              <a:prstGeom prst="rect">
-                <a:avLst/>
-              </a:prstGeom>
+            <a:prstGeom prst="roundRect">
+              <a:avLst/>
+            </a:prstGeom>
+            <a:solidFill>
+              <a:srgbClr val="FFFF00"/>
+            </a:solidFill>
+            <a:ln w="28575">
               <a:solidFill>
-                <a:srgbClr val="FFFF00"/>
+                <a:schemeClr val="accent1"/>
               </a:solidFill>
-            </p:spPr>
-          </p:pic>
-          <p:sp>
-            <p:nvSpPr>
-              <p:cNvPr id="135" name="角丸四角形 134"/>
-              <p:cNvSpPr/>
-              <p:nvPr/>
-            </p:nvSpPr>
-            <p:spPr>
-              <a:xfrm>
-                <a:off x="3774200" y="4049735"/>
-                <a:ext cx="1366912" cy="383843"/>
-              </a:xfrm>
-              <a:prstGeom prst="roundRect">
-                <a:avLst/>
-              </a:prstGeom>
-              <a:noFill/>
-              <a:ln w="28575">
-                <a:solidFill>
-                  <a:schemeClr val="accent2"/>
-                </a:solidFill>
-              </a:ln>
-            </p:spPr>
-            <p:style>
-              <a:lnRef idx="2">
-                <a:schemeClr val="accent1">
-                  <a:shade val="50000"/>
-                </a:schemeClr>
-              </a:lnRef>
-              <a:fillRef idx="1">
-                <a:schemeClr val="accent1"/>
-              </a:fillRef>
-              <a:effectRef idx="0">
-                <a:schemeClr val="accent1"/>
-              </a:effectRef>
-              <a:fontRef idx="minor">
-                <a:schemeClr val="lt1"/>
-              </a:fontRef>
-            </p:style>
-            <p:txBody>
-              <a:bodyPr rtlCol="0" anchor="ctr"/>
-              <a:lstStyle/>
-              <a:p>
-                <a:pPr algn="ctr"/>
-                <a:r>
-                  <a:rPr lang="en-US" altLang="ja-JP" sz="1013" b="1" dirty="0" err="1">
-                    <a:solidFill>
-                      <a:schemeClr val="tx1"/>
-                    </a:solidFill>
-                  </a:rPr>
-                  <a:t>pageNumber</a:t>
-                </a:r>
-                <a:endParaRPr lang="ja-JP" altLang="en-US" sz="788" b="1" dirty="0">
+            </a:ln>
+          </p:spPr>
+          <p:style>
+            <a:lnRef idx="2">
+              <a:schemeClr val="accent1">
+                <a:shade val="50000"/>
+              </a:schemeClr>
+            </a:lnRef>
+            <a:fillRef idx="1">
+              <a:schemeClr val="accent1"/>
+            </a:fillRef>
+            <a:effectRef idx="0">
+              <a:schemeClr val="accent1"/>
+            </a:effectRef>
+            <a:fontRef idx="minor">
+              <a:schemeClr val="lt1"/>
+            </a:fontRef>
+          </p:style>
+          <p:txBody>
+            <a:bodyPr rtlCol="0" anchor="ctr"/>
+            <a:lstStyle/>
+            <a:p>
+              <a:pPr algn="ctr"/>
+              <a:r>
+                <a:rPr lang="en-US" altLang="ja-JP" sz="1013" b="1" dirty="0">
                   <a:solidFill>
                     <a:schemeClr val="tx1"/>
                   </a:solidFill>
-                </a:endParaRPr>
-              </a:p>
-            </p:txBody>
-          </p:sp>
-        </p:grpSp>
+                </a:rPr>
+                <a:t>email</a:t>
+              </a:r>
+              <a:endParaRPr lang="ja-JP" altLang="en-US" sz="1013" b="1" dirty="0">
+                <a:solidFill>
+                  <a:schemeClr val="tx1"/>
+                </a:solidFill>
+              </a:endParaRPr>
+            </a:p>
+          </p:txBody>
+        </p:sp>
+        <p:sp>
+          <p:nvSpPr>
+            <p:cNvPr id="69" name="角丸四角形 133">
+              <a:extLst>
+                <a:ext uri="{FF2B5EF4-FFF2-40B4-BE49-F238E27FC236}">
+                  <a16:creationId xmlns:a16="http://schemas.microsoft.com/office/drawing/2014/main" id="{8E95675A-940F-4BE9-A8E5-C00EDF210B50}"/>
+                </a:ext>
+              </a:extLst>
+            </p:cNvPr>
+            <p:cNvSpPr/>
+            <p:nvPr/>
+          </p:nvSpPr>
+          <p:spPr>
+            <a:xfrm>
+              <a:off x="3772630" y="-166878"/>
+              <a:ext cx="1366912" cy="383843"/>
+            </a:xfrm>
+            <a:prstGeom prst="roundRect">
+              <a:avLst/>
+            </a:prstGeom>
+            <a:solidFill>
+              <a:srgbClr val="FFFF00"/>
+            </a:solidFill>
+            <a:ln w="28575">
+              <a:solidFill>
+                <a:schemeClr val="accent1"/>
+              </a:solidFill>
+            </a:ln>
+          </p:spPr>
+          <p:style>
+            <a:lnRef idx="2">
+              <a:schemeClr val="accent1">
+                <a:shade val="50000"/>
+              </a:schemeClr>
+            </a:lnRef>
+            <a:fillRef idx="1">
+              <a:schemeClr val="accent1"/>
+            </a:fillRef>
+            <a:effectRef idx="0">
+              <a:schemeClr val="accent1"/>
+            </a:effectRef>
+            <a:fontRef idx="minor">
+              <a:schemeClr val="lt1"/>
+            </a:fontRef>
+          </p:style>
+          <p:txBody>
+            <a:bodyPr rtlCol="0" anchor="ctr"/>
+            <a:lstStyle/>
+            <a:p>
+              <a:pPr algn="ctr"/>
+              <a:r>
+                <a:rPr lang="en-US" altLang="ja-JP" sz="1013" b="1" dirty="0" err="1">
+                  <a:solidFill>
+                    <a:schemeClr val="tx1"/>
+                  </a:solidFill>
+                </a:rPr>
+                <a:t>fullName</a:t>
+              </a:r>
+              <a:endParaRPr lang="ja-JP" altLang="en-US" sz="1013" b="1" dirty="0">
+                <a:solidFill>
+                  <a:schemeClr val="tx1"/>
+                </a:solidFill>
+              </a:endParaRPr>
+            </a:p>
+          </p:txBody>
+        </p:sp>
+        <p:pic>
+          <p:nvPicPr>
+            <p:cNvPr id="68" name="図 67">
+              <a:extLst>
+                <a:ext uri="{FF2B5EF4-FFF2-40B4-BE49-F238E27FC236}">
+                  <a16:creationId xmlns:a16="http://schemas.microsoft.com/office/drawing/2014/main" id="{2B00AF90-9C07-47DB-B0B3-812AA0D05ECD}"/>
+                </a:ext>
+              </a:extLst>
+            </p:cNvPr>
+            <p:cNvPicPr>
+              <a:picLocks noChangeAspect="1"/>
+            </p:cNvPicPr>
+            <p:nvPr/>
+          </p:nvPicPr>
+          <p:blipFill>
+            <a:blip r:embed="rId3" cstate="print">
+              <a:extLst>
+                <a:ext uri="{28A0092B-C50C-407E-A947-70E740481C1C}">
+                  <a14:useLocalDpi xmlns:a14="http://schemas.microsoft.com/office/drawing/2010/main" val="0"/>
+                </a:ext>
+              </a:extLst>
+            </a:blip>
+            <a:stretch>
+              <a:fillRect/>
+            </a:stretch>
+          </p:blipFill>
+          <p:spPr>
+            <a:xfrm>
+              <a:off x="5034267" y="-216515"/>
+              <a:ext cx="225255" cy="225253"/>
+            </a:xfrm>
+            <a:prstGeom prst="rect">
+              <a:avLst/>
+            </a:prstGeom>
+            <a:solidFill>
+              <a:srgbClr val="FFFF00"/>
+            </a:solidFill>
+            <a:ln w="19050">
+              <a:solidFill>
+                <a:srgbClr val="FF0000"/>
+              </a:solidFill>
+            </a:ln>
+          </p:spPr>
+        </p:pic>
+        <p:pic>
+          <p:nvPicPr>
+            <p:cNvPr id="80" name="図 79">
+              <a:extLst>
+                <a:ext uri="{FF2B5EF4-FFF2-40B4-BE49-F238E27FC236}">
+                  <a16:creationId xmlns:a16="http://schemas.microsoft.com/office/drawing/2014/main" id="{11DF7810-4C00-454C-8EF7-0591FAFDC06C}"/>
+                </a:ext>
+              </a:extLst>
+            </p:cNvPr>
+            <p:cNvPicPr>
+              <a:picLocks noChangeAspect="1"/>
+            </p:cNvPicPr>
+            <p:nvPr/>
+          </p:nvPicPr>
+          <p:blipFill>
+            <a:blip r:embed="rId3" cstate="print">
+              <a:extLst>
+                <a:ext uri="{28A0092B-C50C-407E-A947-70E740481C1C}">
+                  <a14:useLocalDpi xmlns:a14="http://schemas.microsoft.com/office/drawing/2010/main" val="0"/>
+                </a:ext>
+              </a:extLst>
+            </a:blip>
+            <a:stretch>
+              <a:fillRect/>
+            </a:stretch>
+          </p:blipFill>
+          <p:spPr>
+            <a:xfrm>
+              <a:off x="5034267" y="273966"/>
+              <a:ext cx="225255" cy="225253"/>
+            </a:xfrm>
+            <a:prstGeom prst="rect">
+              <a:avLst/>
+            </a:prstGeom>
+            <a:solidFill>
+              <a:srgbClr val="FFFF00"/>
+            </a:solidFill>
+            <a:ln w="19050">
+              <a:solidFill>
+                <a:srgbClr val="FF0000"/>
+              </a:solidFill>
+            </a:ln>
+          </p:spPr>
+        </p:pic>
+        <p:pic>
+          <p:nvPicPr>
+            <p:cNvPr id="81" name="図 80">
+              <a:extLst>
+                <a:ext uri="{FF2B5EF4-FFF2-40B4-BE49-F238E27FC236}">
+                  <a16:creationId xmlns:a16="http://schemas.microsoft.com/office/drawing/2014/main" id="{7CAEA95A-B2FA-4F66-803B-836A466AA5D7}"/>
+                </a:ext>
+              </a:extLst>
+            </p:cNvPr>
+            <p:cNvPicPr>
+              <a:picLocks noChangeAspect="1"/>
+            </p:cNvPicPr>
+            <p:nvPr/>
+          </p:nvPicPr>
+          <p:blipFill>
+            <a:blip r:embed="rId3" cstate="print">
+              <a:extLst>
+                <a:ext uri="{28A0092B-C50C-407E-A947-70E740481C1C}">
+                  <a14:useLocalDpi xmlns:a14="http://schemas.microsoft.com/office/drawing/2010/main" val="0"/>
+                </a:ext>
+              </a:extLst>
+            </a:blip>
+            <a:stretch>
+              <a:fillRect/>
+            </a:stretch>
+          </p:blipFill>
+          <p:spPr>
+            <a:xfrm>
+              <a:off x="5034267" y="737860"/>
+              <a:ext cx="225255" cy="225253"/>
+            </a:xfrm>
+            <a:prstGeom prst="rect">
+              <a:avLst/>
+            </a:prstGeom>
+            <a:solidFill>
+              <a:srgbClr val="FFFF00"/>
+            </a:solidFill>
+            <a:ln w="19050">
+              <a:solidFill>
+                <a:srgbClr val="FF0000"/>
+              </a:solidFill>
+            </a:ln>
+          </p:spPr>
+        </p:pic>
+        <p:pic>
+          <p:nvPicPr>
+            <p:cNvPr id="82" name="図 81">
+              <a:extLst>
+                <a:ext uri="{FF2B5EF4-FFF2-40B4-BE49-F238E27FC236}">
+                  <a16:creationId xmlns:a16="http://schemas.microsoft.com/office/drawing/2014/main" id="{5FA9BB3F-B647-4A10-B215-AFF5FFE57562}"/>
+                </a:ext>
+              </a:extLst>
+            </p:cNvPr>
+            <p:cNvPicPr>
+              <a:picLocks noChangeAspect="1"/>
+            </p:cNvPicPr>
+            <p:nvPr/>
+          </p:nvPicPr>
+          <p:blipFill>
+            <a:blip r:embed="rId3" cstate="print">
+              <a:extLst>
+                <a:ext uri="{28A0092B-C50C-407E-A947-70E740481C1C}">
+                  <a14:useLocalDpi xmlns:a14="http://schemas.microsoft.com/office/drawing/2010/main" val="0"/>
+                </a:ext>
+              </a:extLst>
+            </a:blip>
+            <a:stretch>
+              <a:fillRect/>
+            </a:stretch>
+          </p:blipFill>
+          <p:spPr>
+            <a:xfrm>
+              <a:off x="5034267" y="1630148"/>
+              <a:ext cx="225255" cy="225253"/>
+            </a:xfrm>
+            <a:prstGeom prst="rect">
+              <a:avLst/>
+            </a:prstGeom>
+            <a:solidFill>
+              <a:srgbClr val="FFFF00"/>
+            </a:solidFill>
+            <a:ln w="19050">
+              <a:solidFill>
+                <a:srgbClr val="FF0000"/>
+              </a:solidFill>
+            </a:ln>
+          </p:spPr>
+        </p:pic>
+        <p:pic>
+          <p:nvPicPr>
+            <p:cNvPr id="86" name="図 85">
+              <a:extLst>
+                <a:ext uri="{FF2B5EF4-FFF2-40B4-BE49-F238E27FC236}">
+                  <a16:creationId xmlns:a16="http://schemas.microsoft.com/office/drawing/2014/main" id="{98403AA2-8B71-47DF-8028-603365D749E5}"/>
+                </a:ext>
+              </a:extLst>
+            </p:cNvPr>
+            <p:cNvPicPr>
+              <a:picLocks noChangeAspect="1"/>
+            </p:cNvPicPr>
+            <p:nvPr/>
+          </p:nvPicPr>
+          <p:blipFill>
+            <a:blip r:embed="rId3" cstate="print">
+              <a:extLst>
+                <a:ext uri="{28A0092B-C50C-407E-A947-70E740481C1C}">
+                  <a14:useLocalDpi xmlns:a14="http://schemas.microsoft.com/office/drawing/2010/main" val="0"/>
+                </a:ext>
+              </a:extLst>
+            </a:blip>
+            <a:stretch>
+              <a:fillRect/>
+            </a:stretch>
+          </p:blipFill>
+          <p:spPr>
+            <a:xfrm>
+              <a:off x="5026914" y="3978018"/>
+              <a:ext cx="225255" cy="225253"/>
+            </a:xfrm>
+            <a:prstGeom prst="rect">
+              <a:avLst/>
+            </a:prstGeom>
+            <a:solidFill>
+              <a:srgbClr val="FFFF00"/>
+            </a:solidFill>
+            <a:ln w="19050">
+              <a:solidFill>
+                <a:srgbClr val="FF0000"/>
+              </a:solidFill>
+            </a:ln>
+          </p:spPr>
+        </p:pic>
       </p:grpSp>
+      <p:sp>
+        <p:nvSpPr>
+          <p:cNvPr id="70" name="右大かっこ 69">
+            <a:extLst>
+              <a:ext uri="{FF2B5EF4-FFF2-40B4-BE49-F238E27FC236}">
+                <a16:creationId xmlns:a16="http://schemas.microsoft.com/office/drawing/2014/main" id="{460CB19E-ACA4-44D7-A43D-37EA443D802A}"/>
+              </a:ext>
+            </a:extLst>
+          </p:cNvPr>
+          <p:cNvSpPr/>
+          <p:nvPr/>
+        </p:nvSpPr>
+        <p:spPr>
+          <a:xfrm>
+            <a:off x="3521054" y="2067901"/>
+            <a:ext cx="150374" cy="985795"/>
+          </a:xfrm>
+          <a:prstGeom prst="rightBracket">
+            <a:avLst/>
+          </a:prstGeom>
+          <a:noFill/>
+          <a:ln w="57150">
+            <a:solidFill>
+              <a:schemeClr val="tx1"/>
+            </a:solidFill>
+          </a:ln>
+        </p:spPr>
+        <p:style>
+          <a:lnRef idx="1">
+            <a:schemeClr val="accent1"/>
+          </a:lnRef>
+          <a:fillRef idx="0">
+            <a:schemeClr val="accent1"/>
+          </a:fillRef>
+          <a:effectRef idx="0">
+            <a:schemeClr val="accent1"/>
+          </a:effectRef>
+          <a:fontRef idx="minor">
+            <a:schemeClr val="tx1"/>
+          </a:fontRef>
+        </p:style>
+        <p:txBody>
+          <a:bodyPr rtlCol="0" anchor="ctr"/>
+          <a:lstStyle/>
+          <a:p>
+            <a:pPr algn="ctr"/>
+            <a:endParaRPr lang="ja-JP" altLang="en-US" sz="1013"/>
+          </a:p>
+        </p:txBody>
+      </p:sp>
       <p:cxnSp>
         <p:nvCxnSpPr>
-          <p:cNvPr id="165" name="直線矢印コネクタ 164"/>
+          <p:cNvPr id="71" name="直線矢印コネクタ 70">
+            <a:extLst>
+              <a:ext uri="{FF2B5EF4-FFF2-40B4-BE49-F238E27FC236}">
+                <a16:creationId xmlns:a16="http://schemas.microsoft.com/office/drawing/2014/main" id="{65B2533F-CB0A-485B-A531-810D0D1D960D}"/>
+              </a:ext>
+            </a:extLst>
+          </p:cNvPr>
           <p:cNvCxnSpPr>
-            <a:stCxn id="16" idx="2"/>
+            <a:cxnSpLocks/>
+            <a:stCxn id="70" idx="2"/>
+            <a:endCxn id="42" idx="1"/>
           </p:cNvCxnSpPr>
           <p:nvPr/>
         </p:nvCxnSpPr>
         <p:spPr>
-          <a:xfrm flipH="1">
-            <a:off x="4614833" y="6712428"/>
-            <a:ext cx="828460" cy="1207479"/>
+          <a:xfrm>
+            <a:off x="3671428" y="2560799"/>
+            <a:ext cx="1299690" cy="795905"/>
           </a:xfrm>
           <a:prstGeom prst="straightConnector1">
             <a:avLst/>
           </a:prstGeom>
           <a:ln w="57150">
             <a:solidFill>
-              <a:srgbClr val="FF0000"/>
+              <a:schemeClr val="tx1"/>
             </a:solidFill>
             <a:tailEnd type="triangle"/>
           </a:ln>
@@ -7352,24 +5139,582 @@
       </p:cxnSp>
       <p:sp>
         <p:nvSpPr>
-          <p:cNvPr id="184" name="フリーフォーム 183"/>
+          <p:cNvPr id="75" name="左中かっこ 74">
+            <a:extLst>
+              <a:ext uri="{FF2B5EF4-FFF2-40B4-BE49-F238E27FC236}">
+                <a16:creationId xmlns:a16="http://schemas.microsoft.com/office/drawing/2014/main" id="{A602DC4B-D02A-46A6-A796-78BDDB9FE886}"/>
+              </a:ext>
+            </a:extLst>
+          </p:cNvPr>
           <p:cNvSpPr/>
           <p:nvPr/>
         </p:nvSpPr>
         <p:spPr>
           <a:xfrm>
-            <a:off x="3904367" y="4684743"/>
-            <a:ext cx="587421" cy="3235164"/>
+            <a:off x="1808433" y="2104900"/>
+            <a:ext cx="317250" cy="3470663"/>
+          </a:xfrm>
+          <a:prstGeom prst="leftBrace">
+            <a:avLst/>
+          </a:prstGeom>
+          <a:noFill/>
+          <a:ln w="57150">
+            <a:solidFill>
+              <a:srgbClr val="0070C0"/>
+            </a:solidFill>
+          </a:ln>
+        </p:spPr>
+        <p:style>
+          <a:lnRef idx="1">
+            <a:schemeClr val="accent1"/>
+          </a:lnRef>
+          <a:fillRef idx="0">
+            <a:schemeClr val="accent1"/>
+          </a:fillRef>
+          <a:effectRef idx="0">
+            <a:schemeClr val="accent1"/>
+          </a:effectRef>
+          <a:fontRef idx="minor">
+            <a:schemeClr val="tx1"/>
+          </a:fontRef>
+        </p:style>
+        <p:txBody>
+          <a:bodyPr rtlCol="0" anchor="ctr"/>
+          <a:lstStyle/>
+          <a:p>
+            <a:pPr algn="ctr"/>
+            <a:endParaRPr lang="ja-JP" altLang="en-US" sz="1013"/>
+          </a:p>
+        </p:txBody>
+      </p:sp>
+      <p:pic>
+        <p:nvPicPr>
+          <p:cNvPr id="21" name="図 20"/>
+          <p:cNvPicPr>
+            <a:picLocks noChangeAspect="1"/>
+          </p:cNvPicPr>
+          <p:nvPr/>
+        </p:nvPicPr>
+        <p:blipFill>
+          <a:blip r:embed="rId4">
+            <a:extLst>
+              <a:ext uri="{28A0092B-C50C-407E-A947-70E740481C1C}">
+                <a14:useLocalDpi xmlns:a14="http://schemas.microsoft.com/office/drawing/2010/main" val="0"/>
+              </a:ext>
+            </a:extLst>
+          </a:blip>
+          <a:stretch>
+            <a:fillRect/>
+          </a:stretch>
+        </p:blipFill>
+        <p:spPr>
+          <a:xfrm>
+            <a:off x="513587" y="3314294"/>
+            <a:ext cx="1253034" cy="1012066"/>
+          </a:xfrm>
+          <a:prstGeom prst="rect">
+            <a:avLst/>
+          </a:prstGeom>
+        </p:spPr>
+      </p:pic>
+      <p:grpSp>
+        <p:nvGrpSpPr>
+          <p:cNvPr id="2" name="グループ化 1">
+            <a:extLst>
+              <a:ext uri="{FF2B5EF4-FFF2-40B4-BE49-F238E27FC236}">
+                <a16:creationId xmlns:a16="http://schemas.microsoft.com/office/drawing/2014/main" id="{E94C676C-400C-4E76-8FE5-B70B5BF9192F}"/>
+              </a:ext>
+            </a:extLst>
+          </p:cNvPr>
+          <p:cNvGrpSpPr/>
+          <p:nvPr/>
+        </p:nvGrpSpPr>
+        <p:grpSpPr>
+          <a:xfrm>
+            <a:off x="523969" y="5870350"/>
+            <a:ext cx="3505101" cy="1045283"/>
+            <a:chOff x="576554" y="6008571"/>
+            <a:chExt cx="3505101" cy="1045283"/>
+          </a:xfrm>
+        </p:grpSpPr>
+        <p:sp>
+          <p:nvSpPr>
+            <p:cNvPr id="87" name="角丸四角形 132">
+              <a:extLst>
+                <a:ext uri="{FF2B5EF4-FFF2-40B4-BE49-F238E27FC236}">
+                  <a16:creationId xmlns:a16="http://schemas.microsoft.com/office/drawing/2014/main" id="{7645CBF1-5215-4CC0-A9CE-16A2A949CC99}"/>
+                </a:ext>
+              </a:extLst>
+            </p:cNvPr>
+            <p:cNvSpPr/>
+            <p:nvPr/>
+          </p:nvSpPr>
+          <p:spPr>
+            <a:xfrm>
+              <a:off x="576554" y="6055418"/>
+              <a:ext cx="484457" cy="175191"/>
+            </a:xfrm>
+            <a:prstGeom prst="roundRect">
+              <a:avLst/>
+            </a:prstGeom>
+            <a:solidFill>
+              <a:schemeClr val="bg1"/>
+            </a:solidFill>
+            <a:ln w="28575">
+              <a:solidFill>
+                <a:schemeClr val="accent1"/>
+              </a:solidFill>
+            </a:ln>
+          </p:spPr>
+          <p:style>
+            <a:lnRef idx="2">
+              <a:schemeClr val="accent1">
+                <a:shade val="50000"/>
+              </a:schemeClr>
+            </a:lnRef>
+            <a:fillRef idx="1">
+              <a:schemeClr val="accent1"/>
+            </a:fillRef>
+            <a:effectRef idx="0">
+              <a:schemeClr val="accent1"/>
+            </a:effectRef>
+            <a:fontRef idx="minor">
+              <a:schemeClr val="lt1"/>
+            </a:fontRef>
+          </p:style>
+          <p:txBody>
+            <a:bodyPr rtlCol="0" anchor="ctr"/>
+            <a:lstStyle/>
+            <a:p>
+              <a:pPr algn="ctr"/>
+              <a:endParaRPr lang="ja-JP" altLang="en-US" sz="1013" b="1" dirty="0">
+                <a:solidFill>
+                  <a:schemeClr val="tx1"/>
+                </a:solidFill>
+              </a:endParaRPr>
+            </a:p>
+          </p:txBody>
+        </p:sp>
+        <p:sp>
+          <p:nvSpPr>
+            <p:cNvPr id="88" name="角丸四角形 132">
+              <a:extLst>
+                <a:ext uri="{FF2B5EF4-FFF2-40B4-BE49-F238E27FC236}">
+                  <a16:creationId xmlns:a16="http://schemas.microsoft.com/office/drawing/2014/main" id="{6FB71F69-2EF3-4125-B49D-AE6466B2FF57}"/>
+                </a:ext>
+              </a:extLst>
+            </p:cNvPr>
+            <p:cNvSpPr/>
+            <p:nvPr/>
+          </p:nvSpPr>
+          <p:spPr>
+            <a:xfrm>
+              <a:off x="576555" y="6308581"/>
+              <a:ext cx="484457" cy="175191"/>
+            </a:xfrm>
+            <a:prstGeom prst="roundRect">
+              <a:avLst/>
+            </a:prstGeom>
+            <a:solidFill>
+              <a:srgbClr val="FFFF00"/>
+            </a:solidFill>
+            <a:ln w="28575">
+              <a:solidFill>
+                <a:schemeClr val="accent1"/>
+              </a:solidFill>
+            </a:ln>
+          </p:spPr>
+          <p:style>
+            <a:lnRef idx="2">
+              <a:schemeClr val="accent1">
+                <a:shade val="50000"/>
+              </a:schemeClr>
+            </a:lnRef>
+            <a:fillRef idx="1">
+              <a:schemeClr val="accent1"/>
+            </a:fillRef>
+            <a:effectRef idx="0">
+              <a:schemeClr val="accent1"/>
+            </a:effectRef>
+            <a:fontRef idx="minor">
+              <a:schemeClr val="lt1"/>
+            </a:fontRef>
+          </p:style>
+          <p:txBody>
+            <a:bodyPr rtlCol="0" anchor="ctr"/>
+            <a:lstStyle/>
+            <a:p>
+              <a:pPr algn="ctr"/>
+              <a:endParaRPr lang="ja-JP" altLang="en-US" sz="1013" b="1" dirty="0">
+                <a:solidFill>
+                  <a:schemeClr val="tx1"/>
+                </a:solidFill>
+              </a:endParaRPr>
+            </a:p>
+          </p:txBody>
+        </p:sp>
+        <p:sp>
+          <p:nvSpPr>
+            <p:cNvPr id="50" name="テキスト ボックス 49">
+              <a:extLst>
+                <a:ext uri="{FF2B5EF4-FFF2-40B4-BE49-F238E27FC236}">
+                  <a16:creationId xmlns:a16="http://schemas.microsoft.com/office/drawing/2014/main" id="{132F14C0-9F63-4FF0-94BB-27C3C91684E0}"/>
+                </a:ext>
+              </a:extLst>
+            </p:cNvPr>
+            <p:cNvSpPr txBox="1"/>
+            <p:nvPr/>
+          </p:nvSpPr>
+          <p:spPr>
+            <a:xfrm>
+              <a:off x="1059585" y="6008571"/>
+              <a:ext cx="900899" cy="276999"/>
+            </a:xfrm>
+            <a:prstGeom prst="rect">
+              <a:avLst/>
+            </a:prstGeom>
+            <a:noFill/>
+          </p:spPr>
+          <p:txBody>
+            <a:bodyPr wrap="square" rtlCol="0">
+              <a:spAutoFit/>
+            </a:bodyPr>
+            <a:lstStyle/>
+            <a:p>
+              <a:r>
+                <a:rPr lang="en-US" altLang="ja-JP" sz="1200" dirty="0">
+                  <a:latin typeface="+mn-ea"/>
+                </a:rPr>
+                <a:t>… </a:t>
+              </a:r>
+              <a:r>
+                <a:rPr lang="ja-JP" altLang="en-US" sz="1200" dirty="0">
+                  <a:latin typeface="+mn-ea"/>
+                </a:rPr>
+                <a:t>変数</a:t>
+              </a:r>
+              <a:endParaRPr kumimoji="1" lang="ja-JP" altLang="en-US" sz="1200" dirty="0">
+                <a:latin typeface="+mn-ea"/>
+              </a:endParaRPr>
+            </a:p>
+          </p:txBody>
+        </p:sp>
+        <p:sp>
+          <p:nvSpPr>
+            <p:cNvPr id="90" name="テキスト ボックス 89">
+              <a:extLst>
+                <a:ext uri="{FF2B5EF4-FFF2-40B4-BE49-F238E27FC236}">
+                  <a16:creationId xmlns:a16="http://schemas.microsoft.com/office/drawing/2014/main" id="{1988A298-86E9-42AF-BE11-8C696CC6DF84}"/>
+                </a:ext>
+              </a:extLst>
+            </p:cNvPr>
+            <p:cNvSpPr txBox="1"/>
+            <p:nvPr/>
+          </p:nvSpPr>
+          <p:spPr>
+            <a:xfrm>
+              <a:off x="1059584" y="6255130"/>
+              <a:ext cx="3022071" cy="276999"/>
+            </a:xfrm>
+            <a:prstGeom prst="rect">
+              <a:avLst/>
+            </a:prstGeom>
+            <a:noFill/>
+          </p:spPr>
+          <p:txBody>
+            <a:bodyPr wrap="square" rtlCol="0">
+              <a:spAutoFit/>
+            </a:bodyPr>
+            <a:lstStyle/>
+            <a:p>
+              <a:r>
+                <a:rPr lang="en-US" altLang="ja-JP" sz="1200" dirty="0">
+                  <a:latin typeface="+mn-ea"/>
+                </a:rPr>
+                <a:t>… </a:t>
+              </a:r>
+              <a:r>
+                <a:rPr lang="ja-JP" altLang="en-US" sz="1200" dirty="0">
+                  <a:latin typeface="+mn-ea"/>
+                </a:rPr>
+                <a:t>テキストボックスの値を格納する変数</a:t>
+              </a:r>
+              <a:endParaRPr kumimoji="1" lang="ja-JP" altLang="en-US" sz="1200" dirty="0">
+                <a:latin typeface="+mn-ea"/>
+              </a:endParaRPr>
+            </a:p>
+          </p:txBody>
+        </p:sp>
+        <p:sp>
+          <p:nvSpPr>
+            <p:cNvPr id="91" name="正方形/長方形 90">
+              <a:extLst>
+                <a:ext uri="{FF2B5EF4-FFF2-40B4-BE49-F238E27FC236}">
+                  <a16:creationId xmlns:a16="http://schemas.microsoft.com/office/drawing/2014/main" id="{CE1C7160-EF79-4303-B5EF-1FB64C3AEB48}"/>
+                </a:ext>
+              </a:extLst>
+            </p:cNvPr>
+            <p:cNvSpPr/>
+            <p:nvPr/>
+          </p:nvSpPr>
+          <p:spPr>
+            <a:xfrm>
+              <a:off x="576555" y="6571410"/>
+              <a:ext cx="484457" cy="159423"/>
+            </a:xfrm>
+            <a:prstGeom prst="rect">
+              <a:avLst/>
+            </a:prstGeom>
+            <a:solidFill>
+              <a:srgbClr val="00B050"/>
+            </a:solidFill>
+            <a:ln>
+              <a:noFill/>
+            </a:ln>
+          </p:spPr>
+          <p:style>
+            <a:lnRef idx="2">
+              <a:schemeClr val="accent1">
+                <a:shade val="50000"/>
+              </a:schemeClr>
+            </a:lnRef>
+            <a:fillRef idx="1">
+              <a:schemeClr val="accent1"/>
+            </a:fillRef>
+            <a:effectRef idx="0">
+              <a:schemeClr val="accent1"/>
+            </a:effectRef>
+            <a:fontRef idx="minor">
+              <a:schemeClr val="lt1"/>
+            </a:fontRef>
+          </p:style>
+          <p:txBody>
+            <a:bodyPr rtlCol="0" anchor="ctr"/>
+            <a:lstStyle/>
+            <a:p>
+              <a:pPr algn="ctr"/>
+              <a:endParaRPr lang="ja-JP" altLang="en-US" sz="1013" b="1" dirty="0"/>
+            </a:p>
+          </p:txBody>
+        </p:sp>
+        <p:sp>
+          <p:nvSpPr>
+            <p:cNvPr id="92" name="テキスト ボックス 91">
+              <a:extLst>
+                <a:ext uri="{FF2B5EF4-FFF2-40B4-BE49-F238E27FC236}">
+                  <a16:creationId xmlns:a16="http://schemas.microsoft.com/office/drawing/2014/main" id="{FF9B05E2-E8A3-4707-A94C-7332F0D74529}"/>
+                </a:ext>
+              </a:extLst>
+            </p:cNvPr>
+            <p:cNvSpPr txBox="1"/>
+            <p:nvPr/>
+          </p:nvSpPr>
+          <p:spPr>
+            <a:xfrm>
+              <a:off x="1059585" y="6511808"/>
+              <a:ext cx="2908550" cy="276999"/>
+            </a:xfrm>
+            <a:prstGeom prst="rect">
+              <a:avLst/>
+            </a:prstGeom>
+            <a:noFill/>
+          </p:spPr>
+          <p:txBody>
+            <a:bodyPr wrap="square" rtlCol="0">
+              <a:spAutoFit/>
+            </a:bodyPr>
+            <a:lstStyle/>
+            <a:p>
+              <a:r>
+                <a:rPr lang="en-US" altLang="ja-JP" sz="1200" dirty="0">
+                  <a:latin typeface="+mn-ea"/>
+                </a:rPr>
+                <a:t>… </a:t>
+              </a:r>
+              <a:r>
+                <a:rPr lang="ja-JP" altLang="en-US" sz="1200" dirty="0">
+                  <a:latin typeface="+mn-ea"/>
+                </a:rPr>
+                <a:t>データに対する操作</a:t>
+              </a:r>
+              <a:endParaRPr kumimoji="1" lang="ja-JP" altLang="en-US" sz="1200" dirty="0">
+                <a:latin typeface="+mn-ea"/>
+              </a:endParaRPr>
+            </a:p>
+          </p:txBody>
+        </p:sp>
+        <p:cxnSp>
+          <p:nvCxnSpPr>
+            <p:cNvPr id="93" name="直線矢印コネクタ 92">
+              <a:extLst>
+                <a:ext uri="{FF2B5EF4-FFF2-40B4-BE49-F238E27FC236}">
+                  <a16:creationId xmlns:a16="http://schemas.microsoft.com/office/drawing/2014/main" id="{AC06B223-FCC1-47DA-85E3-061131B32C12}"/>
+                </a:ext>
+              </a:extLst>
+            </p:cNvPr>
+            <p:cNvCxnSpPr>
+              <a:cxnSpLocks/>
+            </p:cNvCxnSpPr>
+            <p:nvPr/>
+          </p:nvCxnSpPr>
+          <p:spPr>
+            <a:xfrm>
+              <a:off x="576555" y="6910596"/>
+              <a:ext cx="521466" cy="0"/>
+            </a:xfrm>
+            <a:prstGeom prst="straightConnector1">
+              <a:avLst/>
+            </a:prstGeom>
+            <a:ln w="57150">
+              <a:solidFill>
+                <a:schemeClr val="tx1"/>
+              </a:solidFill>
+              <a:tailEnd type="triangle"/>
+            </a:ln>
+          </p:spPr>
+          <p:style>
+            <a:lnRef idx="1">
+              <a:schemeClr val="accent1"/>
+            </a:lnRef>
+            <a:fillRef idx="0">
+              <a:schemeClr val="accent1"/>
+            </a:fillRef>
+            <a:effectRef idx="0">
+              <a:schemeClr val="accent1"/>
+            </a:effectRef>
+            <a:fontRef idx="minor">
+              <a:schemeClr val="tx1"/>
+            </a:fontRef>
+          </p:style>
+        </p:cxnSp>
+        <p:sp>
+          <p:nvSpPr>
+            <p:cNvPr id="96" name="テキスト ボックス 95">
+              <a:extLst>
+                <a:ext uri="{FF2B5EF4-FFF2-40B4-BE49-F238E27FC236}">
+                  <a16:creationId xmlns:a16="http://schemas.microsoft.com/office/drawing/2014/main" id="{5F2752AC-6172-4561-A4B9-8D814450E08A}"/>
+                </a:ext>
+              </a:extLst>
+            </p:cNvPr>
+            <p:cNvSpPr txBox="1"/>
+            <p:nvPr/>
+          </p:nvSpPr>
+          <p:spPr>
+            <a:xfrm>
+              <a:off x="1060704" y="6776855"/>
+              <a:ext cx="1415771" cy="276999"/>
+            </a:xfrm>
+            <a:prstGeom prst="rect">
+              <a:avLst/>
+            </a:prstGeom>
+            <a:noFill/>
+          </p:spPr>
+          <p:txBody>
+            <a:bodyPr wrap="square" rtlCol="0">
+              <a:spAutoFit/>
+            </a:bodyPr>
+            <a:lstStyle/>
+            <a:p>
+              <a:r>
+                <a:rPr lang="en-US" altLang="ja-JP" sz="1200" dirty="0">
+                  <a:latin typeface="+mn-ea"/>
+                </a:rPr>
+                <a:t>… </a:t>
+              </a:r>
+              <a:r>
+                <a:rPr lang="ja-JP" altLang="en-US" sz="1200" dirty="0">
+                  <a:latin typeface="+mn-ea"/>
+                </a:rPr>
+                <a:t>データの流れ</a:t>
+              </a:r>
+            </a:p>
+          </p:txBody>
+        </p:sp>
+      </p:grpSp>
+      <p:sp>
+        <p:nvSpPr>
+          <p:cNvPr id="97" name="テキスト ボックス 96">
+            <a:extLst>
+              <a:ext uri="{FF2B5EF4-FFF2-40B4-BE49-F238E27FC236}">
+                <a16:creationId xmlns:a16="http://schemas.microsoft.com/office/drawing/2014/main" id="{DFB70964-8223-4851-8C51-6632F6CBA4D6}"/>
+              </a:ext>
+            </a:extLst>
+          </p:cNvPr>
+          <p:cNvSpPr txBox="1"/>
+          <p:nvPr/>
+        </p:nvSpPr>
+        <p:spPr>
+          <a:xfrm>
+            <a:off x="381069" y="4299442"/>
+            <a:ext cx="1415772" cy="461665"/>
+          </a:xfrm>
+          <a:prstGeom prst="rect">
+            <a:avLst/>
+          </a:prstGeom>
+          <a:noFill/>
+        </p:spPr>
+        <p:txBody>
+          <a:bodyPr wrap="none" rtlCol="0">
+            <a:spAutoFit/>
+          </a:bodyPr>
+          <a:lstStyle/>
+          <a:p>
+            <a:pPr algn="ctr"/>
+            <a:r>
+              <a:rPr lang="ja-JP" altLang="en-US" sz="1200" dirty="0">
+                <a:latin typeface="+mn-ea"/>
+              </a:rPr>
+              <a:t>テキストボックス</a:t>
+            </a:r>
+            <a:br>
+              <a:rPr lang="en-US" altLang="ja-JP" sz="1200" dirty="0">
+                <a:latin typeface="+mn-ea"/>
+              </a:rPr>
+            </a:br>
+            <a:r>
+              <a:rPr lang="ja-JP" altLang="en-US" sz="1200" dirty="0" err="1">
+                <a:latin typeface="+mn-ea"/>
+              </a:rPr>
+              <a:t>への</a:t>
+            </a:r>
+            <a:r>
+              <a:rPr lang="ja-JP" altLang="en-US" sz="1200" dirty="0">
+                <a:latin typeface="+mn-ea"/>
+              </a:rPr>
+              <a:t>入力</a:t>
+            </a:r>
+            <a:endParaRPr kumimoji="1" lang="ja-JP" altLang="en-US" sz="1200" dirty="0">
+              <a:latin typeface="+mn-ea"/>
+            </a:endParaRPr>
+          </a:p>
+        </p:txBody>
+      </p:sp>
+      <p:sp>
+        <p:nvSpPr>
+          <p:cNvPr id="76" name="フリーフォーム: 図形 75">
+            <a:extLst>
+              <a:ext uri="{FF2B5EF4-FFF2-40B4-BE49-F238E27FC236}">
+                <a16:creationId xmlns:a16="http://schemas.microsoft.com/office/drawing/2014/main" id="{D9E59BD6-9D73-4AD3-A1AA-BCBE757BA7EC}"/>
+              </a:ext>
+            </a:extLst>
+          </p:cNvPr>
+          <p:cNvSpPr/>
+          <p:nvPr/>
+        </p:nvSpPr>
+        <p:spPr>
+          <a:xfrm>
+            <a:off x="2982366" y="4090643"/>
+            <a:ext cx="1971538" cy="599635"/>
           </a:xfrm>
           <a:custGeom>
             <a:avLst/>
             <a:gdLst>
-              <a:gd name="connsiteX0" fmla="*/ 0 w 569408"/>
-              <a:gd name="connsiteY0" fmla="*/ 0 h 1249680"/>
-              <a:gd name="connsiteX1" fmla="*/ 477520 w 569408"/>
-              <a:gd name="connsiteY1" fmla="*/ 355600 h 1249680"/>
-              <a:gd name="connsiteX2" fmla="*/ 568960 w 569408"/>
-              <a:gd name="connsiteY2" fmla="*/ 1249680 h 1249680"/>
+              <a:gd name="connsiteX0" fmla="*/ 1905000 w 1905000"/>
+              <a:gd name="connsiteY0" fmla="*/ 0 h 1157288"/>
+              <a:gd name="connsiteX1" fmla="*/ 509588 w 1905000"/>
+              <a:gd name="connsiteY1" fmla="*/ 261938 h 1157288"/>
+              <a:gd name="connsiteX2" fmla="*/ 0 w 1905000"/>
+              <a:gd name="connsiteY2" fmla="*/ 1157288 h 1157288"/>
             </a:gdLst>
             <a:ahLst/>
             <a:cxnLst>
@@ -7385,19 +5730,19 @@
             </a:cxnLst>
             <a:rect l="l" t="t" r="r" b="b"/>
             <a:pathLst>
-              <a:path w="569408" h="1249680">
+              <a:path w="1905000" h="1157288">
                 <a:moveTo>
-                  <a:pt x="0" y="0"/>
+                  <a:pt x="1905000" y="0"/>
                 </a:moveTo>
                 <a:cubicBezTo>
-                  <a:pt x="191346" y="73660"/>
-                  <a:pt x="382693" y="147320"/>
-                  <a:pt x="477520" y="355600"/>
+                  <a:pt x="1366044" y="34528"/>
+                  <a:pt x="827088" y="69057"/>
+                  <a:pt x="509588" y="261938"/>
                 </a:cubicBezTo>
                 <a:cubicBezTo>
-                  <a:pt x="572347" y="563880"/>
-                  <a:pt x="570653" y="906780"/>
-                  <a:pt x="568960" y="1249680"/>
+                  <a:pt x="192088" y="454819"/>
+                  <a:pt x="96044" y="806053"/>
+                  <a:pt x="0" y="1157288"/>
                 </a:cubicBezTo>
               </a:path>
             </a:pathLst>
@@ -7405,7 +5750,7 @@
           <a:noFill/>
           <a:ln w="57150">
             <a:solidFill>
-              <a:srgbClr val="FF0000"/>
+              <a:schemeClr val="tx1"/>
             </a:solidFill>
             <a:headEnd type="none" w="med" len="med"/>
             <a:tailEnd type="triangle" w="med" len="med"/>
@@ -7438,14 +5783,14 @@
       </p:sp>
       <p:sp>
         <p:nvSpPr>
-          <p:cNvPr id="105" name="正方形/長方形 104"/>
+          <p:cNvPr id="65" name="正方形/長方形 64"/>
           <p:cNvSpPr/>
           <p:nvPr/>
         </p:nvSpPr>
         <p:spPr>
           <a:xfrm>
-            <a:off x="3945532" y="7284658"/>
-            <a:ext cx="1183204" cy="301533"/>
+            <a:off x="2329657" y="4690279"/>
+            <a:ext cx="1025184" cy="261972"/>
           </a:xfrm>
           <a:prstGeom prst="rect">
             <a:avLst/>
@@ -7479,38 +5824,76 @@
           <a:p>
             <a:pPr algn="ctr"/>
             <a:r>
-              <a:rPr lang="en-US" altLang="ja-JP" sz="1013" b="1" dirty="0" err="1"/>
-              <a:t>renderAll</a:t>
-            </a:r>
-            <a:r>
               <a:rPr lang="en-US" altLang="ja-JP" sz="1013" b="1" dirty="0"/>
-              <a:t>()</a:t>
-            </a:r>
-            <a:endParaRPr lang="ja-JP" altLang="en-US" sz="1013" b="1" dirty="0"/>
-          </a:p>
-        </p:txBody>
-      </p:sp>
+              <a:t>1</a:t>
+            </a:r>
+            <a:r>
+              <a:rPr lang="ja-JP" altLang="en-US" sz="1013" b="1" dirty="0"/>
+              <a:t>にリセット</a:t>
+            </a:r>
+          </a:p>
+        </p:txBody>
+      </p:sp>
+      <p:cxnSp>
+        <p:nvCxnSpPr>
+          <p:cNvPr id="104" name="直線矢印コネクタ 103">
+            <a:extLst>
+              <a:ext uri="{FF2B5EF4-FFF2-40B4-BE49-F238E27FC236}">
+                <a16:creationId xmlns:a16="http://schemas.microsoft.com/office/drawing/2014/main" id="{4C6B4361-004D-4038-9C5E-875397F65EEB}"/>
+              </a:ext>
+            </a:extLst>
+          </p:cNvPr>
+          <p:cNvCxnSpPr>
+            <a:cxnSpLocks/>
+            <a:stCxn id="134" idx="2"/>
+            <a:endCxn id="65" idx="0"/>
+          </p:cNvCxnSpPr>
+          <p:nvPr/>
+        </p:nvCxnSpPr>
+        <p:spPr>
+          <a:xfrm flipH="1">
+            <a:off x="2842249" y="3775535"/>
+            <a:ext cx="1179" cy="914744"/>
+          </a:xfrm>
+          <a:prstGeom prst="straightConnector1">
+            <a:avLst/>
+          </a:prstGeom>
+          <a:ln w="57150">
+            <a:solidFill>
+              <a:schemeClr val="tx1"/>
+            </a:solidFill>
+            <a:tailEnd type="triangle"/>
+          </a:ln>
+        </p:spPr>
+        <p:style>
+          <a:lnRef idx="1">
+            <a:schemeClr val="accent1"/>
+          </a:lnRef>
+          <a:fillRef idx="0">
+            <a:schemeClr val="accent1"/>
+          </a:fillRef>
+          <a:effectRef idx="0">
+            <a:schemeClr val="accent1"/>
+          </a:effectRef>
+          <a:fontRef idx="minor">
+            <a:schemeClr val="tx1"/>
+          </a:fontRef>
+        </p:style>
+      </p:cxnSp>
     </p:spTree>
     <p:extLst>
       <p:ext uri="{BB962C8B-B14F-4D97-AF65-F5344CB8AC3E}">
-        <p14:creationId xmlns:p14="http://schemas.microsoft.com/office/powerpoint/2010/main" val="2690886521"/>
+        <p14:creationId xmlns:p14="http://schemas.microsoft.com/office/powerpoint/2010/main" val="2950335572"/>
       </p:ext>
     </p:extLst>
   </p:cSld>
   <p:clrMapOvr>
     <a:masterClrMapping/>
   </p:clrMapOvr>
-  <p:timing>
-    <p:tnLst>
-      <p:par>
-        <p:cTn id="1" dur="indefinite" restart="never" nodeType="tmRoot"/>
-      </p:par>
-    </p:tnLst>
-  </p:timing>
 </p:sld>
 </file>
 
-<file path=ppt/slides/slide3.xml><?xml version="1.0" encoding="utf-8"?>
+<file path=ppt/slides/slide2.xml><?xml version="1.0" encoding="utf-8"?>
 <p:sld xmlns:a="http://schemas.openxmlformats.org/drawingml/2006/main" xmlns:r="http://schemas.openxmlformats.org/officeDocument/2006/relationships" xmlns:p="http://schemas.openxmlformats.org/presentationml/2006/main">
   <p:cSld>
     <p:spTree>
@@ -8021,7 +6404,7 @@
 </p:sld>
 </file>
 
-<file path=ppt/slides/slide4.xml><?xml version="1.0" encoding="utf-8"?>
+<file path=ppt/slides/slide3.xml><?xml version="1.0" encoding="utf-8"?>
 <p:sld xmlns:a="http://schemas.openxmlformats.org/drawingml/2006/main" xmlns:r="http://schemas.openxmlformats.org/officeDocument/2006/relationships" xmlns:p="http://schemas.openxmlformats.org/presentationml/2006/main">
   <p:cSld>
     <p:spTree>

--- a/20180625_能城_RxJSの紹介_図.pptx
+++ b/20180625_能城_RxJSの紹介_図.pptx
@@ -2,17 +2,19 @@
 <file path=ppt/presentation.xml><?xml version="1.0" encoding="utf-8"?>
 <p:presentation xmlns:a="http://schemas.openxmlformats.org/drawingml/2006/main" xmlns:r="http://schemas.openxmlformats.org/officeDocument/2006/relationships" xmlns:p="http://schemas.openxmlformats.org/presentationml/2006/main" showSpecialPlsOnTitleSld="0" saveSubsetFonts="1">
   <p:sldMasterIdLst>
-    <p:sldMasterId id="2147483672" r:id="rId1"/>
+    <p:sldMasterId id="2147483684" r:id="rId1"/>
   </p:sldMasterIdLst>
   <p:notesMasterIdLst>
-    <p:notesMasterId r:id="rId5"/>
+    <p:notesMasterId r:id="rId7"/>
   </p:notesMasterIdLst>
   <p:sldIdLst>
     <p:sldId id="332" r:id="rId2"/>
-    <p:sldId id="329" r:id="rId3"/>
-    <p:sldId id="330" r:id="rId4"/>
+    <p:sldId id="334" r:id="rId3"/>
+    <p:sldId id="333" r:id="rId4"/>
+    <p:sldId id="329" r:id="rId5"/>
+    <p:sldId id="330" r:id="rId6"/>
   </p:sldIdLst>
-  <p:sldSz cx="6858000" cy="9144000" type="screen4x3"/>
+  <p:sldSz cx="12192000" cy="9144000"/>
   <p:notesSz cx="6858000" cy="9144000"/>
   <p:defaultTextStyle>
     <a:defPPr>
@@ -115,6 +117,8 @@
         <p14:section name="タイトルなしのセクション" id="{8BE4B851-0D0F-4967-859C-88449F413D1F}">
           <p14:sldIdLst>
             <p14:sldId id="332"/>
+            <p14:sldId id="334"/>
+            <p14:sldId id="333"/>
             <p14:sldId id="329"/>
             <p14:sldId id="330"/>
           </p14:sldIdLst>
@@ -128,7 +132,7 @@
             <a:srgbClr val="A4A3A4"/>
           </p15:clr>
         </p15:guide>
-        <p15:guide id="2" pos="2183" userDrawn="1">
+        <p15:guide id="2" pos="3881" userDrawn="1">
           <p15:clr>
             <a:srgbClr val="A4A3A4"/>
           </p15:clr>
@@ -221,7 +225,7 @@
           <a:p>
             <a:fld id="{CC07AB57-9A0D-412D-941C-8656BDC2DED7}" type="datetimeFigureOut">
               <a:rPr kumimoji="1" lang="ja-JP" altLang="en-US" smtClean="0"/>
-              <a:t>2018/8/5</a:t>
+              <a:t>2018/8/21</a:t>
             </a:fld>
             <a:endParaRPr kumimoji="1" lang="ja-JP" altLang="en-US"/>
           </a:p>
@@ -239,8 +243,8 @@
         </p:nvSpPr>
         <p:spPr>
           <a:xfrm>
-            <a:off x="2271713" y="1143000"/>
-            <a:ext cx="2314575" cy="3086100"/>
+            <a:off x="1371600" y="1143000"/>
+            <a:ext cx="4114800" cy="3086100"/>
           </a:xfrm>
           <a:prstGeom prst="rect">
             <a:avLst/>
@@ -549,20 +553,20 @@
         </p:nvSpPr>
         <p:spPr>
           <a:xfrm>
-            <a:off x="514350" y="1496484"/>
-            <a:ext cx="5829300" cy="3183467"/>
+            <a:off x="914400" y="1496484"/>
+            <a:ext cx="10363200" cy="3183467"/>
           </a:xfrm>
         </p:spPr>
         <p:txBody>
           <a:bodyPr anchor="b"/>
           <a:lstStyle>
             <a:lvl1pPr algn="ctr">
-              <a:defRPr sz="4500"/>
+              <a:defRPr sz="8000"/>
             </a:lvl1pPr>
           </a:lstStyle>
           <a:p>
             <a:r>
-              <a:rPr lang="ja-JP" altLang="en-US"/>
+              <a:rPr lang="ja-JP" altLang="en-US" smtClean="0"/>
               <a:t>マスター タイトルの書式設定</a:t>
             </a:r>
             <a:endParaRPr lang="en-US" dirty="0"/>
@@ -581,8 +585,8 @@
         </p:nvSpPr>
         <p:spPr>
           <a:xfrm>
-            <a:off x="857250" y="4802717"/>
-            <a:ext cx="5143500" cy="2207683"/>
+            <a:off x="1524000" y="4802717"/>
+            <a:ext cx="9144000" cy="2207683"/>
           </a:xfrm>
         </p:spPr>
         <p:txBody>
@@ -590,44 +594,44 @@
           <a:lstStyle>
             <a:lvl1pPr marL="0" indent="0" algn="ctr">
               <a:buNone/>
-              <a:defRPr sz="1800"/>
+              <a:defRPr sz="3200"/>
             </a:lvl1pPr>
-            <a:lvl2pPr marL="342900" indent="0" algn="ctr">
+            <a:lvl2pPr marL="609585" indent="0" algn="ctr">
               <a:buNone/>
-              <a:defRPr sz="1500"/>
+              <a:defRPr sz="2667"/>
             </a:lvl2pPr>
-            <a:lvl3pPr marL="685800" indent="0" algn="ctr">
+            <a:lvl3pPr marL="1219170" indent="0" algn="ctr">
               <a:buNone/>
-              <a:defRPr sz="1350"/>
+              <a:defRPr sz="2400"/>
             </a:lvl3pPr>
-            <a:lvl4pPr marL="1028700" indent="0" algn="ctr">
+            <a:lvl4pPr marL="1828754" indent="0" algn="ctr">
               <a:buNone/>
-              <a:defRPr sz="1200"/>
+              <a:defRPr sz="2133"/>
             </a:lvl4pPr>
-            <a:lvl5pPr marL="1371600" indent="0" algn="ctr">
+            <a:lvl5pPr marL="2438339" indent="0" algn="ctr">
               <a:buNone/>
-              <a:defRPr sz="1200"/>
+              <a:defRPr sz="2133"/>
             </a:lvl5pPr>
-            <a:lvl6pPr marL="1714500" indent="0" algn="ctr">
+            <a:lvl6pPr marL="3047924" indent="0" algn="ctr">
               <a:buNone/>
-              <a:defRPr sz="1200"/>
+              <a:defRPr sz="2133"/>
             </a:lvl6pPr>
-            <a:lvl7pPr marL="2057400" indent="0" algn="ctr">
+            <a:lvl7pPr marL="3657509" indent="0" algn="ctr">
               <a:buNone/>
-              <a:defRPr sz="1200"/>
+              <a:defRPr sz="2133"/>
             </a:lvl7pPr>
-            <a:lvl8pPr marL="2400300" indent="0" algn="ctr">
+            <a:lvl8pPr marL="4267093" indent="0" algn="ctr">
               <a:buNone/>
-              <a:defRPr sz="1200"/>
+              <a:defRPr sz="2133"/>
             </a:lvl8pPr>
-            <a:lvl9pPr marL="2743200" indent="0" algn="ctr">
+            <a:lvl9pPr marL="4876678" indent="0" algn="ctr">
               <a:buNone/>
-              <a:defRPr sz="1200"/>
+              <a:defRPr sz="2133"/>
             </a:lvl9pPr>
           </a:lstStyle>
           <a:p>
             <a:r>
-              <a:rPr lang="ja-JP" altLang="en-US"/>
+              <a:rPr lang="ja-JP" altLang="en-US" smtClean="0"/>
               <a:t>マスター サブタイトルの書式設定</a:t>
             </a:r>
             <a:endParaRPr lang="en-US" dirty="0"/>
@@ -651,7 +655,7 @@
           <a:p>
             <a:fld id="{F63B26B2-8CF3-459B-8045-B49271507939}" type="datetime1">
               <a:rPr kumimoji="1" lang="ja-JP" altLang="en-US" smtClean="0"/>
-              <a:t>2018/8/5</a:t>
+              <a:t>2018/8/21</a:t>
             </a:fld>
             <a:endParaRPr kumimoji="1" lang="ja-JP" altLang="en-US"/>
           </a:p>
@@ -702,7 +706,7 @@
     </p:spTree>
     <p:extLst>
       <p:ext uri="{BB962C8B-B14F-4D97-AF65-F5344CB8AC3E}">
-        <p14:creationId xmlns:p14="http://schemas.microsoft.com/office/powerpoint/2010/main" val="1740203438"/>
+        <p14:creationId xmlns:p14="http://schemas.microsoft.com/office/powerpoint/2010/main" val="253100570"/>
       </p:ext>
     </p:extLst>
   </p:cSld>
@@ -745,7 +749,7 @@
           <a:lstStyle/>
           <a:p>
             <a:r>
-              <a:rPr lang="ja-JP" altLang="en-US"/>
+              <a:rPr lang="ja-JP" altLang="en-US" smtClean="0"/>
               <a:t>マスター タイトルの書式設定</a:t>
             </a:r>
             <a:endParaRPr lang="en-US" dirty="0"/>
@@ -769,67 +773,67 @@
           <a:p>
             <a:pPr lvl="0"/>
             <a:r>
-              <a:rPr lang="ja-JP" altLang="en-US"/>
+              <a:rPr lang="ja-JP" altLang="en-US" smtClean="0"/>
               <a:t>マスター テキストの書式設定</a:t>
             </a:r>
           </a:p>
           <a:p>
             <a:pPr lvl="1"/>
             <a:r>
-              <a:rPr lang="ja-JP" altLang="en-US"/>
+              <a:rPr lang="ja-JP" altLang="en-US" smtClean="0"/>
               <a:t>第 </a:t>
             </a:r>
             <a:r>
-              <a:rPr lang="en-US" altLang="ja-JP"/>
+              <a:rPr lang="en-US" altLang="ja-JP" smtClean="0"/>
               <a:t>2 </a:t>
             </a:r>
             <a:r>
-              <a:rPr lang="ja-JP" altLang="en-US"/>
+              <a:rPr lang="ja-JP" altLang="en-US" smtClean="0"/>
               <a:t>レベル</a:t>
             </a:r>
           </a:p>
           <a:p>
             <a:pPr lvl="2"/>
             <a:r>
-              <a:rPr lang="ja-JP" altLang="en-US"/>
+              <a:rPr lang="ja-JP" altLang="en-US" smtClean="0"/>
               <a:t>第 </a:t>
             </a:r>
             <a:r>
-              <a:rPr lang="en-US" altLang="ja-JP"/>
+              <a:rPr lang="en-US" altLang="ja-JP" smtClean="0"/>
               <a:t>3 </a:t>
             </a:r>
             <a:r>
-              <a:rPr lang="ja-JP" altLang="en-US"/>
+              <a:rPr lang="ja-JP" altLang="en-US" smtClean="0"/>
               <a:t>レベル</a:t>
             </a:r>
           </a:p>
           <a:p>
             <a:pPr lvl="3"/>
             <a:r>
-              <a:rPr lang="ja-JP" altLang="en-US"/>
+              <a:rPr lang="ja-JP" altLang="en-US" smtClean="0"/>
               <a:t>第 </a:t>
             </a:r>
             <a:r>
-              <a:rPr lang="en-US" altLang="ja-JP"/>
+              <a:rPr lang="en-US" altLang="ja-JP" smtClean="0"/>
               <a:t>4 </a:t>
             </a:r>
             <a:r>
-              <a:rPr lang="ja-JP" altLang="en-US"/>
+              <a:rPr lang="ja-JP" altLang="en-US" smtClean="0"/>
               <a:t>レベル</a:t>
             </a:r>
           </a:p>
           <a:p>
             <a:pPr lvl="4"/>
             <a:r>
-              <a:rPr lang="ja-JP" altLang="en-US"/>
+              <a:rPr lang="ja-JP" altLang="en-US" smtClean="0"/>
               <a:t>第 </a:t>
             </a:r>
             <a:r>
-              <a:rPr lang="en-US" altLang="ja-JP"/>
+              <a:rPr lang="en-US" altLang="ja-JP" smtClean="0"/>
               <a:t>5 </a:t>
             </a:r>
             <a:r>
-              <a:rPr lang="ja-JP" altLang="en-US"/>
+              <a:rPr lang="ja-JP" altLang="en-US" smtClean="0"/>
               <a:t>レベル</a:t>
             </a:r>
             <a:endParaRPr lang="en-US" dirty="0"/>
@@ -853,7 +857,7 @@
           <a:p>
             <a:fld id="{16D3A410-6E93-4289-801E-FF8746C3765C}" type="datetime1">
               <a:rPr kumimoji="1" lang="ja-JP" altLang="en-US" smtClean="0"/>
-              <a:t>2018/8/5</a:t>
+              <a:t>2018/8/21</a:t>
             </a:fld>
             <a:endParaRPr kumimoji="1" lang="ja-JP" altLang="en-US"/>
           </a:p>
@@ -904,7 +908,7 @@
     </p:spTree>
     <p:extLst>
       <p:ext uri="{BB962C8B-B14F-4D97-AF65-F5344CB8AC3E}">
-        <p14:creationId xmlns:p14="http://schemas.microsoft.com/office/powerpoint/2010/main" val="1752806616"/>
+        <p14:creationId xmlns:p14="http://schemas.microsoft.com/office/powerpoint/2010/main" val="1564373334"/>
       </p:ext>
     </p:extLst>
   </p:cSld>
@@ -943,8 +947,8 @@
         </p:nvSpPr>
         <p:spPr>
           <a:xfrm>
-            <a:off x="4907757" y="486834"/>
-            <a:ext cx="1478756" cy="7749117"/>
+            <a:off x="8724901" y="486834"/>
+            <a:ext cx="2628900" cy="7749117"/>
           </a:xfrm>
         </p:spPr>
         <p:txBody>
@@ -952,7 +956,7 @@
           <a:lstStyle/>
           <a:p>
             <a:r>
-              <a:rPr lang="ja-JP" altLang="en-US"/>
+              <a:rPr lang="ja-JP" altLang="en-US" smtClean="0"/>
               <a:t>マスター タイトルの書式設定</a:t>
             </a:r>
             <a:endParaRPr lang="en-US" dirty="0"/>
@@ -971,8 +975,8 @@
         </p:nvSpPr>
         <p:spPr>
           <a:xfrm>
-            <a:off x="471488" y="486834"/>
-            <a:ext cx="4350544" cy="7749117"/>
+            <a:off x="838201" y="486834"/>
+            <a:ext cx="7734300" cy="7749117"/>
           </a:xfrm>
         </p:spPr>
         <p:txBody>
@@ -981,67 +985,67 @@
           <a:p>
             <a:pPr lvl="0"/>
             <a:r>
-              <a:rPr lang="ja-JP" altLang="en-US"/>
+              <a:rPr lang="ja-JP" altLang="en-US" smtClean="0"/>
               <a:t>マスター テキストの書式設定</a:t>
             </a:r>
           </a:p>
           <a:p>
             <a:pPr lvl="1"/>
             <a:r>
-              <a:rPr lang="ja-JP" altLang="en-US"/>
+              <a:rPr lang="ja-JP" altLang="en-US" smtClean="0"/>
               <a:t>第 </a:t>
             </a:r>
             <a:r>
-              <a:rPr lang="en-US" altLang="ja-JP"/>
+              <a:rPr lang="en-US" altLang="ja-JP" smtClean="0"/>
               <a:t>2 </a:t>
             </a:r>
             <a:r>
-              <a:rPr lang="ja-JP" altLang="en-US"/>
+              <a:rPr lang="ja-JP" altLang="en-US" smtClean="0"/>
               <a:t>レベル</a:t>
             </a:r>
           </a:p>
           <a:p>
             <a:pPr lvl="2"/>
             <a:r>
-              <a:rPr lang="ja-JP" altLang="en-US"/>
+              <a:rPr lang="ja-JP" altLang="en-US" smtClean="0"/>
               <a:t>第 </a:t>
             </a:r>
             <a:r>
-              <a:rPr lang="en-US" altLang="ja-JP"/>
+              <a:rPr lang="en-US" altLang="ja-JP" smtClean="0"/>
               <a:t>3 </a:t>
             </a:r>
             <a:r>
-              <a:rPr lang="ja-JP" altLang="en-US"/>
+              <a:rPr lang="ja-JP" altLang="en-US" smtClean="0"/>
               <a:t>レベル</a:t>
             </a:r>
           </a:p>
           <a:p>
             <a:pPr lvl="3"/>
             <a:r>
-              <a:rPr lang="ja-JP" altLang="en-US"/>
+              <a:rPr lang="ja-JP" altLang="en-US" smtClean="0"/>
               <a:t>第 </a:t>
             </a:r>
             <a:r>
-              <a:rPr lang="en-US" altLang="ja-JP"/>
+              <a:rPr lang="en-US" altLang="ja-JP" smtClean="0"/>
               <a:t>4 </a:t>
             </a:r>
             <a:r>
-              <a:rPr lang="ja-JP" altLang="en-US"/>
+              <a:rPr lang="ja-JP" altLang="en-US" smtClean="0"/>
               <a:t>レベル</a:t>
             </a:r>
           </a:p>
           <a:p>
             <a:pPr lvl="4"/>
             <a:r>
-              <a:rPr lang="ja-JP" altLang="en-US"/>
+              <a:rPr lang="ja-JP" altLang="en-US" smtClean="0"/>
               <a:t>第 </a:t>
             </a:r>
             <a:r>
-              <a:rPr lang="en-US" altLang="ja-JP"/>
+              <a:rPr lang="en-US" altLang="ja-JP" smtClean="0"/>
               <a:t>5 </a:t>
             </a:r>
             <a:r>
-              <a:rPr lang="ja-JP" altLang="en-US"/>
+              <a:rPr lang="ja-JP" altLang="en-US" smtClean="0"/>
               <a:t>レベル</a:t>
             </a:r>
             <a:endParaRPr lang="en-US" dirty="0"/>
@@ -1065,7 +1069,7 @@
           <a:p>
             <a:fld id="{048F92BE-D030-4AC4-A492-29C75C49224D}" type="datetime1">
               <a:rPr kumimoji="1" lang="ja-JP" altLang="en-US" smtClean="0"/>
-              <a:t>2018/8/5</a:t>
+              <a:t>2018/8/21</a:t>
             </a:fld>
             <a:endParaRPr kumimoji="1" lang="ja-JP" altLang="en-US"/>
           </a:p>
@@ -1116,7 +1120,7 @@
     </p:spTree>
     <p:extLst>
       <p:ext uri="{BB962C8B-B14F-4D97-AF65-F5344CB8AC3E}">
-        <p14:creationId xmlns:p14="http://schemas.microsoft.com/office/powerpoint/2010/main" val="2799602966"/>
+        <p14:creationId xmlns:p14="http://schemas.microsoft.com/office/powerpoint/2010/main" val="1129994207"/>
       </p:ext>
     </p:extLst>
   </p:cSld>
@@ -1159,7 +1163,7 @@
           <a:lstStyle/>
           <a:p>
             <a:r>
-              <a:rPr lang="ja-JP" altLang="en-US"/>
+              <a:rPr lang="ja-JP" altLang="en-US" smtClean="0"/>
               <a:t>マスター タイトルの書式設定</a:t>
             </a:r>
             <a:endParaRPr lang="en-US" dirty="0"/>
@@ -1183,67 +1187,67 @@
           <a:p>
             <a:pPr lvl="0"/>
             <a:r>
-              <a:rPr lang="ja-JP" altLang="en-US"/>
+              <a:rPr lang="ja-JP" altLang="en-US" smtClean="0"/>
               <a:t>マスター テキストの書式設定</a:t>
             </a:r>
           </a:p>
           <a:p>
             <a:pPr lvl="1"/>
             <a:r>
-              <a:rPr lang="ja-JP" altLang="en-US"/>
+              <a:rPr lang="ja-JP" altLang="en-US" smtClean="0"/>
               <a:t>第 </a:t>
             </a:r>
             <a:r>
-              <a:rPr lang="en-US" altLang="ja-JP"/>
+              <a:rPr lang="en-US" altLang="ja-JP" smtClean="0"/>
               <a:t>2 </a:t>
             </a:r>
             <a:r>
-              <a:rPr lang="ja-JP" altLang="en-US"/>
+              <a:rPr lang="ja-JP" altLang="en-US" smtClean="0"/>
               <a:t>レベル</a:t>
             </a:r>
           </a:p>
           <a:p>
             <a:pPr lvl="2"/>
             <a:r>
-              <a:rPr lang="ja-JP" altLang="en-US"/>
+              <a:rPr lang="ja-JP" altLang="en-US" smtClean="0"/>
               <a:t>第 </a:t>
             </a:r>
             <a:r>
-              <a:rPr lang="en-US" altLang="ja-JP"/>
+              <a:rPr lang="en-US" altLang="ja-JP" smtClean="0"/>
               <a:t>3 </a:t>
             </a:r>
             <a:r>
-              <a:rPr lang="ja-JP" altLang="en-US"/>
+              <a:rPr lang="ja-JP" altLang="en-US" smtClean="0"/>
               <a:t>レベル</a:t>
             </a:r>
           </a:p>
           <a:p>
             <a:pPr lvl="3"/>
             <a:r>
-              <a:rPr lang="ja-JP" altLang="en-US"/>
+              <a:rPr lang="ja-JP" altLang="en-US" smtClean="0"/>
               <a:t>第 </a:t>
             </a:r>
             <a:r>
-              <a:rPr lang="en-US" altLang="ja-JP"/>
+              <a:rPr lang="en-US" altLang="ja-JP" smtClean="0"/>
               <a:t>4 </a:t>
             </a:r>
             <a:r>
-              <a:rPr lang="ja-JP" altLang="en-US"/>
+              <a:rPr lang="ja-JP" altLang="en-US" smtClean="0"/>
               <a:t>レベル</a:t>
             </a:r>
           </a:p>
           <a:p>
             <a:pPr lvl="4"/>
             <a:r>
-              <a:rPr lang="ja-JP" altLang="en-US"/>
+              <a:rPr lang="ja-JP" altLang="en-US" smtClean="0"/>
               <a:t>第 </a:t>
             </a:r>
             <a:r>
-              <a:rPr lang="en-US" altLang="ja-JP"/>
+              <a:rPr lang="en-US" altLang="ja-JP" smtClean="0"/>
               <a:t>5 </a:t>
             </a:r>
             <a:r>
-              <a:rPr lang="ja-JP" altLang="en-US"/>
+              <a:rPr lang="ja-JP" altLang="en-US" smtClean="0"/>
               <a:t>レベル</a:t>
             </a:r>
             <a:endParaRPr lang="en-US" dirty="0"/>
@@ -1267,7 +1271,7 @@
           <a:p>
             <a:fld id="{109A88CC-23AB-4A97-934E-BE761BB55758}" type="datetime1">
               <a:rPr kumimoji="1" lang="ja-JP" altLang="en-US" smtClean="0"/>
-              <a:t>2018/8/5</a:t>
+              <a:t>2018/8/21</a:t>
             </a:fld>
             <a:endParaRPr kumimoji="1" lang="ja-JP" altLang="en-US"/>
           </a:p>
@@ -1318,7 +1322,7 @@
     </p:spTree>
     <p:extLst>
       <p:ext uri="{BB962C8B-B14F-4D97-AF65-F5344CB8AC3E}">
-        <p14:creationId xmlns:p14="http://schemas.microsoft.com/office/powerpoint/2010/main" val="1371699713"/>
+        <p14:creationId xmlns:p14="http://schemas.microsoft.com/office/powerpoint/2010/main" val="3850307166"/>
       </p:ext>
     </p:extLst>
   </p:cSld>
@@ -1357,20 +1361,20 @@
         </p:nvSpPr>
         <p:spPr>
           <a:xfrm>
-            <a:off x="467916" y="2279653"/>
-            <a:ext cx="5915025" cy="3803649"/>
+            <a:off x="831851" y="2279653"/>
+            <a:ext cx="10515600" cy="3803649"/>
           </a:xfrm>
         </p:spPr>
         <p:txBody>
           <a:bodyPr anchor="b"/>
           <a:lstStyle>
             <a:lvl1pPr>
-              <a:defRPr sz="4500"/>
+              <a:defRPr sz="8000"/>
             </a:lvl1pPr>
           </a:lstStyle>
           <a:p>
             <a:r>
-              <a:rPr lang="ja-JP" altLang="en-US"/>
+              <a:rPr lang="ja-JP" altLang="en-US" smtClean="0"/>
               <a:t>マスター タイトルの書式設定</a:t>
             </a:r>
             <a:endParaRPr lang="en-US" dirty="0"/>
@@ -1389,8 +1393,8 @@
         </p:nvSpPr>
         <p:spPr>
           <a:xfrm>
-            <a:off x="467916" y="6119286"/>
-            <a:ext cx="5915025" cy="2000249"/>
+            <a:off x="831851" y="6119286"/>
+            <a:ext cx="10515600" cy="2000249"/>
           </a:xfrm>
         </p:spPr>
         <p:txBody>
@@ -1398,15 +1402,15 @@
           <a:lstStyle>
             <a:lvl1pPr marL="0" indent="0">
               <a:buNone/>
-              <a:defRPr sz="1800">
+              <a:defRPr sz="3200">
                 <a:solidFill>
                   <a:schemeClr val="tx1"/>
                 </a:solidFill>
               </a:defRPr>
             </a:lvl1pPr>
-            <a:lvl2pPr marL="342900" indent="0">
+            <a:lvl2pPr marL="609585" indent="0">
               <a:buNone/>
-              <a:defRPr sz="1500">
+              <a:defRPr sz="2667">
                 <a:solidFill>
                   <a:schemeClr val="tx1">
                     <a:tint val="75000"/>
@@ -1414,9 +1418,9 @@
                 </a:solidFill>
               </a:defRPr>
             </a:lvl2pPr>
-            <a:lvl3pPr marL="685800" indent="0">
+            <a:lvl3pPr marL="1219170" indent="0">
               <a:buNone/>
-              <a:defRPr sz="1350">
+              <a:defRPr sz="2400">
                 <a:solidFill>
                   <a:schemeClr val="tx1">
                     <a:tint val="75000"/>
@@ -1424,9 +1428,9 @@
                 </a:solidFill>
               </a:defRPr>
             </a:lvl3pPr>
-            <a:lvl4pPr marL="1028700" indent="0">
+            <a:lvl4pPr marL="1828754" indent="0">
               <a:buNone/>
-              <a:defRPr sz="1200">
+              <a:defRPr sz="2133">
                 <a:solidFill>
                   <a:schemeClr val="tx1">
                     <a:tint val="75000"/>
@@ -1434,9 +1438,9 @@
                 </a:solidFill>
               </a:defRPr>
             </a:lvl4pPr>
-            <a:lvl5pPr marL="1371600" indent="0">
+            <a:lvl5pPr marL="2438339" indent="0">
               <a:buNone/>
-              <a:defRPr sz="1200">
+              <a:defRPr sz="2133">
                 <a:solidFill>
                   <a:schemeClr val="tx1">
                     <a:tint val="75000"/>
@@ -1444,9 +1448,9 @@
                 </a:solidFill>
               </a:defRPr>
             </a:lvl5pPr>
-            <a:lvl6pPr marL="1714500" indent="0">
+            <a:lvl6pPr marL="3047924" indent="0">
               <a:buNone/>
-              <a:defRPr sz="1200">
+              <a:defRPr sz="2133">
                 <a:solidFill>
                   <a:schemeClr val="tx1">
                     <a:tint val="75000"/>
@@ -1454,9 +1458,9 @@
                 </a:solidFill>
               </a:defRPr>
             </a:lvl6pPr>
-            <a:lvl7pPr marL="2057400" indent="0">
+            <a:lvl7pPr marL="3657509" indent="0">
               <a:buNone/>
-              <a:defRPr sz="1200">
+              <a:defRPr sz="2133">
                 <a:solidFill>
                   <a:schemeClr val="tx1">
                     <a:tint val="75000"/>
@@ -1464,9 +1468,9 @@
                 </a:solidFill>
               </a:defRPr>
             </a:lvl7pPr>
-            <a:lvl8pPr marL="2400300" indent="0">
+            <a:lvl8pPr marL="4267093" indent="0">
               <a:buNone/>
-              <a:defRPr sz="1200">
+              <a:defRPr sz="2133">
                 <a:solidFill>
                   <a:schemeClr val="tx1">
                     <a:tint val="75000"/>
@@ -1474,9 +1478,9 @@
                 </a:solidFill>
               </a:defRPr>
             </a:lvl8pPr>
-            <a:lvl9pPr marL="2743200" indent="0">
+            <a:lvl9pPr marL="4876678" indent="0">
               <a:buNone/>
-              <a:defRPr sz="1200">
+              <a:defRPr sz="2133">
                 <a:solidFill>
                   <a:schemeClr val="tx1">
                     <a:tint val="75000"/>
@@ -1488,7 +1492,7 @@
           <a:p>
             <a:pPr lvl="0"/>
             <a:r>
-              <a:rPr lang="ja-JP" altLang="en-US"/>
+              <a:rPr lang="ja-JP" altLang="en-US" smtClean="0"/>
               <a:t>マスター テキストの書式設定</a:t>
             </a:r>
           </a:p>
@@ -1511,7 +1515,7 @@
           <a:p>
             <a:fld id="{AD4C751E-B210-4E06-83CD-861B6F4E1747}" type="datetime1">
               <a:rPr kumimoji="1" lang="ja-JP" altLang="en-US" smtClean="0"/>
-              <a:t>2018/8/5</a:t>
+              <a:t>2018/8/21</a:t>
             </a:fld>
             <a:endParaRPr kumimoji="1" lang="ja-JP" altLang="en-US"/>
           </a:p>
@@ -1562,7 +1566,7 @@
     </p:spTree>
     <p:extLst>
       <p:ext uri="{BB962C8B-B14F-4D97-AF65-F5344CB8AC3E}">
-        <p14:creationId xmlns:p14="http://schemas.microsoft.com/office/powerpoint/2010/main" val="3507943882"/>
+        <p14:creationId xmlns:p14="http://schemas.microsoft.com/office/powerpoint/2010/main" val="2180210990"/>
       </p:ext>
     </p:extLst>
   </p:cSld>
@@ -1605,7 +1609,7 @@
           <a:lstStyle/>
           <a:p>
             <a:r>
-              <a:rPr lang="ja-JP" altLang="en-US"/>
+              <a:rPr lang="ja-JP" altLang="en-US" smtClean="0"/>
               <a:t>マスター タイトルの書式設定</a:t>
             </a:r>
             <a:endParaRPr lang="en-US" dirty="0"/>
@@ -1624,8 +1628,8 @@
         </p:nvSpPr>
         <p:spPr>
           <a:xfrm>
-            <a:off x="471488" y="2434167"/>
-            <a:ext cx="2914650" cy="5801784"/>
+            <a:off x="838200" y="2434167"/>
+            <a:ext cx="5181600" cy="5801784"/>
           </a:xfrm>
         </p:spPr>
         <p:txBody>
@@ -1634,67 +1638,67 @@
           <a:p>
             <a:pPr lvl="0"/>
             <a:r>
-              <a:rPr lang="ja-JP" altLang="en-US"/>
+              <a:rPr lang="ja-JP" altLang="en-US" smtClean="0"/>
               <a:t>マスター テキストの書式設定</a:t>
             </a:r>
           </a:p>
           <a:p>
             <a:pPr lvl="1"/>
             <a:r>
-              <a:rPr lang="ja-JP" altLang="en-US"/>
+              <a:rPr lang="ja-JP" altLang="en-US" smtClean="0"/>
               <a:t>第 </a:t>
             </a:r>
             <a:r>
-              <a:rPr lang="en-US" altLang="ja-JP"/>
+              <a:rPr lang="en-US" altLang="ja-JP" smtClean="0"/>
               <a:t>2 </a:t>
             </a:r>
             <a:r>
-              <a:rPr lang="ja-JP" altLang="en-US"/>
+              <a:rPr lang="ja-JP" altLang="en-US" smtClean="0"/>
               <a:t>レベル</a:t>
             </a:r>
           </a:p>
           <a:p>
             <a:pPr lvl="2"/>
             <a:r>
-              <a:rPr lang="ja-JP" altLang="en-US"/>
+              <a:rPr lang="ja-JP" altLang="en-US" smtClean="0"/>
               <a:t>第 </a:t>
             </a:r>
             <a:r>
-              <a:rPr lang="en-US" altLang="ja-JP"/>
+              <a:rPr lang="en-US" altLang="ja-JP" smtClean="0"/>
               <a:t>3 </a:t>
             </a:r>
             <a:r>
-              <a:rPr lang="ja-JP" altLang="en-US"/>
+              <a:rPr lang="ja-JP" altLang="en-US" smtClean="0"/>
               <a:t>レベル</a:t>
             </a:r>
           </a:p>
           <a:p>
             <a:pPr lvl="3"/>
             <a:r>
-              <a:rPr lang="ja-JP" altLang="en-US"/>
+              <a:rPr lang="ja-JP" altLang="en-US" smtClean="0"/>
               <a:t>第 </a:t>
             </a:r>
             <a:r>
-              <a:rPr lang="en-US" altLang="ja-JP"/>
+              <a:rPr lang="en-US" altLang="ja-JP" smtClean="0"/>
               <a:t>4 </a:t>
             </a:r>
             <a:r>
-              <a:rPr lang="ja-JP" altLang="en-US"/>
+              <a:rPr lang="ja-JP" altLang="en-US" smtClean="0"/>
               <a:t>レベル</a:t>
             </a:r>
           </a:p>
           <a:p>
             <a:pPr lvl="4"/>
             <a:r>
-              <a:rPr lang="ja-JP" altLang="en-US"/>
+              <a:rPr lang="ja-JP" altLang="en-US" smtClean="0"/>
               <a:t>第 </a:t>
             </a:r>
             <a:r>
-              <a:rPr lang="en-US" altLang="ja-JP"/>
+              <a:rPr lang="en-US" altLang="ja-JP" smtClean="0"/>
               <a:t>5 </a:t>
             </a:r>
             <a:r>
-              <a:rPr lang="ja-JP" altLang="en-US"/>
+              <a:rPr lang="ja-JP" altLang="en-US" smtClean="0"/>
               <a:t>レベル</a:t>
             </a:r>
             <a:endParaRPr lang="en-US" dirty="0"/>
@@ -1713,8 +1717,8 @@
         </p:nvSpPr>
         <p:spPr>
           <a:xfrm>
-            <a:off x="3471863" y="2434167"/>
-            <a:ext cx="2914650" cy="5801784"/>
+            <a:off x="6172200" y="2434167"/>
+            <a:ext cx="5181600" cy="5801784"/>
           </a:xfrm>
         </p:spPr>
         <p:txBody>
@@ -1723,67 +1727,67 @@
           <a:p>
             <a:pPr lvl="0"/>
             <a:r>
-              <a:rPr lang="ja-JP" altLang="en-US"/>
+              <a:rPr lang="ja-JP" altLang="en-US" smtClean="0"/>
               <a:t>マスター テキストの書式設定</a:t>
             </a:r>
           </a:p>
           <a:p>
             <a:pPr lvl="1"/>
             <a:r>
-              <a:rPr lang="ja-JP" altLang="en-US"/>
+              <a:rPr lang="ja-JP" altLang="en-US" smtClean="0"/>
               <a:t>第 </a:t>
             </a:r>
             <a:r>
-              <a:rPr lang="en-US" altLang="ja-JP"/>
+              <a:rPr lang="en-US" altLang="ja-JP" smtClean="0"/>
               <a:t>2 </a:t>
             </a:r>
             <a:r>
-              <a:rPr lang="ja-JP" altLang="en-US"/>
+              <a:rPr lang="ja-JP" altLang="en-US" smtClean="0"/>
               <a:t>レベル</a:t>
             </a:r>
           </a:p>
           <a:p>
             <a:pPr lvl="2"/>
             <a:r>
-              <a:rPr lang="ja-JP" altLang="en-US"/>
+              <a:rPr lang="ja-JP" altLang="en-US" smtClean="0"/>
               <a:t>第 </a:t>
             </a:r>
             <a:r>
-              <a:rPr lang="en-US" altLang="ja-JP"/>
+              <a:rPr lang="en-US" altLang="ja-JP" smtClean="0"/>
               <a:t>3 </a:t>
             </a:r>
             <a:r>
-              <a:rPr lang="ja-JP" altLang="en-US"/>
+              <a:rPr lang="ja-JP" altLang="en-US" smtClean="0"/>
               <a:t>レベル</a:t>
             </a:r>
           </a:p>
           <a:p>
             <a:pPr lvl="3"/>
             <a:r>
-              <a:rPr lang="ja-JP" altLang="en-US"/>
+              <a:rPr lang="ja-JP" altLang="en-US" smtClean="0"/>
               <a:t>第 </a:t>
             </a:r>
             <a:r>
-              <a:rPr lang="en-US" altLang="ja-JP"/>
+              <a:rPr lang="en-US" altLang="ja-JP" smtClean="0"/>
               <a:t>4 </a:t>
             </a:r>
             <a:r>
-              <a:rPr lang="ja-JP" altLang="en-US"/>
+              <a:rPr lang="ja-JP" altLang="en-US" smtClean="0"/>
               <a:t>レベル</a:t>
             </a:r>
           </a:p>
           <a:p>
             <a:pPr lvl="4"/>
             <a:r>
-              <a:rPr lang="ja-JP" altLang="en-US"/>
+              <a:rPr lang="ja-JP" altLang="en-US" smtClean="0"/>
               <a:t>第 </a:t>
             </a:r>
             <a:r>
-              <a:rPr lang="en-US" altLang="ja-JP"/>
+              <a:rPr lang="en-US" altLang="ja-JP" smtClean="0"/>
               <a:t>5 </a:t>
             </a:r>
             <a:r>
-              <a:rPr lang="ja-JP" altLang="en-US"/>
+              <a:rPr lang="ja-JP" altLang="en-US" smtClean="0"/>
               <a:t>レベル</a:t>
             </a:r>
             <a:endParaRPr lang="en-US" dirty="0"/>
@@ -1807,7 +1811,7 @@
           <a:p>
             <a:fld id="{98DC0010-8282-470C-9D8D-299DFCEA23D4}" type="datetime1">
               <a:rPr kumimoji="1" lang="ja-JP" altLang="en-US" smtClean="0"/>
-              <a:t>2018/8/5</a:t>
+              <a:t>2018/8/21</a:t>
             </a:fld>
             <a:endParaRPr kumimoji="1" lang="ja-JP" altLang="en-US"/>
           </a:p>
@@ -1858,7 +1862,7 @@
     </p:spTree>
     <p:extLst>
       <p:ext uri="{BB962C8B-B14F-4D97-AF65-F5344CB8AC3E}">
-        <p14:creationId xmlns:p14="http://schemas.microsoft.com/office/powerpoint/2010/main" val="1495961469"/>
+        <p14:creationId xmlns:p14="http://schemas.microsoft.com/office/powerpoint/2010/main" val="2229011172"/>
       </p:ext>
     </p:extLst>
   </p:cSld>
@@ -1897,8 +1901,8 @@
         </p:nvSpPr>
         <p:spPr>
           <a:xfrm>
-            <a:off x="472381" y="486836"/>
-            <a:ext cx="5915025" cy="1767417"/>
+            <a:off x="839788" y="486836"/>
+            <a:ext cx="10515600" cy="1767417"/>
           </a:xfrm>
         </p:spPr>
         <p:txBody>
@@ -1906,7 +1910,7 @@
           <a:lstStyle/>
           <a:p>
             <a:r>
-              <a:rPr lang="ja-JP" altLang="en-US"/>
+              <a:rPr lang="ja-JP" altLang="en-US" smtClean="0"/>
               <a:t>マスター タイトルの書式設定</a:t>
             </a:r>
             <a:endParaRPr lang="en-US" dirty="0"/>
@@ -1925,8 +1929,8 @@
         </p:nvSpPr>
         <p:spPr>
           <a:xfrm>
-            <a:off x="472381" y="2241551"/>
-            <a:ext cx="2901255" cy="1098549"/>
+            <a:off x="839789" y="2241551"/>
+            <a:ext cx="5157787" cy="1098549"/>
           </a:xfrm>
         </p:spPr>
         <p:txBody>
@@ -1934,45 +1938,45 @@
           <a:lstStyle>
             <a:lvl1pPr marL="0" indent="0">
               <a:buNone/>
-              <a:defRPr sz="1800" b="1"/>
+              <a:defRPr sz="3200" b="1"/>
             </a:lvl1pPr>
-            <a:lvl2pPr marL="342900" indent="0">
+            <a:lvl2pPr marL="609585" indent="0">
               <a:buNone/>
-              <a:defRPr sz="1500" b="1"/>
+              <a:defRPr sz="2667" b="1"/>
             </a:lvl2pPr>
-            <a:lvl3pPr marL="685800" indent="0">
+            <a:lvl3pPr marL="1219170" indent="0">
               <a:buNone/>
-              <a:defRPr sz="1350" b="1"/>
+              <a:defRPr sz="2400" b="1"/>
             </a:lvl3pPr>
-            <a:lvl4pPr marL="1028700" indent="0">
+            <a:lvl4pPr marL="1828754" indent="0">
               <a:buNone/>
-              <a:defRPr sz="1200" b="1"/>
+              <a:defRPr sz="2133" b="1"/>
             </a:lvl4pPr>
-            <a:lvl5pPr marL="1371600" indent="0">
+            <a:lvl5pPr marL="2438339" indent="0">
               <a:buNone/>
-              <a:defRPr sz="1200" b="1"/>
+              <a:defRPr sz="2133" b="1"/>
             </a:lvl5pPr>
-            <a:lvl6pPr marL="1714500" indent="0">
+            <a:lvl6pPr marL="3047924" indent="0">
               <a:buNone/>
-              <a:defRPr sz="1200" b="1"/>
+              <a:defRPr sz="2133" b="1"/>
             </a:lvl6pPr>
-            <a:lvl7pPr marL="2057400" indent="0">
+            <a:lvl7pPr marL="3657509" indent="0">
               <a:buNone/>
-              <a:defRPr sz="1200" b="1"/>
+              <a:defRPr sz="2133" b="1"/>
             </a:lvl7pPr>
-            <a:lvl8pPr marL="2400300" indent="0">
+            <a:lvl8pPr marL="4267093" indent="0">
               <a:buNone/>
-              <a:defRPr sz="1200" b="1"/>
+              <a:defRPr sz="2133" b="1"/>
             </a:lvl8pPr>
-            <a:lvl9pPr marL="2743200" indent="0">
+            <a:lvl9pPr marL="4876678" indent="0">
               <a:buNone/>
-              <a:defRPr sz="1200" b="1"/>
+              <a:defRPr sz="2133" b="1"/>
             </a:lvl9pPr>
           </a:lstStyle>
           <a:p>
             <a:pPr lvl="0"/>
             <a:r>
-              <a:rPr lang="ja-JP" altLang="en-US"/>
+              <a:rPr lang="ja-JP" altLang="en-US" smtClean="0"/>
               <a:t>マスター テキストの書式設定</a:t>
             </a:r>
           </a:p>
@@ -1990,8 +1994,8 @@
         </p:nvSpPr>
         <p:spPr>
           <a:xfrm>
-            <a:off x="472381" y="3340100"/>
-            <a:ext cx="2901255" cy="4912784"/>
+            <a:off x="839789" y="3340100"/>
+            <a:ext cx="5157787" cy="4912784"/>
           </a:xfrm>
         </p:spPr>
         <p:txBody>
@@ -2000,67 +2004,67 @@
           <a:p>
             <a:pPr lvl="0"/>
             <a:r>
-              <a:rPr lang="ja-JP" altLang="en-US"/>
+              <a:rPr lang="ja-JP" altLang="en-US" smtClean="0"/>
               <a:t>マスター テキストの書式設定</a:t>
             </a:r>
           </a:p>
           <a:p>
             <a:pPr lvl="1"/>
             <a:r>
-              <a:rPr lang="ja-JP" altLang="en-US"/>
+              <a:rPr lang="ja-JP" altLang="en-US" smtClean="0"/>
               <a:t>第 </a:t>
             </a:r>
             <a:r>
-              <a:rPr lang="en-US" altLang="ja-JP"/>
+              <a:rPr lang="en-US" altLang="ja-JP" smtClean="0"/>
               <a:t>2 </a:t>
             </a:r>
             <a:r>
-              <a:rPr lang="ja-JP" altLang="en-US"/>
+              <a:rPr lang="ja-JP" altLang="en-US" smtClean="0"/>
               <a:t>レベル</a:t>
             </a:r>
           </a:p>
           <a:p>
             <a:pPr lvl="2"/>
             <a:r>
-              <a:rPr lang="ja-JP" altLang="en-US"/>
+              <a:rPr lang="ja-JP" altLang="en-US" smtClean="0"/>
               <a:t>第 </a:t>
             </a:r>
             <a:r>
-              <a:rPr lang="en-US" altLang="ja-JP"/>
+              <a:rPr lang="en-US" altLang="ja-JP" smtClean="0"/>
               <a:t>3 </a:t>
             </a:r>
             <a:r>
-              <a:rPr lang="ja-JP" altLang="en-US"/>
+              <a:rPr lang="ja-JP" altLang="en-US" smtClean="0"/>
               <a:t>レベル</a:t>
             </a:r>
           </a:p>
           <a:p>
             <a:pPr lvl="3"/>
             <a:r>
-              <a:rPr lang="ja-JP" altLang="en-US"/>
+              <a:rPr lang="ja-JP" altLang="en-US" smtClean="0"/>
               <a:t>第 </a:t>
             </a:r>
             <a:r>
-              <a:rPr lang="en-US" altLang="ja-JP"/>
+              <a:rPr lang="en-US" altLang="ja-JP" smtClean="0"/>
               <a:t>4 </a:t>
             </a:r>
             <a:r>
-              <a:rPr lang="ja-JP" altLang="en-US"/>
+              <a:rPr lang="ja-JP" altLang="en-US" smtClean="0"/>
               <a:t>レベル</a:t>
             </a:r>
           </a:p>
           <a:p>
             <a:pPr lvl="4"/>
             <a:r>
-              <a:rPr lang="ja-JP" altLang="en-US"/>
+              <a:rPr lang="ja-JP" altLang="en-US" smtClean="0"/>
               <a:t>第 </a:t>
             </a:r>
             <a:r>
-              <a:rPr lang="en-US" altLang="ja-JP"/>
+              <a:rPr lang="en-US" altLang="ja-JP" smtClean="0"/>
               <a:t>5 </a:t>
             </a:r>
             <a:r>
-              <a:rPr lang="ja-JP" altLang="en-US"/>
+              <a:rPr lang="ja-JP" altLang="en-US" smtClean="0"/>
               <a:t>レベル</a:t>
             </a:r>
             <a:endParaRPr lang="en-US" dirty="0"/>
@@ -2079,8 +2083,8 @@
         </p:nvSpPr>
         <p:spPr>
           <a:xfrm>
-            <a:off x="3471863" y="2241551"/>
-            <a:ext cx="2915543" cy="1098549"/>
+            <a:off x="6172201" y="2241551"/>
+            <a:ext cx="5183188" cy="1098549"/>
           </a:xfrm>
         </p:spPr>
         <p:txBody>
@@ -2088,45 +2092,45 @@
           <a:lstStyle>
             <a:lvl1pPr marL="0" indent="0">
               <a:buNone/>
-              <a:defRPr sz="1800" b="1"/>
+              <a:defRPr sz="3200" b="1"/>
             </a:lvl1pPr>
-            <a:lvl2pPr marL="342900" indent="0">
+            <a:lvl2pPr marL="609585" indent="0">
               <a:buNone/>
-              <a:defRPr sz="1500" b="1"/>
+              <a:defRPr sz="2667" b="1"/>
             </a:lvl2pPr>
-            <a:lvl3pPr marL="685800" indent="0">
+            <a:lvl3pPr marL="1219170" indent="0">
               <a:buNone/>
-              <a:defRPr sz="1350" b="1"/>
+              <a:defRPr sz="2400" b="1"/>
             </a:lvl3pPr>
-            <a:lvl4pPr marL="1028700" indent="0">
+            <a:lvl4pPr marL="1828754" indent="0">
               <a:buNone/>
-              <a:defRPr sz="1200" b="1"/>
+              <a:defRPr sz="2133" b="1"/>
             </a:lvl4pPr>
-            <a:lvl5pPr marL="1371600" indent="0">
+            <a:lvl5pPr marL="2438339" indent="0">
               <a:buNone/>
-              <a:defRPr sz="1200" b="1"/>
+              <a:defRPr sz="2133" b="1"/>
             </a:lvl5pPr>
-            <a:lvl6pPr marL="1714500" indent="0">
+            <a:lvl6pPr marL="3047924" indent="0">
               <a:buNone/>
-              <a:defRPr sz="1200" b="1"/>
+              <a:defRPr sz="2133" b="1"/>
             </a:lvl6pPr>
-            <a:lvl7pPr marL="2057400" indent="0">
+            <a:lvl7pPr marL="3657509" indent="0">
               <a:buNone/>
-              <a:defRPr sz="1200" b="1"/>
+              <a:defRPr sz="2133" b="1"/>
             </a:lvl7pPr>
-            <a:lvl8pPr marL="2400300" indent="0">
+            <a:lvl8pPr marL="4267093" indent="0">
               <a:buNone/>
-              <a:defRPr sz="1200" b="1"/>
+              <a:defRPr sz="2133" b="1"/>
             </a:lvl8pPr>
-            <a:lvl9pPr marL="2743200" indent="0">
+            <a:lvl9pPr marL="4876678" indent="0">
               <a:buNone/>
-              <a:defRPr sz="1200" b="1"/>
+              <a:defRPr sz="2133" b="1"/>
             </a:lvl9pPr>
           </a:lstStyle>
           <a:p>
             <a:pPr lvl="0"/>
             <a:r>
-              <a:rPr lang="ja-JP" altLang="en-US"/>
+              <a:rPr lang="ja-JP" altLang="en-US" smtClean="0"/>
               <a:t>マスター テキストの書式設定</a:t>
             </a:r>
           </a:p>
@@ -2144,8 +2148,8 @@
         </p:nvSpPr>
         <p:spPr>
           <a:xfrm>
-            <a:off x="3471863" y="3340100"/>
-            <a:ext cx="2915543" cy="4912784"/>
+            <a:off x="6172201" y="3340100"/>
+            <a:ext cx="5183188" cy="4912784"/>
           </a:xfrm>
         </p:spPr>
         <p:txBody>
@@ -2154,67 +2158,67 @@
           <a:p>
             <a:pPr lvl="0"/>
             <a:r>
-              <a:rPr lang="ja-JP" altLang="en-US"/>
+              <a:rPr lang="ja-JP" altLang="en-US" smtClean="0"/>
               <a:t>マスター テキストの書式設定</a:t>
             </a:r>
           </a:p>
           <a:p>
             <a:pPr lvl="1"/>
             <a:r>
-              <a:rPr lang="ja-JP" altLang="en-US"/>
+              <a:rPr lang="ja-JP" altLang="en-US" smtClean="0"/>
               <a:t>第 </a:t>
             </a:r>
             <a:r>
-              <a:rPr lang="en-US" altLang="ja-JP"/>
+              <a:rPr lang="en-US" altLang="ja-JP" smtClean="0"/>
               <a:t>2 </a:t>
             </a:r>
             <a:r>
-              <a:rPr lang="ja-JP" altLang="en-US"/>
+              <a:rPr lang="ja-JP" altLang="en-US" smtClean="0"/>
               <a:t>レベル</a:t>
             </a:r>
           </a:p>
           <a:p>
             <a:pPr lvl="2"/>
             <a:r>
-              <a:rPr lang="ja-JP" altLang="en-US"/>
+              <a:rPr lang="ja-JP" altLang="en-US" smtClean="0"/>
               <a:t>第 </a:t>
             </a:r>
             <a:r>
-              <a:rPr lang="en-US" altLang="ja-JP"/>
+              <a:rPr lang="en-US" altLang="ja-JP" smtClean="0"/>
               <a:t>3 </a:t>
             </a:r>
             <a:r>
-              <a:rPr lang="ja-JP" altLang="en-US"/>
+              <a:rPr lang="ja-JP" altLang="en-US" smtClean="0"/>
               <a:t>レベル</a:t>
             </a:r>
           </a:p>
           <a:p>
             <a:pPr lvl="3"/>
             <a:r>
-              <a:rPr lang="ja-JP" altLang="en-US"/>
+              <a:rPr lang="ja-JP" altLang="en-US" smtClean="0"/>
               <a:t>第 </a:t>
             </a:r>
             <a:r>
-              <a:rPr lang="en-US" altLang="ja-JP"/>
+              <a:rPr lang="en-US" altLang="ja-JP" smtClean="0"/>
               <a:t>4 </a:t>
             </a:r>
             <a:r>
-              <a:rPr lang="ja-JP" altLang="en-US"/>
+              <a:rPr lang="ja-JP" altLang="en-US" smtClean="0"/>
               <a:t>レベル</a:t>
             </a:r>
           </a:p>
           <a:p>
             <a:pPr lvl="4"/>
             <a:r>
-              <a:rPr lang="ja-JP" altLang="en-US"/>
+              <a:rPr lang="ja-JP" altLang="en-US" smtClean="0"/>
               <a:t>第 </a:t>
             </a:r>
             <a:r>
-              <a:rPr lang="en-US" altLang="ja-JP"/>
+              <a:rPr lang="en-US" altLang="ja-JP" smtClean="0"/>
               <a:t>5 </a:t>
             </a:r>
             <a:r>
-              <a:rPr lang="ja-JP" altLang="en-US"/>
+              <a:rPr lang="ja-JP" altLang="en-US" smtClean="0"/>
               <a:t>レベル</a:t>
             </a:r>
             <a:endParaRPr lang="en-US" dirty="0"/>
@@ -2238,7 +2242,7 @@
           <a:p>
             <a:fld id="{B3A43584-42ED-4851-B6FE-0BC28A99A156}" type="datetime1">
               <a:rPr kumimoji="1" lang="ja-JP" altLang="en-US" smtClean="0"/>
-              <a:t>2018/8/5</a:t>
+              <a:t>2018/8/21</a:t>
             </a:fld>
             <a:endParaRPr kumimoji="1" lang="ja-JP" altLang="en-US"/>
           </a:p>
@@ -2289,7 +2293,7 @@
     </p:spTree>
     <p:extLst>
       <p:ext uri="{BB962C8B-B14F-4D97-AF65-F5344CB8AC3E}">
-        <p14:creationId xmlns:p14="http://schemas.microsoft.com/office/powerpoint/2010/main" val="2259290728"/>
+        <p14:creationId xmlns:p14="http://schemas.microsoft.com/office/powerpoint/2010/main" val="197648405"/>
       </p:ext>
     </p:extLst>
   </p:cSld>
@@ -2332,7 +2336,7 @@
           <a:lstStyle/>
           <a:p>
             <a:r>
-              <a:rPr lang="ja-JP" altLang="en-US"/>
+              <a:rPr lang="ja-JP" altLang="en-US" smtClean="0"/>
               <a:t>マスター タイトルの書式設定</a:t>
             </a:r>
             <a:endParaRPr lang="en-US" dirty="0"/>
@@ -2356,7 +2360,7 @@
           <a:p>
             <a:fld id="{9CF1003B-EF43-490D-B0F0-2CD7E98EAE4C}" type="datetime1">
               <a:rPr kumimoji="1" lang="ja-JP" altLang="en-US" smtClean="0"/>
-              <a:t>2018/8/5</a:t>
+              <a:t>2018/8/21</a:t>
             </a:fld>
             <a:endParaRPr kumimoji="1" lang="ja-JP" altLang="en-US"/>
           </a:p>
@@ -2407,7 +2411,7 @@
     </p:spTree>
     <p:extLst>
       <p:ext uri="{BB962C8B-B14F-4D97-AF65-F5344CB8AC3E}">
-        <p14:creationId xmlns:p14="http://schemas.microsoft.com/office/powerpoint/2010/main" val="3532666500"/>
+        <p14:creationId xmlns:p14="http://schemas.microsoft.com/office/powerpoint/2010/main" val="2945644755"/>
       </p:ext>
     </p:extLst>
   </p:cSld>
@@ -2451,7 +2455,7 @@
           <a:p>
             <a:fld id="{09C9FEE7-1B41-4CFC-A0BF-3D06A1BEA0B5}" type="datetime1">
               <a:rPr kumimoji="1" lang="ja-JP" altLang="en-US" smtClean="0"/>
-              <a:t>2018/8/5</a:t>
+              <a:t>2018/8/21</a:t>
             </a:fld>
             <a:endParaRPr kumimoji="1" lang="ja-JP" altLang="en-US"/>
           </a:p>
@@ -2502,7 +2506,7 @@
     </p:spTree>
     <p:extLst>
       <p:ext uri="{BB962C8B-B14F-4D97-AF65-F5344CB8AC3E}">
-        <p14:creationId xmlns:p14="http://schemas.microsoft.com/office/powerpoint/2010/main" val="1213570074"/>
+        <p14:creationId xmlns:p14="http://schemas.microsoft.com/office/powerpoint/2010/main" val="3296149335"/>
       </p:ext>
     </p:extLst>
   </p:cSld>
@@ -2541,20 +2545,20 @@
         </p:nvSpPr>
         <p:spPr>
           <a:xfrm>
-            <a:off x="472381" y="609600"/>
-            <a:ext cx="2211884" cy="2133600"/>
+            <a:off x="839788" y="609600"/>
+            <a:ext cx="3932237" cy="2133600"/>
           </a:xfrm>
         </p:spPr>
         <p:txBody>
           <a:bodyPr anchor="b"/>
           <a:lstStyle>
             <a:lvl1pPr>
-              <a:defRPr sz="2400"/>
+              <a:defRPr sz="4267"/>
             </a:lvl1pPr>
           </a:lstStyle>
           <a:p>
             <a:r>
-              <a:rPr lang="ja-JP" altLang="en-US"/>
+              <a:rPr lang="ja-JP" altLang="en-US" smtClean="0"/>
               <a:t>マスター タイトルの書式設定</a:t>
             </a:r>
             <a:endParaRPr lang="en-US" dirty="0"/>
@@ -2573,105 +2577,105 @@
         </p:nvSpPr>
         <p:spPr>
           <a:xfrm>
-            <a:off x="2915543" y="1316569"/>
-            <a:ext cx="3471863" cy="6498167"/>
+            <a:off x="5183188" y="1316569"/>
+            <a:ext cx="6172200" cy="6498167"/>
           </a:xfrm>
         </p:spPr>
         <p:txBody>
           <a:bodyPr/>
           <a:lstStyle>
             <a:lvl1pPr>
-              <a:defRPr sz="2400"/>
+              <a:defRPr sz="4267"/>
             </a:lvl1pPr>
             <a:lvl2pPr>
-              <a:defRPr sz="2100"/>
+              <a:defRPr sz="3733"/>
             </a:lvl2pPr>
             <a:lvl3pPr>
-              <a:defRPr sz="1800"/>
+              <a:defRPr sz="3200"/>
             </a:lvl3pPr>
             <a:lvl4pPr>
-              <a:defRPr sz="1500"/>
+              <a:defRPr sz="2667"/>
             </a:lvl4pPr>
             <a:lvl5pPr>
-              <a:defRPr sz="1500"/>
+              <a:defRPr sz="2667"/>
             </a:lvl5pPr>
             <a:lvl6pPr>
-              <a:defRPr sz="1500"/>
+              <a:defRPr sz="2667"/>
             </a:lvl6pPr>
             <a:lvl7pPr>
-              <a:defRPr sz="1500"/>
+              <a:defRPr sz="2667"/>
             </a:lvl7pPr>
             <a:lvl8pPr>
-              <a:defRPr sz="1500"/>
+              <a:defRPr sz="2667"/>
             </a:lvl8pPr>
             <a:lvl9pPr>
-              <a:defRPr sz="1500"/>
+              <a:defRPr sz="2667"/>
             </a:lvl9pPr>
           </a:lstStyle>
           <a:p>
             <a:pPr lvl="0"/>
             <a:r>
-              <a:rPr lang="ja-JP" altLang="en-US"/>
+              <a:rPr lang="ja-JP" altLang="en-US" smtClean="0"/>
               <a:t>マスター テキストの書式設定</a:t>
             </a:r>
           </a:p>
           <a:p>
             <a:pPr lvl="1"/>
             <a:r>
-              <a:rPr lang="ja-JP" altLang="en-US"/>
+              <a:rPr lang="ja-JP" altLang="en-US" smtClean="0"/>
               <a:t>第 </a:t>
             </a:r>
             <a:r>
-              <a:rPr lang="en-US" altLang="ja-JP"/>
+              <a:rPr lang="en-US" altLang="ja-JP" smtClean="0"/>
               <a:t>2 </a:t>
             </a:r>
             <a:r>
-              <a:rPr lang="ja-JP" altLang="en-US"/>
+              <a:rPr lang="ja-JP" altLang="en-US" smtClean="0"/>
               <a:t>レベル</a:t>
             </a:r>
           </a:p>
           <a:p>
             <a:pPr lvl="2"/>
             <a:r>
-              <a:rPr lang="ja-JP" altLang="en-US"/>
+              <a:rPr lang="ja-JP" altLang="en-US" smtClean="0"/>
               <a:t>第 </a:t>
             </a:r>
             <a:r>
-              <a:rPr lang="en-US" altLang="ja-JP"/>
+              <a:rPr lang="en-US" altLang="ja-JP" smtClean="0"/>
               <a:t>3 </a:t>
             </a:r>
             <a:r>
-              <a:rPr lang="ja-JP" altLang="en-US"/>
+              <a:rPr lang="ja-JP" altLang="en-US" smtClean="0"/>
               <a:t>レベル</a:t>
             </a:r>
           </a:p>
           <a:p>
             <a:pPr lvl="3"/>
             <a:r>
-              <a:rPr lang="ja-JP" altLang="en-US"/>
+              <a:rPr lang="ja-JP" altLang="en-US" smtClean="0"/>
               <a:t>第 </a:t>
             </a:r>
             <a:r>
-              <a:rPr lang="en-US" altLang="ja-JP"/>
+              <a:rPr lang="en-US" altLang="ja-JP" smtClean="0"/>
               <a:t>4 </a:t>
             </a:r>
             <a:r>
-              <a:rPr lang="ja-JP" altLang="en-US"/>
+              <a:rPr lang="ja-JP" altLang="en-US" smtClean="0"/>
               <a:t>レベル</a:t>
             </a:r>
           </a:p>
           <a:p>
             <a:pPr lvl="4"/>
             <a:r>
-              <a:rPr lang="ja-JP" altLang="en-US"/>
+              <a:rPr lang="ja-JP" altLang="en-US" smtClean="0"/>
               <a:t>第 </a:t>
             </a:r>
             <a:r>
-              <a:rPr lang="en-US" altLang="ja-JP"/>
+              <a:rPr lang="en-US" altLang="ja-JP" smtClean="0"/>
               <a:t>5 </a:t>
             </a:r>
             <a:r>
-              <a:rPr lang="ja-JP" altLang="en-US"/>
+              <a:rPr lang="ja-JP" altLang="en-US" smtClean="0"/>
               <a:t>レベル</a:t>
             </a:r>
             <a:endParaRPr lang="en-US" dirty="0"/>
@@ -2690,8 +2694,8 @@
         </p:nvSpPr>
         <p:spPr>
           <a:xfrm>
-            <a:off x="472381" y="2743200"/>
-            <a:ext cx="2211884" cy="5082117"/>
+            <a:off x="839788" y="2743200"/>
+            <a:ext cx="3932237" cy="5082117"/>
           </a:xfrm>
         </p:spPr>
         <p:txBody>
@@ -2699,45 +2703,45 @@
           <a:lstStyle>
             <a:lvl1pPr marL="0" indent="0">
               <a:buNone/>
-              <a:defRPr sz="1200"/>
+              <a:defRPr sz="2133"/>
             </a:lvl1pPr>
-            <a:lvl2pPr marL="342900" indent="0">
+            <a:lvl2pPr marL="609585" indent="0">
               <a:buNone/>
-              <a:defRPr sz="1050"/>
+              <a:defRPr sz="1867"/>
             </a:lvl2pPr>
-            <a:lvl3pPr marL="685800" indent="0">
+            <a:lvl3pPr marL="1219170" indent="0">
               <a:buNone/>
-              <a:defRPr sz="900"/>
+              <a:defRPr sz="1600"/>
             </a:lvl3pPr>
-            <a:lvl4pPr marL="1028700" indent="0">
+            <a:lvl4pPr marL="1828754" indent="0">
               <a:buNone/>
-              <a:defRPr sz="750"/>
+              <a:defRPr sz="1333"/>
             </a:lvl4pPr>
-            <a:lvl5pPr marL="1371600" indent="0">
+            <a:lvl5pPr marL="2438339" indent="0">
               <a:buNone/>
-              <a:defRPr sz="750"/>
+              <a:defRPr sz="1333"/>
             </a:lvl5pPr>
-            <a:lvl6pPr marL="1714500" indent="0">
+            <a:lvl6pPr marL="3047924" indent="0">
               <a:buNone/>
-              <a:defRPr sz="750"/>
+              <a:defRPr sz="1333"/>
             </a:lvl6pPr>
-            <a:lvl7pPr marL="2057400" indent="0">
+            <a:lvl7pPr marL="3657509" indent="0">
               <a:buNone/>
-              <a:defRPr sz="750"/>
+              <a:defRPr sz="1333"/>
             </a:lvl7pPr>
-            <a:lvl8pPr marL="2400300" indent="0">
+            <a:lvl8pPr marL="4267093" indent="0">
               <a:buNone/>
-              <a:defRPr sz="750"/>
+              <a:defRPr sz="1333"/>
             </a:lvl8pPr>
-            <a:lvl9pPr marL="2743200" indent="0">
+            <a:lvl9pPr marL="4876678" indent="0">
               <a:buNone/>
-              <a:defRPr sz="750"/>
+              <a:defRPr sz="1333"/>
             </a:lvl9pPr>
           </a:lstStyle>
           <a:p>
             <a:pPr lvl="0"/>
             <a:r>
-              <a:rPr lang="ja-JP" altLang="en-US"/>
+              <a:rPr lang="ja-JP" altLang="en-US" smtClean="0"/>
               <a:t>マスター テキストの書式設定</a:t>
             </a:r>
           </a:p>
@@ -2760,7 +2764,7 @@
           <a:p>
             <a:fld id="{221717AB-DDF7-4F25-8545-B749AE3C761D}" type="datetime1">
               <a:rPr kumimoji="1" lang="ja-JP" altLang="en-US" smtClean="0"/>
-              <a:t>2018/8/5</a:t>
+              <a:t>2018/8/21</a:t>
             </a:fld>
             <a:endParaRPr kumimoji="1" lang="ja-JP" altLang="en-US"/>
           </a:p>
@@ -2811,7 +2815,7 @@
     </p:spTree>
     <p:extLst>
       <p:ext uri="{BB962C8B-B14F-4D97-AF65-F5344CB8AC3E}">
-        <p14:creationId xmlns:p14="http://schemas.microsoft.com/office/powerpoint/2010/main" val="2882376320"/>
+        <p14:creationId xmlns:p14="http://schemas.microsoft.com/office/powerpoint/2010/main" val="1151185737"/>
       </p:ext>
     </p:extLst>
   </p:cSld>
@@ -2850,20 +2854,20 @@
         </p:nvSpPr>
         <p:spPr>
           <a:xfrm>
-            <a:off x="472381" y="609600"/>
-            <a:ext cx="2211884" cy="2133600"/>
+            <a:off x="839788" y="609600"/>
+            <a:ext cx="3932237" cy="2133600"/>
           </a:xfrm>
         </p:spPr>
         <p:txBody>
           <a:bodyPr anchor="b"/>
           <a:lstStyle>
             <a:lvl1pPr>
-              <a:defRPr sz="2400"/>
+              <a:defRPr sz="4267"/>
             </a:lvl1pPr>
           </a:lstStyle>
           <a:p>
             <a:r>
-              <a:rPr lang="ja-JP" altLang="en-US"/>
+              <a:rPr lang="ja-JP" altLang="en-US" smtClean="0"/>
               <a:t>マスター タイトルの書式設定</a:t>
             </a:r>
             <a:endParaRPr lang="en-US" dirty="0"/>
@@ -2882,8 +2886,8 @@
         </p:nvSpPr>
         <p:spPr>
           <a:xfrm>
-            <a:off x="2915543" y="1316569"/>
-            <a:ext cx="3471863" cy="6498167"/>
+            <a:off x="5183188" y="1316569"/>
+            <a:ext cx="6172200" cy="6498167"/>
           </a:xfrm>
         </p:spPr>
         <p:txBody>
@@ -2891,44 +2895,44 @@
           <a:lstStyle>
             <a:lvl1pPr marL="0" indent="0">
               <a:buNone/>
-              <a:defRPr sz="2400"/>
+              <a:defRPr sz="4267"/>
             </a:lvl1pPr>
-            <a:lvl2pPr marL="342900" indent="0">
+            <a:lvl2pPr marL="609585" indent="0">
               <a:buNone/>
-              <a:defRPr sz="2100"/>
+              <a:defRPr sz="3733"/>
             </a:lvl2pPr>
-            <a:lvl3pPr marL="685800" indent="0">
+            <a:lvl3pPr marL="1219170" indent="0">
               <a:buNone/>
-              <a:defRPr sz="1800"/>
+              <a:defRPr sz="3200"/>
             </a:lvl3pPr>
-            <a:lvl4pPr marL="1028700" indent="0">
+            <a:lvl4pPr marL="1828754" indent="0">
               <a:buNone/>
-              <a:defRPr sz="1500"/>
+              <a:defRPr sz="2667"/>
             </a:lvl4pPr>
-            <a:lvl5pPr marL="1371600" indent="0">
+            <a:lvl5pPr marL="2438339" indent="0">
               <a:buNone/>
-              <a:defRPr sz="1500"/>
+              <a:defRPr sz="2667"/>
             </a:lvl5pPr>
-            <a:lvl6pPr marL="1714500" indent="0">
+            <a:lvl6pPr marL="3047924" indent="0">
               <a:buNone/>
-              <a:defRPr sz="1500"/>
+              <a:defRPr sz="2667"/>
             </a:lvl6pPr>
-            <a:lvl7pPr marL="2057400" indent="0">
+            <a:lvl7pPr marL="3657509" indent="0">
               <a:buNone/>
-              <a:defRPr sz="1500"/>
+              <a:defRPr sz="2667"/>
             </a:lvl7pPr>
-            <a:lvl8pPr marL="2400300" indent="0">
+            <a:lvl8pPr marL="4267093" indent="0">
               <a:buNone/>
-              <a:defRPr sz="1500"/>
+              <a:defRPr sz="2667"/>
             </a:lvl8pPr>
-            <a:lvl9pPr marL="2743200" indent="0">
+            <a:lvl9pPr marL="4876678" indent="0">
               <a:buNone/>
-              <a:defRPr sz="1500"/>
+              <a:defRPr sz="2667"/>
             </a:lvl9pPr>
           </a:lstStyle>
           <a:p>
             <a:r>
-              <a:rPr lang="ja-JP" altLang="en-US"/>
+              <a:rPr lang="ja-JP" altLang="en-US" smtClean="0"/>
               <a:t>図を追加</a:t>
             </a:r>
             <a:endParaRPr lang="en-US" dirty="0"/>
@@ -2947,8 +2951,8 @@
         </p:nvSpPr>
         <p:spPr>
           <a:xfrm>
-            <a:off x="472381" y="2743200"/>
-            <a:ext cx="2211884" cy="5082117"/>
+            <a:off x="839788" y="2743200"/>
+            <a:ext cx="3932237" cy="5082117"/>
           </a:xfrm>
         </p:spPr>
         <p:txBody>
@@ -2956,45 +2960,45 @@
           <a:lstStyle>
             <a:lvl1pPr marL="0" indent="0">
               <a:buNone/>
-              <a:defRPr sz="1200"/>
+              <a:defRPr sz="2133"/>
             </a:lvl1pPr>
-            <a:lvl2pPr marL="342900" indent="0">
+            <a:lvl2pPr marL="609585" indent="0">
               <a:buNone/>
-              <a:defRPr sz="1050"/>
+              <a:defRPr sz="1867"/>
             </a:lvl2pPr>
-            <a:lvl3pPr marL="685800" indent="0">
+            <a:lvl3pPr marL="1219170" indent="0">
               <a:buNone/>
-              <a:defRPr sz="900"/>
+              <a:defRPr sz="1600"/>
             </a:lvl3pPr>
-            <a:lvl4pPr marL="1028700" indent="0">
+            <a:lvl4pPr marL="1828754" indent="0">
               <a:buNone/>
-              <a:defRPr sz="750"/>
+              <a:defRPr sz="1333"/>
             </a:lvl4pPr>
-            <a:lvl5pPr marL="1371600" indent="0">
+            <a:lvl5pPr marL="2438339" indent="0">
               <a:buNone/>
-              <a:defRPr sz="750"/>
+              <a:defRPr sz="1333"/>
             </a:lvl5pPr>
-            <a:lvl6pPr marL="1714500" indent="0">
+            <a:lvl6pPr marL="3047924" indent="0">
               <a:buNone/>
-              <a:defRPr sz="750"/>
+              <a:defRPr sz="1333"/>
             </a:lvl6pPr>
-            <a:lvl7pPr marL="2057400" indent="0">
+            <a:lvl7pPr marL="3657509" indent="0">
               <a:buNone/>
-              <a:defRPr sz="750"/>
+              <a:defRPr sz="1333"/>
             </a:lvl7pPr>
-            <a:lvl8pPr marL="2400300" indent="0">
+            <a:lvl8pPr marL="4267093" indent="0">
               <a:buNone/>
-              <a:defRPr sz="750"/>
+              <a:defRPr sz="1333"/>
             </a:lvl8pPr>
-            <a:lvl9pPr marL="2743200" indent="0">
+            <a:lvl9pPr marL="4876678" indent="0">
               <a:buNone/>
-              <a:defRPr sz="750"/>
+              <a:defRPr sz="1333"/>
             </a:lvl9pPr>
           </a:lstStyle>
           <a:p>
             <a:pPr lvl="0"/>
             <a:r>
-              <a:rPr lang="ja-JP" altLang="en-US"/>
+              <a:rPr lang="ja-JP" altLang="en-US" smtClean="0"/>
               <a:t>マスター テキストの書式設定</a:t>
             </a:r>
           </a:p>
@@ -3017,7 +3021,7 @@
           <a:p>
             <a:fld id="{1E39A78B-9223-4C59-BFFA-2B6EC860F077}" type="datetime1">
               <a:rPr kumimoji="1" lang="ja-JP" altLang="en-US" smtClean="0"/>
-              <a:t>2018/8/5</a:t>
+              <a:t>2018/8/21</a:t>
             </a:fld>
             <a:endParaRPr kumimoji="1" lang="ja-JP" altLang="en-US"/>
           </a:p>
@@ -3068,7 +3072,7 @@
     </p:spTree>
     <p:extLst>
       <p:ext uri="{BB962C8B-B14F-4D97-AF65-F5344CB8AC3E}">
-        <p14:creationId xmlns:p14="http://schemas.microsoft.com/office/powerpoint/2010/main" val="4000762456"/>
+        <p14:creationId xmlns:p14="http://schemas.microsoft.com/office/powerpoint/2010/main" val="4231941635"/>
       </p:ext>
     </p:extLst>
   </p:cSld>
@@ -3112,8 +3116,8 @@
         </p:nvSpPr>
         <p:spPr>
           <a:xfrm>
-            <a:off x="471488" y="486836"/>
-            <a:ext cx="5915025" cy="1767417"/>
+            <a:off x="838200" y="486836"/>
+            <a:ext cx="10515600" cy="1767417"/>
           </a:xfrm>
           <a:prstGeom prst="rect">
             <a:avLst/>
@@ -3126,7 +3130,7 @@
           <a:lstStyle/>
           <a:p>
             <a:r>
-              <a:rPr lang="ja-JP" altLang="en-US"/>
+              <a:rPr lang="ja-JP" altLang="en-US" smtClean="0"/>
               <a:t>マスター タイトルの書式設定</a:t>
             </a:r>
             <a:endParaRPr lang="en-US" dirty="0"/>
@@ -3145,8 +3149,8 @@
         </p:nvSpPr>
         <p:spPr>
           <a:xfrm>
-            <a:off x="471488" y="2434167"/>
-            <a:ext cx="5915025" cy="5801784"/>
+            <a:off x="838200" y="2434167"/>
+            <a:ext cx="10515600" cy="5801784"/>
           </a:xfrm>
           <a:prstGeom prst="rect">
             <a:avLst/>
@@ -3160,67 +3164,67 @@
           <a:p>
             <a:pPr lvl="0"/>
             <a:r>
-              <a:rPr lang="ja-JP" altLang="en-US"/>
+              <a:rPr lang="ja-JP" altLang="en-US" smtClean="0"/>
               <a:t>マスター テキストの書式設定</a:t>
             </a:r>
           </a:p>
           <a:p>
             <a:pPr lvl="1"/>
             <a:r>
-              <a:rPr lang="ja-JP" altLang="en-US"/>
+              <a:rPr lang="ja-JP" altLang="en-US" smtClean="0"/>
               <a:t>第 </a:t>
             </a:r>
             <a:r>
-              <a:rPr lang="en-US" altLang="ja-JP"/>
+              <a:rPr lang="en-US" altLang="ja-JP" smtClean="0"/>
               <a:t>2 </a:t>
             </a:r>
             <a:r>
-              <a:rPr lang="ja-JP" altLang="en-US"/>
+              <a:rPr lang="ja-JP" altLang="en-US" smtClean="0"/>
               <a:t>レベル</a:t>
             </a:r>
           </a:p>
           <a:p>
             <a:pPr lvl="2"/>
             <a:r>
-              <a:rPr lang="ja-JP" altLang="en-US"/>
+              <a:rPr lang="ja-JP" altLang="en-US" smtClean="0"/>
               <a:t>第 </a:t>
             </a:r>
             <a:r>
-              <a:rPr lang="en-US" altLang="ja-JP"/>
+              <a:rPr lang="en-US" altLang="ja-JP" smtClean="0"/>
               <a:t>3 </a:t>
             </a:r>
             <a:r>
-              <a:rPr lang="ja-JP" altLang="en-US"/>
+              <a:rPr lang="ja-JP" altLang="en-US" smtClean="0"/>
               <a:t>レベル</a:t>
             </a:r>
           </a:p>
           <a:p>
             <a:pPr lvl="3"/>
             <a:r>
-              <a:rPr lang="ja-JP" altLang="en-US"/>
+              <a:rPr lang="ja-JP" altLang="en-US" smtClean="0"/>
               <a:t>第 </a:t>
             </a:r>
             <a:r>
-              <a:rPr lang="en-US" altLang="ja-JP"/>
+              <a:rPr lang="en-US" altLang="ja-JP" smtClean="0"/>
               <a:t>4 </a:t>
             </a:r>
             <a:r>
-              <a:rPr lang="ja-JP" altLang="en-US"/>
+              <a:rPr lang="ja-JP" altLang="en-US" smtClean="0"/>
               <a:t>レベル</a:t>
             </a:r>
           </a:p>
           <a:p>
             <a:pPr lvl="4"/>
             <a:r>
-              <a:rPr lang="ja-JP" altLang="en-US"/>
+              <a:rPr lang="ja-JP" altLang="en-US" smtClean="0"/>
               <a:t>第 </a:t>
             </a:r>
             <a:r>
-              <a:rPr lang="en-US" altLang="ja-JP"/>
+              <a:rPr lang="en-US" altLang="ja-JP" smtClean="0"/>
               <a:t>5 </a:t>
             </a:r>
             <a:r>
-              <a:rPr lang="ja-JP" altLang="en-US"/>
+              <a:rPr lang="ja-JP" altLang="en-US" smtClean="0"/>
               <a:t>レベル</a:t>
             </a:r>
             <a:endParaRPr lang="en-US" dirty="0"/>
@@ -3239,8 +3243,8 @@
         </p:nvSpPr>
         <p:spPr>
           <a:xfrm>
-            <a:off x="471488" y="8475136"/>
-            <a:ext cx="1543050" cy="486833"/>
+            <a:off x="838200" y="8475136"/>
+            <a:ext cx="2743200" cy="486833"/>
           </a:xfrm>
           <a:prstGeom prst="rect">
             <a:avLst/>
@@ -3250,7 +3254,7 @@
           <a:bodyPr vert="horz" lIns="91440" tIns="45720" rIns="91440" bIns="45720" rtlCol="0" anchor="ctr"/>
           <a:lstStyle>
             <a:lvl1pPr algn="l">
-              <a:defRPr sz="900">
+              <a:defRPr sz="1600">
                 <a:solidFill>
                   <a:schemeClr val="tx1">
                     <a:tint val="75000"/>
@@ -3262,7 +3266,7 @@
           <a:p>
             <a:fld id="{16C85980-815E-4646-9C2E-8223336555EE}" type="datetime1">
               <a:rPr kumimoji="1" lang="ja-JP" altLang="en-US" smtClean="0"/>
-              <a:t>2018/8/5</a:t>
+              <a:t>2018/8/21</a:t>
             </a:fld>
             <a:endParaRPr kumimoji="1" lang="ja-JP" altLang="en-US"/>
           </a:p>
@@ -3280,8 +3284,8 @@
         </p:nvSpPr>
         <p:spPr>
           <a:xfrm>
-            <a:off x="2271713" y="8475136"/>
-            <a:ext cx="2314575" cy="486833"/>
+            <a:off x="4038600" y="8475136"/>
+            <a:ext cx="4114800" cy="486833"/>
           </a:xfrm>
           <a:prstGeom prst="rect">
             <a:avLst/>
@@ -3291,7 +3295,7 @@
           <a:bodyPr vert="horz" lIns="91440" tIns="45720" rIns="91440" bIns="45720" rtlCol="0" anchor="ctr"/>
           <a:lstStyle>
             <a:lvl1pPr algn="ctr">
-              <a:defRPr sz="900">
+              <a:defRPr sz="1600">
                 <a:solidFill>
                   <a:schemeClr val="tx1">
                     <a:tint val="75000"/>
@@ -3317,8 +3321,8 @@
         </p:nvSpPr>
         <p:spPr>
           <a:xfrm>
-            <a:off x="4843463" y="8475136"/>
-            <a:ext cx="1543050" cy="486833"/>
+            <a:off x="8610600" y="8475136"/>
+            <a:ext cx="2743200" cy="486833"/>
           </a:xfrm>
           <a:prstGeom prst="rect">
             <a:avLst/>
@@ -3328,7 +3332,7 @@
           <a:bodyPr vert="horz" lIns="91440" tIns="45720" rIns="91440" bIns="45720" rtlCol="0" anchor="ctr"/>
           <a:lstStyle>
             <a:lvl1pPr algn="r">
-              <a:defRPr sz="900">
+              <a:defRPr sz="1600">
                 <a:solidFill>
                   <a:schemeClr val="tx1">
                     <a:tint val="75000"/>
@@ -3349,28 +3353,28 @@
     </p:spTree>
     <p:extLst>
       <p:ext uri="{BB962C8B-B14F-4D97-AF65-F5344CB8AC3E}">
-        <p14:creationId xmlns:p14="http://schemas.microsoft.com/office/powerpoint/2010/main" val="2522068378"/>
+        <p14:creationId xmlns:p14="http://schemas.microsoft.com/office/powerpoint/2010/main" val="3684149818"/>
       </p:ext>
     </p:extLst>
   </p:cSld>
   <p:clrMap bg1="lt1" tx1="dk1" bg2="lt2" tx2="dk2" accent1="accent1" accent2="accent2" accent3="accent3" accent4="accent4" accent5="accent5" accent6="accent6" hlink="hlink" folHlink="folHlink"/>
   <p:sldLayoutIdLst>
-    <p:sldLayoutId id="2147483673" r:id="rId1"/>
-    <p:sldLayoutId id="2147483674" r:id="rId2"/>
-    <p:sldLayoutId id="2147483675" r:id="rId3"/>
-    <p:sldLayoutId id="2147483676" r:id="rId4"/>
-    <p:sldLayoutId id="2147483677" r:id="rId5"/>
-    <p:sldLayoutId id="2147483678" r:id="rId6"/>
-    <p:sldLayoutId id="2147483679" r:id="rId7"/>
-    <p:sldLayoutId id="2147483680" r:id="rId8"/>
-    <p:sldLayoutId id="2147483681" r:id="rId9"/>
-    <p:sldLayoutId id="2147483682" r:id="rId10"/>
-    <p:sldLayoutId id="2147483683" r:id="rId11"/>
+    <p:sldLayoutId id="2147483685" r:id="rId1"/>
+    <p:sldLayoutId id="2147483686" r:id="rId2"/>
+    <p:sldLayoutId id="2147483687" r:id="rId3"/>
+    <p:sldLayoutId id="2147483688" r:id="rId4"/>
+    <p:sldLayoutId id="2147483689" r:id="rId5"/>
+    <p:sldLayoutId id="2147483690" r:id="rId6"/>
+    <p:sldLayoutId id="2147483691" r:id="rId7"/>
+    <p:sldLayoutId id="2147483692" r:id="rId8"/>
+    <p:sldLayoutId id="2147483693" r:id="rId9"/>
+    <p:sldLayoutId id="2147483694" r:id="rId10"/>
+    <p:sldLayoutId id="2147483695" r:id="rId11"/>
   </p:sldLayoutIdLst>
   <p:hf hdr="0" ftr="0" dt="0"/>
   <p:txStyles>
     <p:titleStyle>
-      <a:lvl1pPr algn="l" defTabSz="685800" rtl="0" eaLnBrk="1" latinLnBrk="0" hangingPunct="1">
+      <a:lvl1pPr algn="l" defTabSz="1219170" rtl="0" eaLnBrk="1" latinLnBrk="0" hangingPunct="1">
         <a:lnSpc>
           <a:spcPct val="90000"/>
         </a:lnSpc>
@@ -3378,7 +3382,7 @@
           <a:spcPct val="0"/>
         </a:spcBef>
         <a:buNone/>
-        <a:defRPr kumimoji="1" sz="3300" kern="1200">
+        <a:defRPr kumimoji="1" sz="5867" kern="1200">
           <a:solidFill>
             <a:schemeClr val="tx1"/>
           </a:solidFill>
@@ -3389,16 +3393,16 @@
       </a:lvl1pPr>
     </p:titleStyle>
     <p:bodyStyle>
-      <a:lvl1pPr marL="171450" indent="-171450" algn="l" defTabSz="685800" rtl="0" eaLnBrk="1" latinLnBrk="0" hangingPunct="1">
+      <a:lvl1pPr marL="304792" indent="-304792" algn="l" defTabSz="1219170" rtl="0" eaLnBrk="1" latinLnBrk="0" hangingPunct="1">
         <a:lnSpc>
           <a:spcPct val="90000"/>
         </a:lnSpc>
         <a:spcBef>
-          <a:spcPts val="750"/>
+          <a:spcPts val="1333"/>
         </a:spcBef>
         <a:buFont typeface="Arial" panose="020B0604020202020204" pitchFamily="34" charset="0"/>
         <a:buChar char="•"/>
-        <a:defRPr kumimoji="1" sz="2100" kern="1200">
+        <a:defRPr kumimoji="1" sz="3733" kern="1200">
           <a:solidFill>
             <a:schemeClr val="tx1"/>
           </a:solidFill>
@@ -3407,16 +3411,16 @@
           <a:cs typeface="+mn-cs"/>
         </a:defRPr>
       </a:lvl1pPr>
-      <a:lvl2pPr marL="514350" indent="-171450" algn="l" defTabSz="685800" rtl="0" eaLnBrk="1" latinLnBrk="0" hangingPunct="1">
+      <a:lvl2pPr marL="914377" indent="-304792" algn="l" defTabSz="1219170" rtl="0" eaLnBrk="1" latinLnBrk="0" hangingPunct="1">
         <a:lnSpc>
           <a:spcPct val="90000"/>
         </a:lnSpc>
         <a:spcBef>
-          <a:spcPts val="375"/>
+          <a:spcPts val="667"/>
         </a:spcBef>
         <a:buFont typeface="Arial" panose="020B0604020202020204" pitchFamily="34" charset="0"/>
         <a:buChar char="•"/>
-        <a:defRPr kumimoji="1" sz="1800" kern="1200">
+        <a:defRPr kumimoji="1" sz="3200" kern="1200">
           <a:solidFill>
             <a:schemeClr val="tx1"/>
           </a:solidFill>
@@ -3425,16 +3429,16 @@
           <a:cs typeface="+mn-cs"/>
         </a:defRPr>
       </a:lvl2pPr>
-      <a:lvl3pPr marL="857250" indent="-171450" algn="l" defTabSz="685800" rtl="0" eaLnBrk="1" latinLnBrk="0" hangingPunct="1">
+      <a:lvl3pPr marL="1523962" indent="-304792" algn="l" defTabSz="1219170" rtl="0" eaLnBrk="1" latinLnBrk="0" hangingPunct="1">
         <a:lnSpc>
           <a:spcPct val="90000"/>
         </a:lnSpc>
         <a:spcBef>
-          <a:spcPts val="375"/>
+          <a:spcPts val="667"/>
         </a:spcBef>
         <a:buFont typeface="Arial" panose="020B0604020202020204" pitchFamily="34" charset="0"/>
         <a:buChar char="•"/>
-        <a:defRPr kumimoji="1" sz="1500" kern="1200">
+        <a:defRPr kumimoji="1" sz="2667" kern="1200">
           <a:solidFill>
             <a:schemeClr val="tx1"/>
           </a:solidFill>
@@ -3443,16 +3447,16 @@
           <a:cs typeface="+mn-cs"/>
         </a:defRPr>
       </a:lvl3pPr>
-      <a:lvl4pPr marL="1200150" indent="-171450" algn="l" defTabSz="685800" rtl="0" eaLnBrk="1" latinLnBrk="0" hangingPunct="1">
+      <a:lvl4pPr marL="2133547" indent="-304792" algn="l" defTabSz="1219170" rtl="0" eaLnBrk="1" latinLnBrk="0" hangingPunct="1">
         <a:lnSpc>
           <a:spcPct val="90000"/>
         </a:lnSpc>
         <a:spcBef>
-          <a:spcPts val="375"/>
+          <a:spcPts val="667"/>
         </a:spcBef>
         <a:buFont typeface="Arial" panose="020B0604020202020204" pitchFamily="34" charset="0"/>
         <a:buChar char="•"/>
-        <a:defRPr kumimoji="1" sz="1350" kern="1200">
+        <a:defRPr kumimoji="1" sz="2400" kern="1200">
           <a:solidFill>
             <a:schemeClr val="tx1"/>
           </a:solidFill>
@@ -3461,16 +3465,16 @@
           <a:cs typeface="+mn-cs"/>
         </a:defRPr>
       </a:lvl4pPr>
-      <a:lvl5pPr marL="1543050" indent="-171450" algn="l" defTabSz="685800" rtl="0" eaLnBrk="1" latinLnBrk="0" hangingPunct="1">
+      <a:lvl5pPr marL="2743131" indent="-304792" algn="l" defTabSz="1219170" rtl="0" eaLnBrk="1" latinLnBrk="0" hangingPunct="1">
         <a:lnSpc>
           <a:spcPct val="90000"/>
         </a:lnSpc>
         <a:spcBef>
-          <a:spcPts val="375"/>
+          <a:spcPts val="667"/>
         </a:spcBef>
         <a:buFont typeface="Arial" panose="020B0604020202020204" pitchFamily="34" charset="0"/>
         <a:buChar char="•"/>
-        <a:defRPr kumimoji="1" sz="1350" kern="1200">
+        <a:defRPr kumimoji="1" sz="2400" kern="1200">
           <a:solidFill>
             <a:schemeClr val="tx1"/>
           </a:solidFill>
@@ -3479,16 +3483,16 @@
           <a:cs typeface="+mn-cs"/>
         </a:defRPr>
       </a:lvl5pPr>
-      <a:lvl6pPr marL="1885950" indent="-171450" algn="l" defTabSz="685800" rtl="0" eaLnBrk="1" latinLnBrk="0" hangingPunct="1">
+      <a:lvl6pPr marL="3352716" indent="-304792" algn="l" defTabSz="1219170" rtl="0" eaLnBrk="1" latinLnBrk="0" hangingPunct="1">
         <a:lnSpc>
           <a:spcPct val="90000"/>
         </a:lnSpc>
         <a:spcBef>
-          <a:spcPts val="375"/>
+          <a:spcPts val="667"/>
         </a:spcBef>
         <a:buFont typeface="Arial" panose="020B0604020202020204" pitchFamily="34" charset="0"/>
         <a:buChar char="•"/>
-        <a:defRPr kumimoji="1" sz="1350" kern="1200">
+        <a:defRPr kumimoji="1" sz="2400" kern="1200">
           <a:solidFill>
             <a:schemeClr val="tx1"/>
           </a:solidFill>
@@ -3497,16 +3501,16 @@
           <a:cs typeface="+mn-cs"/>
         </a:defRPr>
       </a:lvl6pPr>
-      <a:lvl7pPr marL="2228850" indent="-171450" algn="l" defTabSz="685800" rtl="0" eaLnBrk="1" latinLnBrk="0" hangingPunct="1">
+      <a:lvl7pPr marL="3962301" indent="-304792" algn="l" defTabSz="1219170" rtl="0" eaLnBrk="1" latinLnBrk="0" hangingPunct="1">
         <a:lnSpc>
           <a:spcPct val="90000"/>
         </a:lnSpc>
         <a:spcBef>
-          <a:spcPts val="375"/>
+          <a:spcPts val="667"/>
         </a:spcBef>
         <a:buFont typeface="Arial" panose="020B0604020202020204" pitchFamily="34" charset="0"/>
         <a:buChar char="•"/>
-        <a:defRPr kumimoji="1" sz="1350" kern="1200">
+        <a:defRPr kumimoji="1" sz="2400" kern="1200">
           <a:solidFill>
             <a:schemeClr val="tx1"/>
           </a:solidFill>
@@ -3515,16 +3519,16 @@
           <a:cs typeface="+mn-cs"/>
         </a:defRPr>
       </a:lvl7pPr>
-      <a:lvl8pPr marL="2571750" indent="-171450" algn="l" defTabSz="685800" rtl="0" eaLnBrk="1" latinLnBrk="0" hangingPunct="1">
+      <a:lvl8pPr marL="4571886" indent="-304792" algn="l" defTabSz="1219170" rtl="0" eaLnBrk="1" latinLnBrk="0" hangingPunct="1">
         <a:lnSpc>
           <a:spcPct val="90000"/>
         </a:lnSpc>
         <a:spcBef>
-          <a:spcPts val="375"/>
+          <a:spcPts val="667"/>
         </a:spcBef>
         <a:buFont typeface="Arial" panose="020B0604020202020204" pitchFamily="34" charset="0"/>
         <a:buChar char="•"/>
-        <a:defRPr kumimoji="1" sz="1350" kern="1200">
+        <a:defRPr kumimoji="1" sz="2400" kern="1200">
           <a:solidFill>
             <a:schemeClr val="tx1"/>
           </a:solidFill>
@@ -3533,16 +3537,16 @@
           <a:cs typeface="+mn-cs"/>
         </a:defRPr>
       </a:lvl8pPr>
-      <a:lvl9pPr marL="2914650" indent="-171450" algn="l" defTabSz="685800" rtl="0" eaLnBrk="1" latinLnBrk="0" hangingPunct="1">
+      <a:lvl9pPr marL="5181470" indent="-304792" algn="l" defTabSz="1219170" rtl="0" eaLnBrk="1" latinLnBrk="0" hangingPunct="1">
         <a:lnSpc>
           <a:spcPct val="90000"/>
         </a:lnSpc>
         <a:spcBef>
-          <a:spcPts val="375"/>
+          <a:spcPts val="667"/>
         </a:spcBef>
         <a:buFont typeface="Arial" panose="020B0604020202020204" pitchFamily="34" charset="0"/>
         <a:buChar char="•"/>
-        <a:defRPr kumimoji="1" sz="1350" kern="1200">
+        <a:defRPr kumimoji="1" sz="2400" kern="1200">
           <a:solidFill>
             <a:schemeClr val="tx1"/>
           </a:solidFill>
@@ -3556,8 +3560,8 @@
       <a:defPPr>
         <a:defRPr lang="en-US"/>
       </a:defPPr>
-      <a:lvl1pPr marL="0" algn="l" defTabSz="685800" rtl="0" eaLnBrk="1" latinLnBrk="0" hangingPunct="1">
-        <a:defRPr kumimoji="1" sz="1350" kern="1200">
+      <a:lvl1pPr marL="0" algn="l" defTabSz="1219170" rtl="0" eaLnBrk="1" latinLnBrk="0" hangingPunct="1">
+        <a:defRPr kumimoji="1" sz="2400" kern="1200">
           <a:solidFill>
             <a:schemeClr val="tx1"/>
           </a:solidFill>
@@ -3566,8 +3570,8 @@
           <a:cs typeface="+mn-cs"/>
         </a:defRPr>
       </a:lvl1pPr>
-      <a:lvl2pPr marL="342900" algn="l" defTabSz="685800" rtl="0" eaLnBrk="1" latinLnBrk="0" hangingPunct="1">
-        <a:defRPr kumimoji="1" sz="1350" kern="1200">
+      <a:lvl2pPr marL="609585" algn="l" defTabSz="1219170" rtl="0" eaLnBrk="1" latinLnBrk="0" hangingPunct="1">
+        <a:defRPr kumimoji="1" sz="2400" kern="1200">
           <a:solidFill>
             <a:schemeClr val="tx1"/>
           </a:solidFill>
@@ -3576,8 +3580,8 @@
           <a:cs typeface="+mn-cs"/>
         </a:defRPr>
       </a:lvl2pPr>
-      <a:lvl3pPr marL="685800" algn="l" defTabSz="685800" rtl="0" eaLnBrk="1" latinLnBrk="0" hangingPunct="1">
-        <a:defRPr kumimoji="1" sz="1350" kern="1200">
+      <a:lvl3pPr marL="1219170" algn="l" defTabSz="1219170" rtl="0" eaLnBrk="1" latinLnBrk="0" hangingPunct="1">
+        <a:defRPr kumimoji="1" sz="2400" kern="1200">
           <a:solidFill>
             <a:schemeClr val="tx1"/>
           </a:solidFill>
@@ -3586,8 +3590,8 @@
           <a:cs typeface="+mn-cs"/>
         </a:defRPr>
       </a:lvl3pPr>
-      <a:lvl4pPr marL="1028700" algn="l" defTabSz="685800" rtl="0" eaLnBrk="1" latinLnBrk="0" hangingPunct="1">
-        <a:defRPr kumimoji="1" sz="1350" kern="1200">
+      <a:lvl4pPr marL="1828754" algn="l" defTabSz="1219170" rtl="0" eaLnBrk="1" latinLnBrk="0" hangingPunct="1">
+        <a:defRPr kumimoji="1" sz="2400" kern="1200">
           <a:solidFill>
             <a:schemeClr val="tx1"/>
           </a:solidFill>
@@ -3596,8 +3600,8 @@
           <a:cs typeface="+mn-cs"/>
         </a:defRPr>
       </a:lvl4pPr>
-      <a:lvl5pPr marL="1371600" algn="l" defTabSz="685800" rtl="0" eaLnBrk="1" latinLnBrk="0" hangingPunct="1">
-        <a:defRPr kumimoji="1" sz="1350" kern="1200">
+      <a:lvl5pPr marL="2438339" algn="l" defTabSz="1219170" rtl="0" eaLnBrk="1" latinLnBrk="0" hangingPunct="1">
+        <a:defRPr kumimoji="1" sz="2400" kern="1200">
           <a:solidFill>
             <a:schemeClr val="tx1"/>
           </a:solidFill>
@@ -3606,8 +3610,8 @@
           <a:cs typeface="+mn-cs"/>
         </a:defRPr>
       </a:lvl5pPr>
-      <a:lvl6pPr marL="1714500" algn="l" defTabSz="685800" rtl="0" eaLnBrk="1" latinLnBrk="0" hangingPunct="1">
-        <a:defRPr kumimoji="1" sz="1350" kern="1200">
+      <a:lvl6pPr marL="3047924" algn="l" defTabSz="1219170" rtl="0" eaLnBrk="1" latinLnBrk="0" hangingPunct="1">
+        <a:defRPr kumimoji="1" sz="2400" kern="1200">
           <a:solidFill>
             <a:schemeClr val="tx1"/>
           </a:solidFill>
@@ -3616,8 +3620,8 @@
           <a:cs typeface="+mn-cs"/>
         </a:defRPr>
       </a:lvl6pPr>
-      <a:lvl7pPr marL="2057400" algn="l" defTabSz="685800" rtl="0" eaLnBrk="1" latinLnBrk="0" hangingPunct="1">
-        <a:defRPr kumimoji="1" sz="1350" kern="1200">
+      <a:lvl7pPr marL="3657509" algn="l" defTabSz="1219170" rtl="0" eaLnBrk="1" latinLnBrk="0" hangingPunct="1">
+        <a:defRPr kumimoji="1" sz="2400" kern="1200">
           <a:solidFill>
             <a:schemeClr val="tx1"/>
           </a:solidFill>
@@ -3626,8 +3630,8 @@
           <a:cs typeface="+mn-cs"/>
         </a:defRPr>
       </a:lvl7pPr>
-      <a:lvl8pPr marL="2400300" algn="l" defTabSz="685800" rtl="0" eaLnBrk="1" latinLnBrk="0" hangingPunct="1">
-        <a:defRPr kumimoji="1" sz="1350" kern="1200">
+      <a:lvl8pPr marL="4267093" algn="l" defTabSz="1219170" rtl="0" eaLnBrk="1" latinLnBrk="0" hangingPunct="1">
+        <a:defRPr kumimoji="1" sz="2400" kern="1200">
           <a:solidFill>
             <a:schemeClr val="tx1"/>
           </a:solidFill>
@@ -3636,8 +3640,8 @@
           <a:cs typeface="+mn-cs"/>
         </a:defRPr>
       </a:lvl8pPr>
-      <a:lvl9pPr marL="2743200" algn="l" defTabSz="685800" rtl="0" eaLnBrk="1" latinLnBrk="0" hangingPunct="1">
-        <a:defRPr kumimoji="1" sz="1350" kern="1200">
+      <a:lvl9pPr marL="4876678" algn="l" defTabSz="1219170" rtl="0" eaLnBrk="1" latinLnBrk="0" hangingPunct="1">
+        <a:defRPr kumimoji="1" sz="2400" kern="1200">
           <a:solidFill>
             <a:schemeClr val="tx1"/>
           </a:solidFill>
@@ -3676,7 +3680,7 @@
         </p:nvSpPr>
         <p:spPr>
           <a:xfrm>
-            <a:off x="1821154" y="1326017"/>
+            <a:off x="4488154" y="1326018"/>
             <a:ext cx="2124276" cy="485333"/>
           </a:xfrm>
           <a:prstGeom prst="wedgeRectCallout">
@@ -3721,6 +3725,10 @@
               <a:rPr lang="ja-JP" altLang="en-US" sz="1013" b="1" dirty="0"/>
               <a:t>以内の連続した入力で</a:t>
             </a:r>
+            <a:r>
+              <a:rPr lang="en-US" altLang="ja-JP" sz="1013" b="1" dirty="0"/>
+              <a:t/>
+            </a:r>
             <a:br>
               <a:rPr lang="en-US" altLang="ja-JP" sz="1013" b="1" dirty="0"/>
             </a:br>
@@ -3743,7 +3751,7 @@
         </p:nvGrpSpPr>
         <p:grpSpPr>
           <a:xfrm>
-            <a:off x="4180383" y="480795"/>
+            <a:off x="6847383" y="480796"/>
             <a:ext cx="1791796" cy="6008349"/>
             <a:chOff x="5559668" y="-1728228"/>
             <a:chExt cx="2389061" cy="8011131"/>
@@ -3763,7 +3771,9 @@
             <a:prstGeom prst="roundRect">
               <a:avLst/>
             </a:prstGeom>
-            <a:noFill/>
+            <a:solidFill>
+              <a:srgbClr val="FFFF00"/>
+            </a:solidFill>
             <a:ln w="28575">
               <a:solidFill>
                 <a:schemeClr val="accent1"/>
@@ -4380,7 +4390,7 @@
         </p:nvCxnSpPr>
         <p:spPr>
           <a:xfrm>
-            <a:off x="3329187" y="3767184"/>
+            <a:off x="5996188" y="3767184"/>
             <a:ext cx="1777915" cy="1788058"/>
           </a:xfrm>
           <a:prstGeom prst="straightConnector1">
@@ -4420,7 +4430,7 @@
         </p:nvCxnSpPr>
         <p:spPr>
           <a:xfrm>
-            <a:off x="3356020" y="5411301"/>
+            <a:off x="6023020" y="5411302"/>
             <a:ext cx="1755002" cy="295249"/>
           </a:xfrm>
           <a:prstGeom prst="straightConnector1">
@@ -4460,7 +4470,7 @@
         </p:nvCxnSpPr>
         <p:spPr>
           <a:xfrm>
-            <a:off x="2842249" y="4952251"/>
+            <a:off x="5509250" y="4952252"/>
             <a:ext cx="1179" cy="315109"/>
           </a:xfrm>
           <a:prstGeom prst="straightConnector1">
@@ -4496,7 +4506,7 @@
         </p:nvSpPr>
         <p:spPr>
           <a:xfrm>
-            <a:off x="2330836" y="5267360"/>
+            <a:off x="4997836" y="5267360"/>
             <a:ext cx="1025184" cy="287882"/>
           </a:xfrm>
           <a:prstGeom prst="roundRect">
@@ -4556,7 +4566,7 @@
         </p:nvGrpSpPr>
         <p:grpSpPr>
           <a:xfrm>
-            <a:off x="2329658" y="2067673"/>
+            <a:off x="4996659" y="2067674"/>
             <a:ext cx="1115169" cy="3314839"/>
             <a:chOff x="3772630" y="-216515"/>
             <a:chExt cx="1486892" cy="4419786"/>
@@ -5055,7 +5065,7 @@
         </p:nvSpPr>
         <p:spPr>
           <a:xfrm>
-            <a:off x="3521054" y="2067901"/>
+            <a:off x="6188054" y="2067902"/>
             <a:ext cx="150374" cy="985795"/>
           </a:xfrm>
           <a:prstGeom prst="rightBracket">
@@ -5109,7 +5119,7 @@
         </p:nvCxnSpPr>
         <p:spPr>
           <a:xfrm>
-            <a:off x="3671428" y="2560799"/>
+            <a:off x="6338428" y="2560800"/>
             <a:ext cx="1299690" cy="795905"/>
           </a:xfrm>
           <a:prstGeom prst="straightConnector1">
@@ -5151,7 +5161,7 @@
         </p:nvSpPr>
         <p:spPr>
           <a:xfrm>
-            <a:off x="1808433" y="2104900"/>
+            <a:off x="4475433" y="2104901"/>
             <a:ext cx="317250" cy="3470663"/>
           </a:xfrm>
           <a:prstGeom prst="leftBrace">
@@ -5209,7 +5219,7 @@
         </p:blipFill>
         <p:spPr>
           <a:xfrm>
-            <a:off x="513587" y="3314294"/>
+            <a:off x="3180587" y="3314294"/>
             <a:ext cx="1253034" cy="1012066"/>
           </a:xfrm>
           <a:prstGeom prst="rect">
@@ -5231,7 +5241,7 @@
         </p:nvGrpSpPr>
         <p:grpSpPr>
           <a:xfrm>
-            <a:off x="523969" y="5870350"/>
+            <a:off x="3190970" y="5870351"/>
             <a:ext cx="3505101" cy="1045283"/>
             <a:chOff x="576554" y="6008571"/>
             <a:chExt cx="3505101" cy="1045283"/>
@@ -5393,9 +5403,6 @@
                 </a:rPr>
                 <a:t>変数</a:t>
               </a:r>
-              <a:endParaRPr kumimoji="1" lang="ja-JP" altLang="en-US" sz="1200" dirty="0">
-                <a:latin typeface="+mn-ea"/>
-              </a:endParaRPr>
             </a:p>
           </p:txBody>
         </p:sp>
@@ -5434,12 +5441,12 @@
                 <a:t>… </a:t>
               </a:r>
               <a:r>
-                <a:rPr lang="ja-JP" altLang="en-US" sz="1200" dirty="0">
+                <a:rPr lang="ja-JP" altLang="en-US" sz="1200" dirty="0" smtClean="0">
                   <a:latin typeface="+mn-ea"/>
                 </a:rPr>
-                <a:t>テキストボックスの値を格納する変数</a:t>
+                <a:t>イベント発火点の変数</a:t>
               </a:r>
-              <a:endParaRPr kumimoji="1" lang="ja-JP" altLang="en-US" sz="1200" dirty="0">
+              <a:endParaRPr lang="ja-JP" altLang="en-US" sz="1200" dirty="0">
                 <a:latin typeface="+mn-ea"/>
               </a:endParaRPr>
             </a:p>
@@ -5537,9 +5544,6 @@
                 </a:rPr>
                 <a:t>データに対する操作</a:t>
               </a:r>
-              <a:endParaRPr kumimoji="1" lang="ja-JP" altLang="en-US" sz="1200" dirty="0">
-                <a:latin typeface="+mn-ea"/>
-              </a:endParaRPr>
             </a:p>
           </p:txBody>
         </p:sp>
@@ -5645,7 +5649,7 @@
         </p:nvSpPr>
         <p:spPr>
           <a:xfrm>
-            <a:off x="381069" y="4299442"/>
+            <a:off x="3048069" y="4299443"/>
             <a:ext cx="1415772" cy="461665"/>
           </a:xfrm>
           <a:prstGeom prst="rect">
@@ -5666,6 +5670,12 @@
               </a:rPr>
               <a:t>テキストボックス</a:t>
             </a:r>
+            <a:r>
+              <a:rPr lang="en-US" altLang="ja-JP" sz="1200" dirty="0">
+                <a:latin typeface="+mn-ea"/>
+              </a:rPr>
+              <a:t/>
+            </a:r>
             <a:br>
               <a:rPr lang="en-US" altLang="ja-JP" sz="1200" dirty="0">
                 <a:latin typeface="+mn-ea"/>
@@ -5683,9 +5693,6 @@
               </a:rPr>
               <a:t>入力</a:t>
             </a:r>
-            <a:endParaRPr kumimoji="1" lang="ja-JP" altLang="en-US" sz="1200" dirty="0">
-              <a:latin typeface="+mn-ea"/>
-            </a:endParaRPr>
           </a:p>
         </p:txBody>
       </p:sp>
@@ -5703,7 +5710,7 @@
         </p:nvSpPr>
         <p:spPr>
           <a:xfrm>
-            <a:off x="2982366" y="4090643"/>
+            <a:off x="5649366" y="4090644"/>
             <a:ext cx="1971538" cy="599635"/>
           </a:xfrm>
           <a:custGeom>
@@ -5777,7 +5784,7 @@
           <a:lstStyle/>
           <a:p>
             <a:pPr algn="ctr"/>
-            <a:endParaRPr kumimoji="1" lang="ja-JP" altLang="en-US"/>
+            <a:endParaRPr lang="ja-JP" altLang="en-US"/>
           </a:p>
         </p:txBody>
       </p:sp>
@@ -5789,7 +5796,7 @@
         </p:nvSpPr>
         <p:spPr>
           <a:xfrm>
-            <a:off x="2329657" y="4690279"/>
+            <a:off x="4996657" y="4690279"/>
             <a:ext cx="1025184" cy="261972"/>
           </a:xfrm>
           <a:prstGeom prst="rect">
@@ -5852,7 +5859,7 @@
         </p:nvCxnSpPr>
         <p:spPr>
           <a:xfrm flipH="1">
-            <a:off x="2842249" y="3775535"/>
+            <a:off x="5509250" y="3775535"/>
             <a:ext cx="1179" cy="914744"/>
           </a:xfrm>
           <a:prstGeom prst="straightConnector1">
@@ -5910,18 +5917,1673 @@
           <a:chExt cx="0" cy="0"/>
         </a:xfrm>
       </p:grpSpPr>
+      <p:grpSp>
+        <p:nvGrpSpPr>
+          <p:cNvPr id="34" name="グループ化 33"/>
+          <p:cNvGrpSpPr/>
+          <p:nvPr/>
+        </p:nvGrpSpPr>
+        <p:grpSpPr>
+          <a:xfrm>
+            <a:off x="6847382" y="480796"/>
+            <a:ext cx="1791796" cy="6008349"/>
+            <a:chOff x="6847382" y="480796"/>
+            <a:chExt cx="1791796" cy="6008349"/>
+          </a:xfrm>
+        </p:grpSpPr>
+        <p:sp>
+          <p:nvSpPr>
+            <p:cNvPr id="4" name="角丸四角形 3"/>
+            <p:cNvSpPr/>
+            <p:nvPr/>
+          </p:nvSpPr>
+          <p:spPr>
+            <a:xfrm>
+              <a:off x="7611783" y="1427095"/>
+              <a:ext cx="1018274" cy="287882"/>
+            </a:xfrm>
+            <a:prstGeom prst="roundRect">
+              <a:avLst/>
+            </a:prstGeom>
+            <a:solidFill>
+              <a:srgbClr val="FFFF00"/>
+            </a:solidFill>
+            <a:ln w="28575">
+              <a:solidFill>
+                <a:schemeClr val="accent1"/>
+              </a:solidFill>
+            </a:ln>
+          </p:spPr>
+          <p:style>
+            <a:lnRef idx="2">
+              <a:schemeClr val="accent1">
+                <a:shade val="50000"/>
+              </a:schemeClr>
+            </a:lnRef>
+            <a:fillRef idx="1">
+              <a:schemeClr val="accent1"/>
+            </a:fillRef>
+            <a:effectRef idx="0">
+              <a:schemeClr val="accent1"/>
+            </a:effectRef>
+            <a:fontRef idx="minor">
+              <a:schemeClr val="lt1"/>
+            </a:fontRef>
+          </p:style>
+          <p:txBody>
+            <a:bodyPr rtlCol="0" anchor="ctr"/>
+            <a:lstStyle/>
+            <a:p>
+              <a:pPr algn="ctr"/>
+              <a:r>
+                <a:rPr lang="en-US" altLang="ja-JP" sz="1013" b="1" dirty="0" err="1">
+                  <a:solidFill>
+                    <a:schemeClr val="tx1"/>
+                  </a:solidFill>
+                </a:rPr>
+                <a:t>CSVstring</a:t>
+              </a:r>
+              <a:endParaRPr lang="ja-JP" altLang="en-US" sz="1013" b="1" dirty="0">
+                <a:solidFill>
+                  <a:schemeClr val="tx1"/>
+                </a:solidFill>
+              </a:endParaRPr>
+            </a:p>
+          </p:txBody>
+        </p:sp>
+        <p:sp>
+          <p:nvSpPr>
+            <p:cNvPr id="6" name="角丸四角形 5"/>
+            <p:cNvSpPr/>
+            <p:nvPr/>
+          </p:nvSpPr>
+          <p:spPr>
+            <a:xfrm>
+              <a:off x="7611786" y="3938002"/>
+              <a:ext cx="1018275" cy="287882"/>
+            </a:xfrm>
+            <a:prstGeom prst="roundRect">
+              <a:avLst/>
+            </a:prstGeom>
+            <a:noFill/>
+            <a:ln w="28575">
+              <a:solidFill>
+                <a:schemeClr val="accent1"/>
+              </a:solidFill>
+            </a:ln>
+          </p:spPr>
+          <p:style>
+            <a:lnRef idx="2">
+              <a:schemeClr val="accent1">
+                <a:shade val="50000"/>
+              </a:schemeClr>
+            </a:lnRef>
+            <a:fillRef idx="1">
+              <a:schemeClr val="accent1"/>
+            </a:fillRef>
+            <a:effectRef idx="0">
+              <a:schemeClr val="accent1"/>
+            </a:effectRef>
+            <a:fontRef idx="minor">
+              <a:schemeClr val="lt1"/>
+            </a:fontRef>
+          </p:style>
+          <p:txBody>
+            <a:bodyPr rtlCol="0" anchor="ctr"/>
+            <a:lstStyle/>
+            <a:p>
+              <a:pPr algn="ctr"/>
+              <a:r>
+                <a:rPr lang="en-US" altLang="ja-JP" sz="1013" b="1" dirty="0" err="1">
+                  <a:solidFill>
+                    <a:schemeClr val="tx1"/>
+                  </a:solidFill>
+                </a:rPr>
+                <a:t>tableFiltered</a:t>
+              </a:r>
+              <a:endParaRPr lang="ja-JP" altLang="en-US" sz="1013" b="1" dirty="0">
+                <a:solidFill>
+                  <a:schemeClr val="tx1"/>
+                </a:solidFill>
+              </a:endParaRPr>
+            </a:p>
+          </p:txBody>
+        </p:sp>
+        <p:sp>
+          <p:nvSpPr>
+            <p:cNvPr id="16" name="角丸四角形 15"/>
+            <p:cNvSpPr/>
+            <p:nvPr/>
+          </p:nvSpPr>
+          <p:spPr>
+            <a:xfrm>
+              <a:off x="7611785" y="6201263"/>
+              <a:ext cx="1018275" cy="287882"/>
+            </a:xfrm>
+            <a:prstGeom prst="roundRect">
+              <a:avLst/>
+            </a:prstGeom>
+            <a:noFill/>
+            <a:ln w="28575">
+              <a:solidFill>
+                <a:schemeClr val="accent1"/>
+              </a:solidFill>
+            </a:ln>
+          </p:spPr>
+          <p:style>
+            <a:lnRef idx="2">
+              <a:schemeClr val="accent1">
+                <a:shade val="50000"/>
+              </a:schemeClr>
+            </a:lnRef>
+            <a:fillRef idx="1">
+              <a:schemeClr val="accent1"/>
+            </a:fillRef>
+            <a:effectRef idx="0">
+              <a:schemeClr val="accent1"/>
+            </a:effectRef>
+            <a:fontRef idx="minor">
+              <a:schemeClr val="lt1"/>
+            </a:fontRef>
+          </p:style>
+          <p:txBody>
+            <a:bodyPr rtlCol="0" anchor="ctr"/>
+            <a:lstStyle/>
+            <a:p>
+              <a:pPr algn="ctr"/>
+              <a:r>
+                <a:rPr lang="en-US" altLang="ja-JP" sz="1013" b="1" dirty="0" err="1">
+                  <a:solidFill>
+                    <a:schemeClr val="tx1"/>
+                  </a:solidFill>
+                </a:rPr>
+                <a:t>tableSliced</a:t>
+              </a:r>
+              <a:endParaRPr lang="ja-JP" altLang="en-US" sz="1013" b="1" dirty="0">
+                <a:solidFill>
+                  <a:schemeClr val="tx1"/>
+                </a:solidFill>
+              </a:endParaRPr>
+            </a:p>
+          </p:txBody>
+        </p:sp>
+        <p:pic>
+          <p:nvPicPr>
+            <p:cNvPr id="17" name="図 16"/>
+            <p:cNvPicPr>
+              <a:picLocks noChangeAspect="1"/>
+            </p:cNvPicPr>
+            <p:nvPr/>
+          </p:nvPicPr>
+          <p:blipFill>
+            <a:blip r:embed="rId2" cstate="print">
+              <a:extLst>
+                <a:ext uri="{28A0092B-C50C-407E-A947-70E740481C1C}">
+                  <a14:useLocalDpi xmlns:a14="http://schemas.microsoft.com/office/drawing/2010/main" val="0"/>
+                </a:ext>
+              </a:extLst>
+            </a:blip>
+            <a:stretch>
+              <a:fillRect/>
+            </a:stretch>
+          </p:blipFill>
+          <p:spPr>
+            <a:xfrm>
+              <a:off x="7620903" y="480796"/>
+              <a:ext cx="1018275" cy="535655"/>
+            </a:xfrm>
+            <a:prstGeom prst="rect">
+              <a:avLst/>
+            </a:prstGeom>
+          </p:spPr>
+        </p:pic>
+        <p:cxnSp>
+          <p:nvCxnSpPr>
+            <p:cNvPr id="24" name="直線矢印コネクタ 23"/>
+            <p:cNvCxnSpPr>
+              <a:cxnSpLocks/>
+              <a:stCxn id="4" idx="2"/>
+              <a:endCxn id="39" idx="0"/>
+            </p:cNvCxnSpPr>
+            <p:nvPr/>
+          </p:nvCxnSpPr>
+          <p:spPr>
+            <a:xfrm>
+              <a:off x="8120920" y="1714977"/>
+              <a:ext cx="1" cy="822229"/>
+            </a:xfrm>
+            <a:prstGeom prst="straightConnector1">
+              <a:avLst/>
+            </a:prstGeom>
+            <a:ln w="57150">
+              <a:solidFill>
+                <a:schemeClr val="tx1"/>
+              </a:solidFill>
+              <a:tailEnd type="triangle"/>
+            </a:ln>
+          </p:spPr>
+          <p:style>
+            <a:lnRef idx="1">
+              <a:schemeClr val="accent1"/>
+            </a:lnRef>
+            <a:fillRef idx="0">
+              <a:schemeClr val="accent1"/>
+            </a:fillRef>
+            <a:effectRef idx="0">
+              <a:schemeClr val="accent1"/>
+            </a:effectRef>
+            <a:fontRef idx="minor">
+              <a:schemeClr val="tx1"/>
+            </a:fontRef>
+          </p:style>
+        </p:cxnSp>
+        <p:cxnSp>
+          <p:nvCxnSpPr>
+            <p:cNvPr id="27" name="直線矢印コネクタ 26"/>
+            <p:cNvCxnSpPr>
+              <a:endCxn id="4" idx="0"/>
+            </p:cNvCxnSpPr>
+            <p:nvPr/>
+          </p:nvCxnSpPr>
+          <p:spPr>
+            <a:xfrm>
+              <a:off x="8120916" y="858633"/>
+              <a:ext cx="3" cy="568462"/>
+            </a:xfrm>
+            <a:prstGeom prst="straightConnector1">
+              <a:avLst/>
+            </a:prstGeom>
+            <a:ln w="57150">
+              <a:solidFill>
+                <a:schemeClr val="tx1"/>
+              </a:solidFill>
+              <a:tailEnd type="triangle"/>
+            </a:ln>
+          </p:spPr>
+          <p:style>
+            <a:lnRef idx="1">
+              <a:schemeClr val="accent1"/>
+            </a:lnRef>
+            <a:fillRef idx="0">
+              <a:schemeClr val="accent1"/>
+            </a:fillRef>
+            <a:effectRef idx="0">
+              <a:schemeClr val="accent1"/>
+            </a:effectRef>
+            <a:fontRef idx="minor">
+              <a:schemeClr val="tx1"/>
+            </a:fontRef>
+          </p:style>
+        </p:cxnSp>
+        <p:cxnSp>
+          <p:nvCxnSpPr>
+            <p:cNvPr id="30" name="直線矢印コネクタ 29"/>
+            <p:cNvCxnSpPr>
+              <a:stCxn id="6" idx="2"/>
+              <a:endCxn id="16" idx="0"/>
+            </p:cNvCxnSpPr>
+            <p:nvPr/>
+          </p:nvCxnSpPr>
+          <p:spPr>
+            <a:xfrm>
+              <a:off x="8120922" y="4225884"/>
+              <a:ext cx="0" cy="1975379"/>
+            </a:xfrm>
+            <a:prstGeom prst="straightConnector1">
+              <a:avLst/>
+            </a:prstGeom>
+            <a:ln w="57150">
+              <a:solidFill>
+                <a:schemeClr val="tx1"/>
+              </a:solidFill>
+              <a:tailEnd type="triangle"/>
+            </a:ln>
+          </p:spPr>
+          <p:style>
+            <a:lnRef idx="1">
+              <a:schemeClr val="accent1"/>
+            </a:lnRef>
+            <a:fillRef idx="0">
+              <a:schemeClr val="accent1"/>
+            </a:fillRef>
+            <a:effectRef idx="0">
+              <a:schemeClr val="accent1"/>
+            </a:effectRef>
+            <a:fontRef idx="minor">
+              <a:schemeClr val="tx1"/>
+            </a:fontRef>
+          </p:style>
+        </p:cxnSp>
+        <p:sp>
+          <p:nvSpPr>
+            <p:cNvPr id="83" name="正方形/長方形 82"/>
+            <p:cNvSpPr/>
+            <p:nvPr/>
+          </p:nvSpPr>
+          <p:spPr>
+            <a:xfrm>
+              <a:off x="7647237" y="1989122"/>
+              <a:ext cx="965605" cy="261972"/>
+            </a:xfrm>
+            <a:prstGeom prst="rect">
+              <a:avLst/>
+            </a:prstGeom>
+            <a:solidFill>
+              <a:srgbClr val="00B050"/>
+            </a:solidFill>
+            <a:ln>
+              <a:noFill/>
+            </a:ln>
+          </p:spPr>
+          <p:style>
+            <a:lnRef idx="2">
+              <a:schemeClr val="accent1">
+                <a:shade val="50000"/>
+              </a:schemeClr>
+            </a:lnRef>
+            <a:fillRef idx="1">
+              <a:schemeClr val="accent1"/>
+            </a:fillRef>
+            <a:effectRef idx="0">
+              <a:schemeClr val="accent1"/>
+            </a:effectRef>
+            <a:fontRef idx="minor">
+              <a:schemeClr val="lt1"/>
+            </a:fontRef>
+          </p:style>
+          <p:txBody>
+            <a:bodyPr rtlCol="0" anchor="ctr"/>
+            <a:lstStyle/>
+            <a:p>
+              <a:pPr algn="ctr"/>
+              <a:r>
+                <a:rPr lang="en-US" altLang="ja-JP" sz="1013" b="1" dirty="0" err="1"/>
+                <a:t>CSVtoTable</a:t>
+              </a:r>
+              <a:endParaRPr lang="ja-JP" altLang="en-US" sz="1013" b="1" dirty="0"/>
+            </a:p>
+          </p:txBody>
+        </p:sp>
+        <p:sp>
+          <p:nvSpPr>
+            <p:cNvPr id="84" name="正方形/長方形 83"/>
+            <p:cNvSpPr/>
+            <p:nvPr/>
+          </p:nvSpPr>
+          <p:spPr>
+            <a:xfrm>
+              <a:off x="7778021" y="5575565"/>
+              <a:ext cx="685800" cy="261972"/>
+            </a:xfrm>
+            <a:prstGeom prst="rect">
+              <a:avLst/>
+            </a:prstGeom>
+            <a:solidFill>
+              <a:srgbClr val="00B050"/>
+            </a:solidFill>
+            <a:ln>
+              <a:noFill/>
+            </a:ln>
+          </p:spPr>
+          <p:style>
+            <a:lnRef idx="2">
+              <a:schemeClr val="accent1">
+                <a:shade val="50000"/>
+              </a:schemeClr>
+            </a:lnRef>
+            <a:fillRef idx="1">
+              <a:schemeClr val="accent1"/>
+            </a:fillRef>
+            <a:effectRef idx="0">
+              <a:schemeClr val="accent1"/>
+            </a:effectRef>
+            <a:fontRef idx="minor">
+              <a:schemeClr val="lt1"/>
+            </a:fontRef>
+          </p:style>
+          <p:txBody>
+            <a:bodyPr rtlCol="0" anchor="ctr"/>
+            <a:lstStyle/>
+            <a:p>
+              <a:pPr algn="ctr"/>
+              <a:r>
+                <a:rPr lang="en-US" altLang="ja-JP" sz="1013" b="1" dirty="0"/>
+                <a:t>slice</a:t>
+              </a:r>
+              <a:endParaRPr lang="ja-JP" altLang="en-US" sz="1013" b="1" dirty="0"/>
+            </a:p>
+          </p:txBody>
+        </p:sp>
+        <p:sp>
+          <p:nvSpPr>
+            <p:cNvPr id="110" name="テキスト ボックス 109"/>
+            <p:cNvSpPr txBox="1"/>
+            <p:nvPr/>
+          </p:nvSpPr>
+          <p:spPr>
+            <a:xfrm>
+              <a:off x="6847382" y="1026464"/>
+              <a:ext cx="1344407" cy="300082"/>
+            </a:xfrm>
+            <a:prstGeom prst="rect">
+              <a:avLst/>
+            </a:prstGeom>
+            <a:noFill/>
+          </p:spPr>
+          <p:txBody>
+            <a:bodyPr wrap="none" rtlCol="0">
+              <a:spAutoFit/>
+            </a:bodyPr>
+            <a:lstStyle/>
+            <a:p>
+              <a:r>
+                <a:rPr lang="en-US" altLang="ja-JP" sz="1350" dirty="0"/>
+                <a:t>http</a:t>
+              </a:r>
+              <a:r>
+                <a:rPr lang="ja-JP" altLang="en-US" sz="1350" dirty="0"/>
+                <a:t>リクエスト</a:t>
+              </a:r>
+            </a:p>
+          </p:txBody>
+        </p:sp>
+        <p:sp>
+          <p:nvSpPr>
+            <p:cNvPr id="39" name="角丸四角形 5">
+              <a:extLst>
+                <a:ext uri="{FF2B5EF4-FFF2-40B4-BE49-F238E27FC236}">
+                  <a16:creationId xmlns:a16="http://schemas.microsoft.com/office/drawing/2014/main" id="{0105B787-0105-48BF-9019-189EC65FFEEB}"/>
+                </a:ext>
+              </a:extLst>
+            </p:cNvPr>
+            <p:cNvSpPr/>
+            <p:nvPr/>
+          </p:nvSpPr>
+          <p:spPr>
+            <a:xfrm>
+              <a:off x="7611783" y="2537206"/>
+              <a:ext cx="1018275" cy="287882"/>
+            </a:xfrm>
+            <a:prstGeom prst="roundRect">
+              <a:avLst/>
+            </a:prstGeom>
+            <a:noFill/>
+            <a:ln w="28575">
+              <a:solidFill>
+                <a:schemeClr val="accent1"/>
+              </a:solidFill>
+            </a:ln>
+          </p:spPr>
+          <p:style>
+            <a:lnRef idx="2">
+              <a:schemeClr val="accent1">
+                <a:shade val="50000"/>
+              </a:schemeClr>
+            </a:lnRef>
+            <a:fillRef idx="1">
+              <a:schemeClr val="accent1"/>
+            </a:fillRef>
+            <a:effectRef idx="0">
+              <a:schemeClr val="accent1"/>
+            </a:effectRef>
+            <a:fontRef idx="minor">
+              <a:schemeClr val="lt1"/>
+            </a:fontRef>
+          </p:style>
+          <p:txBody>
+            <a:bodyPr rtlCol="0" anchor="ctr"/>
+            <a:lstStyle/>
+            <a:p>
+              <a:pPr algn="ctr"/>
+              <a:r>
+                <a:rPr lang="en-US" altLang="ja-JP" sz="1013" b="1" dirty="0">
+                  <a:solidFill>
+                    <a:schemeClr val="tx1"/>
+                  </a:solidFill>
+                </a:rPr>
+                <a:t>table</a:t>
+              </a:r>
+              <a:endParaRPr lang="ja-JP" altLang="en-US" sz="1013" b="1" dirty="0">
+                <a:solidFill>
+                  <a:schemeClr val="tx1"/>
+                </a:solidFill>
+              </a:endParaRPr>
+            </a:p>
+          </p:txBody>
+        </p:sp>
+        <p:cxnSp>
+          <p:nvCxnSpPr>
+            <p:cNvPr id="40" name="直線矢印コネクタ 39">
+              <a:extLst>
+                <a:ext uri="{FF2B5EF4-FFF2-40B4-BE49-F238E27FC236}">
+                  <a16:creationId xmlns:a16="http://schemas.microsoft.com/office/drawing/2014/main" id="{CFE6184A-C231-4A0B-A1AF-5AEACCCF9B99}"/>
+                </a:ext>
+              </a:extLst>
+            </p:cNvPr>
+            <p:cNvCxnSpPr>
+              <a:cxnSpLocks/>
+              <a:stCxn id="39" idx="2"/>
+              <a:endCxn id="6" idx="0"/>
+            </p:cNvCxnSpPr>
+            <p:nvPr/>
+          </p:nvCxnSpPr>
+          <p:spPr>
+            <a:xfrm>
+              <a:off x="8120921" y="2825088"/>
+              <a:ext cx="3" cy="1112913"/>
+            </a:xfrm>
+            <a:prstGeom prst="straightConnector1">
+              <a:avLst/>
+            </a:prstGeom>
+            <a:ln w="57150">
+              <a:solidFill>
+                <a:schemeClr val="tx1"/>
+              </a:solidFill>
+              <a:tailEnd type="triangle"/>
+            </a:ln>
+          </p:spPr>
+          <p:style>
+            <a:lnRef idx="1">
+              <a:schemeClr val="accent1"/>
+            </a:lnRef>
+            <a:fillRef idx="0">
+              <a:schemeClr val="accent1"/>
+            </a:fillRef>
+            <a:effectRef idx="0">
+              <a:schemeClr val="accent1"/>
+            </a:effectRef>
+            <a:fontRef idx="minor">
+              <a:schemeClr val="tx1"/>
+            </a:fontRef>
+          </p:style>
+        </p:cxnSp>
+        <p:sp>
+          <p:nvSpPr>
+            <p:cNvPr id="42" name="正方形/長方形 41">
+              <a:extLst>
+                <a:ext uri="{FF2B5EF4-FFF2-40B4-BE49-F238E27FC236}">
+                  <a16:creationId xmlns:a16="http://schemas.microsoft.com/office/drawing/2014/main" id="{17197374-D2DC-40B2-ABBC-23ED6EC50B3B}"/>
+                </a:ext>
+              </a:extLst>
+            </p:cNvPr>
+            <p:cNvSpPr/>
+            <p:nvPr/>
+          </p:nvSpPr>
+          <p:spPr>
+            <a:xfrm>
+              <a:off x="7638117" y="3225720"/>
+              <a:ext cx="965605" cy="261972"/>
+            </a:xfrm>
+            <a:prstGeom prst="rect">
+              <a:avLst/>
+            </a:prstGeom>
+            <a:solidFill>
+              <a:srgbClr val="00B050"/>
+            </a:solidFill>
+            <a:ln>
+              <a:noFill/>
+            </a:ln>
+          </p:spPr>
+          <p:style>
+            <a:lnRef idx="2">
+              <a:schemeClr val="accent1">
+                <a:shade val="50000"/>
+              </a:schemeClr>
+            </a:lnRef>
+            <a:fillRef idx="1">
+              <a:schemeClr val="accent1"/>
+            </a:fillRef>
+            <a:effectRef idx="0">
+              <a:schemeClr val="accent1"/>
+            </a:effectRef>
+            <a:fontRef idx="minor">
+              <a:schemeClr val="lt1"/>
+            </a:fontRef>
+          </p:style>
+          <p:txBody>
+            <a:bodyPr rtlCol="0" anchor="ctr"/>
+            <a:lstStyle/>
+            <a:p>
+              <a:pPr algn="ctr"/>
+              <a:r>
+                <a:rPr lang="en-US" altLang="ja-JP" sz="1013" b="1" dirty="0"/>
+                <a:t>filter</a:t>
+              </a:r>
+              <a:endParaRPr lang="ja-JP" altLang="en-US" sz="1013" b="1" dirty="0"/>
+            </a:p>
+          </p:txBody>
+        </p:sp>
+      </p:grpSp>
+      <p:cxnSp>
+        <p:nvCxnSpPr>
+          <p:cNvPr id="57" name="直線矢印コネクタ 56"/>
+          <p:cNvCxnSpPr>
+            <a:cxnSpLocks/>
+          </p:cNvCxnSpPr>
+          <p:nvPr/>
+        </p:nvCxnSpPr>
+        <p:spPr>
+          <a:xfrm>
+            <a:off x="5996188" y="3767184"/>
+            <a:ext cx="1777915" cy="1788058"/>
+          </a:xfrm>
+          <a:prstGeom prst="straightConnector1">
+            <a:avLst/>
+          </a:prstGeom>
+          <a:ln w="57150">
+            <a:solidFill>
+              <a:schemeClr val="tx1"/>
+            </a:solidFill>
+            <a:tailEnd type="triangle"/>
+          </a:ln>
+        </p:spPr>
+        <p:style>
+          <a:lnRef idx="1">
+            <a:schemeClr val="accent1"/>
+          </a:lnRef>
+          <a:fillRef idx="0">
+            <a:schemeClr val="accent1"/>
+          </a:fillRef>
+          <a:effectRef idx="0">
+            <a:schemeClr val="accent1"/>
+          </a:effectRef>
+          <a:fontRef idx="minor">
+            <a:schemeClr val="tx1"/>
+          </a:fontRef>
+        </p:style>
+      </p:cxnSp>
+      <p:cxnSp>
+        <p:nvCxnSpPr>
+          <p:cNvPr id="60" name="直線矢印コネクタ 59"/>
+          <p:cNvCxnSpPr>
+            <a:cxnSpLocks/>
+            <a:stCxn id="135" idx="3"/>
+            <a:endCxn id="84" idx="1"/>
+          </p:cNvCxnSpPr>
+          <p:nvPr/>
+        </p:nvCxnSpPr>
+        <p:spPr>
+          <a:xfrm>
+            <a:off x="6023020" y="5411302"/>
+            <a:ext cx="1755002" cy="295249"/>
+          </a:xfrm>
+          <a:prstGeom prst="straightConnector1">
+            <a:avLst/>
+          </a:prstGeom>
+          <a:ln w="57150">
+            <a:solidFill>
+              <a:schemeClr val="tx1"/>
+            </a:solidFill>
+            <a:tailEnd type="triangle"/>
+          </a:ln>
+        </p:spPr>
+        <p:style>
+          <a:lnRef idx="1">
+            <a:schemeClr val="accent1"/>
+          </a:lnRef>
+          <a:fillRef idx="0">
+            <a:schemeClr val="accent1"/>
+          </a:fillRef>
+          <a:effectRef idx="0">
+            <a:schemeClr val="accent1"/>
+          </a:effectRef>
+          <a:fontRef idx="minor">
+            <a:schemeClr val="tx1"/>
+          </a:fontRef>
+        </p:style>
+      </p:cxnSp>
+      <p:cxnSp>
+        <p:nvCxnSpPr>
+          <p:cNvPr id="56" name="直線矢印コネクタ 55"/>
+          <p:cNvCxnSpPr>
+            <a:cxnSpLocks/>
+            <a:stCxn id="65" idx="2"/>
+            <a:endCxn id="135" idx="0"/>
+          </p:cNvCxnSpPr>
+          <p:nvPr/>
+        </p:nvCxnSpPr>
+        <p:spPr>
+          <a:xfrm>
+            <a:off x="5509250" y="4952252"/>
+            <a:ext cx="1179" cy="315109"/>
+          </a:xfrm>
+          <a:prstGeom prst="straightConnector1">
+            <a:avLst/>
+          </a:prstGeom>
+          <a:ln w="57150">
+            <a:solidFill>
+              <a:schemeClr val="tx1"/>
+            </a:solidFill>
+            <a:tailEnd type="triangle"/>
+          </a:ln>
+        </p:spPr>
+        <p:style>
+          <a:lnRef idx="1">
+            <a:schemeClr val="accent1"/>
+          </a:lnRef>
+          <a:fillRef idx="0">
+            <a:schemeClr val="accent1"/>
+          </a:fillRef>
+          <a:effectRef idx="0">
+            <a:schemeClr val="accent1"/>
+          </a:effectRef>
+          <a:fontRef idx="minor">
+            <a:schemeClr val="tx1"/>
+          </a:fontRef>
+        </p:style>
+      </p:cxnSp>
+      <p:grpSp>
+        <p:nvGrpSpPr>
+          <p:cNvPr id="28" name="グループ化 27"/>
+          <p:cNvGrpSpPr/>
+          <p:nvPr/>
+        </p:nvGrpSpPr>
+        <p:grpSpPr>
+          <a:xfrm>
+            <a:off x="4996659" y="2067674"/>
+            <a:ext cx="1115169" cy="3487568"/>
+            <a:chOff x="4996659" y="2067674"/>
+            <a:chExt cx="1115169" cy="3487568"/>
+          </a:xfrm>
+        </p:grpSpPr>
+        <p:sp>
+          <p:nvSpPr>
+            <p:cNvPr id="135" name="角丸四角形 134"/>
+            <p:cNvSpPr/>
+            <p:nvPr/>
+          </p:nvSpPr>
+          <p:spPr>
+            <a:xfrm>
+              <a:off x="4997836" y="5267360"/>
+              <a:ext cx="1025184" cy="287882"/>
+            </a:xfrm>
+            <a:prstGeom prst="roundRect">
+              <a:avLst/>
+            </a:prstGeom>
+            <a:solidFill>
+              <a:srgbClr val="FFFF00"/>
+            </a:solidFill>
+            <a:ln w="28575">
+              <a:solidFill>
+                <a:schemeClr val="accent1"/>
+              </a:solidFill>
+            </a:ln>
+          </p:spPr>
+          <p:style>
+            <a:lnRef idx="2">
+              <a:schemeClr val="accent1">
+                <a:shade val="50000"/>
+              </a:schemeClr>
+            </a:lnRef>
+            <a:fillRef idx="1">
+              <a:schemeClr val="accent1"/>
+            </a:fillRef>
+            <a:effectRef idx="0">
+              <a:schemeClr val="accent1"/>
+            </a:effectRef>
+            <a:fontRef idx="minor">
+              <a:schemeClr val="lt1"/>
+            </a:fontRef>
+          </p:style>
+          <p:txBody>
+            <a:bodyPr rtlCol="0" anchor="ctr"/>
+            <a:lstStyle/>
+            <a:p>
+              <a:pPr algn="ctr"/>
+              <a:r>
+                <a:rPr lang="en-US" altLang="ja-JP" sz="1013" b="1" dirty="0" err="1">
+                  <a:solidFill>
+                    <a:schemeClr val="tx1"/>
+                  </a:solidFill>
+                </a:rPr>
+                <a:t>currentPage</a:t>
+              </a:r>
+              <a:endParaRPr lang="ja-JP" altLang="en-US" sz="788" b="1" dirty="0">
+                <a:solidFill>
+                  <a:schemeClr val="tx1"/>
+                </a:solidFill>
+              </a:endParaRPr>
+            </a:p>
+          </p:txBody>
+        </p:sp>
+        <p:grpSp>
+          <p:nvGrpSpPr>
+            <p:cNvPr id="26" name="グループ化 25"/>
+            <p:cNvGrpSpPr/>
+            <p:nvPr/>
+          </p:nvGrpSpPr>
+          <p:grpSpPr>
+            <a:xfrm>
+              <a:off x="4996659" y="2067674"/>
+              <a:ext cx="1115169" cy="3314839"/>
+              <a:chOff x="4996659" y="2067674"/>
+              <a:chExt cx="1115169" cy="3314839"/>
+            </a:xfrm>
+          </p:grpSpPr>
+          <p:sp>
+            <p:nvSpPr>
+              <p:cNvPr id="134" name="角丸四角形 133"/>
+              <p:cNvSpPr/>
+              <p:nvPr/>
+            </p:nvSpPr>
+            <p:spPr>
+              <a:xfrm>
+                <a:off x="4997837" y="3487654"/>
+                <a:ext cx="1025184" cy="287882"/>
+              </a:xfrm>
+              <a:prstGeom prst="roundRect">
+                <a:avLst/>
+              </a:prstGeom>
+              <a:solidFill>
+                <a:srgbClr val="FFFF00"/>
+              </a:solidFill>
+              <a:ln w="28575">
+                <a:solidFill>
+                  <a:schemeClr val="accent1"/>
+                </a:solidFill>
+              </a:ln>
+            </p:spPr>
+            <p:style>
+              <a:lnRef idx="2">
+                <a:schemeClr val="accent1">
+                  <a:shade val="50000"/>
+                </a:schemeClr>
+              </a:lnRef>
+              <a:fillRef idx="1">
+                <a:schemeClr val="accent1"/>
+              </a:fillRef>
+              <a:effectRef idx="0">
+                <a:schemeClr val="accent1"/>
+              </a:effectRef>
+              <a:fontRef idx="minor">
+                <a:schemeClr val="lt1"/>
+              </a:fontRef>
+            </p:style>
+            <p:txBody>
+              <a:bodyPr rtlCol="0" anchor="ctr"/>
+              <a:lstStyle/>
+              <a:p>
+                <a:pPr algn="ctr"/>
+                <a:r>
+                  <a:rPr lang="en-US" altLang="ja-JP" sz="1013" b="1" dirty="0" err="1">
+                    <a:solidFill>
+                      <a:schemeClr val="tx1"/>
+                    </a:solidFill>
+                  </a:rPr>
+                  <a:t>itemsPerPage</a:t>
+                </a:r>
+                <a:endParaRPr lang="ja-JP" altLang="en-US" sz="1013" b="1" dirty="0">
+                  <a:solidFill>
+                    <a:schemeClr val="tx1"/>
+                  </a:solidFill>
+                </a:endParaRPr>
+              </a:p>
+            </p:txBody>
+          </p:sp>
+          <p:sp>
+            <p:nvSpPr>
+              <p:cNvPr id="63" name="角丸四角形 133">
+                <a:extLst>
+                  <a:ext uri="{FF2B5EF4-FFF2-40B4-BE49-F238E27FC236}">
+                    <a16:creationId xmlns:a16="http://schemas.microsoft.com/office/drawing/2014/main" id="{D76590B6-9006-4419-95DB-893A15155064}"/>
+                  </a:ext>
+                </a:extLst>
+              </p:cNvPr>
+              <p:cNvSpPr/>
+              <p:nvPr/>
+            </p:nvSpPr>
+            <p:spPr>
+              <a:xfrm>
+                <a:off x="4996659" y="2802814"/>
+                <a:ext cx="1025184" cy="287882"/>
+              </a:xfrm>
+              <a:prstGeom prst="roundRect">
+                <a:avLst/>
+              </a:prstGeom>
+              <a:solidFill>
+                <a:srgbClr val="FFFF00"/>
+              </a:solidFill>
+              <a:ln w="28575">
+                <a:solidFill>
+                  <a:schemeClr val="accent1"/>
+                </a:solidFill>
+              </a:ln>
+            </p:spPr>
+            <p:style>
+              <a:lnRef idx="2">
+                <a:schemeClr val="accent1">
+                  <a:shade val="50000"/>
+                </a:schemeClr>
+              </a:lnRef>
+              <a:fillRef idx="1">
+                <a:schemeClr val="accent1"/>
+              </a:fillRef>
+              <a:effectRef idx="0">
+                <a:schemeClr val="accent1"/>
+              </a:effectRef>
+              <a:fontRef idx="minor">
+                <a:schemeClr val="lt1"/>
+              </a:fontRef>
+            </p:style>
+            <p:txBody>
+              <a:bodyPr rtlCol="0" anchor="ctr"/>
+              <a:lstStyle/>
+              <a:p>
+                <a:pPr algn="ctr"/>
+                <a:r>
+                  <a:rPr lang="en-US" altLang="ja-JP" sz="1013" b="1" dirty="0">
+                    <a:solidFill>
+                      <a:schemeClr val="tx1"/>
+                    </a:solidFill>
+                  </a:rPr>
+                  <a:t>gender</a:t>
+                </a:r>
+                <a:endParaRPr lang="ja-JP" altLang="en-US" sz="1013" b="1" dirty="0">
+                  <a:solidFill>
+                    <a:schemeClr val="tx1"/>
+                  </a:solidFill>
+                </a:endParaRPr>
+              </a:p>
+            </p:txBody>
+          </p:sp>
+          <p:sp>
+            <p:nvSpPr>
+              <p:cNvPr id="67" name="角丸四角形 133">
+                <a:extLst>
+                  <a:ext uri="{FF2B5EF4-FFF2-40B4-BE49-F238E27FC236}">
+                    <a16:creationId xmlns:a16="http://schemas.microsoft.com/office/drawing/2014/main" id="{0D630CD0-FC53-43EA-9816-0E5ABEBB0A58}"/>
+                  </a:ext>
+                </a:extLst>
+              </p:cNvPr>
+              <p:cNvSpPr/>
+              <p:nvPr/>
+            </p:nvSpPr>
+            <p:spPr>
+              <a:xfrm>
+                <a:off x="4996659" y="2453858"/>
+                <a:ext cx="1025184" cy="287882"/>
+              </a:xfrm>
+              <a:prstGeom prst="roundRect">
+                <a:avLst/>
+              </a:prstGeom>
+              <a:solidFill>
+                <a:srgbClr val="FFFF00"/>
+              </a:solidFill>
+              <a:ln w="28575">
+                <a:solidFill>
+                  <a:schemeClr val="accent1"/>
+                </a:solidFill>
+              </a:ln>
+            </p:spPr>
+            <p:style>
+              <a:lnRef idx="2">
+                <a:schemeClr val="accent1">
+                  <a:shade val="50000"/>
+                </a:schemeClr>
+              </a:lnRef>
+              <a:fillRef idx="1">
+                <a:schemeClr val="accent1"/>
+              </a:fillRef>
+              <a:effectRef idx="0">
+                <a:schemeClr val="accent1"/>
+              </a:effectRef>
+              <a:fontRef idx="minor">
+                <a:schemeClr val="lt1"/>
+              </a:fontRef>
+            </p:style>
+            <p:txBody>
+              <a:bodyPr rtlCol="0" anchor="ctr"/>
+              <a:lstStyle/>
+              <a:p>
+                <a:pPr algn="ctr"/>
+                <a:r>
+                  <a:rPr lang="en-US" altLang="ja-JP" sz="1013" b="1" dirty="0">
+                    <a:solidFill>
+                      <a:schemeClr val="tx1"/>
+                    </a:solidFill>
+                  </a:rPr>
+                  <a:t>email</a:t>
+                </a:r>
+                <a:endParaRPr lang="ja-JP" altLang="en-US" sz="1013" b="1" dirty="0">
+                  <a:solidFill>
+                    <a:schemeClr val="tx1"/>
+                  </a:solidFill>
+                </a:endParaRPr>
+              </a:p>
+            </p:txBody>
+          </p:sp>
+          <p:sp>
+            <p:nvSpPr>
+              <p:cNvPr id="69" name="角丸四角形 133">
+                <a:extLst>
+                  <a:ext uri="{FF2B5EF4-FFF2-40B4-BE49-F238E27FC236}">
+                    <a16:creationId xmlns:a16="http://schemas.microsoft.com/office/drawing/2014/main" id="{8E95675A-940F-4BE9-A8E5-C00EDF210B50}"/>
+                  </a:ext>
+                </a:extLst>
+              </p:cNvPr>
+              <p:cNvSpPr/>
+              <p:nvPr/>
+            </p:nvSpPr>
+            <p:spPr>
+              <a:xfrm>
+                <a:off x="4996659" y="2104902"/>
+                <a:ext cx="1025184" cy="287882"/>
+              </a:xfrm>
+              <a:prstGeom prst="roundRect">
+                <a:avLst/>
+              </a:prstGeom>
+              <a:solidFill>
+                <a:srgbClr val="FFFF00"/>
+              </a:solidFill>
+              <a:ln w="28575">
+                <a:solidFill>
+                  <a:schemeClr val="accent1"/>
+                </a:solidFill>
+              </a:ln>
+            </p:spPr>
+            <p:style>
+              <a:lnRef idx="2">
+                <a:schemeClr val="accent1">
+                  <a:shade val="50000"/>
+                </a:schemeClr>
+              </a:lnRef>
+              <a:fillRef idx="1">
+                <a:schemeClr val="accent1"/>
+              </a:fillRef>
+              <a:effectRef idx="0">
+                <a:schemeClr val="accent1"/>
+              </a:effectRef>
+              <a:fontRef idx="minor">
+                <a:schemeClr val="lt1"/>
+              </a:fontRef>
+            </p:style>
+            <p:txBody>
+              <a:bodyPr rtlCol="0" anchor="ctr"/>
+              <a:lstStyle/>
+              <a:p>
+                <a:pPr algn="ctr"/>
+                <a:r>
+                  <a:rPr lang="en-US" altLang="ja-JP" sz="1013" b="1" dirty="0" err="1">
+                    <a:solidFill>
+                      <a:schemeClr val="tx1"/>
+                    </a:solidFill>
+                  </a:rPr>
+                  <a:t>fullName</a:t>
+                </a:r>
+                <a:endParaRPr lang="ja-JP" altLang="en-US" sz="1013" b="1" dirty="0">
+                  <a:solidFill>
+                    <a:schemeClr val="tx1"/>
+                  </a:solidFill>
+                </a:endParaRPr>
+              </a:p>
+            </p:txBody>
+          </p:sp>
+          <p:pic>
+            <p:nvPicPr>
+              <p:cNvPr id="68" name="図 67">
+                <a:extLst>
+                  <a:ext uri="{FF2B5EF4-FFF2-40B4-BE49-F238E27FC236}">
+                    <a16:creationId xmlns:a16="http://schemas.microsoft.com/office/drawing/2014/main" id="{2B00AF90-9C07-47DB-B0B3-812AA0D05ECD}"/>
+                  </a:ext>
+                </a:extLst>
+              </p:cNvPr>
+              <p:cNvPicPr>
+                <a:picLocks noChangeAspect="1"/>
+              </p:cNvPicPr>
+              <p:nvPr/>
+            </p:nvPicPr>
+            <p:blipFill>
+              <a:blip r:embed="rId3" cstate="print">
+                <a:extLst>
+                  <a:ext uri="{28A0092B-C50C-407E-A947-70E740481C1C}">
+                    <a14:useLocalDpi xmlns:a14="http://schemas.microsoft.com/office/drawing/2010/main" val="0"/>
+                  </a:ext>
+                </a:extLst>
+              </a:blip>
+              <a:stretch>
+                <a:fillRect/>
+              </a:stretch>
+            </p:blipFill>
+            <p:spPr>
+              <a:xfrm>
+                <a:off x="5942887" y="2067674"/>
+                <a:ext cx="168941" cy="168940"/>
+              </a:xfrm>
+              <a:prstGeom prst="rect">
+                <a:avLst/>
+              </a:prstGeom>
+              <a:solidFill>
+                <a:srgbClr val="FFFF00"/>
+              </a:solidFill>
+              <a:ln w="19050">
+                <a:solidFill>
+                  <a:srgbClr val="FF0000"/>
+                </a:solidFill>
+              </a:ln>
+            </p:spPr>
+          </p:pic>
+          <p:pic>
+            <p:nvPicPr>
+              <p:cNvPr id="80" name="図 79">
+                <a:extLst>
+                  <a:ext uri="{FF2B5EF4-FFF2-40B4-BE49-F238E27FC236}">
+                    <a16:creationId xmlns:a16="http://schemas.microsoft.com/office/drawing/2014/main" id="{11DF7810-4C00-454C-8EF7-0591FAFDC06C}"/>
+                  </a:ext>
+                </a:extLst>
+              </p:cNvPr>
+              <p:cNvPicPr>
+                <a:picLocks noChangeAspect="1"/>
+              </p:cNvPicPr>
+              <p:nvPr/>
+            </p:nvPicPr>
+            <p:blipFill>
+              <a:blip r:embed="rId3" cstate="print">
+                <a:extLst>
+                  <a:ext uri="{28A0092B-C50C-407E-A947-70E740481C1C}">
+                    <a14:useLocalDpi xmlns:a14="http://schemas.microsoft.com/office/drawing/2010/main" val="0"/>
+                  </a:ext>
+                </a:extLst>
+              </a:blip>
+              <a:stretch>
+                <a:fillRect/>
+              </a:stretch>
+            </p:blipFill>
+            <p:spPr>
+              <a:xfrm>
+                <a:off x="5942887" y="2435535"/>
+                <a:ext cx="168941" cy="168940"/>
+              </a:xfrm>
+              <a:prstGeom prst="rect">
+                <a:avLst/>
+              </a:prstGeom>
+              <a:solidFill>
+                <a:srgbClr val="FFFF00"/>
+              </a:solidFill>
+              <a:ln w="19050">
+                <a:solidFill>
+                  <a:srgbClr val="FF0000"/>
+                </a:solidFill>
+              </a:ln>
+            </p:spPr>
+          </p:pic>
+          <p:pic>
+            <p:nvPicPr>
+              <p:cNvPr id="81" name="図 80">
+                <a:extLst>
+                  <a:ext uri="{FF2B5EF4-FFF2-40B4-BE49-F238E27FC236}">
+                    <a16:creationId xmlns:a16="http://schemas.microsoft.com/office/drawing/2014/main" id="{7CAEA95A-B2FA-4F66-803B-836A466AA5D7}"/>
+                  </a:ext>
+                </a:extLst>
+              </p:cNvPr>
+              <p:cNvPicPr>
+                <a:picLocks noChangeAspect="1"/>
+              </p:cNvPicPr>
+              <p:nvPr/>
+            </p:nvPicPr>
+            <p:blipFill>
+              <a:blip r:embed="rId3" cstate="print">
+                <a:extLst>
+                  <a:ext uri="{28A0092B-C50C-407E-A947-70E740481C1C}">
+                    <a14:useLocalDpi xmlns:a14="http://schemas.microsoft.com/office/drawing/2010/main" val="0"/>
+                  </a:ext>
+                </a:extLst>
+              </a:blip>
+              <a:stretch>
+                <a:fillRect/>
+              </a:stretch>
+            </p:blipFill>
+            <p:spPr>
+              <a:xfrm>
+                <a:off x="5942887" y="2783455"/>
+                <a:ext cx="168941" cy="168940"/>
+              </a:xfrm>
+              <a:prstGeom prst="rect">
+                <a:avLst/>
+              </a:prstGeom>
+              <a:solidFill>
+                <a:srgbClr val="FFFF00"/>
+              </a:solidFill>
+              <a:ln w="19050">
+                <a:solidFill>
+                  <a:srgbClr val="FF0000"/>
+                </a:solidFill>
+              </a:ln>
+            </p:spPr>
+          </p:pic>
+          <p:pic>
+            <p:nvPicPr>
+              <p:cNvPr id="82" name="図 81">
+                <a:extLst>
+                  <a:ext uri="{FF2B5EF4-FFF2-40B4-BE49-F238E27FC236}">
+                    <a16:creationId xmlns:a16="http://schemas.microsoft.com/office/drawing/2014/main" id="{5FA9BB3F-B647-4A10-B215-AFF5FFE57562}"/>
+                  </a:ext>
+                </a:extLst>
+              </p:cNvPr>
+              <p:cNvPicPr>
+                <a:picLocks noChangeAspect="1"/>
+              </p:cNvPicPr>
+              <p:nvPr/>
+            </p:nvPicPr>
+            <p:blipFill>
+              <a:blip r:embed="rId3" cstate="print">
+                <a:extLst>
+                  <a:ext uri="{28A0092B-C50C-407E-A947-70E740481C1C}">
+                    <a14:useLocalDpi xmlns:a14="http://schemas.microsoft.com/office/drawing/2010/main" val="0"/>
+                  </a:ext>
+                </a:extLst>
+              </a:blip>
+              <a:stretch>
+                <a:fillRect/>
+              </a:stretch>
+            </p:blipFill>
+            <p:spPr>
+              <a:xfrm>
+                <a:off x="5942887" y="3452671"/>
+                <a:ext cx="168941" cy="168940"/>
+              </a:xfrm>
+              <a:prstGeom prst="rect">
+                <a:avLst/>
+              </a:prstGeom>
+              <a:solidFill>
+                <a:srgbClr val="FFFF00"/>
+              </a:solidFill>
+              <a:ln w="19050">
+                <a:solidFill>
+                  <a:srgbClr val="FF0000"/>
+                </a:solidFill>
+              </a:ln>
+            </p:spPr>
+          </p:pic>
+          <p:pic>
+            <p:nvPicPr>
+              <p:cNvPr id="86" name="図 85">
+                <a:extLst>
+                  <a:ext uri="{FF2B5EF4-FFF2-40B4-BE49-F238E27FC236}">
+                    <a16:creationId xmlns:a16="http://schemas.microsoft.com/office/drawing/2014/main" id="{98403AA2-8B71-47DF-8028-603365D749E5}"/>
+                  </a:ext>
+                </a:extLst>
+              </p:cNvPr>
+              <p:cNvPicPr>
+                <a:picLocks noChangeAspect="1"/>
+              </p:cNvPicPr>
+              <p:nvPr/>
+            </p:nvPicPr>
+            <p:blipFill>
+              <a:blip r:embed="rId3" cstate="print">
+                <a:extLst>
+                  <a:ext uri="{28A0092B-C50C-407E-A947-70E740481C1C}">
+                    <a14:useLocalDpi xmlns:a14="http://schemas.microsoft.com/office/drawing/2010/main" val="0"/>
+                  </a:ext>
+                </a:extLst>
+              </a:blip>
+              <a:stretch>
+                <a:fillRect/>
+              </a:stretch>
+            </p:blipFill>
+            <p:spPr>
+              <a:xfrm>
+                <a:off x="5937372" y="5213573"/>
+                <a:ext cx="168941" cy="168940"/>
+              </a:xfrm>
+              <a:prstGeom prst="rect">
+                <a:avLst/>
+              </a:prstGeom>
+              <a:solidFill>
+                <a:srgbClr val="FFFF00"/>
+              </a:solidFill>
+              <a:ln w="19050">
+                <a:solidFill>
+                  <a:srgbClr val="FF0000"/>
+                </a:solidFill>
+              </a:ln>
+            </p:spPr>
+          </p:pic>
+        </p:grpSp>
+      </p:grpSp>
+      <p:sp>
+        <p:nvSpPr>
+          <p:cNvPr id="70" name="右大かっこ 69">
+            <a:extLst>
+              <a:ext uri="{FF2B5EF4-FFF2-40B4-BE49-F238E27FC236}">
+                <a16:creationId xmlns:a16="http://schemas.microsoft.com/office/drawing/2014/main" id="{460CB19E-ACA4-44D7-A43D-37EA443D802A}"/>
+              </a:ext>
+            </a:extLst>
+          </p:cNvPr>
+          <p:cNvSpPr/>
+          <p:nvPr/>
+        </p:nvSpPr>
+        <p:spPr>
+          <a:xfrm>
+            <a:off x="6188054" y="2067902"/>
+            <a:ext cx="150374" cy="985795"/>
+          </a:xfrm>
+          <a:prstGeom prst="rightBracket">
+            <a:avLst/>
+          </a:prstGeom>
+          <a:noFill/>
+          <a:ln w="57150">
+            <a:solidFill>
+              <a:schemeClr val="tx1"/>
+            </a:solidFill>
+          </a:ln>
+        </p:spPr>
+        <p:style>
+          <a:lnRef idx="1">
+            <a:schemeClr val="accent1"/>
+          </a:lnRef>
+          <a:fillRef idx="0">
+            <a:schemeClr val="accent1"/>
+          </a:fillRef>
+          <a:effectRef idx="0">
+            <a:schemeClr val="accent1"/>
+          </a:effectRef>
+          <a:fontRef idx="minor">
+            <a:schemeClr val="tx1"/>
+          </a:fontRef>
+        </p:style>
+        <p:txBody>
+          <a:bodyPr rtlCol="0" anchor="ctr"/>
+          <a:lstStyle/>
+          <a:p>
+            <a:pPr algn="ctr"/>
+            <a:endParaRPr lang="ja-JP" altLang="en-US" sz="1013"/>
+          </a:p>
+        </p:txBody>
+      </p:sp>
+      <p:cxnSp>
+        <p:nvCxnSpPr>
+          <p:cNvPr id="71" name="直線矢印コネクタ 70">
+            <a:extLst>
+              <a:ext uri="{FF2B5EF4-FFF2-40B4-BE49-F238E27FC236}">
+                <a16:creationId xmlns:a16="http://schemas.microsoft.com/office/drawing/2014/main" id="{65B2533F-CB0A-485B-A531-810D0D1D960D}"/>
+              </a:ext>
+            </a:extLst>
+          </p:cNvPr>
+          <p:cNvCxnSpPr>
+            <a:cxnSpLocks/>
+            <a:stCxn id="70" idx="2"/>
+            <a:endCxn id="42" idx="1"/>
+          </p:cNvCxnSpPr>
+          <p:nvPr/>
+        </p:nvCxnSpPr>
+        <p:spPr>
+          <a:xfrm>
+            <a:off x="6338428" y="2560800"/>
+            <a:ext cx="1299690" cy="795905"/>
+          </a:xfrm>
+          <a:prstGeom prst="straightConnector1">
+            <a:avLst/>
+          </a:prstGeom>
+          <a:ln w="57150">
+            <a:solidFill>
+              <a:schemeClr val="tx1"/>
+            </a:solidFill>
+            <a:tailEnd type="triangle"/>
+          </a:ln>
+        </p:spPr>
+        <p:style>
+          <a:lnRef idx="1">
+            <a:schemeClr val="accent1"/>
+          </a:lnRef>
+          <a:fillRef idx="0">
+            <a:schemeClr val="accent1"/>
+          </a:fillRef>
+          <a:effectRef idx="0">
+            <a:schemeClr val="accent1"/>
+          </a:effectRef>
+          <a:fontRef idx="minor">
+            <a:schemeClr val="tx1"/>
+          </a:fontRef>
+        </p:style>
+      </p:cxnSp>
+      <p:sp>
+        <p:nvSpPr>
+          <p:cNvPr id="76" name="フリーフォーム: 図形 75">
+            <a:extLst>
+              <a:ext uri="{FF2B5EF4-FFF2-40B4-BE49-F238E27FC236}">
+                <a16:creationId xmlns:a16="http://schemas.microsoft.com/office/drawing/2014/main" id="{D9E59BD6-9D73-4AD3-A1AA-BCBE757BA7EC}"/>
+              </a:ext>
+            </a:extLst>
+          </p:cNvPr>
+          <p:cNvSpPr/>
+          <p:nvPr/>
+        </p:nvSpPr>
+        <p:spPr>
+          <a:xfrm>
+            <a:off x="5649366" y="4090644"/>
+            <a:ext cx="1971538" cy="599635"/>
+          </a:xfrm>
+          <a:custGeom>
+            <a:avLst/>
+            <a:gdLst>
+              <a:gd name="connsiteX0" fmla="*/ 1905000 w 1905000"/>
+              <a:gd name="connsiteY0" fmla="*/ 0 h 1157288"/>
+              <a:gd name="connsiteX1" fmla="*/ 509588 w 1905000"/>
+              <a:gd name="connsiteY1" fmla="*/ 261938 h 1157288"/>
+              <a:gd name="connsiteX2" fmla="*/ 0 w 1905000"/>
+              <a:gd name="connsiteY2" fmla="*/ 1157288 h 1157288"/>
+            </a:gdLst>
+            <a:ahLst/>
+            <a:cxnLst>
+              <a:cxn ang="0">
+                <a:pos x="connsiteX0" y="connsiteY0"/>
+              </a:cxn>
+              <a:cxn ang="0">
+                <a:pos x="connsiteX1" y="connsiteY1"/>
+              </a:cxn>
+              <a:cxn ang="0">
+                <a:pos x="connsiteX2" y="connsiteY2"/>
+              </a:cxn>
+            </a:cxnLst>
+            <a:rect l="l" t="t" r="r" b="b"/>
+            <a:pathLst>
+              <a:path w="1905000" h="1157288">
+                <a:moveTo>
+                  <a:pt x="1905000" y="0"/>
+                </a:moveTo>
+                <a:cubicBezTo>
+                  <a:pt x="1366044" y="34528"/>
+                  <a:pt x="827088" y="69057"/>
+                  <a:pt x="509588" y="261938"/>
+                </a:cubicBezTo>
+                <a:cubicBezTo>
+                  <a:pt x="192088" y="454819"/>
+                  <a:pt x="96044" y="806053"/>
+                  <a:pt x="0" y="1157288"/>
+                </a:cubicBezTo>
+              </a:path>
+            </a:pathLst>
+          </a:custGeom>
+          <a:noFill/>
+          <a:ln w="57150">
+            <a:solidFill>
+              <a:schemeClr val="tx1"/>
+            </a:solidFill>
+            <a:headEnd type="none" w="med" len="med"/>
+            <a:tailEnd type="triangle" w="med" len="med"/>
+          </a:ln>
+        </p:spPr>
+        <p:style>
+          <a:lnRef idx="2">
+            <a:schemeClr val="accent1">
+              <a:shade val="50000"/>
+            </a:schemeClr>
+          </a:lnRef>
+          <a:fillRef idx="1">
+            <a:schemeClr val="accent1"/>
+          </a:fillRef>
+          <a:effectRef idx="0">
+            <a:schemeClr val="accent1"/>
+          </a:effectRef>
+          <a:fontRef idx="minor">
+            <a:schemeClr val="lt1"/>
+          </a:fontRef>
+        </p:style>
+        <p:txBody>
+          <a:bodyPr rtlCol="0" anchor="ctr"/>
+          <a:lstStyle/>
+          <a:p>
+            <a:pPr algn="ctr"/>
+            <a:endParaRPr lang="ja-JP" altLang="en-US"/>
+          </a:p>
+        </p:txBody>
+      </p:sp>
+      <p:sp>
+        <p:nvSpPr>
+          <p:cNvPr id="65" name="正方形/長方形 64"/>
+          <p:cNvSpPr/>
+          <p:nvPr/>
+        </p:nvSpPr>
+        <p:spPr>
+          <a:xfrm>
+            <a:off x="4996657" y="4690279"/>
+            <a:ext cx="1025184" cy="261972"/>
+          </a:xfrm>
+          <a:prstGeom prst="rect">
+            <a:avLst/>
+          </a:prstGeom>
+          <a:solidFill>
+            <a:srgbClr val="00B050"/>
+          </a:solidFill>
+          <a:ln>
+            <a:noFill/>
+          </a:ln>
+        </p:spPr>
+        <p:style>
+          <a:lnRef idx="2">
+            <a:schemeClr val="accent1">
+              <a:shade val="50000"/>
+            </a:schemeClr>
+          </a:lnRef>
+          <a:fillRef idx="1">
+            <a:schemeClr val="accent1"/>
+          </a:fillRef>
+          <a:effectRef idx="0">
+            <a:schemeClr val="accent1"/>
+          </a:effectRef>
+          <a:fontRef idx="minor">
+            <a:schemeClr val="lt1"/>
+          </a:fontRef>
+        </p:style>
+        <p:txBody>
+          <a:bodyPr rtlCol="0" anchor="ctr"/>
+          <a:lstStyle/>
+          <a:p>
+            <a:pPr algn="ctr"/>
+            <a:r>
+              <a:rPr lang="en-US" altLang="ja-JP" sz="1013" b="1" dirty="0"/>
+              <a:t>1</a:t>
+            </a:r>
+            <a:r>
+              <a:rPr lang="ja-JP" altLang="en-US" sz="1013" b="1" dirty="0"/>
+              <a:t>にリセット</a:t>
+            </a:r>
+          </a:p>
+        </p:txBody>
+      </p:sp>
+      <p:cxnSp>
+        <p:nvCxnSpPr>
+          <p:cNvPr id="104" name="直線矢印コネクタ 103">
+            <a:extLst>
+              <a:ext uri="{FF2B5EF4-FFF2-40B4-BE49-F238E27FC236}">
+                <a16:creationId xmlns:a16="http://schemas.microsoft.com/office/drawing/2014/main" id="{4C6B4361-004D-4038-9C5E-875397F65EEB}"/>
+              </a:ext>
+            </a:extLst>
+          </p:cNvPr>
+          <p:cNvCxnSpPr>
+            <a:cxnSpLocks/>
+            <a:stCxn id="134" idx="2"/>
+            <a:endCxn id="65" idx="0"/>
+          </p:cNvCxnSpPr>
+          <p:nvPr/>
+        </p:nvCxnSpPr>
+        <p:spPr>
+          <a:xfrm flipH="1">
+            <a:off x="5509250" y="3775535"/>
+            <a:ext cx="1179" cy="914744"/>
+          </a:xfrm>
+          <a:prstGeom prst="straightConnector1">
+            <a:avLst/>
+          </a:prstGeom>
+          <a:ln w="57150">
+            <a:solidFill>
+              <a:schemeClr val="tx1"/>
+            </a:solidFill>
+            <a:tailEnd type="triangle"/>
+          </a:ln>
+        </p:spPr>
+        <p:style>
+          <a:lnRef idx="1">
+            <a:schemeClr val="accent1"/>
+          </a:lnRef>
+          <a:fillRef idx="0">
+            <a:schemeClr val="accent1"/>
+          </a:fillRef>
+          <a:effectRef idx="0">
+            <a:schemeClr val="accent1"/>
+          </a:effectRef>
+          <a:fontRef idx="minor">
+            <a:schemeClr val="tx1"/>
+          </a:fontRef>
+        </p:style>
+      </p:cxnSp>
+      <p:cxnSp>
+        <p:nvCxnSpPr>
+          <p:cNvPr id="41" name="直線矢印コネクタ 40"/>
+          <p:cNvCxnSpPr>
+            <a:stCxn id="3" idx="3"/>
+            <a:endCxn id="76" idx="0"/>
+          </p:cNvCxnSpPr>
+          <p:nvPr/>
+        </p:nvCxnSpPr>
+        <p:spPr>
+          <a:xfrm>
+            <a:off x="3520595" y="3452671"/>
+            <a:ext cx="4100309" cy="637973"/>
+          </a:xfrm>
+          <a:prstGeom prst="straightConnector1">
+            <a:avLst/>
+          </a:prstGeom>
+          <a:ln w="57150">
+            <a:solidFill>
+              <a:schemeClr val="accent2"/>
+            </a:solidFill>
+            <a:prstDash val="sysDash"/>
+            <a:tailEnd type="triangle"/>
+          </a:ln>
+          <a:effectLst>
+            <a:outerShdw blurRad="50800" dist="38100" dir="2700000" algn="tl" rotWithShape="0">
+              <a:prstClr val="black">
+                <a:alpha val="40000"/>
+              </a:prstClr>
+            </a:outerShdw>
+          </a:effectLst>
+        </p:spPr>
+        <p:style>
+          <a:lnRef idx="1">
+            <a:schemeClr val="accent1"/>
+          </a:lnRef>
+          <a:fillRef idx="0">
+            <a:schemeClr val="accent1"/>
+          </a:fillRef>
+          <a:effectRef idx="0">
+            <a:schemeClr val="accent1"/>
+          </a:effectRef>
+          <a:fontRef idx="minor">
+            <a:schemeClr val="tx1"/>
+          </a:fontRef>
+        </p:style>
+      </p:cxnSp>
       <p:pic>
         <p:nvPicPr>
-          <p:cNvPr id="5" name="コンテンツ プレースホルダー 4"/>
+          <p:cNvPr id="3" name="図 2"/>
           <p:cNvPicPr>
-            <a:picLocks noGrp="1" noChangeAspect="1"/>
+            <a:picLocks noChangeAspect="1"/>
           </p:cNvPicPr>
-          <p:nvPr>
-            <p:ph idx="1"/>
-          </p:nvPr>
+          <p:nvPr/>
         </p:nvPicPr>
         <p:blipFill>
-          <a:blip r:embed="rId2">
+          <a:blip r:embed="rId4" cstate="print">
             <a:extLst>
               <a:ext uri="{28A0092B-C50C-407E-A947-70E740481C1C}">
                 <a14:useLocalDpi xmlns:a14="http://schemas.microsoft.com/office/drawing/2010/main" val="0"/>
@@ -5934,29 +7596,1411 @@
         </p:blipFill>
         <p:spPr>
           <a:xfrm>
-            <a:off x="0" y="2000251"/>
-            <a:ext cx="6857343" cy="4767263"/>
+            <a:off x="2094757" y="2723342"/>
+            <a:ext cx="1425838" cy="1458658"/>
           </a:xfrm>
+          <a:prstGeom prst="rect">
+            <a:avLst/>
+          </a:prstGeom>
         </p:spPr>
       </p:pic>
+      <p:cxnSp>
+        <p:nvCxnSpPr>
+          <p:cNvPr id="44" name="直線矢印コネクタ 43"/>
+          <p:cNvCxnSpPr>
+            <a:stCxn id="67" idx="1"/>
+          </p:cNvCxnSpPr>
+          <p:nvPr/>
+        </p:nvCxnSpPr>
+        <p:spPr>
+          <a:xfrm flipH="1">
+            <a:off x="3517138" y="2597799"/>
+            <a:ext cx="1479521" cy="492897"/>
+          </a:xfrm>
+          <a:prstGeom prst="straightConnector1">
+            <a:avLst/>
+          </a:prstGeom>
+          <a:ln w="57150">
+            <a:solidFill>
+              <a:schemeClr val="accent2"/>
+            </a:solidFill>
+            <a:prstDash val="sysDash"/>
+            <a:tailEnd type="triangle"/>
+          </a:ln>
+          <a:effectLst>
+            <a:outerShdw blurRad="50800" dist="38100" dir="2700000" algn="tl" rotWithShape="0">
+              <a:prstClr val="black">
+                <a:alpha val="40000"/>
+              </a:prstClr>
+            </a:outerShdw>
+          </a:effectLst>
+        </p:spPr>
+        <p:style>
+          <a:lnRef idx="1">
+            <a:schemeClr val="accent1"/>
+          </a:lnRef>
+          <a:fillRef idx="0">
+            <a:schemeClr val="accent1"/>
+          </a:fillRef>
+          <a:effectRef idx="0">
+            <a:schemeClr val="accent1"/>
+          </a:effectRef>
+          <a:fontRef idx="minor">
+            <a:schemeClr val="tx1"/>
+          </a:fontRef>
+        </p:style>
+      </p:cxnSp>
+      <p:cxnSp>
+        <p:nvCxnSpPr>
+          <p:cNvPr id="50" name="直線矢印コネクタ 49"/>
+          <p:cNvCxnSpPr>
+            <a:stCxn id="3" idx="3"/>
+            <a:endCxn id="135" idx="1"/>
+          </p:cNvCxnSpPr>
+          <p:nvPr/>
+        </p:nvCxnSpPr>
+        <p:spPr>
+          <a:xfrm>
+            <a:off x="3520595" y="3452671"/>
+            <a:ext cx="1477241" cy="1958630"/>
+          </a:xfrm>
+          <a:prstGeom prst="straightConnector1">
+            <a:avLst/>
+          </a:prstGeom>
+          <a:ln w="57150">
+            <a:solidFill>
+              <a:schemeClr val="accent2"/>
+            </a:solidFill>
+            <a:prstDash val="sysDash"/>
+            <a:tailEnd type="triangle"/>
+          </a:ln>
+          <a:effectLst>
+            <a:outerShdw blurRad="50800" dist="38100" dir="2700000" algn="tl" rotWithShape="0">
+              <a:prstClr val="black">
+                <a:alpha val="40000"/>
+              </a:prstClr>
+            </a:outerShdw>
+          </a:effectLst>
+        </p:spPr>
+        <p:style>
+          <a:lnRef idx="1">
+            <a:schemeClr val="accent1"/>
+          </a:lnRef>
+          <a:fillRef idx="0">
+            <a:schemeClr val="accent1"/>
+          </a:fillRef>
+          <a:effectRef idx="0">
+            <a:schemeClr val="accent1"/>
+          </a:effectRef>
+          <a:fontRef idx="minor">
+            <a:schemeClr val="tx1"/>
+          </a:fontRef>
+        </p:style>
+      </p:cxnSp>
+      <p:cxnSp>
+        <p:nvCxnSpPr>
+          <p:cNvPr id="52" name="直線矢印コネクタ 51"/>
+          <p:cNvCxnSpPr>
+            <a:stCxn id="3" idx="3"/>
+            <a:endCxn id="16" idx="1"/>
+          </p:cNvCxnSpPr>
+          <p:nvPr/>
+        </p:nvCxnSpPr>
+        <p:spPr>
+          <a:xfrm>
+            <a:off x="3520595" y="3452671"/>
+            <a:ext cx="4091191" cy="2892533"/>
+          </a:xfrm>
+          <a:prstGeom prst="straightConnector1">
+            <a:avLst/>
+          </a:prstGeom>
+          <a:ln w="57150">
+            <a:solidFill>
+              <a:schemeClr val="accent2"/>
+            </a:solidFill>
+            <a:prstDash val="sysDash"/>
+            <a:tailEnd type="triangle"/>
+          </a:ln>
+          <a:effectLst>
+            <a:outerShdw blurRad="50800" dist="38100" dir="2700000" algn="tl" rotWithShape="0">
+              <a:prstClr val="black">
+                <a:alpha val="40000"/>
+              </a:prstClr>
+            </a:outerShdw>
+          </a:effectLst>
+        </p:spPr>
+        <p:style>
+          <a:lnRef idx="1">
+            <a:schemeClr val="accent1"/>
+          </a:lnRef>
+          <a:fillRef idx="0">
+            <a:schemeClr val="accent1"/>
+          </a:fillRef>
+          <a:effectRef idx="0">
+            <a:schemeClr val="accent1"/>
+          </a:effectRef>
+          <a:fontRef idx="minor">
+            <a:schemeClr val="tx1"/>
+          </a:fontRef>
+        </p:style>
+      </p:cxnSp>
       <p:sp>
         <p:nvSpPr>
-          <p:cNvPr id="7" name="角丸四角形 6"/>
+          <p:cNvPr id="29" name="角丸四角形 28"/>
           <p:cNvSpPr/>
           <p:nvPr/>
         </p:nvSpPr>
         <p:spPr>
           <a:xfrm>
-            <a:off x="1542663" y="3170682"/>
-            <a:ext cx="341001" cy="205204"/>
+            <a:off x="4924972" y="2375910"/>
+            <a:ext cx="1168553" cy="432304"/>
           </a:xfrm>
           <a:prstGeom prst="roundRect">
             <a:avLst/>
           </a:prstGeom>
           <a:noFill/>
+          <a:ln w="57150">
+            <a:solidFill>
+              <a:srgbClr val="FF0000"/>
+            </a:solidFill>
+          </a:ln>
+          <a:effectLst>
+            <a:outerShdw blurRad="50800" dist="38100" dir="2700000" algn="tl" rotWithShape="0">
+              <a:prstClr val="black">
+                <a:alpha val="40000"/>
+              </a:prstClr>
+            </a:outerShdw>
+          </a:effectLst>
+        </p:spPr>
+        <p:style>
+          <a:lnRef idx="2">
+            <a:schemeClr val="accent1">
+              <a:shade val="50000"/>
+            </a:schemeClr>
+          </a:lnRef>
+          <a:fillRef idx="1">
+            <a:schemeClr val="accent1"/>
+          </a:fillRef>
+          <a:effectRef idx="0">
+            <a:schemeClr val="accent1"/>
+          </a:effectRef>
+          <a:fontRef idx="minor">
+            <a:schemeClr val="lt1"/>
+          </a:fontRef>
+        </p:style>
+        <p:txBody>
+          <a:bodyPr rtlCol="0" anchor="ctr"/>
+          <a:lstStyle/>
+          <a:p>
+            <a:pPr algn="ctr"/>
+            <a:endParaRPr kumimoji="1" lang="ja-JP" altLang="en-US"/>
+          </a:p>
+        </p:txBody>
+      </p:sp>
+      <p:grpSp>
+        <p:nvGrpSpPr>
+          <p:cNvPr id="99" name="グループ化 98"/>
+          <p:cNvGrpSpPr/>
+          <p:nvPr/>
+        </p:nvGrpSpPr>
+        <p:grpSpPr>
+          <a:xfrm>
+            <a:off x="1207976" y="4390461"/>
+            <a:ext cx="1048080" cy="1622913"/>
+            <a:chOff x="1532914" y="4112738"/>
+            <a:chExt cx="1048080" cy="1622913"/>
+          </a:xfrm>
+        </p:grpSpPr>
+        <p:sp>
+          <p:nvSpPr>
+            <p:cNvPr id="75" name="角丸四角形 74"/>
+            <p:cNvSpPr/>
+            <p:nvPr/>
+          </p:nvSpPr>
+          <p:spPr>
+            <a:xfrm>
+              <a:off x="1538364" y="4556115"/>
+              <a:ext cx="1042630" cy="287882"/>
+            </a:xfrm>
+            <a:prstGeom prst="roundRect">
+              <a:avLst/>
+            </a:prstGeom>
+            <a:noFill/>
+            <a:ln w="28575">
+              <a:solidFill>
+                <a:schemeClr val="accent1"/>
+              </a:solidFill>
+            </a:ln>
+          </p:spPr>
+          <p:style>
+            <a:lnRef idx="2">
+              <a:schemeClr val="accent1">
+                <a:shade val="50000"/>
+              </a:schemeClr>
+            </a:lnRef>
+            <a:fillRef idx="1">
+              <a:schemeClr val="accent1"/>
+            </a:fillRef>
+            <a:effectRef idx="0">
+              <a:schemeClr val="accent1"/>
+            </a:effectRef>
+            <a:fontRef idx="minor">
+              <a:schemeClr val="lt1"/>
+            </a:fontRef>
+          </p:style>
+          <p:txBody>
+            <a:bodyPr rtlCol="0" anchor="ctr"/>
+            <a:lstStyle/>
+            <a:p>
+              <a:pPr algn="ctr"/>
+              <a:r>
+                <a:rPr lang="en-US" altLang="ja-JP" sz="1013" b="1" dirty="0" err="1">
+                  <a:solidFill>
+                    <a:schemeClr val="tx1"/>
+                  </a:solidFill>
+                </a:rPr>
+                <a:t>tableFiltered</a:t>
+              </a:r>
+              <a:endParaRPr lang="ja-JP" altLang="en-US" sz="1013" b="1" dirty="0">
+                <a:solidFill>
+                  <a:schemeClr val="tx1"/>
+                </a:solidFill>
+              </a:endParaRPr>
+            </a:p>
+          </p:txBody>
+        </p:sp>
+        <p:sp>
+          <p:nvSpPr>
+            <p:cNvPr id="73" name="角丸四角形 133">
+              <a:extLst>
+                <a:ext uri="{FF2B5EF4-FFF2-40B4-BE49-F238E27FC236}">
+                  <a16:creationId xmlns:a16="http://schemas.microsoft.com/office/drawing/2014/main" id="{0D630CD0-FC53-43EA-9816-0E5ABEBB0A58}"/>
+                </a:ext>
+              </a:extLst>
+            </p:cNvPr>
+            <p:cNvSpPr/>
+            <p:nvPr/>
+          </p:nvSpPr>
+          <p:spPr>
+            <a:xfrm>
+              <a:off x="1538364" y="4112738"/>
+              <a:ext cx="1037973" cy="287882"/>
+            </a:xfrm>
+            <a:prstGeom prst="roundRect">
+              <a:avLst/>
+            </a:prstGeom>
+            <a:solidFill>
+              <a:srgbClr val="FFFF00"/>
+            </a:solidFill>
+            <a:ln w="28575">
+              <a:solidFill>
+                <a:schemeClr val="accent1"/>
+              </a:solidFill>
+            </a:ln>
+          </p:spPr>
+          <p:style>
+            <a:lnRef idx="2">
+              <a:schemeClr val="accent1">
+                <a:shade val="50000"/>
+              </a:schemeClr>
+            </a:lnRef>
+            <a:fillRef idx="1">
+              <a:schemeClr val="accent1"/>
+            </a:fillRef>
+            <a:effectRef idx="0">
+              <a:schemeClr val="accent1"/>
+            </a:effectRef>
+            <a:fontRef idx="minor">
+              <a:schemeClr val="lt1"/>
+            </a:fontRef>
+          </p:style>
+          <p:txBody>
+            <a:bodyPr rtlCol="0" anchor="ctr"/>
+            <a:lstStyle/>
+            <a:p>
+              <a:pPr algn="ctr"/>
+              <a:r>
+                <a:rPr lang="en-US" altLang="ja-JP" sz="1013" b="1" dirty="0">
+                  <a:solidFill>
+                    <a:schemeClr val="tx1"/>
+                  </a:solidFill>
+                </a:rPr>
+                <a:t>email</a:t>
+              </a:r>
+              <a:endParaRPr lang="ja-JP" altLang="en-US" sz="1013" b="1" dirty="0">
+                <a:solidFill>
+                  <a:schemeClr val="tx1"/>
+                </a:solidFill>
+              </a:endParaRPr>
+            </a:p>
+          </p:txBody>
+        </p:sp>
+        <p:sp>
+          <p:nvSpPr>
+            <p:cNvPr id="79" name="角丸四角形 78"/>
+            <p:cNvSpPr/>
+            <p:nvPr/>
+          </p:nvSpPr>
+          <p:spPr>
+            <a:xfrm>
+              <a:off x="1532914" y="5001942"/>
+              <a:ext cx="1048080" cy="287882"/>
+            </a:xfrm>
+            <a:prstGeom prst="roundRect">
+              <a:avLst/>
+            </a:prstGeom>
+            <a:noFill/>
+            <a:ln w="28575">
+              <a:solidFill>
+                <a:schemeClr val="accent1"/>
+              </a:solidFill>
+            </a:ln>
+          </p:spPr>
+          <p:style>
+            <a:lnRef idx="2">
+              <a:schemeClr val="accent1">
+                <a:shade val="50000"/>
+              </a:schemeClr>
+            </a:lnRef>
+            <a:fillRef idx="1">
+              <a:schemeClr val="accent1"/>
+            </a:fillRef>
+            <a:effectRef idx="0">
+              <a:schemeClr val="accent1"/>
+            </a:effectRef>
+            <a:fontRef idx="minor">
+              <a:schemeClr val="lt1"/>
+            </a:fontRef>
+          </p:style>
+          <p:txBody>
+            <a:bodyPr rtlCol="0" anchor="ctr"/>
+            <a:lstStyle/>
+            <a:p>
+              <a:pPr algn="ctr"/>
+              <a:r>
+                <a:rPr lang="en-US" altLang="ja-JP" sz="1013" b="1" dirty="0" err="1">
+                  <a:solidFill>
+                    <a:schemeClr val="tx1"/>
+                  </a:solidFill>
+                </a:rPr>
+                <a:t>currentPage</a:t>
+              </a:r>
+              <a:endParaRPr lang="ja-JP" altLang="en-US" sz="1013" b="1" dirty="0">
+                <a:solidFill>
+                  <a:schemeClr val="tx1"/>
+                </a:solidFill>
+              </a:endParaRPr>
+            </a:p>
+          </p:txBody>
+        </p:sp>
+        <p:sp>
+          <p:nvSpPr>
+            <p:cNvPr id="85" name="角丸四角形 84"/>
+            <p:cNvSpPr/>
+            <p:nvPr/>
+          </p:nvSpPr>
+          <p:spPr>
+            <a:xfrm>
+              <a:off x="1532914" y="5447769"/>
+              <a:ext cx="1043422" cy="287882"/>
+            </a:xfrm>
+            <a:prstGeom prst="roundRect">
+              <a:avLst/>
+            </a:prstGeom>
+            <a:noFill/>
+            <a:ln w="28575">
+              <a:solidFill>
+                <a:schemeClr val="accent1"/>
+              </a:solidFill>
+            </a:ln>
+          </p:spPr>
+          <p:style>
+            <a:lnRef idx="2">
+              <a:schemeClr val="accent1">
+                <a:shade val="50000"/>
+              </a:schemeClr>
+            </a:lnRef>
+            <a:fillRef idx="1">
+              <a:schemeClr val="accent1"/>
+            </a:fillRef>
+            <a:effectRef idx="0">
+              <a:schemeClr val="accent1"/>
+            </a:effectRef>
+            <a:fontRef idx="minor">
+              <a:schemeClr val="lt1"/>
+            </a:fontRef>
+          </p:style>
+          <p:txBody>
+            <a:bodyPr rtlCol="0" anchor="ctr"/>
+            <a:lstStyle/>
+            <a:p>
+              <a:pPr algn="ctr"/>
+              <a:r>
+                <a:rPr lang="en-US" altLang="ja-JP" sz="1013" b="1" dirty="0" err="1">
+                  <a:solidFill>
+                    <a:schemeClr val="tx1"/>
+                  </a:solidFill>
+                </a:rPr>
+                <a:t>tableSliced</a:t>
+              </a:r>
+              <a:endParaRPr lang="ja-JP" altLang="en-US" sz="1013" b="1" dirty="0">
+                <a:solidFill>
+                  <a:schemeClr val="tx1"/>
+                </a:solidFill>
+              </a:endParaRPr>
+            </a:p>
+          </p:txBody>
+        </p:sp>
+        <p:sp>
+          <p:nvSpPr>
+            <p:cNvPr id="94" name="二等辺三角形 93"/>
+            <p:cNvSpPr/>
+            <p:nvPr/>
+          </p:nvSpPr>
+          <p:spPr>
+            <a:xfrm rot="10800000">
+              <a:off x="1968265" y="4362061"/>
+              <a:ext cx="172720" cy="220267"/>
+            </a:xfrm>
+            <a:prstGeom prst="triangle">
+              <a:avLst>
+                <a:gd name="adj" fmla="val 51515"/>
+              </a:avLst>
+            </a:prstGeom>
+            <a:solidFill>
+              <a:schemeClr val="tx1"/>
+            </a:solidFill>
+            <a:ln>
+              <a:noFill/>
+            </a:ln>
+          </p:spPr>
+          <p:style>
+            <a:lnRef idx="2">
+              <a:schemeClr val="accent1">
+                <a:shade val="50000"/>
+              </a:schemeClr>
+            </a:lnRef>
+            <a:fillRef idx="1">
+              <a:schemeClr val="accent1"/>
+            </a:fillRef>
+            <a:effectRef idx="0">
+              <a:schemeClr val="accent1"/>
+            </a:effectRef>
+            <a:fontRef idx="minor">
+              <a:schemeClr val="lt1"/>
+            </a:fontRef>
+          </p:style>
+          <p:txBody>
+            <a:bodyPr rtlCol="0" anchor="ctr"/>
+            <a:lstStyle/>
+            <a:p>
+              <a:pPr algn="ctr"/>
+              <a:endParaRPr kumimoji="1" lang="ja-JP" altLang="en-US"/>
+            </a:p>
+          </p:txBody>
+        </p:sp>
+        <p:sp>
+          <p:nvSpPr>
+            <p:cNvPr id="102" name="二等辺三角形 101"/>
+            <p:cNvSpPr/>
+            <p:nvPr/>
+          </p:nvSpPr>
+          <p:spPr>
+            <a:xfrm rot="10800000">
+              <a:off x="1968265" y="4815483"/>
+              <a:ext cx="172720" cy="220267"/>
+            </a:xfrm>
+            <a:prstGeom prst="triangle">
+              <a:avLst>
+                <a:gd name="adj" fmla="val 51515"/>
+              </a:avLst>
+            </a:prstGeom>
+            <a:solidFill>
+              <a:schemeClr val="tx1"/>
+            </a:solidFill>
+            <a:ln>
+              <a:noFill/>
+            </a:ln>
+          </p:spPr>
+          <p:style>
+            <a:lnRef idx="2">
+              <a:schemeClr val="accent1">
+                <a:shade val="50000"/>
+              </a:schemeClr>
+            </a:lnRef>
+            <a:fillRef idx="1">
+              <a:schemeClr val="accent1"/>
+            </a:fillRef>
+            <a:effectRef idx="0">
+              <a:schemeClr val="accent1"/>
+            </a:effectRef>
+            <a:fontRef idx="minor">
+              <a:schemeClr val="lt1"/>
+            </a:fontRef>
+          </p:style>
+          <p:txBody>
+            <a:bodyPr rtlCol="0" anchor="ctr"/>
+            <a:lstStyle/>
+            <a:p>
+              <a:pPr algn="ctr"/>
+              <a:endParaRPr kumimoji="1" lang="ja-JP" altLang="en-US"/>
+            </a:p>
+          </p:txBody>
+        </p:sp>
+        <p:sp>
+          <p:nvSpPr>
+            <p:cNvPr id="105" name="二等辺三角形 104"/>
+            <p:cNvSpPr/>
+            <p:nvPr/>
+          </p:nvSpPr>
+          <p:spPr>
+            <a:xfrm rot="10800000">
+              <a:off x="1973319" y="5258860"/>
+              <a:ext cx="172720" cy="220267"/>
+            </a:xfrm>
+            <a:prstGeom prst="triangle">
+              <a:avLst>
+                <a:gd name="adj" fmla="val 51515"/>
+              </a:avLst>
+            </a:prstGeom>
+            <a:solidFill>
+              <a:schemeClr val="tx1"/>
+            </a:solidFill>
+            <a:ln>
+              <a:noFill/>
+            </a:ln>
+          </p:spPr>
+          <p:style>
+            <a:lnRef idx="2">
+              <a:schemeClr val="accent1">
+                <a:shade val="50000"/>
+              </a:schemeClr>
+            </a:lnRef>
+            <a:fillRef idx="1">
+              <a:schemeClr val="accent1"/>
+            </a:fillRef>
+            <a:effectRef idx="0">
+              <a:schemeClr val="accent1"/>
+            </a:effectRef>
+            <a:fontRef idx="minor">
+              <a:schemeClr val="lt1"/>
+            </a:fontRef>
+          </p:style>
+          <p:txBody>
+            <a:bodyPr rtlCol="0" anchor="ctr"/>
+            <a:lstStyle/>
+            <a:p>
+              <a:pPr algn="ctr"/>
+              <a:endParaRPr kumimoji="1" lang="ja-JP" altLang="en-US"/>
+            </a:p>
+          </p:txBody>
+        </p:sp>
+      </p:grpSp>
+    </p:spTree>
+    <p:extLst>
+      <p:ext uri="{BB962C8B-B14F-4D97-AF65-F5344CB8AC3E}">
+        <p14:creationId xmlns:p14="http://schemas.microsoft.com/office/powerpoint/2010/main" val="784676182"/>
+      </p:ext>
+    </p:extLst>
+  </p:cSld>
+  <p:clrMapOvr>
+    <a:masterClrMapping/>
+  </p:clrMapOvr>
+</p:sld>
+</file>
+
+<file path=ppt/slides/slide3.xml><?xml version="1.0" encoding="utf-8"?>
+<p:sld xmlns:a="http://schemas.openxmlformats.org/drawingml/2006/main" xmlns:r="http://schemas.openxmlformats.org/officeDocument/2006/relationships" xmlns:p="http://schemas.openxmlformats.org/presentationml/2006/main">
+  <p:cSld>
+    <p:spTree>
+      <p:nvGrpSpPr>
+        <p:cNvPr id="1" name=""/>
+        <p:cNvGrpSpPr/>
+        <p:nvPr/>
+      </p:nvGrpSpPr>
+      <p:grpSpPr>
+        <a:xfrm>
+          <a:off x="0" y="0"/>
+          <a:ext cx="0" cy="0"/>
+          <a:chOff x="0" y="0"/>
+          <a:chExt cx="0" cy="0"/>
+        </a:xfrm>
+      </p:grpSpPr>
+      <p:grpSp>
+        <p:nvGrpSpPr>
+          <p:cNvPr id="157" name="グループ化 156"/>
+          <p:cNvGrpSpPr/>
+          <p:nvPr/>
+        </p:nvGrpSpPr>
+        <p:grpSpPr>
+          <a:xfrm>
+            <a:off x="6847383" y="480796"/>
+            <a:ext cx="1791796" cy="6008349"/>
+            <a:chOff x="5559668" y="-1728228"/>
+            <a:chExt cx="2389061" cy="8011131"/>
+          </a:xfrm>
+        </p:grpSpPr>
+        <p:sp>
+          <p:nvSpPr>
+            <p:cNvPr id="4" name="角丸四角形 3"/>
+            <p:cNvSpPr/>
+            <p:nvPr/>
+          </p:nvSpPr>
+          <p:spPr>
+            <a:xfrm>
+              <a:off x="6578869" y="-466496"/>
+              <a:ext cx="1357698" cy="383843"/>
+            </a:xfrm>
+            <a:prstGeom prst="roundRect">
+              <a:avLst/>
+            </a:prstGeom>
+            <a:solidFill>
+              <a:srgbClr val="FFFF00"/>
+            </a:solidFill>
+            <a:ln w="28575">
+              <a:solidFill>
+                <a:schemeClr val="accent1"/>
+              </a:solidFill>
+            </a:ln>
+          </p:spPr>
+          <p:style>
+            <a:lnRef idx="2">
+              <a:schemeClr val="accent1">
+                <a:shade val="50000"/>
+              </a:schemeClr>
+            </a:lnRef>
+            <a:fillRef idx="1">
+              <a:schemeClr val="accent1"/>
+            </a:fillRef>
+            <a:effectRef idx="0">
+              <a:schemeClr val="accent1"/>
+            </a:effectRef>
+            <a:fontRef idx="minor">
+              <a:schemeClr val="lt1"/>
+            </a:fontRef>
+          </p:style>
+          <p:txBody>
+            <a:bodyPr rtlCol="0" anchor="ctr"/>
+            <a:lstStyle/>
+            <a:p>
+              <a:pPr algn="ctr"/>
+              <a:r>
+                <a:rPr lang="en-US" altLang="ja-JP" sz="1013" b="1" dirty="0" err="1">
+                  <a:solidFill>
+                    <a:schemeClr val="tx1"/>
+                  </a:solidFill>
+                </a:rPr>
+                <a:t>CSVstring</a:t>
+              </a:r>
+              <a:endParaRPr lang="ja-JP" altLang="en-US" sz="1013" b="1" dirty="0">
+                <a:solidFill>
+                  <a:schemeClr val="tx1"/>
+                </a:solidFill>
+              </a:endParaRPr>
+            </a:p>
+          </p:txBody>
+        </p:sp>
+        <p:sp>
+          <p:nvSpPr>
+            <p:cNvPr id="6" name="角丸四角形 5"/>
+            <p:cNvSpPr/>
+            <p:nvPr/>
+          </p:nvSpPr>
+          <p:spPr>
+            <a:xfrm>
+              <a:off x="6578873" y="2881379"/>
+              <a:ext cx="1357700" cy="383843"/>
+            </a:xfrm>
+            <a:prstGeom prst="roundRect">
+              <a:avLst/>
+            </a:prstGeom>
+            <a:noFill/>
+            <a:ln w="28575">
+              <a:solidFill>
+                <a:schemeClr val="accent1"/>
+              </a:solidFill>
+            </a:ln>
+          </p:spPr>
+          <p:style>
+            <a:lnRef idx="2">
+              <a:schemeClr val="accent1">
+                <a:shade val="50000"/>
+              </a:schemeClr>
+            </a:lnRef>
+            <a:fillRef idx="1">
+              <a:schemeClr val="accent1"/>
+            </a:fillRef>
+            <a:effectRef idx="0">
+              <a:schemeClr val="accent1"/>
+            </a:effectRef>
+            <a:fontRef idx="minor">
+              <a:schemeClr val="lt1"/>
+            </a:fontRef>
+          </p:style>
+          <p:txBody>
+            <a:bodyPr rtlCol="0" anchor="ctr"/>
+            <a:lstStyle/>
+            <a:p>
+              <a:pPr algn="ctr"/>
+              <a:r>
+                <a:rPr lang="en-US" altLang="ja-JP" sz="1013" b="1" dirty="0" err="1">
+                  <a:solidFill>
+                    <a:schemeClr val="tx1"/>
+                  </a:solidFill>
+                </a:rPr>
+                <a:t>tableFiltered</a:t>
+              </a:r>
+              <a:endParaRPr lang="ja-JP" altLang="en-US" sz="1013" b="1" dirty="0">
+                <a:solidFill>
+                  <a:schemeClr val="tx1"/>
+                </a:solidFill>
+              </a:endParaRPr>
+            </a:p>
+          </p:txBody>
+        </p:sp>
+        <p:sp>
+          <p:nvSpPr>
+            <p:cNvPr id="16" name="角丸四角形 15"/>
+            <p:cNvSpPr/>
+            <p:nvPr/>
+          </p:nvSpPr>
+          <p:spPr>
+            <a:xfrm>
+              <a:off x="6578872" y="5899060"/>
+              <a:ext cx="1357700" cy="383843"/>
+            </a:xfrm>
+            <a:prstGeom prst="roundRect">
+              <a:avLst/>
+            </a:prstGeom>
+            <a:noFill/>
+            <a:ln w="28575">
+              <a:solidFill>
+                <a:schemeClr val="accent1"/>
+              </a:solidFill>
+            </a:ln>
+          </p:spPr>
+          <p:style>
+            <a:lnRef idx="2">
+              <a:schemeClr val="accent1">
+                <a:shade val="50000"/>
+              </a:schemeClr>
+            </a:lnRef>
+            <a:fillRef idx="1">
+              <a:schemeClr val="accent1"/>
+            </a:fillRef>
+            <a:effectRef idx="0">
+              <a:schemeClr val="accent1"/>
+            </a:effectRef>
+            <a:fontRef idx="minor">
+              <a:schemeClr val="lt1"/>
+            </a:fontRef>
+          </p:style>
+          <p:txBody>
+            <a:bodyPr rtlCol="0" anchor="ctr"/>
+            <a:lstStyle/>
+            <a:p>
+              <a:pPr algn="ctr"/>
+              <a:r>
+                <a:rPr lang="en-US" altLang="ja-JP" sz="1013" b="1" dirty="0" err="1">
+                  <a:solidFill>
+                    <a:schemeClr val="tx1"/>
+                  </a:solidFill>
+                </a:rPr>
+                <a:t>tableSliced</a:t>
+              </a:r>
+              <a:endParaRPr lang="ja-JP" altLang="en-US" sz="1013" b="1" dirty="0">
+                <a:solidFill>
+                  <a:schemeClr val="tx1"/>
+                </a:solidFill>
+              </a:endParaRPr>
+            </a:p>
+          </p:txBody>
+        </p:sp>
+        <p:pic>
+          <p:nvPicPr>
+            <p:cNvPr id="17" name="図 16"/>
+            <p:cNvPicPr>
+              <a:picLocks noChangeAspect="1"/>
+            </p:cNvPicPr>
+            <p:nvPr/>
+          </p:nvPicPr>
+          <p:blipFill>
+            <a:blip r:embed="rId2" cstate="print">
+              <a:extLst>
+                <a:ext uri="{28A0092B-C50C-407E-A947-70E740481C1C}">
+                  <a14:useLocalDpi xmlns:a14="http://schemas.microsoft.com/office/drawing/2010/main" val="0"/>
+                </a:ext>
+              </a:extLst>
+            </a:blip>
+            <a:stretch>
+              <a:fillRect/>
+            </a:stretch>
+          </p:blipFill>
+          <p:spPr>
+            <a:xfrm>
+              <a:off x="6591029" y="-1728228"/>
+              <a:ext cx="1357700" cy="714207"/>
+            </a:xfrm>
+            <a:prstGeom prst="rect">
+              <a:avLst/>
+            </a:prstGeom>
+          </p:spPr>
+        </p:pic>
+        <p:cxnSp>
+          <p:nvCxnSpPr>
+            <p:cNvPr id="24" name="直線矢印コネクタ 23"/>
+            <p:cNvCxnSpPr>
+              <a:cxnSpLocks/>
+              <a:stCxn id="4" idx="2"/>
+              <a:endCxn id="39" idx="0"/>
+            </p:cNvCxnSpPr>
+            <p:nvPr/>
+          </p:nvCxnSpPr>
+          <p:spPr>
+            <a:xfrm>
+              <a:off x="7257718" y="-82654"/>
+              <a:ext cx="1" cy="1096305"/>
+            </a:xfrm>
+            <a:prstGeom prst="straightConnector1">
+              <a:avLst/>
+            </a:prstGeom>
+            <a:ln w="57150">
+              <a:solidFill>
+                <a:schemeClr val="tx1"/>
+              </a:solidFill>
+              <a:tailEnd type="triangle"/>
+            </a:ln>
+          </p:spPr>
+          <p:style>
+            <a:lnRef idx="1">
+              <a:schemeClr val="accent1"/>
+            </a:lnRef>
+            <a:fillRef idx="0">
+              <a:schemeClr val="accent1"/>
+            </a:fillRef>
+            <a:effectRef idx="0">
+              <a:schemeClr val="accent1"/>
+            </a:effectRef>
+            <a:fontRef idx="minor">
+              <a:schemeClr val="tx1"/>
+            </a:fontRef>
+          </p:style>
+        </p:cxnSp>
+        <p:cxnSp>
+          <p:nvCxnSpPr>
+            <p:cNvPr id="27" name="直線矢印コネクタ 26"/>
+            <p:cNvCxnSpPr>
+              <a:endCxn id="4" idx="0"/>
+            </p:cNvCxnSpPr>
+            <p:nvPr/>
+          </p:nvCxnSpPr>
+          <p:spPr>
+            <a:xfrm>
+              <a:off x="7257713" y="-1224446"/>
+              <a:ext cx="4" cy="757949"/>
+            </a:xfrm>
+            <a:prstGeom prst="straightConnector1">
+              <a:avLst/>
+            </a:prstGeom>
+            <a:ln w="57150">
+              <a:solidFill>
+                <a:schemeClr val="tx1"/>
+              </a:solidFill>
+              <a:tailEnd type="triangle"/>
+            </a:ln>
+          </p:spPr>
+          <p:style>
+            <a:lnRef idx="1">
+              <a:schemeClr val="accent1"/>
+            </a:lnRef>
+            <a:fillRef idx="0">
+              <a:schemeClr val="accent1"/>
+            </a:fillRef>
+            <a:effectRef idx="0">
+              <a:schemeClr val="accent1"/>
+            </a:effectRef>
+            <a:fontRef idx="minor">
+              <a:schemeClr val="tx1"/>
+            </a:fontRef>
+          </p:style>
+        </p:cxnSp>
+        <p:cxnSp>
+          <p:nvCxnSpPr>
+            <p:cNvPr id="30" name="直線矢印コネクタ 29"/>
+            <p:cNvCxnSpPr>
+              <a:stCxn id="6" idx="2"/>
+              <a:endCxn id="16" idx="0"/>
+            </p:cNvCxnSpPr>
+            <p:nvPr/>
+          </p:nvCxnSpPr>
+          <p:spPr>
+            <a:xfrm>
+              <a:off x="7257721" y="3265222"/>
+              <a:ext cx="0" cy="2633838"/>
+            </a:xfrm>
+            <a:prstGeom prst="straightConnector1">
+              <a:avLst/>
+            </a:prstGeom>
+            <a:ln w="57150">
+              <a:solidFill>
+                <a:schemeClr val="tx1"/>
+              </a:solidFill>
+              <a:tailEnd type="triangle"/>
+            </a:ln>
+          </p:spPr>
+          <p:style>
+            <a:lnRef idx="1">
+              <a:schemeClr val="accent1"/>
+            </a:lnRef>
+            <a:fillRef idx="0">
+              <a:schemeClr val="accent1"/>
+            </a:fillRef>
+            <a:effectRef idx="0">
+              <a:schemeClr val="accent1"/>
+            </a:effectRef>
+            <a:fontRef idx="minor">
+              <a:schemeClr val="tx1"/>
+            </a:fontRef>
+          </p:style>
+        </p:cxnSp>
+        <p:sp>
+          <p:nvSpPr>
+            <p:cNvPr id="83" name="正方形/長方形 82"/>
+            <p:cNvSpPr/>
+            <p:nvPr/>
+          </p:nvSpPr>
+          <p:spPr>
+            <a:xfrm>
+              <a:off x="6626141" y="282873"/>
+              <a:ext cx="1287473" cy="349296"/>
+            </a:xfrm>
+            <a:prstGeom prst="rect">
+              <a:avLst/>
+            </a:prstGeom>
+            <a:solidFill>
+              <a:srgbClr val="00B050"/>
+            </a:solidFill>
+            <a:ln>
+              <a:noFill/>
+            </a:ln>
+          </p:spPr>
+          <p:style>
+            <a:lnRef idx="2">
+              <a:schemeClr val="accent1">
+                <a:shade val="50000"/>
+              </a:schemeClr>
+            </a:lnRef>
+            <a:fillRef idx="1">
+              <a:schemeClr val="accent1"/>
+            </a:fillRef>
+            <a:effectRef idx="0">
+              <a:schemeClr val="accent1"/>
+            </a:effectRef>
+            <a:fontRef idx="minor">
+              <a:schemeClr val="lt1"/>
+            </a:fontRef>
+          </p:style>
+          <p:txBody>
+            <a:bodyPr rtlCol="0" anchor="ctr"/>
+            <a:lstStyle/>
+            <a:p>
+              <a:pPr algn="ctr"/>
+              <a:r>
+                <a:rPr lang="en-US" altLang="ja-JP" sz="1013" b="1" dirty="0" err="1"/>
+                <a:t>CSVtoTable</a:t>
+              </a:r>
+              <a:endParaRPr lang="ja-JP" altLang="en-US" sz="1013" b="1" dirty="0"/>
+            </a:p>
+          </p:txBody>
+        </p:sp>
+        <p:sp>
+          <p:nvSpPr>
+            <p:cNvPr id="84" name="正方形/長方形 83"/>
+            <p:cNvSpPr/>
+            <p:nvPr/>
+          </p:nvSpPr>
+          <p:spPr>
+            <a:xfrm>
+              <a:off x="6800520" y="5064796"/>
+              <a:ext cx="914400" cy="349296"/>
+            </a:xfrm>
+            <a:prstGeom prst="rect">
+              <a:avLst/>
+            </a:prstGeom>
+            <a:solidFill>
+              <a:srgbClr val="00B050"/>
+            </a:solidFill>
+            <a:ln>
+              <a:noFill/>
+            </a:ln>
+          </p:spPr>
+          <p:style>
+            <a:lnRef idx="2">
+              <a:schemeClr val="accent1">
+                <a:shade val="50000"/>
+              </a:schemeClr>
+            </a:lnRef>
+            <a:fillRef idx="1">
+              <a:schemeClr val="accent1"/>
+            </a:fillRef>
+            <a:effectRef idx="0">
+              <a:schemeClr val="accent1"/>
+            </a:effectRef>
+            <a:fontRef idx="minor">
+              <a:schemeClr val="lt1"/>
+            </a:fontRef>
+          </p:style>
+          <p:txBody>
+            <a:bodyPr rtlCol="0" anchor="ctr"/>
+            <a:lstStyle/>
+            <a:p>
+              <a:pPr algn="ctr"/>
+              <a:r>
+                <a:rPr lang="en-US" altLang="ja-JP" sz="1013" b="1" dirty="0"/>
+                <a:t>slice</a:t>
+              </a:r>
+              <a:endParaRPr lang="ja-JP" altLang="en-US" sz="1013" b="1" dirty="0"/>
+            </a:p>
+          </p:txBody>
+        </p:sp>
+        <p:sp>
+          <p:nvSpPr>
+            <p:cNvPr id="110" name="テキスト ボックス 109"/>
+            <p:cNvSpPr txBox="1"/>
+            <p:nvPr/>
+          </p:nvSpPr>
+          <p:spPr>
+            <a:xfrm>
+              <a:off x="5559668" y="-1000671"/>
+              <a:ext cx="1792542" cy="400109"/>
+            </a:xfrm>
+            <a:prstGeom prst="rect">
+              <a:avLst/>
+            </a:prstGeom>
+            <a:noFill/>
+          </p:spPr>
+          <p:txBody>
+            <a:bodyPr wrap="none" rtlCol="0">
+              <a:spAutoFit/>
+            </a:bodyPr>
+            <a:lstStyle/>
+            <a:p>
+              <a:r>
+                <a:rPr lang="en-US" altLang="ja-JP" sz="1350" dirty="0"/>
+                <a:t>http</a:t>
+              </a:r>
+              <a:r>
+                <a:rPr lang="ja-JP" altLang="en-US" sz="1350" dirty="0"/>
+                <a:t>リクエスト</a:t>
+              </a:r>
+            </a:p>
+          </p:txBody>
+        </p:sp>
+        <p:sp>
+          <p:nvSpPr>
+            <p:cNvPr id="39" name="角丸四角形 5">
+              <a:extLst>
+                <a:ext uri="{FF2B5EF4-FFF2-40B4-BE49-F238E27FC236}">
+                  <a16:creationId xmlns:a16="http://schemas.microsoft.com/office/drawing/2014/main" id="{0105B787-0105-48BF-9019-189EC65FFEEB}"/>
+                </a:ext>
+              </a:extLst>
+            </p:cNvPr>
+            <p:cNvSpPr/>
+            <p:nvPr/>
+          </p:nvSpPr>
+          <p:spPr>
+            <a:xfrm>
+              <a:off x="6578869" y="1013651"/>
+              <a:ext cx="1357700" cy="383843"/>
+            </a:xfrm>
+            <a:prstGeom prst="roundRect">
+              <a:avLst/>
+            </a:prstGeom>
+            <a:noFill/>
+            <a:ln w="28575">
+              <a:solidFill>
+                <a:schemeClr val="accent1"/>
+              </a:solidFill>
+            </a:ln>
+          </p:spPr>
+          <p:style>
+            <a:lnRef idx="2">
+              <a:schemeClr val="accent1">
+                <a:shade val="50000"/>
+              </a:schemeClr>
+            </a:lnRef>
+            <a:fillRef idx="1">
+              <a:schemeClr val="accent1"/>
+            </a:fillRef>
+            <a:effectRef idx="0">
+              <a:schemeClr val="accent1"/>
+            </a:effectRef>
+            <a:fontRef idx="minor">
+              <a:schemeClr val="lt1"/>
+            </a:fontRef>
+          </p:style>
+          <p:txBody>
+            <a:bodyPr rtlCol="0" anchor="ctr"/>
+            <a:lstStyle/>
+            <a:p>
+              <a:pPr algn="ctr"/>
+              <a:r>
+                <a:rPr lang="en-US" altLang="ja-JP" sz="1013" b="1" dirty="0">
+                  <a:solidFill>
+                    <a:schemeClr val="tx1"/>
+                  </a:solidFill>
+                </a:rPr>
+                <a:t>table</a:t>
+              </a:r>
+              <a:endParaRPr lang="ja-JP" altLang="en-US" sz="1013" b="1" dirty="0">
+                <a:solidFill>
+                  <a:schemeClr val="tx1"/>
+                </a:solidFill>
+              </a:endParaRPr>
+            </a:p>
+          </p:txBody>
+        </p:sp>
+        <p:cxnSp>
+          <p:nvCxnSpPr>
+            <p:cNvPr id="40" name="直線矢印コネクタ 39">
+              <a:extLst>
+                <a:ext uri="{FF2B5EF4-FFF2-40B4-BE49-F238E27FC236}">
+                  <a16:creationId xmlns:a16="http://schemas.microsoft.com/office/drawing/2014/main" id="{CFE6184A-C231-4A0B-A1AF-5AEACCCF9B99}"/>
+                </a:ext>
+              </a:extLst>
+            </p:cNvPr>
+            <p:cNvCxnSpPr>
+              <a:cxnSpLocks/>
+              <a:stCxn id="39" idx="2"/>
+              <a:endCxn id="6" idx="0"/>
+            </p:cNvCxnSpPr>
+            <p:nvPr/>
+          </p:nvCxnSpPr>
+          <p:spPr>
+            <a:xfrm>
+              <a:off x="7257720" y="1397494"/>
+              <a:ext cx="4" cy="1483885"/>
+            </a:xfrm>
+            <a:prstGeom prst="straightConnector1">
+              <a:avLst/>
+            </a:prstGeom>
+            <a:ln w="57150">
+              <a:solidFill>
+                <a:schemeClr val="tx1"/>
+              </a:solidFill>
+              <a:tailEnd type="triangle"/>
+            </a:ln>
+          </p:spPr>
+          <p:style>
+            <a:lnRef idx="1">
+              <a:schemeClr val="accent1"/>
+            </a:lnRef>
+            <a:fillRef idx="0">
+              <a:schemeClr val="accent1"/>
+            </a:fillRef>
+            <a:effectRef idx="0">
+              <a:schemeClr val="accent1"/>
+            </a:effectRef>
+            <a:fontRef idx="minor">
+              <a:schemeClr val="tx1"/>
+            </a:fontRef>
+          </p:style>
+        </p:cxnSp>
+        <p:sp>
+          <p:nvSpPr>
+            <p:cNvPr id="42" name="正方形/長方形 41">
+              <a:extLst>
+                <a:ext uri="{FF2B5EF4-FFF2-40B4-BE49-F238E27FC236}">
+                  <a16:creationId xmlns:a16="http://schemas.microsoft.com/office/drawing/2014/main" id="{17197374-D2DC-40B2-ABBC-23ED6EC50B3B}"/>
+                </a:ext>
+              </a:extLst>
+            </p:cNvPr>
+            <p:cNvSpPr/>
+            <p:nvPr/>
+          </p:nvSpPr>
+          <p:spPr>
+            <a:xfrm>
+              <a:off x="6613981" y="1931669"/>
+              <a:ext cx="1287473" cy="349296"/>
+            </a:xfrm>
+            <a:prstGeom prst="rect">
+              <a:avLst/>
+            </a:prstGeom>
+            <a:solidFill>
+              <a:srgbClr val="00B050"/>
+            </a:solidFill>
+            <a:ln>
+              <a:noFill/>
+            </a:ln>
+          </p:spPr>
+          <p:style>
+            <a:lnRef idx="2">
+              <a:schemeClr val="accent1">
+                <a:shade val="50000"/>
+              </a:schemeClr>
+            </a:lnRef>
+            <a:fillRef idx="1">
+              <a:schemeClr val="accent1"/>
+            </a:fillRef>
+            <a:effectRef idx="0">
+              <a:schemeClr val="accent1"/>
+            </a:effectRef>
+            <a:fontRef idx="minor">
+              <a:schemeClr val="lt1"/>
+            </a:fontRef>
+          </p:style>
+          <p:txBody>
+            <a:bodyPr rtlCol="0" anchor="ctr"/>
+            <a:lstStyle/>
+            <a:p>
+              <a:pPr algn="ctr"/>
+              <a:r>
+                <a:rPr lang="en-US" altLang="ja-JP" sz="1013" b="1" dirty="0"/>
+                <a:t>filter</a:t>
+              </a:r>
+              <a:endParaRPr lang="ja-JP" altLang="en-US" sz="1013" b="1" dirty="0"/>
+            </a:p>
+          </p:txBody>
+        </p:sp>
+      </p:grpSp>
+      <p:cxnSp>
+        <p:nvCxnSpPr>
+          <p:cNvPr id="57" name="直線矢印コネクタ 56"/>
+          <p:cNvCxnSpPr>
+            <a:cxnSpLocks/>
+          </p:cNvCxnSpPr>
+          <p:nvPr/>
+        </p:nvCxnSpPr>
+        <p:spPr>
+          <a:xfrm>
+            <a:off x="5996188" y="3767184"/>
+            <a:ext cx="1777915" cy="1788058"/>
+          </a:xfrm>
+          <a:prstGeom prst="straightConnector1">
+            <a:avLst/>
+          </a:prstGeom>
+          <a:ln w="57150">
+            <a:solidFill>
+              <a:schemeClr val="tx1"/>
+            </a:solidFill>
+            <a:tailEnd type="triangle"/>
+          </a:ln>
+        </p:spPr>
+        <p:style>
+          <a:lnRef idx="1">
+            <a:schemeClr val="accent1"/>
+          </a:lnRef>
+          <a:fillRef idx="0">
+            <a:schemeClr val="accent1"/>
+          </a:fillRef>
+          <a:effectRef idx="0">
+            <a:schemeClr val="accent1"/>
+          </a:effectRef>
+          <a:fontRef idx="minor">
+            <a:schemeClr val="tx1"/>
+          </a:fontRef>
+        </p:style>
+      </p:cxnSp>
+      <p:cxnSp>
+        <p:nvCxnSpPr>
+          <p:cNvPr id="60" name="直線矢印コネクタ 59"/>
+          <p:cNvCxnSpPr>
+            <a:cxnSpLocks/>
+            <a:stCxn id="135" idx="3"/>
+            <a:endCxn id="84" idx="1"/>
+          </p:cNvCxnSpPr>
+          <p:nvPr/>
+        </p:nvCxnSpPr>
+        <p:spPr>
+          <a:xfrm>
+            <a:off x="6023020" y="5411302"/>
+            <a:ext cx="1755002" cy="295249"/>
+          </a:xfrm>
+          <a:prstGeom prst="straightConnector1">
+            <a:avLst/>
+          </a:prstGeom>
+          <a:ln w="57150">
+            <a:solidFill>
+              <a:schemeClr val="tx1"/>
+            </a:solidFill>
+            <a:tailEnd type="triangle"/>
+          </a:ln>
+        </p:spPr>
+        <p:style>
+          <a:lnRef idx="1">
+            <a:schemeClr val="accent1"/>
+          </a:lnRef>
+          <a:fillRef idx="0">
+            <a:schemeClr val="accent1"/>
+          </a:fillRef>
+          <a:effectRef idx="0">
+            <a:schemeClr val="accent1"/>
+          </a:effectRef>
+          <a:fontRef idx="minor">
+            <a:schemeClr val="tx1"/>
+          </a:fontRef>
+        </p:style>
+      </p:cxnSp>
+      <p:cxnSp>
+        <p:nvCxnSpPr>
+          <p:cNvPr id="56" name="直線矢印コネクタ 55"/>
+          <p:cNvCxnSpPr>
+            <a:cxnSpLocks/>
+            <a:stCxn id="65" idx="2"/>
+            <a:endCxn id="135" idx="0"/>
+          </p:cNvCxnSpPr>
+          <p:nvPr/>
+        </p:nvCxnSpPr>
+        <p:spPr>
+          <a:xfrm>
+            <a:off x="5509250" y="4952252"/>
+            <a:ext cx="1179" cy="315109"/>
+          </a:xfrm>
+          <a:prstGeom prst="straightConnector1">
+            <a:avLst/>
+          </a:prstGeom>
+          <a:ln w="57150">
+            <a:solidFill>
+              <a:schemeClr val="tx1"/>
+            </a:solidFill>
+            <a:tailEnd type="triangle"/>
+          </a:ln>
+        </p:spPr>
+        <p:style>
+          <a:lnRef idx="1">
+            <a:schemeClr val="accent1"/>
+          </a:lnRef>
+          <a:fillRef idx="0">
+            <a:schemeClr val="accent1"/>
+          </a:fillRef>
+          <a:effectRef idx="0">
+            <a:schemeClr val="accent1"/>
+          </a:effectRef>
+          <a:fontRef idx="minor">
+            <a:schemeClr val="tx1"/>
+          </a:fontRef>
+        </p:style>
+      </p:cxnSp>
+      <p:sp>
+        <p:nvSpPr>
+          <p:cNvPr id="135" name="角丸四角形 134"/>
+          <p:cNvSpPr/>
+          <p:nvPr/>
+        </p:nvSpPr>
+        <p:spPr>
+          <a:xfrm>
+            <a:off x="4997836" y="5267360"/>
+            <a:ext cx="1025184" cy="287882"/>
+          </a:xfrm>
+          <a:prstGeom prst="roundRect">
+            <a:avLst/>
+          </a:prstGeom>
+          <a:solidFill>
+            <a:srgbClr val="FFFF00"/>
+          </a:solidFill>
           <a:ln w="28575">
             <a:solidFill>
-              <a:srgbClr val="FF0000"/>
+              <a:schemeClr val="accent1"/>
             </a:solidFill>
           </a:ln>
         </p:spPr>
@@ -5981,7 +9025,15 @@
           <a:lstStyle/>
           <a:p>
             <a:pPr algn="ctr"/>
-            <a:endParaRPr lang="ja-JP" altLang="en-US" sz="1013" b="1" dirty="0">
+            <a:r>
+              <a:rPr lang="en-US" altLang="ja-JP" sz="1013" b="1" dirty="0" err="1">
+                <a:solidFill>
+                  <a:schemeClr val="tx1"/>
+                </a:solidFill>
+              </a:rPr>
+              <a:t>currentPage</a:t>
+            </a:r>
+            <a:endParaRPr lang="ja-JP" altLang="en-US" sz="788" b="1" dirty="0">
               <a:solidFill>
                 <a:schemeClr val="tx1"/>
               </a:solidFill>
@@ -5989,25 +9041,660 @@
           </a:p>
         </p:txBody>
       </p:sp>
+      <p:grpSp>
+        <p:nvGrpSpPr>
+          <p:cNvPr id="151" name="グループ化 150"/>
+          <p:cNvGrpSpPr/>
+          <p:nvPr/>
+        </p:nvGrpSpPr>
+        <p:grpSpPr>
+          <a:xfrm>
+            <a:off x="4996659" y="2067674"/>
+            <a:ext cx="1115169" cy="3314839"/>
+            <a:chOff x="3772630" y="-216515"/>
+            <a:chExt cx="1486892" cy="4419786"/>
+          </a:xfrm>
+        </p:grpSpPr>
+        <p:sp>
+          <p:nvSpPr>
+            <p:cNvPr id="134" name="角丸四角形 133"/>
+            <p:cNvSpPr/>
+            <p:nvPr/>
+          </p:nvSpPr>
+          <p:spPr>
+            <a:xfrm>
+              <a:off x="3774201" y="1676792"/>
+              <a:ext cx="1366912" cy="383843"/>
+            </a:xfrm>
+            <a:prstGeom prst="roundRect">
+              <a:avLst/>
+            </a:prstGeom>
+            <a:solidFill>
+              <a:srgbClr val="FFFF00"/>
+            </a:solidFill>
+            <a:ln w="28575">
+              <a:solidFill>
+                <a:schemeClr val="accent1"/>
+              </a:solidFill>
+            </a:ln>
+          </p:spPr>
+          <p:style>
+            <a:lnRef idx="2">
+              <a:schemeClr val="accent1">
+                <a:shade val="50000"/>
+              </a:schemeClr>
+            </a:lnRef>
+            <a:fillRef idx="1">
+              <a:schemeClr val="accent1"/>
+            </a:fillRef>
+            <a:effectRef idx="0">
+              <a:schemeClr val="accent1"/>
+            </a:effectRef>
+            <a:fontRef idx="minor">
+              <a:schemeClr val="lt1"/>
+            </a:fontRef>
+          </p:style>
+          <p:txBody>
+            <a:bodyPr rtlCol="0" anchor="ctr"/>
+            <a:lstStyle/>
+            <a:p>
+              <a:pPr algn="ctr"/>
+              <a:r>
+                <a:rPr lang="en-US" altLang="ja-JP" sz="1013" b="1" dirty="0" err="1">
+                  <a:solidFill>
+                    <a:schemeClr val="tx1"/>
+                  </a:solidFill>
+                </a:rPr>
+                <a:t>itemsPerPage</a:t>
+              </a:r>
+              <a:endParaRPr lang="ja-JP" altLang="en-US" sz="1013" b="1" dirty="0">
+                <a:solidFill>
+                  <a:schemeClr val="tx1"/>
+                </a:solidFill>
+              </a:endParaRPr>
+            </a:p>
+          </p:txBody>
+        </p:sp>
+        <p:sp>
+          <p:nvSpPr>
+            <p:cNvPr id="63" name="角丸四角形 133">
+              <a:extLst>
+                <a:ext uri="{FF2B5EF4-FFF2-40B4-BE49-F238E27FC236}">
+                  <a16:creationId xmlns:a16="http://schemas.microsoft.com/office/drawing/2014/main" id="{D76590B6-9006-4419-95DB-893A15155064}"/>
+                </a:ext>
+              </a:extLst>
+            </p:cNvPr>
+            <p:cNvSpPr/>
+            <p:nvPr/>
+          </p:nvSpPr>
+          <p:spPr>
+            <a:xfrm>
+              <a:off x="3772630" y="763672"/>
+              <a:ext cx="1366912" cy="383843"/>
+            </a:xfrm>
+            <a:prstGeom prst="roundRect">
+              <a:avLst/>
+            </a:prstGeom>
+            <a:solidFill>
+              <a:srgbClr val="FFFF00"/>
+            </a:solidFill>
+            <a:ln w="28575">
+              <a:solidFill>
+                <a:schemeClr val="accent1"/>
+              </a:solidFill>
+            </a:ln>
+          </p:spPr>
+          <p:style>
+            <a:lnRef idx="2">
+              <a:schemeClr val="accent1">
+                <a:shade val="50000"/>
+              </a:schemeClr>
+            </a:lnRef>
+            <a:fillRef idx="1">
+              <a:schemeClr val="accent1"/>
+            </a:fillRef>
+            <a:effectRef idx="0">
+              <a:schemeClr val="accent1"/>
+            </a:effectRef>
+            <a:fontRef idx="minor">
+              <a:schemeClr val="lt1"/>
+            </a:fontRef>
+          </p:style>
+          <p:txBody>
+            <a:bodyPr rtlCol="0" anchor="ctr"/>
+            <a:lstStyle/>
+            <a:p>
+              <a:pPr algn="ctr"/>
+              <a:r>
+                <a:rPr lang="en-US" altLang="ja-JP" sz="1013" b="1" dirty="0">
+                  <a:solidFill>
+                    <a:schemeClr val="tx1"/>
+                  </a:solidFill>
+                </a:rPr>
+                <a:t>gender</a:t>
+              </a:r>
+              <a:endParaRPr lang="ja-JP" altLang="en-US" sz="1013" b="1" dirty="0">
+                <a:solidFill>
+                  <a:schemeClr val="tx1"/>
+                </a:solidFill>
+              </a:endParaRPr>
+            </a:p>
+          </p:txBody>
+        </p:sp>
+        <p:sp>
+          <p:nvSpPr>
+            <p:cNvPr id="67" name="角丸四角形 133">
+              <a:extLst>
+                <a:ext uri="{FF2B5EF4-FFF2-40B4-BE49-F238E27FC236}">
+                  <a16:creationId xmlns:a16="http://schemas.microsoft.com/office/drawing/2014/main" id="{0D630CD0-FC53-43EA-9816-0E5ABEBB0A58}"/>
+                </a:ext>
+              </a:extLst>
+            </p:cNvPr>
+            <p:cNvSpPr/>
+            <p:nvPr/>
+          </p:nvSpPr>
+          <p:spPr>
+            <a:xfrm>
+              <a:off x="3772630" y="298397"/>
+              <a:ext cx="1366912" cy="383843"/>
+            </a:xfrm>
+            <a:prstGeom prst="roundRect">
+              <a:avLst/>
+            </a:prstGeom>
+            <a:solidFill>
+              <a:srgbClr val="FFFF00"/>
+            </a:solidFill>
+            <a:ln w="28575">
+              <a:solidFill>
+                <a:schemeClr val="accent1"/>
+              </a:solidFill>
+            </a:ln>
+          </p:spPr>
+          <p:style>
+            <a:lnRef idx="2">
+              <a:schemeClr val="accent1">
+                <a:shade val="50000"/>
+              </a:schemeClr>
+            </a:lnRef>
+            <a:fillRef idx="1">
+              <a:schemeClr val="accent1"/>
+            </a:fillRef>
+            <a:effectRef idx="0">
+              <a:schemeClr val="accent1"/>
+            </a:effectRef>
+            <a:fontRef idx="minor">
+              <a:schemeClr val="lt1"/>
+            </a:fontRef>
+          </p:style>
+          <p:txBody>
+            <a:bodyPr rtlCol="0" anchor="ctr"/>
+            <a:lstStyle/>
+            <a:p>
+              <a:pPr algn="ctr"/>
+              <a:r>
+                <a:rPr lang="en-US" altLang="ja-JP" sz="1013" b="1" dirty="0">
+                  <a:solidFill>
+                    <a:schemeClr val="tx1"/>
+                  </a:solidFill>
+                </a:rPr>
+                <a:t>email</a:t>
+              </a:r>
+              <a:endParaRPr lang="ja-JP" altLang="en-US" sz="1013" b="1" dirty="0">
+                <a:solidFill>
+                  <a:schemeClr val="tx1"/>
+                </a:solidFill>
+              </a:endParaRPr>
+            </a:p>
+          </p:txBody>
+        </p:sp>
+        <p:sp>
+          <p:nvSpPr>
+            <p:cNvPr id="69" name="角丸四角形 133">
+              <a:extLst>
+                <a:ext uri="{FF2B5EF4-FFF2-40B4-BE49-F238E27FC236}">
+                  <a16:creationId xmlns:a16="http://schemas.microsoft.com/office/drawing/2014/main" id="{8E95675A-940F-4BE9-A8E5-C00EDF210B50}"/>
+                </a:ext>
+              </a:extLst>
+            </p:cNvPr>
+            <p:cNvSpPr/>
+            <p:nvPr/>
+          </p:nvSpPr>
+          <p:spPr>
+            <a:xfrm>
+              <a:off x="3772630" y="-166878"/>
+              <a:ext cx="1366912" cy="383843"/>
+            </a:xfrm>
+            <a:prstGeom prst="roundRect">
+              <a:avLst/>
+            </a:prstGeom>
+            <a:solidFill>
+              <a:srgbClr val="FFFF00"/>
+            </a:solidFill>
+            <a:ln w="28575">
+              <a:solidFill>
+                <a:schemeClr val="accent1"/>
+              </a:solidFill>
+            </a:ln>
+          </p:spPr>
+          <p:style>
+            <a:lnRef idx="2">
+              <a:schemeClr val="accent1">
+                <a:shade val="50000"/>
+              </a:schemeClr>
+            </a:lnRef>
+            <a:fillRef idx="1">
+              <a:schemeClr val="accent1"/>
+            </a:fillRef>
+            <a:effectRef idx="0">
+              <a:schemeClr val="accent1"/>
+            </a:effectRef>
+            <a:fontRef idx="minor">
+              <a:schemeClr val="lt1"/>
+            </a:fontRef>
+          </p:style>
+          <p:txBody>
+            <a:bodyPr rtlCol="0" anchor="ctr"/>
+            <a:lstStyle/>
+            <a:p>
+              <a:pPr algn="ctr"/>
+              <a:r>
+                <a:rPr lang="en-US" altLang="ja-JP" sz="1013" b="1" dirty="0" err="1">
+                  <a:solidFill>
+                    <a:schemeClr val="tx1"/>
+                  </a:solidFill>
+                </a:rPr>
+                <a:t>fullName</a:t>
+              </a:r>
+              <a:endParaRPr lang="ja-JP" altLang="en-US" sz="1013" b="1" dirty="0">
+                <a:solidFill>
+                  <a:schemeClr val="tx1"/>
+                </a:solidFill>
+              </a:endParaRPr>
+            </a:p>
+          </p:txBody>
+        </p:sp>
+        <p:pic>
+          <p:nvPicPr>
+            <p:cNvPr id="68" name="図 67">
+              <a:extLst>
+                <a:ext uri="{FF2B5EF4-FFF2-40B4-BE49-F238E27FC236}">
+                  <a16:creationId xmlns:a16="http://schemas.microsoft.com/office/drawing/2014/main" id="{2B00AF90-9C07-47DB-B0B3-812AA0D05ECD}"/>
+                </a:ext>
+              </a:extLst>
+            </p:cNvPr>
+            <p:cNvPicPr>
+              <a:picLocks noChangeAspect="1"/>
+            </p:cNvPicPr>
+            <p:nvPr/>
+          </p:nvPicPr>
+          <p:blipFill>
+            <a:blip r:embed="rId3" cstate="print">
+              <a:extLst>
+                <a:ext uri="{28A0092B-C50C-407E-A947-70E740481C1C}">
+                  <a14:useLocalDpi xmlns:a14="http://schemas.microsoft.com/office/drawing/2010/main" val="0"/>
+                </a:ext>
+              </a:extLst>
+            </a:blip>
+            <a:stretch>
+              <a:fillRect/>
+            </a:stretch>
+          </p:blipFill>
+          <p:spPr>
+            <a:xfrm>
+              <a:off x="5034267" y="-216515"/>
+              <a:ext cx="225255" cy="225253"/>
+            </a:xfrm>
+            <a:prstGeom prst="rect">
+              <a:avLst/>
+            </a:prstGeom>
+            <a:solidFill>
+              <a:srgbClr val="FFFF00"/>
+            </a:solidFill>
+            <a:ln w="19050">
+              <a:solidFill>
+                <a:srgbClr val="FF0000"/>
+              </a:solidFill>
+            </a:ln>
+          </p:spPr>
+        </p:pic>
+        <p:pic>
+          <p:nvPicPr>
+            <p:cNvPr id="80" name="図 79">
+              <a:extLst>
+                <a:ext uri="{FF2B5EF4-FFF2-40B4-BE49-F238E27FC236}">
+                  <a16:creationId xmlns:a16="http://schemas.microsoft.com/office/drawing/2014/main" id="{11DF7810-4C00-454C-8EF7-0591FAFDC06C}"/>
+                </a:ext>
+              </a:extLst>
+            </p:cNvPr>
+            <p:cNvPicPr>
+              <a:picLocks noChangeAspect="1"/>
+            </p:cNvPicPr>
+            <p:nvPr/>
+          </p:nvPicPr>
+          <p:blipFill>
+            <a:blip r:embed="rId3" cstate="print">
+              <a:extLst>
+                <a:ext uri="{28A0092B-C50C-407E-A947-70E740481C1C}">
+                  <a14:useLocalDpi xmlns:a14="http://schemas.microsoft.com/office/drawing/2010/main" val="0"/>
+                </a:ext>
+              </a:extLst>
+            </a:blip>
+            <a:stretch>
+              <a:fillRect/>
+            </a:stretch>
+          </p:blipFill>
+          <p:spPr>
+            <a:xfrm>
+              <a:off x="5034267" y="273966"/>
+              <a:ext cx="225255" cy="225253"/>
+            </a:xfrm>
+            <a:prstGeom prst="rect">
+              <a:avLst/>
+            </a:prstGeom>
+            <a:solidFill>
+              <a:srgbClr val="FFFF00"/>
+            </a:solidFill>
+            <a:ln w="19050">
+              <a:solidFill>
+                <a:srgbClr val="FF0000"/>
+              </a:solidFill>
+            </a:ln>
+          </p:spPr>
+        </p:pic>
+        <p:pic>
+          <p:nvPicPr>
+            <p:cNvPr id="81" name="図 80">
+              <a:extLst>
+                <a:ext uri="{FF2B5EF4-FFF2-40B4-BE49-F238E27FC236}">
+                  <a16:creationId xmlns:a16="http://schemas.microsoft.com/office/drawing/2014/main" id="{7CAEA95A-B2FA-4F66-803B-836A466AA5D7}"/>
+                </a:ext>
+              </a:extLst>
+            </p:cNvPr>
+            <p:cNvPicPr>
+              <a:picLocks noChangeAspect="1"/>
+            </p:cNvPicPr>
+            <p:nvPr/>
+          </p:nvPicPr>
+          <p:blipFill>
+            <a:blip r:embed="rId3" cstate="print">
+              <a:extLst>
+                <a:ext uri="{28A0092B-C50C-407E-A947-70E740481C1C}">
+                  <a14:useLocalDpi xmlns:a14="http://schemas.microsoft.com/office/drawing/2010/main" val="0"/>
+                </a:ext>
+              </a:extLst>
+            </a:blip>
+            <a:stretch>
+              <a:fillRect/>
+            </a:stretch>
+          </p:blipFill>
+          <p:spPr>
+            <a:xfrm>
+              <a:off x="5034267" y="737860"/>
+              <a:ext cx="225255" cy="225253"/>
+            </a:xfrm>
+            <a:prstGeom prst="rect">
+              <a:avLst/>
+            </a:prstGeom>
+            <a:solidFill>
+              <a:srgbClr val="FFFF00"/>
+            </a:solidFill>
+            <a:ln w="19050">
+              <a:solidFill>
+                <a:srgbClr val="FF0000"/>
+              </a:solidFill>
+            </a:ln>
+          </p:spPr>
+        </p:pic>
+        <p:pic>
+          <p:nvPicPr>
+            <p:cNvPr id="82" name="図 81">
+              <a:extLst>
+                <a:ext uri="{FF2B5EF4-FFF2-40B4-BE49-F238E27FC236}">
+                  <a16:creationId xmlns:a16="http://schemas.microsoft.com/office/drawing/2014/main" id="{5FA9BB3F-B647-4A10-B215-AFF5FFE57562}"/>
+                </a:ext>
+              </a:extLst>
+            </p:cNvPr>
+            <p:cNvPicPr>
+              <a:picLocks noChangeAspect="1"/>
+            </p:cNvPicPr>
+            <p:nvPr/>
+          </p:nvPicPr>
+          <p:blipFill>
+            <a:blip r:embed="rId3" cstate="print">
+              <a:extLst>
+                <a:ext uri="{28A0092B-C50C-407E-A947-70E740481C1C}">
+                  <a14:useLocalDpi xmlns:a14="http://schemas.microsoft.com/office/drawing/2010/main" val="0"/>
+                </a:ext>
+              </a:extLst>
+            </a:blip>
+            <a:stretch>
+              <a:fillRect/>
+            </a:stretch>
+          </p:blipFill>
+          <p:spPr>
+            <a:xfrm>
+              <a:off x="5034267" y="1630148"/>
+              <a:ext cx="225255" cy="225253"/>
+            </a:xfrm>
+            <a:prstGeom prst="rect">
+              <a:avLst/>
+            </a:prstGeom>
+            <a:solidFill>
+              <a:srgbClr val="FFFF00"/>
+            </a:solidFill>
+            <a:ln w="19050">
+              <a:solidFill>
+                <a:srgbClr val="FF0000"/>
+              </a:solidFill>
+            </a:ln>
+          </p:spPr>
+        </p:pic>
+        <p:pic>
+          <p:nvPicPr>
+            <p:cNvPr id="86" name="図 85">
+              <a:extLst>
+                <a:ext uri="{FF2B5EF4-FFF2-40B4-BE49-F238E27FC236}">
+                  <a16:creationId xmlns:a16="http://schemas.microsoft.com/office/drawing/2014/main" id="{98403AA2-8B71-47DF-8028-603365D749E5}"/>
+                </a:ext>
+              </a:extLst>
+            </p:cNvPr>
+            <p:cNvPicPr>
+              <a:picLocks noChangeAspect="1"/>
+            </p:cNvPicPr>
+            <p:nvPr/>
+          </p:nvPicPr>
+          <p:blipFill>
+            <a:blip r:embed="rId3" cstate="print">
+              <a:extLst>
+                <a:ext uri="{28A0092B-C50C-407E-A947-70E740481C1C}">
+                  <a14:useLocalDpi xmlns:a14="http://schemas.microsoft.com/office/drawing/2010/main" val="0"/>
+                </a:ext>
+              </a:extLst>
+            </a:blip>
+            <a:stretch>
+              <a:fillRect/>
+            </a:stretch>
+          </p:blipFill>
+          <p:spPr>
+            <a:xfrm>
+              <a:off x="5026914" y="3978018"/>
+              <a:ext cx="225255" cy="225253"/>
+            </a:xfrm>
+            <a:prstGeom prst="rect">
+              <a:avLst/>
+            </a:prstGeom>
+            <a:solidFill>
+              <a:srgbClr val="FFFF00"/>
+            </a:solidFill>
+            <a:ln w="19050">
+              <a:solidFill>
+                <a:srgbClr val="FF0000"/>
+              </a:solidFill>
+            </a:ln>
+          </p:spPr>
+        </p:pic>
+      </p:grpSp>
       <p:sp>
         <p:nvSpPr>
-          <p:cNvPr id="8" name="角丸四角形 7"/>
+          <p:cNvPr id="70" name="右大かっこ 69">
+            <a:extLst>
+              <a:ext uri="{FF2B5EF4-FFF2-40B4-BE49-F238E27FC236}">
+                <a16:creationId xmlns:a16="http://schemas.microsoft.com/office/drawing/2014/main" id="{460CB19E-ACA4-44D7-A43D-37EA443D802A}"/>
+              </a:ext>
+            </a:extLst>
+          </p:cNvPr>
           <p:cNvSpPr/>
           <p:nvPr/>
         </p:nvSpPr>
         <p:spPr>
           <a:xfrm>
-            <a:off x="2100447" y="3170681"/>
-            <a:ext cx="341001" cy="205204"/>
+            <a:off x="6188054" y="2067902"/>
+            <a:ext cx="150374" cy="985795"/>
           </a:xfrm>
-          <a:prstGeom prst="roundRect">
+          <a:prstGeom prst="rightBracket">
             <a:avLst/>
           </a:prstGeom>
           <a:noFill/>
-          <a:ln w="28575">
+          <a:ln w="57150">
             <a:solidFill>
-              <a:srgbClr val="FF0000"/>
+              <a:schemeClr val="tx1"/>
             </a:solidFill>
+          </a:ln>
+        </p:spPr>
+        <p:style>
+          <a:lnRef idx="1">
+            <a:schemeClr val="accent1"/>
+          </a:lnRef>
+          <a:fillRef idx="0">
+            <a:schemeClr val="accent1"/>
+          </a:fillRef>
+          <a:effectRef idx="0">
+            <a:schemeClr val="accent1"/>
+          </a:effectRef>
+          <a:fontRef idx="minor">
+            <a:schemeClr val="tx1"/>
+          </a:fontRef>
+        </p:style>
+        <p:txBody>
+          <a:bodyPr rtlCol="0" anchor="ctr"/>
+          <a:lstStyle/>
+          <a:p>
+            <a:pPr algn="ctr"/>
+            <a:endParaRPr lang="ja-JP" altLang="en-US" sz="1013"/>
+          </a:p>
+        </p:txBody>
+      </p:sp>
+      <p:cxnSp>
+        <p:nvCxnSpPr>
+          <p:cNvPr id="71" name="直線矢印コネクタ 70">
+            <a:extLst>
+              <a:ext uri="{FF2B5EF4-FFF2-40B4-BE49-F238E27FC236}">
+                <a16:creationId xmlns:a16="http://schemas.microsoft.com/office/drawing/2014/main" id="{65B2533F-CB0A-485B-A531-810D0D1D960D}"/>
+              </a:ext>
+            </a:extLst>
+          </p:cNvPr>
+          <p:cNvCxnSpPr>
+            <a:cxnSpLocks/>
+            <a:stCxn id="70" idx="2"/>
+            <a:endCxn id="42" idx="1"/>
+          </p:cNvCxnSpPr>
+          <p:nvPr/>
+        </p:nvCxnSpPr>
+        <p:spPr>
+          <a:xfrm>
+            <a:off x="6338428" y="2560800"/>
+            <a:ext cx="1299690" cy="795905"/>
+          </a:xfrm>
+          <a:prstGeom prst="straightConnector1">
+            <a:avLst/>
+          </a:prstGeom>
+          <a:ln w="57150">
+            <a:solidFill>
+              <a:schemeClr val="tx1"/>
+            </a:solidFill>
+            <a:tailEnd type="triangle"/>
+          </a:ln>
+        </p:spPr>
+        <p:style>
+          <a:lnRef idx="1">
+            <a:schemeClr val="accent1"/>
+          </a:lnRef>
+          <a:fillRef idx="0">
+            <a:schemeClr val="accent1"/>
+          </a:fillRef>
+          <a:effectRef idx="0">
+            <a:schemeClr val="accent1"/>
+          </a:effectRef>
+          <a:fontRef idx="minor">
+            <a:schemeClr val="tx1"/>
+          </a:fontRef>
+        </p:style>
+      </p:cxnSp>
+      <p:sp>
+        <p:nvSpPr>
+          <p:cNvPr id="76" name="フリーフォーム: 図形 75">
+            <a:extLst>
+              <a:ext uri="{FF2B5EF4-FFF2-40B4-BE49-F238E27FC236}">
+                <a16:creationId xmlns:a16="http://schemas.microsoft.com/office/drawing/2014/main" id="{D9E59BD6-9D73-4AD3-A1AA-BCBE757BA7EC}"/>
+              </a:ext>
+            </a:extLst>
+          </p:cNvPr>
+          <p:cNvSpPr/>
+          <p:nvPr/>
+        </p:nvSpPr>
+        <p:spPr>
+          <a:xfrm>
+            <a:off x="5649366" y="4090644"/>
+            <a:ext cx="1971538" cy="599635"/>
+          </a:xfrm>
+          <a:custGeom>
+            <a:avLst/>
+            <a:gdLst>
+              <a:gd name="connsiteX0" fmla="*/ 1905000 w 1905000"/>
+              <a:gd name="connsiteY0" fmla="*/ 0 h 1157288"/>
+              <a:gd name="connsiteX1" fmla="*/ 509588 w 1905000"/>
+              <a:gd name="connsiteY1" fmla="*/ 261938 h 1157288"/>
+              <a:gd name="connsiteX2" fmla="*/ 0 w 1905000"/>
+              <a:gd name="connsiteY2" fmla="*/ 1157288 h 1157288"/>
+            </a:gdLst>
+            <a:ahLst/>
+            <a:cxnLst>
+              <a:cxn ang="0">
+                <a:pos x="connsiteX0" y="connsiteY0"/>
+              </a:cxn>
+              <a:cxn ang="0">
+                <a:pos x="connsiteX1" y="connsiteY1"/>
+              </a:cxn>
+              <a:cxn ang="0">
+                <a:pos x="connsiteX2" y="connsiteY2"/>
+              </a:cxn>
+            </a:cxnLst>
+            <a:rect l="l" t="t" r="r" b="b"/>
+            <a:pathLst>
+              <a:path w="1905000" h="1157288">
+                <a:moveTo>
+                  <a:pt x="1905000" y="0"/>
+                </a:moveTo>
+                <a:cubicBezTo>
+                  <a:pt x="1366044" y="34528"/>
+                  <a:pt x="827088" y="69057"/>
+                  <a:pt x="509588" y="261938"/>
+                </a:cubicBezTo>
+                <a:cubicBezTo>
+                  <a:pt x="192088" y="454819"/>
+                  <a:pt x="96044" y="806053"/>
+                  <a:pt x="0" y="1157288"/>
+                </a:cubicBezTo>
+              </a:path>
+            </a:pathLst>
+          </a:custGeom>
+          <a:noFill/>
+          <a:ln w="57150">
+            <a:solidFill>
+              <a:schemeClr val="tx1"/>
+            </a:solidFill>
+            <a:headEnd type="none" w="med" len="med"/>
+            <a:tailEnd type="triangle" w="med" len="med"/>
           </a:ln>
         </p:spPr>
         <p:style>
@@ -6031,33 +9718,29 @@
           <a:lstStyle/>
           <a:p>
             <a:pPr algn="ctr"/>
-            <a:endParaRPr lang="ja-JP" altLang="en-US" sz="1013" b="1" dirty="0">
-              <a:solidFill>
-                <a:schemeClr val="tx1"/>
-              </a:solidFill>
-            </a:endParaRPr>
+            <a:endParaRPr lang="ja-JP" altLang="en-US"/>
           </a:p>
         </p:txBody>
       </p:sp>
       <p:sp>
         <p:nvSpPr>
-          <p:cNvPr id="9" name="角丸四角形 8"/>
+          <p:cNvPr id="65" name="正方形/長方形 64"/>
           <p:cNvSpPr/>
           <p:nvPr/>
         </p:nvSpPr>
         <p:spPr>
           <a:xfrm>
-            <a:off x="3394323" y="3170681"/>
-            <a:ext cx="194697" cy="205204"/>
+            <a:off x="4996657" y="4690279"/>
+            <a:ext cx="1025184" cy="261972"/>
           </a:xfrm>
-          <a:prstGeom prst="roundRect">
+          <a:prstGeom prst="rect">
             <a:avLst/>
           </a:prstGeom>
-          <a:noFill/>
-          <a:ln w="28575">
-            <a:solidFill>
-              <a:srgbClr val="FF0000"/>
-            </a:solidFill>
+          <a:solidFill>
+            <a:srgbClr val="00B050"/>
+          </a:solidFill>
+          <a:ln>
+            <a:noFill/>
           </a:ln>
         </p:spPr>
         <p:style>
@@ -6081,320 +9764,337 @@
           <a:lstStyle/>
           <a:p>
             <a:pPr algn="ctr"/>
-            <a:endParaRPr lang="ja-JP" altLang="en-US" sz="1013" b="1" dirty="0">
-              <a:solidFill>
-                <a:schemeClr val="tx1"/>
-              </a:solidFill>
-            </a:endParaRPr>
+            <a:r>
+              <a:rPr lang="en-US" altLang="ja-JP" sz="1013" b="1" dirty="0"/>
+              <a:t>1</a:t>
+            </a:r>
+            <a:r>
+              <a:rPr lang="ja-JP" altLang="en-US" sz="1013" b="1" dirty="0"/>
+              <a:t>にリセット</a:t>
+            </a:r>
           </a:p>
         </p:txBody>
       </p:sp>
-      <p:sp>
-        <p:nvSpPr>
-          <p:cNvPr id="10" name="角丸四角形 9"/>
-          <p:cNvSpPr/>
+      <p:cxnSp>
+        <p:nvCxnSpPr>
+          <p:cNvPr id="104" name="直線矢印コネクタ 103">
+            <a:extLst>
+              <a:ext uri="{FF2B5EF4-FFF2-40B4-BE49-F238E27FC236}">
+                <a16:creationId xmlns:a16="http://schemas.microsoft.com/office/drawing/2014/main" id="{4C6B4361-004D-4038-9C5E-875397F65EEB}"/>
+              </a:ext>
+            </a:extLst>
+          </p:cNvPr>
+          <p:cNvCxnSpPr>
+            <a:cxnSpLocks/>
+            <a:stCxn id="134" idx="2"/>
+            <a:endCxn id="65" idx="0"/>
+          </p:cNvCxnSpPr>
           <p:nvPr/>
-        </p:nvSpPr>
+        </p:nvCxnSpPr>
         <p:spPr>
-          <a:xfrm>
-            <a:off x="3703320" y="3170679"/>
-            <a:ext cx="280791" cy="205204"/>
+          <a:xfrm flipH="1">
+            <a:off x="5509250" y="3775535"/>
+            <a:ext cx="1179" cy="914744"/>
           </a:xfrm>
-          <a:prstGeom prst="roundRect">
+          <a:prstGeom prst="straightConnector1">
             <a:avLst/>
           </a:prstGeom>
-          <a:noFill/>
-          <a:ln w="28575">
+          <a:ln w="57150">
             <a:solidFill>
-              <a:srgbClr val="FF0000"/>
+              <a:schemeClr val="tx1"/>
             </a:solidFill>
+            <a:tailEnd type="triangle"/>
           </a:ln>
         </p:spPr>
         <p:style>
-          <a:lnRef idx="2">
-            <a:schemeClr val="accent1">
-              <a:shade val="50000"/>
-            </a:schemeClr>
+          <a:lnRef idx="1">
+            <a:schemeClr val="accent1"/>
           </a:lnRef>
-          <a:fillRef idx="1">
+          <a:fillRef idx="0">
             <a:schemeClr val="accent1"/>
           </a:fillRef>
           <a:effectRef idx="0">
             <a:schemeClr val="accent1"/>
           </a:effectRef>
           <a:fontRef idx="minor">
-            <a:schemeClr val="lt1"/>
+            <a:schemeClr val="tx1"/>
           </a:fontRef>
         </p:style>
-        <p:txBody>
-          <a:bodyPr rtlCol="0" anchor="ctr"/>
-          <a:lstStyle/>
-          <a:p>
-            <a:pPr algn="ctr"/>
-            <a:endParaRPr lang="ja-JP" altLang="en-US" sz="1013" b="1" dirty="0">
-              <a:solidFill>
-                <a:schemeClr val="tx1"/>
-              </a:solidFill>
-            </a:endParaRPr>
-          </a:p>
-        </p:txBody>
-      </p:sp>
-      <p:sp>
-        <p:nvSpPr>
-          <p:cNvPr id="11" name="角丸四角形 10"/>
-          <p:cNvSpPr/>
+      </p:cxnSp>
+      <p:pic>
+        <p:nvPicPr>
+          <p:cNvPr id="7" name="図 6"/>
+          <p:cNvPicPr>
+            <a:picLocks noChangeAspect="1"/>
+          </p:cNvPicPr>
           <p:nvPr/>
-        </p:nvSpPr>
+        </p:nvPicPr>
+        <p:blipFill>
+          <a:blip r:embed="rId4" cstate="print">
+            <a:extLst>
+              <a:ext uri="{28A0092B-C50C-407E-A947-70E740481C1C}">
+                <a14:useLocalDpi xmlns:a14="http://schemas.microsoft.com/office/drawing/2010/main" val="0"/>
+              </a:ext>
+            </a:extLst>
+          </a:blip>
+          <a:stretch>
+            <a:fillRect/>
+          </a:stretch>
+        </p:blipFill>
         <p:spPr>
           <a:xfrm>
-            <a:off x="237744" y="3696459"/>
-            <a:ext cx="411480" cy="205204"/>
+            <a:off x="4689522" y="1750920"/>
+            <a:ext cx="448064" cy="515017"/>
           </a:xfrm>
-          <a:prstGeom prst="roundRect">
+          <a:prstGeom prst="rect">
             <a:avLst/>
           </a:prstGeom>
-          <a:noFill/>
-          <a:ln w="28575">
-            <a:solidFill>
-              <a:srgbClr val="FF0000"/>
-            </a:solidFill>
-          </a:ln>
         </p:spPr>
-        <p:style>
-          <a:lnRef idx="2">
-            <a:schemeClr val="accent1">
-              <a:shade val="50000"/>
-            </a:schemeClr>
-          </a:lnRef>
-          <a:fillRef idx="1">
-            <a:schemeClr val="accent1"/>
-          </a:fillRef>
-          <a:effectRef idx="0">
-            <a:schemeClr val="accent1"/>
-          </a:effectRef>
-          <a:fontRef idx="minor">
-            <a:schemeClr val="lt1"/>
-          </a:fontRef>
-        </p:style>
-        <p:txBody>
-          <a:bodyPr rtlCol="0" anchor="ctr"/>
-          <a:lstStyle/>
-          <a:p>
-            <a:pPr algn="ctr"/>
-            <a:endParaRPr lang="ja-JP" altLang="en-US" sz="1013" b="1" dirty="0">
-              <a:solidFill>
-                <a:schemeClr val="tx1"/>
-              </a:solidFill>
-            </a:endParaRPr>
-          </a:p>
-        </p:txBody>
-      </p:sp>
-      <p:sp>
-        <p:nvSpPr>
-          <p:cNvPr id="13" name="角丸四角形 12"/>
-          <p:cNvSpPr/>
+      </p:pic>
+      <p:pic>
+        <p:nvPicPr>
+          <p:cNvPr id="52" name="図 51"/>
+          <p:cNvPicPr>
+            <a:picLocks noChangeAspect="1"/>
+          </p:cNvPicPr>
           <p:nvPr/>
-        </p:nvSpPr>
+        </p:nvPicPr>
+        <p:blipFill>
+          <a:blip r:embed="rId4" cstate="print">
+            <a:extLst>
+              <a:ext uri="{28A0092B-C50C-407E-A947-70E740481C1C}">
+                <a14:useLocalDpi xmlns:a14="http://schemas.microsoft.com/office/drawing/2010/main" val="0"/>
+              </a:ext>
+            </a:extLst>
+          </a:blip>
+          <a:stretch>
+            <a:fillRect/>
+          </a:stretch>
+        </p:blipFill>
         <p:spPr>
           <a:xfrm>
-            <a:off x="237744" y="4235958"/>
-            <a:ext cx="1531620" cy="310357"/>
+            <a:off x="4689522" y="2315402"/>
+            <a:ext cx="448064" cy="515017"/>
           </a:xfrm>
-          <a:prstGeom prst="roundRect">
+          <a:prstGeom prst="rect">
             <a:avLst/>
           </a:prstGeom>
-          <a:noFill/>
-          <a:ln w="28575">
-            <a:solidFill>
-              <a:srgbClr val="FF0000"/>
-            </a:solidFill>
-          </a:ln>
         </p:spPr>
-        <p:style>
-          <a:lnRef idx="2">
-            <a:schemeClr val="accent1">
-              <a:shade val="50000"/>
-            </a:schemeClr>
-          </a:lnRef>
-          <a:fillRef idx="1">
-            <a:schemeClr val="accent1"/>
-          </a:fillRef>
-          <a:effectRef idx="0">
-            <a:schemeClr val="accent1"/>
-          </a:effectRef>
-          <a:fontRef idx="minor">
-            <a:schemeClr val="lt1"/>
-          </a:fontRef>
-        </p:style>
-        <p:txBody>
-          <a:bodyPr rtlCol="0" anchor="ctr"/>
-          <a:lstStyle/>
-          <a:p>
-            <a:pPr algn="ctr"/>
-            <a:endParaRPr lang="ja-JP" altLang="en-US" sz="1013" b="1" dirty="0">
-              <a:solidFill>
-                <a:schemeClr val="tx1"/>
-              </a:solidFill>
-            </a:endParaRPr>
-          </a:p>
-        </p:txBody>
-      </p:sp>
-      <p:sp>
-        <p:nvSpPr>
-          <p:cNvPr id="14" name="角丸四角形 13"/>
-          <p:cNvSpPr/>
+      </p:pic>
+      <p:pic>
+        <p:nvPicPr>
+          <p:cNvPr id="53" name="図 52"/>
+          <p:cNvPicPr>
+            <a:picLocks noChangeAspect="1"/>
+          </p:cNvPicPr>
           <p:nvPr/>
-        </p:nvSpPr>
+        </p:nvPicPr>
+        <p:blipFill>
+          <a:blip r:embed="rId4" cstate="print">
+            <a:extLst>
+              <a:ext uri="{28A0092B-C50C-407E-A947-70E740481C1C}">
+                <a14:useLocalDpi xmlns:a14="http://schemas.microsoft.com/office/drawing/2010/main" val="0"/>
+              </a:ext>
+            </a:extLst>
+          </a:blip>
+          <a:stretch>
+            <a:fillRect/>
+          </a:stretch>
+        </p:blipFill>
         <p:spPr>
           <a:xfrm>
-            <a:off x="2270947" y="4235958"/>
-            <a:ext cx="1318073" cy="310357"/>
+            <a:off x="4697440" y="2896476"/>
+            <a:ext cx="448064" cy="515017"/>
           </a:xfrm>
-          <a:prstGeom prst="roundRect">
+          <a:prstGeom prst="rect">
             <a:avLst/>
           </a:prstGeom>
-          <a:noFill/>
-          <a:ln w="28575">
-            <a:solidFill>
-              <a:srgbClr val="FF0000"/>
-            </a:solidFill>
-          </a:ln>
         </p:spPr>
-        <p:style>
-          <a:lnRef idx="2">
-            <a:schemeClr val="accent1">
-              <a:shade val="50000"/>
-            </a:schemeClr>
-          </a:lnRef>
-          <a:fillRef idx="1">
-            <a:schemeClr val="accent1"/>
-          </a:fillRef>
-          <a:effectRef idx="0">
-            <a:schemeClr val="accent1"/>
-          </a:effectRef>
-          <a:fontRef idx="minor">
-            <a:schemeClr val="lt1"/>
-          </a:fontRef>
-        </p:style>
-        <p:txBody>
-          <a:bodyPr rtlCol="0" anchor="ctr"/>
-          <a:lstStyle/>
-          <a:p>
-            <a:pPr algn="ctr"/>
-            <a:endParaRPr lang="ja-JP" altLang="en-US" sz="1013" b="1" dirty="0">
-              <a:solidFill>
-                <a:schemeClr val="tx1"/>
-              </a:solidFill>
-            </a:endParaRPr>
-          </a:p>
-        </p:txBody>
-      </p:sp>
-      <p:sp>
-        <p:nvSpPr>
-          <p:cNvPr id="15" name="角丸四角形 14"/>
-          <p:cNvSpPr/>
+      </p:pic>
+      <p:pic>
+        <p:nvPicPr>
+          <p:cNvPr id="54" name="図 53"/>
+          <p:cNvPicPr>
+            <a:picLocks noChangeAspect="1"/>
+          </p:cNvPicPr>
           <p:nvPr/>
-        </p:nvSpPr>
+        </p:nvPicPr>
+        <p:blipFill>
+          <a:blip r:embed="rId4" cstate="print">
+            <a:extLst>
+              <a:ext uri="{28A0092B-C50C-407E-A947-70E740481C1C}">
+                <a14:useLocalDpi xmlns:a14="http://schemas.microsoft.com/office/drawing/2010/main" val="0"/>
+              </a:ext>
+            </a:extLst>
+          </a:blip>
+          <a:stretch>
+            <a:fillRect/>
+          </a:stretch>
+        </p:blipFill>
         <p:spPr>
           <a:xfrm>
-            <a:off x="4384548" y="4235958"/>
-            <a:ext cx="1458468" cy="310357"/>
+            <a:off x="4705358" y="3477550"/>
+            <a:ext cx="448064" cy="515017"/>
           </a:xfrm>
-          <a:prstGeom prst="roundRect">
+          <a:prstGeom prst="rect">
             <a:avLst/>
           </a:prstGeom>
-          <a:noFill/>
-          <a:ln w="28575">
-            <a:solidFill>
-              <a:srgbClr val="FF0000"/>
-            </a:solidFill>
-          </a:ln>
         </p:spPr>
-        <p:style>
-          <a:lnRef idx="2">
-            <a:schemeClr val="accent1">
-              <a:shade val="50000"/>
-            </a:schemeClr>
-          </a:lnRef>
-          <a:fillRef idx="1">
-            <a:schemeClr val="accent1"/>
-          </a:fillRef>
-          <a:effectRef idx="0">
-            <a:schemeClr val="accent1"/>
-          </a:effectRef>
-          <a:fontRef idx="minor">
-            <a:schemeClr val="lt1"/>
-          </a:fontRef>
-        </p:style>
-        <p:txBody>
-          <a:bodyPr rtlCol="0" anchor="ctr"/>
-          <a:lstStyle/>
-          <a:p>
-            <a:pPr algn="ctr"/>
-            <a:endParaRPr lang="ja-JP" altLang="en-US" sz="1013" b="1" dirty="0">
-              <a:solidFill>
-                <a:schemeClr val="tx1"/>
-              </a:solidFill>
-            </a:endParaRPr>
-          </a:p>
-        </p:txBody>
-      </p:sp>
-      <p:sp>
-        <p:nvSpPr>
-          <p:cNvPr id="16" name="角丸四角形 15"/>
-          <p:cNvSpPr/>
+      </p:pic>
+      <p:pic>
+        <p:nvPicPr>
+          <p:cNvPr id="58" name="図 57"/>
+          <p:cNvPicPr>
+            <a:picLocks noChangeAspect="1"/>
+          </p:cNvPicPr>
           <p:nvPr/>
-        </p:nvSpPr>
+        </p:nvPicPr>
+        <p:blipFill>
+          <a:blip r:embed="rId4" cstate="print">
+            <a:extLst>
+              <a:ext uri="{28A0092B-C50C-407E-A947-70E740481C1C}">
+                <a14:useLocalDpi xmlns:a14="http://schemas.microsoft.com/office/drawing/2010/main" val="0"/>
+              </a:ext>
+            </a:extLst>
+          </a:blip>
+          <a:stretch>
+            <a:fillRect/>
+          </a:stretch>
+        </p:blipFill>
         <p:spPr>
           <a:xfrm>
-            <a:off x="181543" y="4725431"/>
-            <a:ext cx="6219257" cy="2220892"/>
+            <a:off x="4761628" y="5261257"/>
+            <a:ext cx="448064" cy="515017"/>
           </a:xfrm>
-          <a:prstGeom prst="roundRect">
-            <a:avLst>
-              <a:gd name="adj" fmla="val 3381"/>
-            </a:avLst>
+          <a:prstGeom prst="rect">
+            <a:avLst/>
           </a:prstGeom>
-          <a:noFill/>
-          <a:ln w="28575">
-            <a:solidFill>
-              <a:srgbClr val="FF0000"/>
-            </a:solidFill>
-          </a:ln>
         </p:spPr>
-        <p:style>
-          <a:lnRef idx="2">
-            <a:schemeClr val="accent1">
-              <a:shade val="50000"/>
-            </a:schemeClr>
-          </a:lnRef>
-          <a:fillRef idx="1">
-            <a:schemeClr val="accent1"/>
-          </a:fillRef>
-          <a:effectRef idx="0">
-            <a:schemeClr val="accent1"/>
-          </a:effectRef>
-          <a:fontRef idx="minor">
-            <a:schemeClr val="lt1"/>
-          </a:fontRef>
-        </p:style>
-        <p:txBody>
-          <a:bodyPr rtlCol="0" anchor="ctr"/>
-          <a:lstStyle/>
-          <a:p>
-            <a:pPr algn="ctr"/>
-            <a:endParaRPr lang="ja-JP" altLang="en-US" sz="1013" b="1" dirty="0">
-              <a:solidFill>
-                <a:schemeClr val="tx1"/>
-              </a:solidFill>
-            </a:endParaRPr>
-          </a:p>
-        </p:txBody>
-      </p:sp>
+      </p:pic>
+      <p:pic>
+        <p:nvPicPr>
+          <p:cNvPr id="59" name="図 58"/>
+          <p:cNvPicPr>
+            <a:picLocks noChangeAspect="1"/>
+          </p:cNvPicPr>
+          <p:nvPr/>
+        </p:nvPicPr>
+        <p:blipFill>
+          <a:blip r:embed="rId4" cstate="print">
+            <a:extLst>
+              <a:ext uri="{28A0092B-C50C-407E-A947-70E740481C1C}">
+                <a14:useLocalDpi xmlns:a14="http://schemas.microsoft.com/office/drawing/2010/main" val="0"/>
+              </a:ext>
+            </a:extLst>
+          </a:blip>
+          <a:stretch>
+            <a:fillRect/>
+          </a:stretch>
+        </p:blipFill>
+        <p:spPr>
+          <a:xfrm>
+            <a:off x="8463670" y="6087695"/>
+            <a:ext cx="448064" cy="515017"/>
+          </a:xfrm>
+          <a:prstGeom prst="rect">
+            <a:avLst/>
+          </a:prstGeom>
+        </p:spPr>
+      </p:pic>
+      <p:pic>
+        <p:nvPicPr>
+          <p:cNvPr id="61" name="図 60"/>
+          <p:cNvPicPr>
+            <a:picLocks noChangeAspect="1"/>
+          </p:cNvPicPr>
+          <p:nvPr/>
+        </p:nvPicPr>
+        <p:blipFill>
+          <a:blip r:embed="rId4" cstate="print">
+            <a:extLst>
+              <a:ext uri="{28A0092B-C50C-407E-A947-70E740481C1C}">
+                <a14:useLocalDpi xmlns:a14="http://schemas.microsoft.com/office/drawing/2010/main" val="0"/>
+              </a:ext>
+            </a:extLst>
+          </a:blip>
+          <a:stretch>
+            <a:fillRect/>
+          </a:stretch>
+        </p:blipFill>
+        <p:spPr>
+          <a:xfrm>
+            <a:off x="8463670" y="3824434"/>
+            <a:ext cx="448064" cy="515017"/>
+          </a:xfrm>
+          <a:prstGeom prst="rect">
+            <a:avLst/>
+          </a:prstGeom>
+        </p:spPr>
+      </p:pic>
+      <p:pic>
+        <p:nvPicPr>
+          <p:cNvPr id="62" name="図 61"/>
+          <p:cNvPicPr>
+            <a:picLocks noChangeAspect="1"/>
+          </p:cNvPicPr>
+          <p:nvPr/>
+        </p:nvPicPr>
+        <p:blipFill>
+          <a:blip r:embed="rId4" cstate="print">
+            <a:extLst>
+              <a:ext uri="{28A0092B-C50C-407E-A947-70E740481C1C}">
+                <a14:useLocalDpi xmlns:a14="http://schemas.microsoft.com/office/drawing/2010/main" val="0"/>
+              </a:ext>
+            </a:extLst>
+          </a:blip>
+          <a:stretch>
+            <a:fillRect/>
+          </a:stretch>
+        </p:blipFill>
+        <p:spPr>
+          <a:xfrm>
+            <a:off x="8438100" y="2407738"/>
+            <a:ext cx="448064" cy="515017"/>
+          </a:xfrm>
+          <a:prstGeom prst="rect">
+            <a:avLst/>
+          </a:prstGeom>
+        </p:spPr>
+      </p:pic>
+      <p:pic>
+        <p:nvPicPr>
+          <p:cNvPr id="64" name="図 63"/>
+          <p:cNvPicPr>
+            <a:picLocks noChangeAspect="1"/>
+          </p:cNvPicPr>
+          <p:nvPr/>
+        </p:nvPicPr>
+        <p:blipFill>
+          <a:blip r:embed="rId4" cstate="print">
+            <a:extLst>
+              <a:ext uri="{28A0092B-C50C-407E-A947-70E740481C1C}">
+                <a14:useLocalDpi xmlns:a14="http://schemas.microsoft.com/office/drawing/2010/main" val="0"/>
+              </a:ext>
+            </a:extLst>
+          </a:blip>
+          <a:stretch>
+            <a:fillRect/>
+          </a:stretch>
+        </p:blipFill>
+        <p:spPr>
+          <a:xfrm>
+            <a:off x="8415147" y="1287925"/>
+            <a:ext cx="448064" cy="515017"/>
+          </a:xfrm>
+          <a:prstGeom prst="rect">
+            <a:avLst/>
+          </a:prstGeom>
+        </p:spPr>
+      </p:pic>
     </p:spTree>
     <p:extLst>
       <p:ext uri="{BB962C8B-B14F-4D97-AF65-F5344CB8AC3E}">
-        <p14:creationId xmlns:p14="http://schemas.microsoft.com/office/powerpoint/2010/main" val="2253656815"/>
+        <p14:creationId xmlns:p14="http://schemas.microsoft.com/office/powerpoint/2010/main" val="3181741051"/>
       </p:ext>
     </p:extLst>
   </p:cSld>
@@ -6404,7 +10104,7 @@
 </p:sld>
 </file>
 
-<file path=ppt/slides/slide3.xml><?xml version="1.0" encoding="utf-8"?>
+<file path=ppt/slides/slide4.xml><?xml version="1.0" encoding="utf-8"?>
 <p:sld xmlns:a="http://schemas.openxmlformats.org/drawingml/2006/main" xmlns:r="http://schemas.openxmlformats.org/officeDocument/2006/relationships" xmlns:p="http://schemas.openxmlformats.org/presentationml/2006/main">
   <p:cSld>
     <p:spTree>
@@ -6445,7 +10145,518 @@
         </p:blipFill>
         <p:spPr>
           <a:xfrm>
-            <a:off x="0" y="2000251"/>
+            <a:off x="2667001" y="2000252"/>
+            <a:ext cx="6857343" cy="4767263"/>
+          </a:xfrm>
+        </p:spPr>
+      </p:pic>
+      <p:sp>
+        <p:nvSpPr>
+          <p:cNvPr id="7" name="角丸四角形 6"/>
+          <p:cNvSpPr/>
+          <p:nvPr/>
+        </p:nvSpPr>
+        <p:spPr>
+          <a:xfrm>
+            <a:off x="4209664" y="3170682"/>
+            <a:ext cx="341001" cy="205204"/>
+          </a:xfrm>
+          <a:prstGeom prst="roundRect">
+            <a:avLst/>
+          </a:prstGeom>
+          <a:noFill/>
+          <a:ln w="28575">
+            <a:solidFill>
+              <a:srgbClr val="FF0000"/>
+            </a:solidFill>
+          </a:ln>
+        </p:spPr>
+        <p:style>
+          <a:lnRef idx="2">
+            <a:schemeClr val="accent1">
+              <a:shade val="50000"/>
+            </a:schemeClr>
+          </a:lnRef>
+          <a:fillRef idx="1">
+            <a:schemeClr val="accent1"/>
+          </a:fillRef>
+          <a:effectRef idx="0">
+            <a:schemeClr val="accent1"/>
+          </a:effectRef>
+          <a:fontRef idx="minor">
+            <a:schemeClr val="lt1"/>
+          </a:fontRef>
+        </p:style>
+        <p:txBody>
+          <a:bodyPr rtlCol="0" anchor="ctr"/>
+          <a:lstStyle/>
+          <a:p>
+            <a:pPr algn="ctr"/>
+            <a:endParaRPr lang="ja-JP" altLang="en-US" sz="1013" b="1" dirty="0">
+              <a:solidFill>
+                <a:schemeClr val="tx1"/>
+              </a:solidFill>
+            </a:endParaRPr>
+          </a:p>
+        </p:txBody>
+      </p:sp>
+      <p:sp>
+        <p:nvSpPr>
+          <p:cNvPr id="8" name="角丸四角形 7"/>
+          <p:cNvSpPr/>
+          <p:nvPr/>
+        </p:nvSpPr>
+        <p:spPr>
+          <a:xfrm>
+            <a:off x="4767448" y="3170681"/>
+            <a:ext cx="341001" cy="205204"/>
+          </a:xfrm>
+          <a:prstGeom prst="roundRect">
+            <a:avLst/>
+          </a:prstGeom>
+          <a:noFill/>
+          <a:ln w="28575">
+            <a:solidFill>
+              <a:srgbClr val="FF0000"/>
+            </a:solidFill>
+          </a:ln>
+        </p:spPr>
+        <p:style>
+          <a:lnRef idx="2">
+            <a:schemeClr val="accent1">
+              <a:shade val="50000"/>
+            </a:schemeClr>
+          </a:lnRef>
+          <a:fillRef idx="1">
+            <a:schemeClr val="accent1"/>
+          </a:fillRef>
+          <a:effectRef idx="0">
+            <a:schemeClr val="accent1"/>
+          </a:effectRef>
+          <a:fontRef idx="minor">
+            <a:schemeClr val="lt1"/>
+          </a:fontRef>
+        </p:style>
+        <p:txBody>
+          <a:bodyPr rtlCol="0" anchor="ctr"/>
+          <a:lstStyle/>
+          <a:p>
+            <a:pPr algn="ctr"/>
+            <a:endParaRPr lang="ja-JP" altLang="en-US" sz="1013" b="1" dirty="0">
+              <a:solidFill>
+                <a:schemeClr val="tx1"/>
+              </a:solidFill>
+            </a:endParaRPr>
+          </a:p>
+        </p:txBody>
+      </p:sp>
+      <p:sp>
+        <p:nvSpPr>
+          <p:cNvPr id="9" name="角丸四角形 8"/>
+          <p:cNvSpPr/>
+          <p:nvPr/>
+        </p:nvSpPr>
+        <p:spPr>
+          <a:xfrm>
+            <a:off x="6061324" y="3170681"/>
+            <a:ext cx="194697" cy="205204"/>
+          </a:xfrm>
+          <a:prstGeom prst="roundRect">
+            <a:avLst/>
+          </a:prstGeom>
+          <a:noFill/>
+          <a:ln w="28575">
+            <a:solidFill>
+              <a:srgbClr val="FF0000"/>
+            </a:solidFill>
+          </a:ln>
+        </p:spPr>
+        <p:style>
+          <a:lnRef idx="2">
+            <a:schemeClr val="accent1">
+              <a:shade val="50000"/>
+            </a:schemeClr>
+          </a:lnRef>
+          <a:fillRef idx="1">
+            <a:schemeClr val="accent1"/>
+          </a:fillRef>
+          <a:effectRef idx="0">
+            <a:schemeClr val="accent1"/>
+          </a:effectRef>
+          <a:fontRef idx="minor">
+            <a:schemeClr val="lt1"/>
+          </a:fontRef>
+        </p:style>
+        <p:txBody>
+          <a:bodyPr rtlCol="0" anchor="ctr"/>
+          <a:lstStyle/>
+          <a:p>
+            <a:pPr algn="ctr"/>
+            <a:endParaRPr lang="ja-JP" altLang="en-US" sz="1013" b="1" dirty="0">
+              <a:solidFill>
+                <a:schemeClr val="tx1"/>
+              </a:solidFill>
+            </a:endParaRPr>
+          </a:p>
+        </p:txBody>
+      </p:sp>
+      <p:sp>
+        <p:nvSpPr>
+          <p:cNvPr id="10" name="角丸四角形 9"/>
+          <p:cNvSpPr/>
+          <p:nvPr/>
+        </p:nvSpPr>
+        <p:spPr>
+          <a:xfrm>
+            <a:off x="6370321" y="3170679"/>
+            <a:ext cx="280791" cy="205204"/>
+          </a:xfrm>
+          <a:prstGeom prst="roundRect">
+            <a:avLst/>
+          </a:prstGeom>
+          <a:noFill/>
+          <a:ln w="28575">
+            <a:solidFill>
+              <a:srgbClr val="FF0000"/>
+            </a:solidFill>
+          </a:ln>
+        </p:spPr>
+        <p:style>
+          <a:lnRef idx="2">
+            <a:schemeClr val="accent1">
+              <a:shade val="50000"/>
+            </a:schemeClr>
+          </a:lnRef>
+          <a:fillRef idx="1">
+            <a:schemeClr val="accent1"/>
+          </a:fillRef>
+          <a:effectRef idx="0">
+            <a:schemeClr val="accent1"/>
+          </a:effectRef>
+          <a:fontRef idx="minor">
+            <a:schemeClr val="lt1"/>
+          </a:fontRef>
+        </p:style>
+        <p:txBody>
+          <a:bodyPr rtlCol="0" anchor="ctr"/>
+          <a:lstStyle/>
+          <a:p>
+            <a:pPr algn="ctr"/>
+            <a:endParaRPr lang="ja-JP" altLang="en-US" sz="1013" b="1" dirty="0">
+              <a:solidFill>
+                <a:schemeClr val="tx1"/>
+              </a:solidFill>
+            </a:endParaRPr>
+          </a:p>
+        </p:txBody>
+      </p:sp>
+      <p:sp>
+        <p:nvSpPr>
+          <p:cNvPr id="11" name="角丸四角形 10"/>
+          <p:cNvSpPr/>
+          <p:nvPr/>
+        </p:nvSpPr>
+        <p:spPr>
+          <a:xfrm>
+            <a:off x="2904744" y="3696459"/>
+            <a:ext cx="411480" cy="205204"/>
+          </a:xfrm>
+          <a:prstGeom prst="roundRect">
+            <a:avLst/>
+          </a:prstGeom>
+          <a:noFill/>
+          <a:ln w="28575">
+            <a:solidFill>
+              <a:srgbClr val="FF0000"/>
+            </a:solidFill>
+          </a:ln>
+        </p:spPr>
+        <p:style>
+          <a:lnRef idx="2">
+            <a:schemeClr val="accent1">
+              <a:shade val="50000"/>
+            </a:schemeClr>
+          </a:lnRef>
+          <a:fillRef idx="1">
+            <a:schemeClr val="accent1"/>
+          </a:fillRef>
+          <a:effectRef idx="0">
+            <a:schemeClr val="accent1"/>
+          </a:effectRef>
+          <a:fontRef idx="minor">
+            <a:schemeClr val="lt1"/>
+          </a:fontRef>
+        </p:style>
+        <p:txBody>
+          <a:bodyPr rtlCol="0" anchor="ctr"/>
+          <a:lstStyle/>
+          <a:p>
+            <a:pPr algn="ctr"/>
+            <a:endParaRPr lang="ja-JP" altLang="en-US" sz="1013" b="1" dirty="0">
+              <a:solidFill>
+                <a:schemeClr val="tx1"/>
+              </a:solidFill>
+            </a:endParaRPr>
+          </a:p>
+        </p:txBody>
+      </p:sp>
+      <p:sp>
+        <p:nvSpPr>
+          <p:cNvPr id="13" name="角丸四角形 12"/>
+          <p:cNvSpPr/>
+          <p:nvPr/>
+        </p:nvSpPr>
+        <p:spPr>
+          <a:xfrm>
+            <a:off x="2904744" y="4235959"/>
+            <a:ext cx="1531620" cy="310357"/>
+          </a:xfrm>
+          <a:prstGeom prst="roundRect">
+            <a:avLst/>
+          </a:prstGeom>
+          <a:noFill/>
+          <a:ln w="28575">
+            <a:solidFill>
+              <a:srgbClr val="FF0000"/>
+            </a:solidFill>
+          </a:ln>
+        </p:spPr>
+        <p:style>
+          <a:lnRef idx="2">
+            <a:schemeClr val="accent1">
+              <a:shade val="50000"/>
+            </a:schemeClr>
+          </a:lnRef>
+          <a:fillRef idx="1">
+            <a:schemeClr val="accent1"/>
+          </a:fillRef>
+          <a:effectRef idx="0">
+            <a:schemeClr val="accent1"/>
+          </a:effectRef>
+          <a:fontRef idx="minor">
+            <a:schemeClr val="lt1"/>
+          </a:fontRef>
+        </p:style>
+        <p:txBody>
+          <a:bodyPr rtlCol="0" anchor="ctr"/>
+          <a:lstStyle/>
+          <a:p>
+            <a:pPr algn="ctr"/>
+            <a:endParaRPr lang="ja-JP" altLang="en-US" sz="1013" b="1" dirty="0">
+              <a:solidFill>
+                <a:schemeClr val="tx1"/>
+              </a:solidFill>
+            </a:endParaRPr>
+          </a:p>
+        </p:txBody>
+      </p:sp>
+      <p:sp>
+        <p:nvSpPr>
+          <p:cNvPr id="14" name="角丸四角形 13"/>
+          <p:cNvSpPr/>
+          <p:nvPr/>
+        </p:nvSpPr>
+        <p:spPr>
+          <a:xfrm>
+            <a:off x="4937948" y="4235959"/>
+            <a:ext cx="1318073" cy="310357"/>
+          </a:xfrm>
+          <a:prstGeom prst="roundRect">
+            <a:avLst/>
+          </a:prstGeom>
+          <a:noFill/>
+          <a:ln w="28575">
+            <a:solidFill>
+              <a:srgbClr val="FF0000"/>
+            </a:solidFill>
+          </a:ln>
+        </p:spPr>
+        <p:style>
+          <a:lnRef idx="2">
+            <a:schemeClr val="accent1">
+              <a:shade val="50000"/>
+            </a:schemeClr>
+          </a:lnRef>
+          <a:fillRef idx="1">
+            <a:schemeClr val="accent1"/>
+          </a:fillRef>
+          <a:effectRef idx="0">
+            <a:schemeClr val="accent1"/>
+          </a:effectRef>
+          <a:fontRef idx="minor">
+            <a:schemeClr val="lt1"/>
+          </a:fontRef>
+        </p:style>
+        <p:txBody>
+          <a:bodyPr rtlCol="0" anchor="ctr"/>
+          <a:lstStyle/>
+          <a:p>
+            <a:pPr algn="ctr"/>
+            <a:endParaRPr lang="ja-JP" altLang="en-US" sz="1013" b="1" dirty="0">
+              <a:solidFill>
+                <a:schemeClr val="tx1"/>
+              </a:solidFill>
+            </a:endParaRPr>
+          </a:p>
+        </p:txBody>
+      </p:sp>
+      <p:sp>
+        <p:nvSpPr>
+          <p:cNvPr id="15" name="角丸四角形 14"/>
+          <p:cNvSpPr/>
+          <p:nvPr/>
+        </p:nvSpPr>
+        <p:spPr>
+          <a:xfrm>
+            <a:off x="7051548" y="4235959"/>
+            <a:ext cx="1458468" cy="310357"/>
+          </a:xfrm>
+          <a:prstGeom prst="roundRect">
+            <a:avLst/>
+          </a:prstGeom>
+          <a:noFill/>
+          <a:ln w="28575">
+            <a:solidFill>
+              <a:srgbClr val="FF0000"/>
+            </a:solidFill>
+          </a:ln>
+        </p:spPr>
+        <p:style>
+          <a:lnRef idx="2">
+            <a:schemeClr val="accent1">
+              <a:shade val="50000"/>
+            </a:schemeClr>
+          </a:lnRef>
+          <a:fillRef idx="1">
+            <a:schemeClr val="accent1"/>
+          </a:fillRef>
+          <a:effectRef idx="0">
+            <a:schemeClr val="accent1"/>
+          </a:effectRef>
+          <a:fontRef idx="minor">
+            <a:schemeClr val="lt1"/>
+          </a:fontRef>
+        </p:style>
+        <p:txBody>
+          <a:bodyPr rtlCol="0" anchor="ctr"/>
+          <a:lstStyle/>
+          <a:p>
+            <a:pPr algn="ctr"/>
+            <a:endParaRPr lang="ja-JP" altLang="en-US" sz="1013" b="1" dirty="0">
+              <a:solidFill>
+                <a:schemeClr val="tx1"/>
+              </a:solidFill>
+            </a:endParaRPr>
+          </a:p>
+        </p:txBody>
+      </p:sp>
+      <p:sp>
+        <p:nvSpPr>
+          <p:cNvPr id="16" name="角丸四角形 15"/>
+          <p:cNvSpPr/>
+          <p:nvPr/>
+        </p:nvSpPr>
+        <p:spPr>
+          <a:xfrm>
+            <a:off x="2848544" y="4725431"/>
+            <a:ext cx="6219257" cy="2220892"/>
+          </a:xfrm>
+          <a:prstGeom prst="roundRect">
+            <a:avLst>
+              <a:gd name="adj" fmla="val 3381"/>
+            </a:avLst>
+          </a:prstGeom>
+          <a:noFill/>
+          <a:ln w="28575">
+            <a:solidFill>
+              <a:srgbClr val="FF0000"/>
+            </a:solidFill>
+          </a:ln>
+        </p:spPr>
+        <p:style>
+          <a:lnRef idx="2">
+            <a:schemeClr val="accent1">
+              <a:shade val="50000"/>
+            </a:schemeClr>
+          </a:lnRef>
+          <a:fillRef idx="1">
+            <a:schemeClr val="accent1"/>
+          </a:fillRef>
+          <a:effectRef idx="0">
+            <a:schemeClr val="accent1"/>
+          </a:effectRef>
+          <a:fontRef idx="minor">
+            <a:schemeClr val="lt1"/>
+          </a:fontRef>
+        </p:style>
+        <p:txBody>
+          <a:bodyPr rtlCol="0" anchor="ctr"/>
+          <a:lstStyle/>
+          <a:p>
+            <a:pPr algn="ctr"/>
+            <a:endParaRPr lang="ja-JP" altLang="en-US" sz="1013" b="1" dirty="0">
+              <a:solidFill>
+                <a:schemeClr val="tx1"/>
+              </a:solidFill>
+            </a:endParaRPr>
+          </a:p>
+        </p:txBody>
+      </p:sp>
+    </p:spTree>
+    <p:extLst>
+      <p:ext uri="{BB962C8B-B14F-4D97-AF65-F5344CB8AC3E}">
+        <p14:creationId xmlns:p14="http://schemas.microsoft.com/office/powerpoint/2010/main" val="2253656815"/>
+      </p:ext>
+    </p:extLst>
+  </p:cSld>
+  <p:clrMapOvr>
+    <a:masterClrMapping/>
+  </p:clrMapOvr>
+</p:sld>
+</file>
+
+<file path=ppt/slides/slide5.xml><?xml version="1.0" encoding="utf-8"?>
+<p:sld xmlns:a="http://schemas.openxmlformats.org/drawingml/2006/main" xmlns:r="http://schemas.openxmlformats.org/officeDocument/2006/relationships" xmlns:p="http://schemas.openxmlformats.org/presentationml/2006/main">
+  <p:cSld>
+    <p:spTree>
+      <p:nvGrpSpPr>
+        <p:cNvPr id="1" name=""/>
+        <p:cNvGrpSpPr/>
+        <p:nvPr/>
+      </p:nvGrpSpPr>
+      <p:grpSpPr>
+        <a:xfrm>
+          <a:off x="0" y="0"/>
+          <a:ext cx="0" cy="0"/>
+          <a:chOff x="0" y="0"/>
+          <a:chExt cx="0" cy="0"/>
+        </a:xfrm>
+      </p:grpSpPr>
+      <p:pic>
+        <p:nvPicPr>
+          <p:cNvPr id="5" name="コンテンツ プレースホルダー 4"/>
+          <p:cNvPicPr>
+            <a:picLocks noGrp="1" noChangeAspect="1"/>
+          </p:cNvPicPr>
+          <p:nvPr>
+            <p:ph idx="1"/>
+          </p:nvPr>
+        </p:nvPicPr>
+        <p:blipFill>
+          <a:blip r:embed="rId2">
+            <a:extLst>
+              <a:ext uri="{28A0092B-C50C-407E-A947-70E740481C1C}">
+                <a14:useLocalDpi xmlns:a14="http://schemas.microsoft.com/office/drawing/2010/main" val="0"/>
+              </a:ext>
+            </a:extLst>
+          </a:blip>
+          <a:stretch>
+            <a:fillRect/>
+          </a:stretch>
+        </p:blipFill>
+        <p:spPr>
+          <a:xfrm>
+            <a:off x="2667001" y="2000252"/>
             <a:ext cx="6857343" cy="4767263"/>
           </a:xfrm>
         </p:spPr>
